--- a/Presentations/NUCLEI_June2020/tropiano_nuclei_2020.pptx
+++ b/Presentations/NUCLEI_June2020/tropiano_nuclei_2020.pptx
@@ -5,16 +5,25 @@
     <p:sldMasterId id="2147483648" r:id="rId1"/>
   </p:sldMasterIdLst>
   <p:notesMasterIdLst>
-    <p:notesMasterId r:id="rId9"/>
+    <p:notesMasterId r:id="rId18"/>
   </p:notesMasterIdLst>
   <p:sldIdLst>
-    <p:sldId id="257" r:id="rId2"/>
+    <p:sldId id="277" r:id="rId2"/>
     <p:sldId id="269" r:id="rId3"/>
     <p:sldId id="270" r:id="rId4"/>
     <p:sldId id="271" r:id="rId5"/>
-    <p:sldId id="272" r:id="rId6"/>
-    <p:sldId id="273" r:id="rId7"/>
-    <p:sldId id="274" r:id="rId8"/>
+    <p:sldId id="278" r:id="rId6"/>
+    <p:sldId id="279" r:id="rId7"/>
+    <p:sldId id="272" r:id="rId8"/>
+    <p:sldId id="280" r:id="rId9"/>
+    <p:sldId id="281" r:id="rId10"/>
+    <p:sldId id="273" r:id="rId11"/>
+    <p:sldId id="274" r:id="rId12"/>
+    <p:sldId id="298" r:id="rId13"/>
+    <p:sldId id="299" r:id="rId14"/>
+    <p:sldId id="300" r:id="rId15"/>
+    <p:sldId id="276" r:id="rId16"/>
+    <p:sldId id="301" r:id="rId17"/>
   </p:sldIdLst>
   <p:sldSz cx="12192000" cy="6858000"/>
   <p:notesSz cx="6858000" cy="9144000"/>
@@ -499,67 +508,271 @@
       </p:grpSpPr>
       <p:sp>
         <p:nvSpPr>
-          <p:cNvPr id="2" name="Slide Image Placeholder 1"/>
-          <p:cNvSpPr>
-            <a:spLocks noGrp="1" noRot="1" noChangeAspect="1"/>
+          <p:cNvPr id="15361" name="Slide Image Placeholder 1">
+            <a:extLst>
+              <a:ext uri="{FF2B5EF4-FFF2-40B4-BE49-F238E27FC236}">
+                <a16:creationId xmlns:a16="http://schemas.microsoft.com/office/drawing/2014/main" id="{8518657A-88EA-2941-8419-03352D0288BC}"/>
+              </a:ext>
+            </a:extLst>
+          </p:cNvPr>
+          <p:cNvSpPr>
+            <a:spLocks noGrp="1" noRot="1" noChangeAspect="1" noChangeArrowheads="1" noTextEdit="1"/>
           </p:cNvSpPr>
           <p:nvPr>
             <p:ph type="sldImg"/>
           </p:nvPr>
         </p:nvSpPr>
-        <p:spPr>
-          <a:xfrm>
-            <a:off x="685800" y="1143000"/>
-            <a:ext cx="5486400" cy="3086100"/>
-          </a:xfrm>
+        <p:spPr bwMode="auto">
+          <a:noFill/>
+          <a:ln>
+            <a:solidFill>
+              <a:srgbClr val="000000"/>
+            </a:solidFill>
+            <a:miter lim="800000"/>
+            <a:headEnd/>
+            <a:tailEnd/>
+          </a:ln>
+          <a:extLst>
+            <a:ext uri="{909E8E84-426E-40DD-AFC4-6F175D3DCCD1}">
+              <a14:hiddenFill xmlns:a14="http://schemas.microsoft.com/office/drawing/2010/main">
+                <a:solidFill>
+                  <a:srgbClr val="FFFFFF"/>
+                </a:solidFill>
+              </a14:hiddenFill>
+            </a:ext>
+          </a:extLst>
         </p:spPr>
       </p:sp>
       <p:sp>
         <p:nvSpPr>
-          <p:cNvPr id="3" name="Notes Placeholder 2"/>
-          <p:cNvSpPr>
-            <a:spLocks noGrp="1"/>
+          <p:cNvPr id="15362" name="Notes Placeholder 2">
+            <a:extLst>
+              <a:ext uri="{FF2B5EF4-FFF2-40B4-BE49-F238E27FC236}">
+                <a16:creationId xmlns:a16="http://schemas.microsoft.com/office/drawing/2014/main" id="{1B23800D-E21B-3547-A186-327419E7FAE5}"/>
+              </a:ext>
+            </a:extLst>
+          </p:cNvPr>
+          <p:cNvSpPr>
+            <a:spLocks noGrp="1" noChangeArrowheads="1"/>
           </p:cNvSpPr>
           <p:nvPr>
             <p:ph type="body" idx="1"/>
           </p:nvPr>
         </p:nvSpPr>
-        <p:spPr/>
-        <p:txBody>
-          <a:bodyPr/>
+        <p:spPr bwMode="auto">
+          <a:noFill/>
+          <a:extLst>
+            <a:ext uri="{909E8E84-426E-40DD-AFC4-6F175D3DCCD1}">
+              <a14:hiddenFill xmlns:a14="http://schemas.microsoft.com/office/drawing/2010/main">
+                <a:solidFill>
+                  <a:srgbClr val="FFFFFF"/>
+                </a:solidFill>
+              </a14:hiddenFill>
+            </a:ext>
+            <a:ext uri="{91240B29-F687-4F45-9708-019B960494DF}">
+              <a14:hiddenLine xmlns:a14="http://schemas.microsoft.com/office/drawing/2010/main" w="9525">
+                <a:solidFill>
+                  <a:srgbClr val="000000"/>
+                </a:solidFill>
+                <a:miter lim="800000"/>
+                <a:headEnd/>
+                <a:tailEnd/>
+              </a14:hiddenLine>
+            </a:ext>
+          </a:extLst>
+        </p:spPr>
+        <p:txBody>
+          <a:bodyPr wrap="square" numCol="1" anchor="t" anchorCtr="0" compatLnSpc="1">
+            <a:prstTxWarp prst="textNoShape">
+              <a:avLst/>
+            </a:prstTxWarp>
+          </a:bodyPr>
           <a:lstStyle/>
           <a:p>
-            <a:endParaRPr lang="en-US" dirty="0"/>
-          </a:p>
-        </p:txBody>
-      </p:sp>
-      <p:sp>
-        <p:nvSpPr>
-          <p:cNvPr id="4" name="Slide Number Placeholder 3"/>
-          <p:cNvSpPr>
-            <a:spLocks noGrp="1"/>
-          </p:cNvSpPr>
-          <p:nvPr>
-            <p:ph type="sldNum" sz="quarter" idx="10"/>
-          </p:nvPr>
-        </p:nvSpPr>
-        <p:spPr/>
-        <p:txBody>
-          <a:bodyPr/>
-          <a:lstStyle/>
-          <a:p>
-            <a:fld id="{B1E64E43-1A43-5740-A2F1-516489818B31}" type="slidenum">
-              <a:rPr lang="en-US" smtClean="0"/>
+            <a:pPr eaLnBrk="1" hangingPunct="1">
+              <a:spcBef>
+                <a:spcPct val="0"/>
+              </a:spcBef>
+            </a:pPr>
+            <a:endParaRPr lang="en-US" altLang="en-US"/>
+          </a:p>
+        </p:txBody>
+      </p:sp>
+      <p:sp>
+        <p:nvSpPr>
+          <p:cNvPr id="15363" name="Slide Number Placeholder 3">
+            <a:extLst>
+              <a:ext uri="{FF2B5EF4-FFF2-40B4-BE49-F238E27FC236}">
+                <a16:creationId xmlns:a16="http://schemas.microsoft.com/office/drawing/2014/main" id="{75F446EC-90F9-2044-B18F-D4E28CA4CE11}"/>
+              </a:ext>
+            </a:extLst>
+          </p:cNvPr>
+          <p:cNvSpPr>
+            <a:spLocks noGrp="1" noChangeArrowheads="1"/>
+          </p:cNvSpPr>
+          <p:nvPr>
+            <p:ph type="sldNum" sz="quarter" idx="5"/>
+          </p:nvPr>
+        </p:nvSpPr>
+        <p:spPr bwMode="auto">
+          <a:noFill/>
+          <a:extLst>
+            <a:ext uri="{909E8E84-426E-40DD-AFC4-6F175D3DCCD1}">
+              <a14:hiddenFill xmlns:a14="http://schemas.microsoft.com/office/drawing/2010/main">
+                <a:solidFill>
+                  <a:srgbClr val="FFFFFF"/>
+                </a:solidFill>
+              </a14:hiddenFill>
+            </a:ext>
+            <a:ext uri="{91240B29-F687-4F45-9708-019B960494DF}">
+              <a14:hiddenLine xmlns:a14="http://schemas.microsoft.com/office/drawing/2010/main" w="9525">
+                <a:solidFill>
+                  <a:srgbClr val="000000"/>
+                </a:solidFill>
+                <a:miter lim="800000"/>
+                <a:headEnd/>
+                <a:tailEnd/>
+              </a14:hiddenLine>
+            </a:ext>
+          </a:extLst>
+        </p:spPr>
+        <p:txBody>
+          <a:bodyPr wrap="square" numCol="1" anchorCtr="0" compatLnSpc="1">
+            <a:prstTxWarp prst="textNoShape">
+              <a:avLst/>
+            </a:prstTxWarp>
+          </a:bodyPr>
+          <a:lstStyle>
+            <a:lvl1pPr>
+              <a:defRPr>
+                <a:solidFill>
+                  <a:schemeClr val="tx1"/>
+                </a:solidFill>
+                <a:latin typeface="Calibri" panose="020F0502020204030204" pitchFamily="34" charset="0"/>
+              </a:defRPr>
+            </a:lvl1pPr>
+            <a:lvl2pPr marL="742950" indent="-285750">
+              <a:defRPr>
+                <a:solidFill>
+                  <a:schemeClr val="tx1"/>
+                </a:solidFill>
+                <a:latin typeface="Calibri" panose="020F0502020204030204" pitchFamily="34" charset="0"/>
+              </a:defRPr>
+            </a:lvl2pPr>
+            <a:lvl3pPr marL="1143000" indent="-228600">
+              <a:defRPr>
+                <a:solidFill>
+                  <a:schemeClr val="tx1"/>
+                </a:solidFill>
+                <a:latin typeface="Calibri" panose="020F0502020204030204" pitchFamily="34" charset="0"/>
+              </a:defRPr>
+            </a:lvl3pPr>
+            <a:lvl4pPr marL="1600200" indent="-228600">
+              <a:defRPr>
+                <a:solidFill>
+                  <a:schemeClr val="tx1"/>
+                </a:solidFill>
+                <a:latin typeface="Calibri" panose="020F0502020204030204" pitchFamily="34" charset="0"/>
+              </a:defRPr>
+            </a:lvl4pPr>
+            <a:lvl5pPr marL="2057400" indent="-228600">
+              <a:defRPr>
+                <a:solidFill>
+                  <a:schemeClr val="tx1"/>
+                </a:solidFill>
+                <a:latin typeface="Calibri" panose="020F0502020204030204" pitchFamily="34" charset="0"/>
+              </a:defRPr>
+            </a:lvl5pPr>
+            <a:lvl6pPr marL="2514600" indent="-228600" eaLnBrk="0" fontAlgn="base" hangingPunct="0">
+              <a:spcBef>
+                <a:spcPct val="0"/>
+              </a:spcBef>
+              <a:spcAft>
+                <a:spcPct val="0"/>
+              </a:spcAft>
+              <a:defRPr>
+                <a:solidFill>
+                  <a:schemeClr val="tx1"/>
+                </a:solidFill>
+                <a:latin typeface="Calibri" panose="020F0502020204030204" pitchFamily="34" charset="0"/>
+              </a:defRPr>
+            </a:lvl6pPr>
+            <a:lvl7pPr marL="2971800" indent="-228600" eaLnBrk="0" fontAlgn="base" hangingPunct="0">
+              <a:spcBef>
+                <a:spcPct val="0"/>
+              </a:spcBef>
+              <a:spcAft>
+                <a:spcPct val="0"/>
+              </a:spcAft>
+              <a:defRPr>
+                <a:solidFill>
+                  <a:schemeClr val="tx1"/>
+                </a:solidFill>
+                <a:latin typeface="Calibri" panose="020F0502020204030204" pitchFamily="34" charset="0"/>
+              </a:defRPr>
+            </a:lvl7pPr>
+            <a:lvl8pPr marL="3429000" indent="-228600" eaLnBrk="0" fontAlgn="base" hangingPunct="0">
+              <a:spcBef>
+                <a:spcPct val="0"/>
+              </a:spcBef>
+              <a:spcAft>
+                <a:spcPct val="0"/>
+              </a:spcAft>
+              <a:defRPr>
+                <a:solidFill>
+                  <a:schemeClr val="tx1"/>
+                </a:solidFill>
+                <a:latin typeface="Calibri" panose="020F0502020204030204" pitchFamily="34" charset="0"/>
+              </a:defRPr>
+            </a:lvl8pPr>
+            <a:lvl9pPr marL="3886200" indent="-228600" eaLnBrk="0" fontAlgn="base" hangingPunct="0">
+              <a:spcBef>
+                <a:spcPct val="0"/>
+              </a:spcBef>
+              <a:spcAft>
+                <a:spcPct val="0"/>
+              </a:spcAft>
+              <a:defRPr>
+                <a:solidFill>
+                  <a:schemeClr val="tx1"/>
+                </a:solidFill>
+                <a:latin typeface="Calibri" panose="020F0502020204030204" pitchFamily="34" charset="0"/>
+              </a:defRPr>
+            </a:lvl9pPr>
+          </a:lstStyle>
+          <a:p>
+            <a:pPr fontAlgn="base">
+              <a:spcBef>
+                <a:spcPct val="0"/>
+              </a:spcBef>
+              <a:spcAft>
+                <a:spcPct val="0"/>
+              </a:spcAft>
+            </a:pPr>
+            <a:fld id="{6E4B9A93-3127-7D46-B213-0B9537810AA6}" type="slidenum">
+              <a:rPr lang="en-US" altLang="en-US" smtClean="0">
+                <a:latin typeface="Arial" panose="020B0604020202020204" pitchFamily="34" charset="0"/>
+              </a:rPr>
+              <a:pPr fontAlgn="base">
+                <a:spcBef>
+                  <a:spcPct val="0"/>
+                </a:spcBef>
+                <a:spcAft>
+                  <a:spcPct val="0"/>
+                </a:spcAft>
+              </a:pPr>
               <a:t>1</a:t>
             </a:fld>
-            <a:endParaRPr lang="en-US"/>
+            <a:endParaRPr lang="en-US" altLang="en-US">
+              <a:latin typeface="Arial" panose="020B0604020202020204" pitchFamily="34" charset="0"/>
+            </a:endParaRPr>
           </a:p>
         </p:txBody>
       </p:sp>
     </p:spTree>
     <p:extLst>
       <p:ext uri="{BB962C8B-B14F-4D97-AF65-F5344CB8AC3E}">
-        <p14:creationId xmlns:p14="http://schemas.microsoft.com/office/powerpoint/2010/main" val="1253513298"/>
+        <p14:creationId xmlns:p14="http://schemas.microsoft.com/office/powerpoint/2010/main" val="659287370"/>
       </p:ext>
     </p:extLst>
   </p:cSld>
@@ -3795,9 +4008,15 @@
       </p:grpSpPr>
       <p:sp>
         <p:nvSpPr>
-          <p:cNvPr id="2" name="Title 1"/>
-          <p:cNvSpPr>
-            <a:spLocks noGrp="1"/>
+          <p:cNvPr id="14337" name="Title 1">
+            <a:extLst>
+              <a:ext uri="{FF2B5EF4-FFF2-40B4-BE49-F238E27FC236}">
+                <a16:creationId xmlns:a16="http://schemas.microsoft.com/office/drawing/2014/main" id="{F68197F2-5BE8-2542-B2C4-511E65BA0D9F}"/>
+              </a:ext>
+            </a:extLst>
+          </p:cNvPr>
+          <p:cNvSpPr>
+            <a:spLocks noGrp="1" noChangeArrowheads="1"/>
           </p:cNvSpPr>
           <p:nvPr>
             <p:ph type="ctrTitle"/>
@@ -3805,13 +4024,13 @@
         </p:nvSpPr>
         <p:spPr>
           <a:xfrm>
-            <a:off x="1981200" y="365482"/>
-            <a:ext cx="8229600" cy="1790700"/>
+            <a:off x="2438400" y="514350"/>
+            <a:ext cx="7315200" cy="1790700"/>
           </a:xfrm>
         </p:spPr>
         <p:txBody>
           <a:bodyPr>
-            <a:normAutofit fontScale="90000"/>
+            <a:noAutofit/>
           </a:bodyPr>
           <a:lstStyle/>
           <a:p>
@@ -3821,24 +4040,36 @@
               </a:lnSpc>
             </a:pPr>
             <a:r>
-              <a:rPr lang="en-US" sz="4400" dirty="0">
+              <a:rPr lang="en-US" sz="4000" dirty="0">
                 <a:solidFill>
                   <a:srgbClr val="002060"/>
                 </a:solidFill>
-                <a:latin typeface="Arial" panose="020B0604020202020204" pitchFamily="34" charset="0"/>
                 <a:ea typeface="Arial Unicode MS" panose="020B0604020202020204" pitchFamily="34" charset="-128"/>
                 <a:cs typeface="Arial" panose="020B0604020202020204" pitchFamily="34" charset="0"/>
               </a:rPr>
               <a:t>Analyzing scale and scheme dependence in NN operators with the SRG</a:t>
             </a:r>
-          </a:p>
-        </p:txBody>
-      </p:sp>
-      <p:sp>
-        <p:nvSpPr>
-          <p:cNvPr id="3" name="Subtitle 2"/>
-          <p:cNvSpPr>
-            <a:spLocks noGrp="1"/>
+            <a:endParaRPr lang="en-US" altLang="en-US" sz="4000" dirty="0">
+              <a:solidFill>
+                <a:srgbClr val="002060"/>
+              </a:solidFill>
+              <a:ea typeface="Arial Unicode MS" panose="020B0604020202020204" pitchFamily="34" charset="-128"/>
+              <a:cs typeface="Arial" panose="020B0604020202020204" pitchFamily="34" charset="0"/>
+            </a:endParaRPr>
+          </a:p>
+        </p:txBody>
+      </p:sp>
+      <p:sp>
+        <p:nvSpPr>
+          <p:cNvPr id="14338" name="Subtitle 2">
+            <a:extLst>
+              <a:ext uri="{FF2B5EF4-FFF2-40B4-BE49-F238E27FC236}">
+                <a16:creationId xmlns:a16="http://schemas.microsoft.com/office/drawing/2014/main" id="{878DE665-6935-6B44-839E-C497F06B8174}"/>
+              </a:ext>
+            </a:extLst>
+          </p:cNvPr>
+          <p:cNvSpPr>
+            <a:spLocks noGrp="1" noChangeArrowheads="1"/>
           </p:cNvSpPr>
           <p:nvPr>
             <p:ph type="subTitle" idx="1"/>
@@ -3846,14 +4077,440 @@
         </p:nvSpPr>
         <p:spPr>
           <a:xfrm>
-            <a:off x="2324100" y="2603104"/>
-            <a:ext cx="7543800" cy="2175903"/>
+            <a:off x="2324100" y="2603500"/>
+            <a:ext cx="7543800" cy="2174875"/>
           </a:xfrm>
         </p:spPr>
         <p:txBody>
-          <a:bodyPr>
-            <a:normAutofit/>
-          </a:bodyPr>
+          <a:bodyPr/>
+          <a:lstStyle/>
+          <a:p>
+            <a:pPr eaLnBrk="1" hangingPunct="1">
+              <a:lnSpc>
+                <a:spcPct val="100000"/>
+              </a:lnSpc>
+            </a:pPr>
+            <a:r>
+              <a:rPr lang="en-US" altLang="en-US" b="1" dirty="0">
+                <a:ea typeface="Arial Unicode MS" panose="020B0604020202020204" pitchFamily="34" charset="-128"/>
+                <a:cs typeface="Arial" panose="020B0604020202020204" pitchFamily="34" charset="0"/>
+              </a:rPr>
+              <a:t>Anthony Tropiano</a:t>
+            </a:r>
+            <a:r>
+              <a:rPr lang="en-US" altLang="en-US" b="1" baseline="30000" dirty="0">
+                <a:ea typeface="Arial Unicode MS" panose="020B0604020202020204" pitchFamily="34" charset="-128"/>
+                <a:cs typeface="Arial" panose="020B0604020202020204" pitchFamily="34" charset="0"/>
+              </a:rPr>
+              <a:t>1</a:t>
+            </a:r>
+            <a:r>
+              <a:rPr lang="en-US" altLang="en-US" dirty="0">
+                <a:ea typeface="Arial Unicode MS" panose="020B0604020202020204" pitchFamily="34" charset="-128"/>
+                <a:cs typeface="Arial" panose="020B0604020202020204" pitchFamily="34" charset="0"/>
+              </a:rPr>
+              <a:t>, Dick Furnstahl</a:t>
+            </a:r>
+            <a:r>
+              <a:rPr lang="en-US" altLang="en-US" baseline="30000" dirty="0">
+                <a:ea typeface="Arial Unicode MS" panose="020B0604020202020204" pitchFamily="34" charset="-128"/>
+                <a:cs typeface="Arial" panose="020B0604020202020204" pitchFamily="34" charset="0"/>
+              </a:rPr>
+              <a:t>1</a:t>
+            </a:r>
+            <a:r>
+              <a:rPr lang="en-US" altLang="en-US" dirty="0">
+                <a:ea typeface="Arial Unicode MS" panose="020B0604020202020204" pitchFamily="34" charset="-128"/>
+                <a:cs typeface="Arial" panose="020B0604020202020204" pitchFamily="34" charset="0"/>
+              </a:rPr>
+              <a:t>, Scott Bogner</a:t>
+            </a:r>
+            <a:r>
+              <a:rPr lang="en-US" altLang="en-US" baseline="30000" dirty="0">
+                <a:ea typeface="Arial Unicode MS" panose="020B0604020202020204" pitchFamily="34" charset="-128"/>
+                <a:cs typeface="Arial" panose="020B0604020202020204" pitchFamily="34" charset="0"/>
+              </a:rPr>
+              <a:t>2</a:t>
+            </a:r>
+          </a:p>
+          <a:p>
+            <a:pPr eaLnBrk="1" hangingPunct="1">
+              <a:lnSpc>
+                <a:spcPct val="100000"/>
+              </a:lnSpc>
+            </a:pPr>
+            <a:r>
+              <a:rPr lang="en-US" altLang="en-US" sz="1800" baseline="30000" dirty="0">
+                <a:ea typeface="Arial Unicode MS" panose="020B0604020202020204" pitchFamily="34" charset="-128"/>
+                <a:cs typeface="Arial" panose="020B0604020202020204" pitchFamily="34" charset="0"/>
+              </a:rPr>
+              <a:t>1</a:t>
+            </a:r>
+            <a:r>
+              <a:rPr lang="en-US" altLang="en-US" sz="1800" dirty="0">
+                <a:ea typeface="Arial Unicode MS" panose="020B0604020202020204" pitchFamily="34" charset="-128"/>
+                <a:cs typeface="Arial" panose="020B0604020202020204" pitchFamily="34" charset="0"/>
+              </a:rPr>
+              <a:t>Ohio State University, </a:t>
+            </a:r>
+            <a:r>
+              <a:rPr lang="en-US" altLang="en-US" sz="1800" baseline="30000" dirty="0">
+                <a:ea typeface="Arial Unicode MS" panose="020B0604020202020204" pitchFamily="34" charset="-128"/>
+                <a:cs typeface="Arial" panose="020B0604020202020204" pitchFamily="34" charset="0"/>
+              </a:rPr>
+              <a:t>2</a:t>
+            </a:r>
+            <a:r>
+              <a:rPr lang="en-US" altLang="en-US" sz="1800" dirty="0">
+                <a:ea typeface="Arial Unicode MS" panose="020B0604020202020204" pitchFamily="34" charset="-128"/>
+                <a:cs typeface="Arial" panose="020B0604020202020204" pitchFamily="34" charset="0"/>
+              </a:rPr>
+              <a:t>Michigan State University</a:t>
+            </a:r>
+            <a:endParaRPr lang="en-US" altLang="en-US" sz="2200" dirty="0">
+              <a:ea typeface="Arial Unicode MS" panose="020B0604020202020204" pitchFamily="34" charset="-128"/>
+              <a:cs typeface="Arial" panose="020B0604020202020204" pitchFamily="34" charset="0"/>
+            </a:endParaRPr>
+          </a:p>
+          <a:p>
+            <a:pPr eaLnBrk="1" hangingPunct="1">
+              <a:lnSpc>
+                <a:spcPct val="100000"/>
+              </a:lnSpc>
+            </a:pPr>
+            <a:endParaRPr lang="en-US" altLang="en-US" sz="2200" dirty="0">
+              <a:solidFill>
+                <a:srgbClr val="C00000"/>
+              </a:solidFill>
+              <a:ea typeface="Arial Unicode MS" panose="020B0604020202020204" pitchFamily="34" charset="-128"/>
+              <a:cs typeface="Arial" panose="020B0604020202020204" pitchFamily="34" charset="0"/>
+            </a:endParaRPr>
+          </a:p>
+          <a:p>
+            <a:pPr eaLnBrk="1" hangingPunct="1">
+              <a:lnSpc>
+                <a:spcPct val="100000"/>
+              </a:lnSpc>
+            </a:pPr>
+            <a:r>
+              <a:rPr lang="en-US" altLang="en-US" sz="2200" dirty="0">
+                <a:solidFill>
+                  <a:srgbClr val="C00000"/>
+                </a:solidFill>
+                <a:ea typeface="Arial Unicode MS" panose="020B0604020202020204" pitchFamily="34" charset="-128"/>
+                <a:cs typeface="Arial" panose="020B0604020202020204" pitchFamily="34" charset="0"/>
+              </a:rPr>
+              <a:t>NUCLEI Meeting</a:t>
+            </a:r>
+          </a:p>
+          <a:p>
+            <a:pPr eaLnBrk="1" hangingPunct="1">
+              <a:lnSpc>
+                <a:spcPct val="100000"/>
+              </a:lnSpc>
+            </a:pPr>
+            <a:r>
+              <a:rPr lang="en-US" altLang="en-US" sz="2200" dirty="0">
+                <a:solidFill>
+                  <a:srgbClr val="C00000"/>
+                </a:solidFill>
+                <a:ea typeface="Arial Unicode MS" panose="020B0604020202020204" pitchFamily="34" charset="-128"/>
+                <a:cs typeface="Arial" panose="020B0604020202020204" pitchFamily="34" charset="0"/>
+              </a:rPr>
+              <a:t>June 9, 2020</a:t>
+            </a:r>
+          </a:p>
+        </p:txBody>
+      </p:sp>
+      <p:pic>
+        <p:nvPicPr>
+          <p:cNvPr id="14339" name="Picture 11">
+            <a:extLst>
+              <a:ext uri="{FF2B5EF4-FFF2-40B4-BE49-F238E27FC236}">
+                <a16:creationId xmlns:a16="http://schemas.microsoft.com/office/drawing/2014/main" id="{1E8158FF-E267-5446-A5ED-6B7B77AE1227}"/>
+              </a:ext>
+            </a:extLst>
+          </p:cNvPr>
+          <p:cNvPicPr>
+            <a:picLocks noChangeAspect="1" noChangeArrowheads="1"/>
+          </p:cNvPicPr>
+          <p:nvPr/>
+        </p:nvPicPr>
+        <p:blipFill>
+          <a:blip r:embed="rId3">
+            <a:extLst>
+              <a:ext uri="{28A0092B-C50C-407E-A947-70E740481C1C}">
+                <a14:useLocalDpi xmlns:a14="http://schemas.microsoft.com/office/drawing/2010/main" val="0"/>
+              </a:ext>
+            </a:extLst>
+          </a:blip>
+          <a:srcRect/>
+          <a:stretch>
+            <a:fillRect/>
+          </a:stretch>
+        </p:blipFill>
+        <p:spPr bwMode="auto">
+          <a:xfrm>
+            <a:off x="4127500" y="5064125"/>
+            <a:ext cx="2376488" cy="1646238"/>
+          </a:xfrm>
+          <a:prstGeom prst="rect">
+            <a:avLst/>
+          </a:prstGeom>
+          <a:noFill/>
+          <a:ln>
+            <a:noFill/>
+          </a:ln>
+          <a:extLst>
+            <a:ext uri="{909E8E84-426E-40DD-AFC4-6F175D3DCCD1}">
+              <a14:hiddenFill xmlns:a14="http://schemas.microsoft.com/office/drawing/2010/main">
+                <a:solidFill>
+                  <a:srgbClr val="FFFFFF"/>
+                </a:solidFill>
+              </a14:hiddenFill>
+            </a:ext>
+            <a:ext uri="{91240B29-F687-4F45-9708-019B960494DF}">
+              <a14:hiddenLine xmlns:a14="http://schemas.microsoft.com/office/drawing/2010/main" w="9525">
+                <a:solidFill>
+                  <a:srgbClr val="000000"/>
+                </a:solidFill>
+                <a:miter lim="800000"/>
+                <a:headEnd/>
+                <a:tailEnd/>
+              </a14:hiddenLine>
+            </a:ext>
+          </a:extLst>
+        </p:spPr>
+      </p:pic>
+      <p:pic>
+        <p:nvPicPr>
+          <p:cNvPr id="14340" name="Picture 13">
+            <a:extLst>
+              <a:ext uri="{FF2B5EF4-FFF2-40B4-BE49-F238E27FC236}">
+                <a16:creationId xmlns:a16="http://schemas.microsoft.com/office/drawing/2014/main" id="{5AE054A7-1BC9-A74F-9D78-42331C1FA594}"/>
+              </a:ext>
+            </a:extLst>
+          </p:cNvPr>
+          <p:cNvPicPr>
+            <a:picLocks noChangeAspect="1" noChangeArrowheads="1"/>
+          </p:cNvPicPr>
+          <p:nvPr/>
+        </p:nvPicPr>
+        <p:blipFill>
+          <a:blip r:embed="rId4">
+            <a:extLst>
+              <a:ext uri="{28A0092B-C50C-407E-A947-70E740481C1C}">
+                <a14:useLocalDpi xmlns:a14="http://schemas.microsoft.com/office/drawing/2010/main" val="0"/>
+              </a:ext>
+            </a:extLst>
+          </a:blip>
+          <a:srcRect/>
+          <a:stretch>
+            <a:fillRect/>
+          </a:stretch>
+        </p:blipFill>
+        <p:spPr bwMode="auto">
+          <a:xfrm>
+            <a:off x="542925" y="5429250"/>
+            <a:ext cx="3144838" cy="914400"/>
+          </a:xfrm>
+          <a:prstGeom prst="rect">
+            <a:avLst/>
+          </a:prstGeom>
+          <a:noFill/>
+          <a:ln>
+            <a:noFill/>
+          </a:ln>
+          <a:extLst>
+            <a:ext uri="{909E8E84-426E-40DD-AFC4-6F175D3DCCD1}">
+              <a14:hiddenFill xmlns:a14="http://schemas.microsoft.com/office/drawing/2010/main">
+                <a:solidFill>
+                  <a:srgbClr val="FFFFFF"/>
+                </a:solidFill>
+              </a14:hiddenFill>
+            </a:ext>
+            <a:ext uri="{91240B29-F687-4F45-9708-019B960494DF}">
+              <a14:hiddenLine xmlns:a14="http://schemas.microsoft.com/office/drawing/2010/main" w="9525">
+                <a:solidFill>
+                  <a:srgbClr val="000000"/>
+                </a:solidFill>
+                <a:miter lim="800000"/>
+                <a:headEnd/>
+                <a:tailEnd/>
+              </a14:hiddenLine>
+            </a:ext>
+          </a:extLst>
+        </p:spPr>
+      </p:pic>
+      <p:pic>
+        <p:nvPicPr>
+          <p:cNvPr id="14341" name="Picture 15">
+            <a:extLst>
+              <a:ext uri="{FF2B5EF4-FFF2-40B4-BE49-F238E27FC236}">
+                <a16:creationId xmlns:a16="http://schemas.microsoft.com/office/drawing/2014/main" id="{D1C930FC-99F4-0E41-A55E-4B57D8990219}"/>
+              </a:ext>
+            </a:extLst>
+          </p:cNvPr>
+          <p:cNvPicPr>
+            <a:picLocks noChangeAspect="1" noChangeArrowheads="1"/>
+          </p:cNvPicPr>
+          <p:nvPr/>
+        </p:nvPicPr>
+        <p:blipFill>
+          <a:blip r:embed="rId5">
+            <a:extLst>
+              <a:ext uri="{28A0092B-C50C-407E-A947-70E740481C1C}">
+                <a14:useLocalDpi xmlns:a14="http://schemas.microsoft.com/office/drawing/2010/main" val="0"/>
+              </a:ext>
+            </a:extLst>
+          </a:blip>
+          <a:srcRect/>
+          <a:stretch>
+            <a:fillRect/>
+          </a:stretch>
+        </p:blipFill>
+        <p:spPr bwMode="auto">
+          <a:xfrm>
+            <a:off x="6911975" y="5200650"/>
+            <a:ext cx="1371600" cy="1371600"/>
+          </a:xfrm>
+          <a:prstGeom prst="rect">
+            <a:avLst/>
+          </a:prstGeom>
+          <a:noFill/>
+          <a:ln>
+            <a:noFill/>
+          </a:ln>
+          <a:extLst>
+            <a:ext uri="{909E8E84-426E-40DD-AFC4-6F175D3DCCD1}">
+              <a14:hiddenFill xmlns:a14="http://schemas.microsoft.com/office/drawing/2010/main">
+                <a:solidFill>
+                  <a:srgbClr val="FFFFFF"/>
+                </a:solidFill>
+              </a14:hiddenFill>
+            </a:ext>
+            <a:ext uri="{91240B29-F687-4F45-9708-019B960494DF}">
+              <a14:hiddenLine xmlns:a14="http://schemas.microsoft.com/office/drawing/2010/main" w="9525">
+                <a:solidFill>
+                  <a:srgbClr val="000000"/>
+                </a:solidFill>
+                <a:miter lim="800000"/>
+                <a:headEnd/>
+                <a:tailEnd/>
+              </a14:hiddenLine>
+            </a:ext>
+          </a:extLst>
+        </p:spPr>
+      </p:pic>
+      <p:pic>
+        <p:nvPicPr>
+          <p:cNvPr id="14342" name="Picture 4">
+            <a:extLst>
+              <a:ext uri="{FF2B5EF4-FFF2-40B4-BE49-F238E27FC236}">
+                <a16:creationId xmlns:a16="http://schemas.microsoft.com/office/drawing/2014/main" id="{3851F770-95E5-DF4B-8CE7-04ADEA25BA8F}"/>
+              </a:ext>
+            </a:extLst>
+          </p:cNvPr>
+          <p:cNvPicPr>
+            <a:picLocks noChangeAspect="1" noChangeArrowheads="1"/>
+          </p:cNvPicPr>
+          <p:nvPr/>
+        </p:nvPicPr>
+        <p:blipFill>
+          <a:blip r:embed="rId6">
+            <a:extLst>
+              <a:ext uri="{28A0092B-C50C-407E-A947-70E740481C1C}">
+                <a14:useLocalDpi xmlns:a14="http://schemas.microsoft.com/office/drawing/2010/main" val="0"/>
+              </a:ext>
+            </a:extLst>
+          </a:blip>
+          <a:srcRect/>
+          <a:stretch>
+            <a:fillRect/>
+          </a:stretch>
+        </p:blipFill>
+        <p:spPr bwMode="auto">
+          <a:xfrm>
+            <a:off x="8721725" y="5110163"/>
+            <a:ext cx="2763838" cy="1554162"/>
+          </a:xfrm>
+          <a:prstGeom prst="rect">
+            <a:avLst/>
+          </a:prstGeom>
+          <a:noFill/>
+          <a:ln>
+            <a:noFill/>
+          </a:ln>
+          <a:extLst>
+            <a:ext uri="{909E8E84-426E-40DD-AFC4-6F175D3DCCD1}">
+              <a14:hiddenFill xmlns:a14="http://schemas.microsoft.com/office/drawing/2010/main">
+                <a:solidFill>
+                  <a:srgbClr val="FFFFFF"/>
+                </a:solidFill>
+              </a14:hiddenFill>
+            </a:ext>
+            <a:ext uri="{91240B29-F687-4F45-9708-019B960494DF}">
+              <a14:hiddenLine xmlns:a14="http://schemas.microsoft.com/office/drawing/2010/main" w="9525">
+                <a:solidFill>
+                  <a:srgbClr val="000000"/>
+                </a:solidFill>
+                <a:miter lim="800000"/>
+                <a:headEnd/>
+                <a:tailEnd/>
+              </a14:hiddenLine>
+            </a:ext>
+          </a:extLst>
+        </p:spPr>
+      </p:pic>
+    </p:spTree>
+    <p:extLst>
+      <p:ext uri="{BB962C8B-B14F-4D97-AF65-F5344CB8AC3E}">
+        <p14:creationId xmlns:p14="http://schemas.microsoft.com/office/powerpoint/2010/main" val="3813024370"/>
+      </p:ext>
+    </p:extLst>
+  </p:cSld>
+  <p:clrMapOvr>
+    <a:masterClrMapping/>
+  </p:clrMapOvr>
+</p:sld>
+</file>
+
+<file path=ppt/slides/slide10.xml><?xml version="1.0" encoding="utf-8"?>
+<p:sld xmlns:a="http://schemas.openxmlformats.org/drawingml/2006/main" xmlns:r="http://schemas.openxmlformats.org/officeDocument/2006/relationships" xmlns:p="http://schemas.openxmlformats.org/presentationml/2006/main">
+  <p:cSld>
+    <p:spTree>
+      <p:nvGrpSpPr>
+        <p:cNvPr id="1" name=""/>
+        <p:cNvGrpSpPr/>
+        <p:nvPr/>
+      </p:nvGrpSpPr>
+      <p:grpSpPr>
+        <a:xfrm>
+          <a:off x="0" y="0"/>
+          <a:ext cx="0" cy="0"/>
+          <a:chOff x="0" y="0"/>
+          <a:chExt cx="0" cy="0"/>
+        </a:xfrm>
+      </p:grpSpPr>
+      <p:sp>
+        <p:nvSpPr>
+          <p:cNvPr id="2" name="Title 1">
+            <a:extLst>
+              <a:ext uri="{FF2B5EF4-FFF2-40B4-BE49-F238E27FC236}">
+                <a16:creationId xmlns:a16="http://schemas.microsoft.com/office/drawing/2014/main" id="{9FECE9C7-FBB0-B54D-8E92-C3BC6CA96ED2}"/>
+              </a:ext>
+            </a:extLst>
+          </p:cNvPr>
+          <p:cNvSpPr>
+            <a:spLocks noGrp="1"/>
+          </p:cNvSpPr>
+          <p:nvPr>
+            <p:ph type="title"/>
+          </p:nvPr>
+        </p:nvSpPr>
+        <p:spPr/>
+        <p:txBody>
+          <a:bodyPr/>
           <a:lstStyle/>
           <a:p>
             <a:pPr>
@@ -3862,54 +4519,37 @@
               </a:lnSpc>
             </a:pPr>
             <a:r>
-              <a:rPr lang="en-US" b="1" dirty="0">
+              <a:rPr lang="en-US" dirty="0">
+                <a:solidFill>
+                  <a:srgbClr val="002060"/>
+                </a:solidFill>
                 <a:latin typeface="Arial" panose="020B0604020202020204" pitchFamily="34" charset="0"/>
-                <a:ea typeface="Arial Unicode MS" panose="020B0604020202020204" pitchFamily="34" charset="-128"/>
-                <a:cs typeface="Arial" panose="020B0604020202020204" pitchFamily="34" charset="0"/>
               </a:rPr>
-              <a:t>Presenting Author</a:t>
-            </a:r>
-            <a:r>
-              <a:rPr lang="en-US" b="1" baseline="30000" dirty="0">
-                <a:latin typeface="Arial" panose="020B0604020202020204" pitchFamily="34" charset="0"/>
-                <a:ea typeface="Arial Unicode MS" panose="020B0604020202020204" pitchFamily="34" charset="-128"/>
-                <a:cs typeface="Arial" panose="020B0604020202020204" pitchFamily="34" charset="0"/>
-              </a:rPr>
-              <a:t>1</a:t>
-            </a:r>
-            <a:r>
-              <a:rPr lang="en-US" dirty="0">
-                <a:latin typeface="Arial" panose="020B0604020202020204" pitchFamily="34" charset="0"/>
-                <a:ea typeface="Arial Unicode MS" panose="020B0604020202020204" pitchFamily="34" charset="-128"/>
-                <a:cs typeface="Arial" panose="020B0604020202020204" pitchFamily="34" charset="0"/>
-              </a:rPr>
-              <a:t>, Collaborator</a:t>
-            </a:r>
-            <a:r>
-              <a:rPr lang="en-US" baseline="30000" dirty="0">
-                <a:latin typeface="Arial" panose="020B0604020202020204" pitchFamily="34" charset="0"/>
-                <a:ea typeface="Arial Unicode MS" panose="020B0604020202020204" pitchFamily="34" charset="-128"/>
-                <a:cs typeface="Arial" panose="020B0604020202020204" pitchFamily="34" charset="0"/>
-              </a:rPr>
-              <a:t>2</a:t>
-            </a:r>
-            <a:r>
-              <a:rPr lang="en-US" dirty="0">
-                <a:latin typeface="Arial" panose="020B0604020202020204" pitchFamily="34" charset="0"/>
-                <a:ea typeface="Arial Unicode MS" panose="020B0604020202020204" pitchFamily="34" charset="-128"/>
-                <a:cs typeface="Arial" panose="020B0604020202020204" pitchFamily="34" charset="0"/>
-              </a:rPr>
-              <a:t>, Collaborator</a:t>
-            </a:r>
-            <a:r>
-              <a:rPr lang="en-US" baseline="30000" dirty="0">
-                <a:latin typeface="Arial" panose="020B0604020202020204" pitchFamily="34" charset="0"/>
-                <a:ea typeface="Arial Unicode MS" panose="020B0604020202020204" pitchFamily="34" charset="-128"/>
-                <a:cs typeface="Arial" panose="020B0604020202020204" pitchFamily="34" charset="0"/>
-              </a:rPr>
-              <a:t>3</a:t>
-            </a:r>
-          </a:p>
+              <a:t>Connection to experiments</a:t>
+            </a:r>
+          </a:p>
+        </p:txBody>
+      </p:sp>
+      <p:sp>
+        <p:nvSpPr>
+          <p:cNvPr id="3" name="Content Placeholder 2">
+            <a:extLst>
+              <a:ext uri="{FF2B5EF4-FFF2-40B4-BE49-F238E27FC236}">
+                <a16:creationId xmlns:a16="http://schemas.microsoft.com/office/drawing/2014/main" id="{1A8FA9B3-1B32-894B-93C2-F90FB63CBDAA}"/>
+              </a:ext>
+            </a:extLst>
+          </p:cNvPr>
+          <p:cNvSpPr>
+            <a:spLocks noGrp="1"/>
+          </p:cNvSpPr>
+          <p:nvPr>
+            <p:ph idx="1"/>
+          </p:nvPr>
+        </p:nvSpPr>
+        <p:spPr/>
+        <p:txBody>
+          <a:bodyPr/>
+          <a:lstStyle/>
           <a:p>
             <a:pPr>
               <a:lnSpc>
@@ -3917,53 +4557,33 @@
               </a:lnSpc>
             </a:pPr>
             <a:r>
-              <a:rPr lang="en-US" sz="1800" baseline="30000" dirty="0">
+              <a:rPr lang="en-US" dirty="0">
                 <a:latin typeface="Arial" panose="020B0604020202020204" pitchFamily="34" charset="0"/>
-                <a:ea typeface="Arial Unicode MS" panose="020B0604020202020204" pitchFamily="34" charset="-128"/>
-                <a:cs typeface="Arial" panose="020B0604020202020204" pitchFamily="34" charset="0"/>
               </a:rPr>
-              <a:t>1</a:t>
-            </a:r>
-            <a:r>
-              <a:rPr lang="en-US" sz="1800" dirty="0">
-                <a:latin typeface="Arial" panose="020B0604020202020204" pitchFamily="34" charset="0"/>
-                <a:ea typeface="Arial Unicode MS" panose="020B0604020202020204" pitchFamily="34" charset="-128"/>
-                <a:cs typeface="Arial" panose="020B0604020202020204" pitchFamily="34" charset="0"/>
-              </a:rPr>
-              <a:t>Affiliation One, </a:t>
-            </a:r>
-            <a:r>
-              <a:rPr lang="en-US" sz="1800" baseline="30000" dirty="0">
-                <a:latin typeface="Arial" panose="020B0604020202020204" pitchFamily="34" charset="0"/>
-                <a:ea typeface="Arial Unicode MS" panose="020B0604020202020204" pitchFamily="34" charset="-128"/>
-                <a:cs typeface="Arial" panose="020B0604020202020204" pitchFamily="34" charset="0"/>
-              </a:rPr>
-              <a:t>2</a:t>
-            </a:r>
-            <a:r>
-              <a:rPr lang="en-US" sz="1800" dirty="0">
-                <a:latin typeface="Arial" panose="020B0604020202020204" pitchFamily="34" charset="0"/>
-                <a:ea typeface="Arial Unicode MS" panose="020B0604020202020204" pitchFamily="34" charset="-128"/>
-                <a:cs typeface="Arial" panose="020B0604020202020204" pitchFamily="34" charset="0"/>
-              </a:rPr>
-              <a:t>Affiliation Two,</a:t>
-            </a:r>
-            <a:r>
-              <a:rPr lang="en-US" sz="1800" baseline="30000" dirty="0">
-                <a:latin typeface="Arial" panose="020B0604020202020204" pitchFamily="34" charset="0"/>
-                <a:ea typeface="Arial Unicode MS" panose="020B0604020202020204" pitchFamily="34" charset="-128"/>
-                <a:cs typeface="Arial" panose="020B0604020202020204" pitchFamily="34" charset="0"/>
-              </a:rPr>
-              <a:t> 3</a:t>
-            </a:r>
-            <a:r>
-              <a:rPr lang="en-US" sz="1800" dirty="0">
-                <a:latin typeface="Arial" panose="020B0604020202020204" pitchFamily="34" charset="0"/>
-                <a:ea typeface="Arial Unicode MS" panose="020B0604020202020204" pitchFamily="34" charset="-128"/>
-                <a:cs typeface="Arial" panose="020B0604020202020204" pitchFamily="34" charset="0"/>
-              </a:rPr>
-              <a:t>Affiliation Three</a:t>
-            </a:r>
+              <a:t>In analyzing scattering observables, there is scale and scheme dependence in factorization of structure and reaction</a:t>
+            </a:r>
+          </a:p>
+          <a:p>
+            <a:pPr lvl="1">
+              <a:lnSpc>
+                <a:spcPct val="100000"/>
+              </a:lnSpc>
+            </a:pPr>
+            <a:r>
+              <a:rPr lang="en-US" dirty="0"/>
+              <a:t>Factorization scale \</a:t>
+            </a:r>
+            <a:r>
+              <a:rPr lang="en-US" dirty="0" err="1"/>
+              <a:t>mu_F</a:t>
+            </a:r>
+            <a:r>
+              <a:rPr lang="en-US" dirty="0"/>
+              <a:t> and scheme</a:t>
+            </a:r>
+            <a:endParaRPr lang="en-US" dirty="0">
+              <a:latin typeface="Arial" panose="020B0604020202020204" pitchFamily="34" charset="0"/>
+            </a:endParaRPr>
           </a:p>
           <a:p>
             <a:pPr>
@@ -3971,11 +4591,10 @@
                 <a:spcPct val="100000"/>
               </a:lnSpc>
             </a:pPr>
-            <a:endParaRPr lang="en-US" sz="2200" dirty="0">
-              <a:latin typeface="Arial" panose="020B0604020202020204" pitchFamily="34" charset="0"/>
-              <a:ea typeface="Arial Unicode MS" panose="020B0604020202020204" pitchFamily="34" charset="-128"/>
-              <a:cs typeface="Arial" panose="020B0604020202020204" pitchFamily="34" charset="0"/>
-            </a:endParaRPr>
+            <a:r>
+              <a:rPr lang="en-US" dirty="0"/>
+              <a:t>Can tune the scale with SRG transformations making a potential with SRC physics like AV18 much softer like a high-order chiral potential</a:t>
+            </a:r>
           </a:p>
           <a:p>
             <a:pPr>
@@ -3984,15 +4603,8 @@
               </a:lnSpc>
             </a:pPr>
             <a:r>
-              <a:rPr lang="en-US" sz="2200" dirty="0">
-                <a:solidFill>
-                  <a:srgbClr val="C00000"/>
-                </a:solidFill>
-                <a:latin typeface="Arial" panose="020B0604020202020204" pitchFamily="34" charset="0"/>
-                <a:ea typeface="Arial Unicode MS" panose="020B0604020202020204" pitchFamily="34" charset="-128"/>
-                <a:cs typeface="Arial" panose="020B0604020202020204" pitchFamily="34" charset="0"/>
-              </a:rPr>
-              <a:t>Conference Title – City, State</a:t>
+              <a:rPr lang="en-US" dirty="0"/>
+              <a:t>Can use low-energy structure to calculate high-energy reactions by consistently evolving the reactions part</a:t>
             </a:r>
           </a:p>
           <a:p>
@@ -4002,25 +4614,648 @@
               </a:lnSpc>
             </a:pPr>
             <a:r>
-              <a:rPr lang="en-US" sz="2200" dirty="0">
+              <a:rPr lang="en-US" dirty="0"/>
+              <a:t>Mismatch of scales leads to incorrect observable</a:t>
+            </a:r>
+            <a:endParaRPr lang="en-US" dirty="0">
+              <a:latin typeface="Arial" panose="020B0604020202020204" pitchFamily="34" charset="0"/>
+            </a:endParaRPr>
+          </a:p>
+        </p:txBody>
+      </p:sp>
+    </p:spTree>
+    <p:extLst>
+      <p:ext uri="{BB962C8B-B14F-4D97-AF65-F5344CB8AC3E}">
+        <p14:creationId xmlns:p14="http://schemas.microsoft.com/office/powerpoint/2010/main" val="2569189177"/>
+      </p:ext>
+    </p:extLst>
+  </p:cSld>
+  <p:clrMapOvr>
+    <a:masterClrMapping/>
+  </p:clrMapOvr>
+</p:sld>
+</file>
+
+<file path=ppt/slides/slide11.xml><?xml version="1.0" encoding="utf-8"?>
+<p:sld xmlns:a="http://schemas.openxmlformats.org/drawingml/2006/main" xmlns:r="http://schemas.openxmlformats.org/officeDocument/2006/relationships" xmlns:p="http://schemas.openxmlformats.org/presentationml/2006/main">
+  <p:cSld>
+    <p:spTree>
+      <p:nvGrpSpPr>
+        <p:cNvPr id="1" name=""/>
+        <p:cNvGrpSpPr/>
+        <p:nvPr/>
+      </p:nvGrpSpPr>
+      <p:grpSpPr>
+        <a:xfrm>
+          <a:off x="0" y="0"/>
+          <a:ext cx="0" cy="0"/>
+          <a:chOff x="0" y="0"/>
+          <a:chExt cx="0" cy="0"/>
+        </a:xfrm>
+      </p:grpSpPr>
+      <p:sp>
+        <p:nvSpPr>
+          <p:cNvPr id="2" name="Title 1">
+            <a:extLst>
+              <a:ext uri="{FF2B5EF4-FFF2-40B4-BE49-F238E27FC236}">
+                <a16:creationId xmlns:a16="http://schemas.microsoft.com/office/drawing/2014/main" id="{9FECE9C7-FBB0-B54D-8E92-C3BC6CA96ED2}"/>
+              </a:ext>
+            </a:extLst>
+          </p:cNvPr>
+          <p:cNvSpPr>
+            <a:spLocks noGrp="1"/>
+          </p:cNvSpPr>
+          <p:nvPr>
+            <p:ph type="title"/>
+          </p:nvPr>
+        </p:nvSpPr>
+        <p:spPr/>
+        <p:txBody>
+          <a:bodyPr>
+            <a:normAutofit fontScale="90000"/>
+          </a:bodyPr>
+          <a:lstStyle/>
+          <a:p>
+            <a:pPr>
+              <a:lnSpc>
+                <a:spcPct val="100000"/>
+              </a:lnSpc>
+            </a:pPr>
+            <a:r>
+              <a:rPr lang="en-US" dirty="0">
                 <a:solidFill>
-                  <a:srgbClr val="C00000"/>
+                  <a:srgbClr val="002060"/>
                 </a:solidFill>
                 <a:latin typeface="Arial" panose="020B0604020202020204" pitchFamily="34" charset="0"/>
-                <a:ea typeface="Arial Unicode MS" panose="020B0604020202020204" pitchFamily="34" charset="-128"/>
-                <a:cs typeface="Arial" panose="020B0604020202020204" pitchFamily="34" charset="0"/>
               </a:rPr>
-              <a:t>Month Day, Year</a:t>
-            </a:r>
-          </a:p>
-        </p:txBody>
-      </p:sp>
+              <a:t>Where does the short-distance physics go?</a:t>
+            </a:r>
+          </a:p>
+        </p:txBody>
+      </p:sp>
+      <p:sp>
+        <p:nvSpPr>
+          <p:cNvPr id="3" name="Content Placeholder 2">
+            <a:extLst>
+              <a:ext uri="{FF2B5EF4-FFF2-40B4-BE49-F238E27FC236}">
+                <a16:creationId xmlns:a16="http://schemas.microsoft.com/office/drawing/2014/main" id="{1A8FA9B3-1B32-894B-93C2-F90FB63CBDAA}"/>
+              </a:ext>
+            </a:extLst>
+          </p:cNvPr>
+          <p:cNvSpPr>
+            <a:spLocks noGrp="1"/>
+          </p:cNvSpPr>
+          <p:nvPr>
+            <p:ph idx="1"/>
+          </p:nvPr>
+        </p:nvSpPr>
+        <p:spPr/>
+        <p:txBody>
+          <a:bodyPr/>
+          <a:lstStyle/>
+          <a:p>
+            <a:pPr>
+              <a:lnSpc>
+                <a:spcPct val="100000"/>
+              </a:lnSpc>
+            </a:pPr>
+            <a:r>
+              <a:rPr lang="en-US" dirty="0"/>
+              <a:t>Use </a:t>
+            </a:r>
+            <a:r>
+              <a:rPr lang="en-US" dirty="0" err="1"/>
+              <a:t>ataq</a:t>
+            </a:r>
+            <a:r>
+              <a:rPr lang="en-US" dirty="0"/>
+              <a:t> as an example, depending on time can provide further detail (just do band-diagonal decoupling)</a:t>
+            </a:r>
+          </a:p>
+          <a:p>
+            <a:pPr>
+              <a:lnSpc>
+                <a:spcPct val="100000"/>
+              </a:lnSpc>
+            </a:pPr>
+            <a:r>
+              <a:rPr lang="en-US" dirty="0"/>
+              <a:t>Induced low-momentum contributions reflecting UV physics of the NN potential</a:t>
+            </a:r>
+          </a:p>
+          <a:p>
+            <a:pPr>
+              <a:lnSpc>
+                <a:spcPct val="100000"/>
+              </a:lnSpc>
+            </a:pPr>
+            <a:r>
+              <a:rPr lang="en-US" dirty="0"/>
+              <a:t>Unitary transformations, with the evolved wave function, these changes are consistent</a:t>
+            </a:r>
+          </a:p>
+        </p:txBody>
+      </p:sp>
+    </p:spTree>
+    <p:extLst>
+      <p:ext uri="{BB962C8B-B14F-4D97-AF65-F5344CB8AC3E}">
+        <p14:creationId xmlns:p14="http://schemas.microsoft.com/office/powerpoint/2010/main" val="3678640858"/>
+      </p:ext>
+    </p:extLst>
+  </p:cSld>
+  <p:clrMapOvr>
+    <a:masterClrMapping/>
+  </p:clrMapOvr>
+</p:sld>
+</file>
+
+<file path=ppt/slides/slide12.xml><?xml version="1.0" encoding="utf-8"?>
+<p:sld xmlns:a="http://schemas.openxmlformats.org/drawingml/2006/main" xmlns:r="http://schemas.openxmlformats.org/officeDocument/2006/relationships" xmlns:p="http://schemas.openxmlformats.org/presentationml/2006/main">
+  <p:cSld>
+    <p:spTree>
+      <p:nvGrpSpPr>
+        <p:cNvPr id="1" name=""/>
+        <p:cNvGrpSpPr/>
+        <p:nvPr/>
+      </p:nvGrpSpPr>
+      <p:grpSpPr>
+        <a:xfrm>
+          <a:off x="0" y="0"/>
+          <a:ext cx="0" cy="0"/>
+          <a:chOff x="0" y="0"/>
+          <a:chExt cx="0" cy="0"/>
+        </a:xfrm>
+      </p:grpSpPr>
+      <p:sp>
+        <p:nvSpPr>
+          <p:cNvPr id="25601" name="Title 1">
+            <a:extLst>
+              <a:ext uri="{FF2B5EF4-FFF2-40B4-BE49-F238E27FC236}">
+                <a16:creationId xmlns:a16="http://schemas.microsoft.com/office/drawing/2014/main" id="{980D9CD6-308A-B246-A941-32252B1B089D}"/>
+              </a:ext>
+            </a:extLst>
+          </p:cNvPr>
+          <p:cNvSpPr>
+            <a:spLocks noGrp="1" noChangeArrowheads="1"/>
+          </p:cNvSpPr>
+          <p:nvPr>
+            <p:ph type="title"/>
+          </p:nvPr>
+        </p:nvSpPr>
+        <p:spPr/>
+        <p:txBody>
+          <a:bodyPr/>
+          <a:lstStyle/>
+          <a:p>
+            <a:pPr eaLnBrk="1" hangingPunct="1">
+              <a:lnSpc>
+                <a:spcPct val="100000"/>
+              </a:lnSpc>
+            </a:pPr>
+            <a:r>
+              <a:rPr lang="en-US" altLang="en-US" dirty="0">
+                <a:solidFill>
+                  <a:srgbClr val="002060"/>
+                </a:solidFill>
+              </a:rPr>
+              <a:t>Momentum projection operator</a:t>
+            </a:r>
+          </a:p>
+        </p:txBody>
+      </p:sp>
+      <mc:AlternateContent xmlns:mc="http://schemas.openxmlformats.org/markup-compatibility/2006" xmlns:a14="http://schemas.microsoft.com/office/drawing/2010/main">
+        <mc:Choice Requires="a14">
+          <p:sp>
+            <p:nvSpPr>
+              <p:cNvPr id="25602" name="Content Placeholder 2">
+                <a:extLst>
+                  <a:ext uri="{FF2B5EF4-FFF2-40B4-BE49-F238E27FC236}">
+                    <a16:creationId xmlns:a16="http://schemas.microsoft.com/office/drawing/2014/main" id="{D72D19D2-7722-844A-AF59-AF710FBE9EB1}"/>
+                  </a:ext>
+                </a:extLst>
+              </p:cNvPr>
+              <p:cNvSpPr>
+                <a:spLocks noGrp="1" noChangeArrowheads="1"/>
+              </p:cNvSpPr>
+              <p:nvPr>
+                <p:ph idx="1"/>
+              </p:nvPr>
+            </p:nvSpPr>
+            <p:spPr>
+              <a:xfrm>
+                <a:off x="0" y="1994810"/>
+                <a:ext cx="3195146" cy="4351338"/>
+              </a:xfrm>
+            </p:spPr>
+            <p:txBody>
+              <a:bodyPr/>
+              <a:lstStyle/>
+              <a:p>
+                <a:pPr eaLnBrk="1" hangingPunct="1">
+                  <a:lnSpc>
+                    <a:spcPct val="100000"/>
+                  </a:lnSpc>
+                </a:pPr>
+                <a:r>
+                  <a:rPr lang="en-US" altLang="en-US" sz="2100" dirty="0"/>
+                  <a:t>We use the momentum projection operator </a:t>
+                </a:r>
+                <a14:m>
+                  <m:oMath xmlns:m="http://schemas.openxmlformats.org/officeDocument/2006/math">
+                    <m:sSubSup>
+                      <m:sSubSupPr>
+                        <m:ctrlPr>
+                          <a:rPr lang="en-US" altLang="en-US" sz="2100" i="1" smtClean="0">
+                            <a:solidFill>
+                              <a:schemeClr val="tx1"/>
+                            </a:solidFill>
+                            <a:latin typeface="Cambria Math" panose="02040503050406030204" pitchFamily="18" charset="0"/>
+                          </a:rPr>
+                        </m:ctrlPr>
+                      </m:sSubSupPr>
+                      <m:e>
+                        <m:r>
+                          <a:rPr lang="en-US" altLang="en-US" sz="2100" b="0" i="1" smtClean="0">
+                            <a:solidFill>
+                              <a:schemeClr val="tx1"/>
+                            </a:solidFill>
+                            <a:latin typeface="Cambria Math" panose="02040503050406030204" pitchFamily="18" charset="0"/>
+                          </a:rPr>
+                          <m:t>𝑎</m:t>
+                        </m:r>
+                      </m:e>
+                      <m:sub>
+                        <m:r>
+                          <a:rPr lang="en-US" altLang="en-US" sz="2100" b="0" i="1" smtClean="0">
+                            <a:solidFill>
+                              <a:schemeClr val="tx1"/>
+                            </a:solidFill>
+                            <a:latin typeface="Cambria Math" panose="02040503050406030204" pitchFamily="18" charset="0"/>
+                          </a:rPr>
+                          <m:t>𝑞</m:t>
+                        </m:r>
+                      </m:sub>
+                      <m:sup>
+                        <m:r>
+                          <a:rPr lang="en-US" altLang="en-US" sz="2100" i="1" smtClean="0">
+                            <a:solidFill>
+                              <a:schemeClr val="tx1"/>
+                            </a:solidFill>
+                            <a:latin typeface="Cambria Math" panose="02040503050406030204" pitchFamily="18" charset="0"/>
+                            <a:ea typeface="Cambria Math" panose="02040503050406030204" pitchFamily="18" charset="0"/>
+                          </a:rPr>
+                          <m:t>†</m:t>
+                        </m:r>
+                      </m:sup>
+                    </m:sSubSup>
+                    <m:sSub>
+                      <m:sSubPr>
+                        <m:ctrlPr>
+                          <a:rPr lang="en-US" altLang="en-US" sz="2100" i="1" smtClean="0">
+                            <a:solidFill>
+                              <a:schemeClr val="tx1"/>
+                            </a:solidFill>
+                            <a:latin typeface="Cambria Math" panose="02040503050406030204" pitchFamily="18" charset="0"/>
+                          </a:rPr>
+                        </m:ctrlPr>
+                      </m:sSubPr>
+                      <m:e>
+                        <m:r>
+                          <a:rPr lang="en-US" altLang="en-US" sz="2100" b="0" i="1" smtClean="0">
+                            <a:solidFill>
+                              <a:schemeClr val="tx1"/>
+                            </a:solidFill>
+                            <a:latin typeface="Cambria Math" panose="02040503050406030204" pitchFamily="18" charset="0"/>
+                          </a:rPr>
+                          <m:t>𝑎</m:t>
+                        </m:r>
+                      </m:e>
+                      <m:sub>
+                        <m:r>
+                          <a:rPr lang="en-US" altLang="en-US" sz="2100" b="0" i="1" smtClean="0">
+                            <a:solidFill>
+                              <a:schemeClr val="tx1"/>
+                            </a:solidFill>
+                            <a:latin typeface="Cambria Math" panose="02040503050406030204" pitchFamily="18" charset="0"/>
+                          </a:rPr>
+                          <m:t>𝑞</m:t>
+                        </m:r>
+                      </m:sub>
+                    </m:sSub>
+                    <m:r>
+                      <a:rPr lang="en-US" altLang="en-US" sz="2100" b="0" i="1" smtClean="0">
+                        <a:solidFill>
+                          <a:schemeClr val="tx1"/>
+                        </a:solidFill>
+                        <a:latin typeface="Cambria Math" panose="02040503050406030204" pitchFamily="18" charset="0"/>
+                      </a:rPr>
+                      <m:t> </m:t>
+                    </m:r>
+                  </m:oMath>
+                </a14:m>
+                <a:r>
+                  <a:rPr lang="en-US" altLang="en-US" sz="2100" dirty="0"/>
+                  <a:t>as a test case</a:t>
+                </a:r>
+              </a:p>
+              <a:p>
+                <a:pPr eaLnBrk="1" hangingPunct="1">
+                  <a:lnSpc>
+                    <a:spcPct val="100000"/>
+                  </a:lnSpc>
+                </a:pPr>
+                <a:endParaRPr lang="en-US" altLang="en-US" sz="2100" dirty="0"/>
+              </a:p>
+              <a:p>
+                <a:pPr marL="0" indent="0" algn="ctr" eaLnBrk="1" hangingPunct="1">
+                  <a:lnSpc>
+                    <a:spcPct val="100000"/>
+                  </a:lnSpc>
+                  <a:buNone/>
+                </a:pPr>
+                <a14:m>
+                  <m:oMathPara xmlns:m="http://schemas.openxmlformats.org/officeDocument/2006/math">
+                    <m:oMathParaPr>
+                      <m:jc m:val="centerGroup"/>
+                    </m:oMathParaPr>
+                    <m:oMath xmlns:m="http://schemas.openxmlformats.org/officeDocument/2006/math">
+                      <m:sSubSup>
+                        <m:sSubSupPr>
+                          <m:ctrlPr>
+                            <a:rPr lang="en-US" altLang="en-US" sz="2100" i="1" smtClean="0">
+                              <a:solidFill>
+                                <a:schemeClr val="tx1"/>
+                              </a:solidFill>
+                              <a:latin typeface="Cambria Math" panose="02040503050406030204" pitchFamily="18" charset="0"/>
+                            </a:rPr>
+                          </m:ctrlPr>
+                        </m:sSubSupPr>
+                        <m:e>
+                          <m:r>
+                            <a:rPr lang="en-US" altLang="en-US" sz="2100" b="0" i="1" smtClean="0">
+                              <a:solidFill>
+                                <a:schemeClr val="tx1"/>
+                              </a:solidFill>
+                              <a:latin typeface="Cambria Math" panose="02040503050406030204" pitchFamily="18" charset="0"/>
+                            </a:rPr>
+                            <m:t>𝑎</m:t>
+                          </m:r>
+                        </m:e>
+                        <m:sub>
+                          <m:r>
+                            <a:rPr lang="en-US" altLang="en-US" sz="2100" b="0" i="1" smtClean="0">
+                              <a:solidFill>
+                                <a:schemeClr val="tx1"/>
+                              </a:solidFill>
+                              <a:latin typeface="Cambria Math" panose="02040503050406030204" pitchFamily="18" charset="0"/>
+                            </a:rPr>
+                            <m:t>𝑞</m:t>
+                          </m:r>
+                        </m:sub>
+                        <m:sup>
+                          <m:r>
+                            <a:rPr lang="en-US" altLang="en-US" sz="2100" i="1" smtClean="0">
+                              <a:solidFill>
+                                <a:schemeClr val="tx1"/>
+                              </a:solidFill>
+                              <a:latin typeface="Cambria Math" panose="02040503050406030204" pitchFamily="18" charset="0"/>
+                              <a:ea typeface="Cambria Math" panose="02040503050406030204" pitchFamily="18" charset="0"/>
+                            </a:rPr>
+                            <m:t>†</m:t>
+                          </m:r>
+                        </m:sup>
+                      </m:sSubSup>
+                      <m:sSub>
+                        <m:sSubPr>
+                          <m:ctrlPr>
+                            <a:rPr lang="en-US" altLang="en-US" sz="2100" i="1" smtClean="0">
+                              <a:solidFill>
+                                <a:schemeClr val="tx1"/>
+                              </a:solidFill>
+                              <a:latin typeface="Cambria Math" panose="02040503050406030204" pitchFamily="18" charset="0"/>
+                            </a:rPr>
+                          </m:ctrlPr>
+                        </m:sSubPr>
+                        <m:e>
+                          <m:r>
+                            <a:rPr lang="en-US" altLang="en-US" sz="2100" b="0" i="1" smtClean="0">
+                              <a:solidFill>
+                                <a:schemeClr val="tx1"/>
+                              </a:solidFill>
+                              <a:latin typeface="Cambria Math" panose="02040503050406030204" pitchFamily="18" charset="0"/>
+                            </a:rPr>
+                            <m:t>𝑎</m:t>
+                          </m:r>
+                        </m:e>
+                        <m:sub>
+                          <m:r>
+                            <a:rPr lang="en-US" altLang="en-US" sz="2100" b="0" i="1" smtClean="0">
+                              <a:solidFill>
+                                <a:schemeClr val="tx1"/>
+                              </a:solidFill>
+                              <a:latin typeface="Cambria Math" panose="02040503050406030204" pitchFamily="18" charset="0"/>
+                            </a:rPr>
+                            <m:t>𝑞</m:t>
+                          </m:r>
+                        </m:sub>
+                      </m:sSub>
+                      <m:r>
+                        <a:rPr lang="en-US" altLang="en-US" sz="2100" i="1" smtClean="0">
+                          <a:solidFill>
+                            <a:schemeClr val="tx1"/>
+                          </a:solidFill>
+                          <a:latin typeface="Cambria Math" panose="02040503050406030204" pitchFamily="18" charset="0"/>
+                          <a:ea typeface="Cambria Math" panose="02040503050406030204" pitchFamily="18" charset="0"/>
+                        </a:rPr>
+                        <m:t>𝜓</m:t>
+                      </m:r>
+                      <m:d>
+                        <m:dPr>
+                          <m:ctrlPr>
+                            <a:rPr lang="en-US" altLang="en-US" sz="2100" b="0" i="1" smtClean="0">
+                              <a:solidFill>
+                                <a:schemeClr val="tx1"/>
+                              </a:solidFill>
+                              <a:latin typeface="Cambria Math" panose="02040503050406030204" pitchFamily="18" charset="0"/>
+                              <a:ea typeface="Cambria Math" panose="02040503050406030204" pitchFamily="18" charset="0"/>
+                            </a:rPr>
+                          </m:ctrlPr>
+                        </m:dPr>
+                        <m:e>
+                          <m:r>
+                            <a:rPr lang="en-US" altLang="en-US" sz="2100" b="0" i="1" smtClean="0">
+                              <a:solidFill>
+                                <a:schemeClr val="tx1"/>
+                              </a:solidFill>
+                              <a:latin typeface="Cambria Math" panose="02040503050406030204" pitchFamily="18" charset="0"/>
+                              <a:ea typeface="Cambria Math" panose="02040503050406030204" pitchFamily="18" charset="0"/>
+                            </a:rPr>
+                            <m:t>𝑘</m:t>
+                          </m:r>
+                        </m:e>
+                      </m:d>
+                      <m:r>
+                        <a:rPr lang="en-US" altLang="en-US" sz="2100" b="0" i="1" smtClean="0">
+                          <a:solidFill>
+                            <a:schemeClr val="tx1"/>
+                          </a:solidFill>
+                          <a:latin typeface="Cambria Math" panose="02040503050406030204" pitchFamily="18" charset="0"/>
+                          <a:ea typeface="Cambria Math" panose="02040503050406030204" pitchFamily="18" charset="0"/>
+                        </a:rPr>
+                        <m:t>=</m:t>
+                      </m:r>
+                      <m:r>
+                        <a:rPr lang="en-US" altLang="en-US" sz="2100" b="0" i="1" smtClean="0">
+                          <a:solidFill>
+                            <a:schemeClr val="tx1"/>
+                          </a:solidFill>
+                          <a:latin typeface="Cambria Math" panose="02040503050406030204" pitchFamily="18" charset="0"/>
+                          <a:ea typeface="Cambria Math" panose="02040503050406030204" pitchFamily="18" charset="0"/>
+                        </a:rPr>
+                        <m:t>𝜓</m:t>
+                      </m:r>
+                      <m:r>
+                        <a:rPr lang="en-US" altLang="en-US" sz="2100" b="0" i="1" smtClean="0">
+                          <a:solidFill>
+                            <a:schemeClr val="tx1"/>
+                          </a:solidFill>
+                          <a:latin typeface="Cambria Math" panose="02040503050406030204" pitchFamily="18" charset="0"/>
+                          <a:ea typeface="Cambria Math" panose="02040503050406030204" pitchFamily="18" charset="0"/>
+                        </a:rPr>
+                        <m:t>(</m:t>
+                      </m:r>
+                      <m:r>
+                        <a:rPr lang="en-US" altLang="en-US" sz="2100" b="0" i="1" smtClean="0">
+                          <a:solidFill>
+                            <a:schemeClr val="tx1"/>
+                          </a:solidFill>
+                          <a:latin typeface="Cambria Math" panose="02040503050406030204" pitchFamily="18" charset="0"/>
+                          <a:ea typeface="Cambria Math" panose="02040503050406030204" pitchFamily="18" charset="0"/>
+                        </a:rPr>
+                        <m:t>𝑞</m:t>
+                      </m:r>
+                      <m:r>
+                        <a:rPr lang="en-US" altLang="en-US" sz="2100" b="0" i="1" smtClean="0">
+                          <a:solidFill>
+                            <a:schemeClr val="tx1"/>
+                          </a:solidFill>
+                          <a:latin typeface="Cambria Math" panose="02040503050406030204" pitchFamily="18" charset="0"/>
+                          <a:ea typeface="Cambria Math" panose="02040503050406030204" pitchFamily="18" charset="0"/>
+                        </a:rPr>
+                        <m:t>)</m:t>
+                      </m:r>
+                    </m:oMath>
+                  </m:oMathPara>
+                </a14:m>
+                <a:endParaRPr lang="en-US" altLang="en-US" sz="2100" dirty="0">
+                  <a:solidFill>
+                    <a:schemeClr val="tx1"/>
+                  </a:solidFill>
+                </a:endParaRPr>
+              </a:p>
+              <a:p>
+                <a:pPr marL="0" indent="0" algn="ctr" eaLnBrk="1" hangingPunct="1">
+                  <a:lnSpc>
+                    <a:spcPct val="100000"/>
+                  </a:lnSpc>
+                  <a:buNone/>
+                </a:pPr>
+                <a:endParaRPr lang="en-US" altLang="en-US" sz="2100" dirty="0"/>
+              </a:p>
+              <a:p>
+                <a:pPr eaLnBrk="1" hangingPunct="1">
+                  <a:lnSpc>
+                    <a:spcPct val="100000"/>
+                  </a:lnSpc>
+                </a:pPr>
+                <a:r>
+                  <a:rPr lang="en-US" altLang="en-US" sz="2100" dirty="0"/>
+                  <a:t>Initially starts out as a </a:t>
+                </a:r>
+                <a14:m>
+                  <m:oMath xmlns:m="http://schemas.openxmlformats.org/officeDocument/2006/math">
+                    <m:r>
+                      <a:rPr lang="en-US" altLang="en-US" sz="2100" i="1" smtClean="0">
+                        <a:latin typeface="Cambria Math" panose="02040503050406030204" pitchFamily="18" charset="0"/>
+                        <a:ea typeface="Cambria Math" panose="02040503050406030204" pitchFamily="18" charset="0"/>
+                      </a:rPr>
+                      <m:t>𝛿</m:t>
+                    </m:r>
+                  </m:oMath>
+                </a14:m>
+                <a:r>
+                  <a:rPr lang="en-US" altLang="en-US" sz="2100" dirty="0"/>
+                  <a:t>-function</a:t>
+                </a:r>
+              </a:p>
+              <a:p>
+                <a:pPr eaLnBrk="1" hangingPunct="1">
+                  <a:lnSpc>
+                    <a:spcPct val="100000"/>
+                  </a:lnSpc>
+                </a:pPr>
+                <a:r>
+                  <a:rPr lang="en-US" altLang="en-US" sz="2100" dirty="0">
+                    <a:solidFill>
+                      <a:srgbClr val="C00000"/>
+                    </a:solidFill>
+                  </a:rPr>
+                  <a:t>SRG transformations induce low-momentum contributions</a:t>
+                </a:r>
+              </a:p>
+            </p:txBody>
+          </p:sp>
+        </mc:Choice>
+        <mc:Fallback xmlns="">
+          <p:sp>
+            <p:nvSpPr>
+              <p:cNvPr id="25602" name="Content Placeholder 2">
+                <a:extLst>
+                  <a:ext uri="{FF2B5EF4-FFF2-40B4-BE49-F238E27FC236}">
+                    <a16:creationId xmlns:a16="http://schemas.microsoft.com/office/drawing/2014/main" id="{D72D19D2-7722-844A-AF59-AF710FBE9EB1}"/>
+                  </a:ext>
+                </a:extLst>
+              </p:cNvPr>
+              <p:cNvSpPr>
+                <a:spLocks noGrp="1" noRot="1" noChangeAspect="1" noMove="1" noResize="1" noEditPoints="1" noAdjustHandles="1" noChangeArrowheads="1" noChangeShapeType="1" noTextEdit="1"/>
+              </p:cNvSpPr>
+              <p:nvPr>
+                <p:ph idx="1"/>
+              </p:nvPr>
+            </p:nvSpPr>
+            <p:spPr>
+              <a:xfrm>
+                <a:off x="0" y="1994810"/>
+                <a:ext cx="3195146" cy="4351338"/>
+              </a:xfrm>
+              <a:blipFill>
+                <a:blip r:embed="rId2"/>
+                <a:stretch>
+                  <a:fillRect l="-1587" t="-581" r="-3175" b="-872"/>
+                </a:stretch>
+              </a:blipFill>
+            </p:spPr>
+            <p:txBody>
+              <a:bodyPr/>
+              <a:lstStyle/>
+              <a:p>
+                <a:r>
+                  <a:rPr lang="en-US">
+                    <a:noFill/>
+                  </a:rPr>
+                  <a:t> </a:t>
+                </a:r>
+              </a:p>
+            </p:txBody>
+          </p:sp>
+        </mc:Fallback>
+      </mc:AlternateContent>
       <p:pic>
         <p:nvPicPr>
-          <p:cNvPr id="12" name="Picture 11">
-            <a:extLst>
-              <a:ext uri="{FF2B5EF4-FFF2-40B4-BE49-F238E27FC236}">
-                <a16:creationId xmlns:a16="http://schemas.microsoft.com/office/drawing/2014/main" id="{A7848367-2624-1C42-BB16-5BE1F88150A8}"/>
+          <p:cNvPr id="10" name="Picture 9">
+            <a:extLst>
+              <a:ext uri="{FF2B5EF4-FFF2-40B4-BE49-F238E27FC236}">
+                <a16:creationId xmlns:a16="http://schemas.microsoft.com/office/drawing/2014/main" id="{97A11390-9D5D-F043-A98D-80BA75685864}"/>
               </a:ext>
             </a:extLst>
           </p:cNvPr>
@@ -4037,8 +5272,8 @@
         </p:blipFill>
         <p:spPr>
           <a:xfrm>
-            <a:off x="4127225" y="5063879"/>
-            <a:ext cx="2376460" cy="1645920"/>
+            <a:off x="3413424" y="3885248"/>
+            <a:ext cx="8778240" cy="2194560"/>
           </a:xfrm>
           <a:prstGeom prst="rect">
             <a:avLst/>
@@ -4047,10 +5282,10 @@
       </p:pic>
       <p:pic>
         <p:nvPicPr>
-          <p:cNvPr id="14" name="Picture 13">
-            <a:extLst>
-              <a:ext uri="{FF2B5EF4-FFF2-40B4-BE49-F238E27FC236}">
-                <a16:creationId xmlns:a16="http://schemas.microsoft.com/office/drawing/2014/main" id="{79D0B37D-A927-A64A-A340-0BC4CDBCB8E9}"/>
+          <p:cNvPr id="11" name="Picture 10">
+            <a:extLst>
+              <a:ext uri="{FF2B5EF4-FFF2-40B4-BE49-F238E27FC236}">
+                <a16:creationId xmlns:a16="http://schemas.microsoft.com/office/drawing/2014/main" id="{613BD747-F484-D44E-9843-A98C32F932C1}"/>
               </a:ext>
             </a:extLst>
           </p:cNvPr>
@@ -4067,8 +5302,8 @@
         </p:blipFill>
         <p:spPr>
           <a:xfrm>
-            <a:off x="542236" y="5429639"/>
-            <a:ext cx="3145537" cy="914400"/>
+            <a:off x="3413760" y="1690688"/>
+            <a:ext cx="8778240" cy="2194560"/>
           </a:xfrm>
           <a:prstGeom prst="rect">
             <a:avLst/>
@@ -4077,10 +5312,10 @@
       </p:pic>
       <p:pic>
         <p:nvPicPr>
-          <p:cNvPr id="16" name="Picture 15">
-            <a:extLst>
-              <a:ext uri="{FF2B5EF4-FFF2-40B4-BE49-F238E27FC236}">
-                <a16:creationId xmlns:a16="http://schemas.microsoft.com/office/drawing/2014/main" id="{2B7F2C15-FD2A-054E-9CB9-C8322E45C379}"/>
+          <p:cNvPr id="6" name="Picture 5">
+            <a:extLst>
+              <a:ext uri="{FF2B5EF4-FFF2-40B4-BE49-F238E27FC236}">
+                <a16:creationId xmlns:a16="http://schemas.microsoft.com/office/drawing/2014/main" id="{9315B951-F37A-6243-969F-A8703C9943E9}"/>
               </a:ext>
             </a:extLst>
           </p:cNvPr>
@@ -4097,20 +5332,951 @@
         </p:blipFill>
         <p:spPr>
           <a:xfrm>
-            <a:off x="6911371" y="5201039"/>
-            <a:ext cx="1371600" cy="1371600"/>
+            <a:off x="0" y="1746447"/>
+            <a:ext cx="5375522" cy="4946904"/>
           </a:xfrm>
           <a:prstGeom prst="rect">
             <a:avLst/>
           </a:prstGeom>
         </p:spPr>
       </p:pic>
+      <mc:AlternateContent xmlns:mc="http://schemas.openxmlformats.org/markup-compatibility/2006" xmlns:a14="http://schemas.microsoft.com/office/drawing/2010/main">
+        <mc:Choice Requires="a14">
+          <p:sp>
+            <p:nvSpPr>
+              <p:cNvPr id="8" name="TextBox 7">
+                <a:extLst>
+                  <a:ext uri="{FF2B5EF4-FFF2-40B4-BE49-F238E27FC236}">
+                    <a16:creationId xmlns:a16="http://schemas.microsoft.com/office/drawing/2014/main" id="{936A8AA8-0A4D-674E-97C0-5C6F1591DA69}"/>
+                  </a:ext>
+                </a:extLst>
+              </p:cNvPr>
+              <p:cNvSpPr txBox="1"/>
+              <p:nvPr/>
+            </p:nvSpPr>
+            <p:spPr>
+              <a:xfrm>
+                <a:off x="5255172" y="6079808"/>
+                <a:ext cx="6989381" cy="890500"/>
+              </a:xfrm>
+              <a:prstGeom prst="rect">
+                <a:avLst/>
+              </a:prstGeom>
+              <a:noFill/>
+            </p:spPr>
+            <p:txBody>
+              <a:bodyPr wrap="square" rtlCol="0">
+                <a:spAutoFit/>
+              </a:bodyPr>
+              <a:lstStyle/>
+              <a:p>
+                <a:r>
+                  <a:rPr lang="en-US" sz="1600" dirty="0">
+                    <a:latin typeface="Arial" panose="020B0604020202020204" pitchFamily="34" charset="0"/>
+                    <a:cs typeface="Arial" panose="020B0604020202020204" pitchFamily="34" charset="0"/>
+                  </a:rPr>
+                  <a:t>Fig. 4: SRG evolution of </a:t>
+                </a:r>
+                <a14:m>
+                  <m:oMath xmlns:m="http://schemas.openxmlformats.org/officeDocument/2006/math">
+                    <m:sSubSup>
+                      <m:sSubSupPr>
+                        <m:ctrlPr>
+                          <a:rPr lang="en-US" sz="1600" i="1" smtClean="0">
+                            <a:latin typeface="Cambria Math" panose="02040503050406030204" pitchFamily="18" charset="0"/>
+                          </a:rPr>
+                        </m:ctrlPr>
+                      </m:sSubSupPr>
+                      <m:e>
+                        <m:r>
+                          <a:rPr lang="en-US" sz="1600" b="0" i="1" smtClean="0">
+                            <a:latin typeface="Cambria Math" panose="02040503050406030204" pitchFamily="18" charset="0"/>
+                          </a:rPr>
+                          <m:t>𝑎</m:t>
+                        </m:r>
+                      </m:e>
+                      <m:sub>
+                        <m:r>
+                          <a:rPr lang="en-US" sz="1600" b="0" i="1" smtClean="0">
+                            <a:latin typeface="Cambria Math" panose="02040503050406030204" pitchFamily="18" charset="0"/>
+                          </a:rPr>
+                          <m:t>𝑞</m:t>
+                        </m:r>
+                      </m:sub>
+                      <m:sup>
+                        <m:r>
+                          <a:rPr lang="en-US" sz="1600" i="1" smtClean="0">
+                            <a:latin typeface="Cambria Math" panose="02040503050406030204" pitchFamily="18" charset="0"/>
+                            <a:ea typeface="Cambria Math" panose="02040503050406030204" pitchFamily="18" charset="0"/>
+                          </a:rPr>
+                          <m:t>†</m:t>
+                        </m:r>
+                      </m:sup>
+                    </m:sSubSup>
+                    <m:sSub>
+                      <m:sSubPr>
+                        <m:ctrlPr>
+                          <a:rPr lang="en-US" sz="1600" i="1" smtClean="0">
+                            <a:latin typeface="Cambria Math" panose="02040503050406030204" pitchFamily="18" charset="0"/>
+                          </a:rPr>
+                        </m:ctrlPr>
+                      </m:sSubPr>
+                      <m:e>
+                        <m:r>
+                          <a:rPr lang="en-US" sz="1600" b="0" i="1" smtClean="0">
+                            <a:latin typeface="Cambria Math" panose="02040503050406030204" pitchFamily="18" charset="0"/>
+                          </a:rPr>
+                          <m:t>𝑎</m:t>
+                        </m:r>
+                      </m:e>
+                      <m:sub>
+                        <m:r>
+                          <a:rPr lang="en-US" sz="1600" b="0" i="1" smtClean="0">
+                            <a:latin typeface="Cambria Math" panose="02040503050406030204" pitchFamily="18" charset="0"/>
+                          </a:rPr>
+                          <m:t>𝑞</m:t>
+                        </m:r>
+                      </m:sub>
+                    </m:sSub>
+                    <m:r>
+                      <a:rPr lang="en-US" sz="1600" i="1">
+                        <a:latin typeface="Cambria Math" panose="02040503050406030204" pitchFamily="18" charset="0"/>
+                      </a:rPr>
+                      <m:t>(</m:t>
+                    </m:r>
+                    <m:r>
+                      <a:rPr lang="en-US" sz="1600" i="1">
+                        <a:latin typeface="Cambria Math" panose="02040503050406030204" pitchFamily="18" charset="0"/>
+                      </a:rPr>
+                      <m:t>𝑘</m:t>
+                    </m:r>
+                    <m:r>
+                      <a:rPr lang="en-US" sz="1600" i="1">
+                        <a:latin typeface="Cambria Math" panose="02040503050406030204" pitchFamily="18" charset="0"/>
+                      </a:rPr>
+                      <m:t>,</m:t>
+                    </m:r>
+                    <m:sSup>
+                      <m:sSupPr>
+                        <m:ctrlPr>
+                          <a:rPr lang="en-US" sz="1600" i="1">
+                            <a:latin typeface="Cambria Math" panose="02040503050406030204" pitchFamily="18" charset="0"/>
+                          </a:rPr>
+                        </m:ctrlPr>
+                      </m:sSupPr>
+                      <m:e>
+                        <m:r>
+                          <a:rPr lang="en-US" sz="1600" i="1">
+                            <a:latin typeface="Cambria Math" panose="02040503050406030204" pitchFamily="18" charset="0"/>
+                          </a:rPr>
+                          <m:t>𝑘</m:t>
+                        </m:r>
+                      </m:e>
+                      <m:sup>
+                        <m:r>
+                          <a:rPr lang="en-US" sz="1600" i="1">
+                            <a:latin typeface="Cambria Math" panose="02040503050406030204" pitchFamily="18" charset="0"/>
+                          </a:rPr>
+                          <m:t>′</m:t>
+                        </m:r>
+                      </m:sup>
+                    </m:sSup>
+                    <m:r>
+                      <a:rPr lang="en-US" sz="1600" i="1">
+                        <a:latin typeface="Cambria Math" panose="02040503050406030204" pitchFamily="18" charset="0"/>
+                      </a:rPr>
+                      <m:t>)</m:t>
+                    </m:r>
+                  </m:oMath>
+                </a14:m>
+                <a:r>
+                  <a:rPr lang="en-US" sz="1600" dirty="0">
+                    <a:latin typeface="Arial" panose="020B0604020202020204" pitchFamily="34" charset="0"/>
+                    <a:cs typeface="Arial" panose="020B0604020202020204" pitchFamily="34" charset="0"/>
+                  </a:rPr>
+                  <a:t> for several values of </a:t>
+                </a:r>
+                <a14:m>
+                  <m:oMath xmlns:m="http://schemas.openxmlformats.org/officeDocument/2006/math">
+                    <m:r>
+                      <a:rPr lang="en-US" sz="1600" i="1">
+                        <a:latin typeface="Cambria Math" panose="02040503050406030204" pitchFamily="18" charset="0"/>
+                        <a:ea typeface="Cambria Math" panose="02040503050406030204" pitchFamily="18" charset="0"/>
+                      </a:rPr>
+                      <m:t>𝜆</m:t>
+                    </m:r>
+                  </m:oMath>
+                </a14:m>
+                <a:r>
+                  <a:rPr lang="en-US" sz="1600" dirty="0">
+                    <a:latin typeface="Arial" panose="020B0604020202020204" pitchFamily="34" charset="0"/>
+                    <a:cs typeface="Arial" panose="020B0604020202020204" pitchFamily="34" charset="0"/>
+                  </a:rPr>
+                  <a:t> and </a:t>
+                </a:r>
+                <a14:m>
+                  <m:oMath xmlns:m="http://schemas.openxmlformats.org/officeDocument/2006/math">
+                    <m:r>
+                      <m:rPr>
+                        <m:sty m:val="p"/>
+                      </m:rPr>
+                      <a:rPr lang="el-GR" sz="1600" i="1" smtClean="0">
+                        <a:latin typeface="Cambria Math" panose="02040503050406030204" pitchFamily="18" charset="0"/>
+                        <a:ea typeface="Cambria Math" panose="02040503050406030204" pitchFamily="18" charset="0"/>
+                      </a:rPr>
+                      <m:t>Λ</m:t>
+                    </m:r>
+                  </m:oMath>
+                </a14:m>
+                <a:r>
+                  <a:rPr lang="en-US" sz="1600" dirty="0">
+                    <a:latin typeface="Arial" panose="020B0604020202020204" pitchFamily="34" charset="0"/>
+                    <a:cs typeface="Arial" panose="020B0604020202020204" pitchFamily="34" charset="0"/>
+                  </a:rPr>
+                  <a:t> where the transformations are done using the RKE N</a:t>
+                </a:r>
+                <a:r>
+                  <a:rPr lang="en-US" sz="1600" baseline="30000" dirty="0">
+                    <a:latin typeface="Arial" panose="020B0604020202020204" pitchFamily="34" charset="0"/>
+                    <a:cs typeface="Arial" panose="020B0604020202020204" pitchFamily="34" charset="0"/>
+                  </a:rPr>
+                  <a:t>4</a:t>
+                </a:r>
+                <a:r>
+                  <a:rPr lang="en-US" sz="1600" dirty="0">
+                    <a:latin typeface="Arial" panose="020B0604020202020204" pitchFamily="34" charset="0"/>
+                    <a:cs typeface="Arial" panose="020B0604020202020204" pitchFamily="34" charset="0"/>
+                  </a:rPr>
+                  <a:t>LO potential. Here </a:t>
+                </a:r>
+                <a14:m>
+                  <m:oMath xmlns:m="http://schemas.openxmlformats.org/officeDocument/2006/math">
+                    <m:r>
+                      <a:rPr lang="en-US" sz="1600" b="0" i="1" smtClean="0">
+                        <a:solidFill>
+                          <a:srgbClr val="C00000"/>
+                        </a:solidFill>
+                        <a:latin typeface="Cambria Math" panose="02040503050406030204" pitchFamily="18" charset="0"/>
+                        <a:cs typeface="Arial" panose="020B0604020202020204" pitchFamily="34" charset="0"/>
+                      </a:rPr>
+                      <m:t>𝑞</m:t>
+                    </m:r>
+                    <m:r>
+                      <a:rPr lang="en-US" sz="1600" b="0" i="1" smtClean="0">
+                        <a:solidFill>
+                          <a:srgbClr val="C00000"/>
+                        </a:solidFill>
+                        <a:latin typeface="Cambria Math" panose="02040503050406030204" pitchFamily="18" charset="0"/>
+                        <a:cs typeface="Arial" panose="020B0604020202020204" pitchFamily="34" charset="0"/>
+                      </a:rPr>
+                      <m:t>=3</m:t>
+                    </m:r>
+                  </m:oMath>
+                </a14:m>
+                <a:r>
+                  <a:rPr lang="en-US" sz="1600" dirty="0">
+                    <a:solidFill>
+                      <a:srgbClr val="C00000"/>
+                    </a:solidFill>
+                    <a:effectLst/>
+                    <a:latin typeface="Arial" panose="020B0604020202020204" pitchFamily="34" charset="0"/>
+                    <a:cs typeface="Arial" panose="020B0604020202020204" pitchFamily="34" charset="0"/>
+                  </a:rPr>
+                  <a:t> fm</a:t>
+                </a:r>
+                <a:r>
+                  <a:rPr lang="en-US" sz="1600" baseline="30000" dirty="0">
+                    <a:solidFill>
+                      <a:srgbClr val="C00000"/>
+                    </a:solidFill>
+                    <a:effectLst/>
+                    <a:latin typeface="Arial" panose="020B0604020202020204" pitchFamily="34" charset="0"/>
+                    <a:cs typeface="Arial" panose="020B0604020202020204" pitchFamily="34" charset="0"/>
+                  </a:rPr>
+                  <a:t>-1</a:t>
+                </a:r>
+                <a:r>
+                  <a:rPr lang="en-US" sz="1600" dirty="0">
+                    <a:effectLst/>
+                    <a:latin typeface="Arial" panose="020B0604020202020204" pitchFamily="34" charset="0"/>
+                    <a:cs typeface="Arial" panose="020B0604020202020204" pitchFamily="34" charset="0"/>
+                  </a:rPr>
+                  <a:t>.</a:t>
+                </a:r>
+              </a:p>
+              <a:p>
+                <a:endParaRPr lang="en-US" sz="1600" dirty="0"/>
+              </a:p>
+            </p:txBody>
+          </p:sp>
+        </mc:Choice>
+        <mc:Fallback xmlns="">
+          <p:sp>
+            <p:nvSpPr>
+              <p:cNvPr id="8" name="TextBox 7">
+                <a:extLst>
+                  <a:ext uri="{FF2B5EF4-FFF2-40B4-BE49-F238E27FC236}">
+                    <a16:creationId xmlns:a16="http://schemas.microsoft.com/office/drawing/2014/main" id="{936A8AA8-0A4D-674E-97C0-5C6F1591DA69}"/>
+                  </a:ext>
+                </a:extLst>
+              </p:cNvPr>
+              <p:cNvSpPr txBox="1">
+                <a:spLocks noRot="1" noChangeAspect="1" noMove="1" noResize="1" noEditPoints="1" noAdjustHandles="1" noChangeArrowheads="1" noChangeShapeType="1" noTextEdit="1"/>
+              </p:cNvSpPr>
+              <p:nvPr/>
+            </p:nvSpPr>
+            <p:spPr>
+              <a:xfrm>
+                <a:off x="5255172" y="6079808"/>
+                <a:ext cx="6989381" cy="890500"/>
+              </a:xfrm>
+              <a:prstGeom prst="rect">
+                <a:avLst/>
+              </a:prstGeom>
+              <a:blipFill>
+                <a:blip r:embed="rId6"/>
+                <a:stretch>
+                  <a:fillRect l="-363" r="-544"/>
+                </a:stretch>
+              </a:blipFill>
+            </p:spPr>
+            <p:txBody>
+              <a:bodyPr/>
+              <a:lstStyle/>
+              <a:p>
+                <a:r>
+                  <a:rPr lang="en-US">
+                    <a:noFill/>
+                  </a:rPr>
+                  <a:t> </a:t>
+                </a:r>
+              </a:p>
+            </p:txBody>
+          </p:sp>
+        </mc:Fallback>
+      </mc:AlternateContent>
+      <mc:AlternateContent xmlns:mc="http://schemas.openxmlformats.org/markup-compatibility/2006" xmlns:a14="http://schemas.microsoft.com/office/drawing/2010/main">
+        <mc:Choice Requires="a14">
+          <p:sp>
+            <p:nvSpPr>
+              <p:cNvPr id="2" name="TextBox 1">
+                <a:extLst>
+                  <a:ext uri="{FF2B5EF4-FFF2-40B4-BE49-F238E27FC236}">
+                    <a16:creationId xmlns:a16="http://schemas.microsoft.com/office/drawing/2014/main" id="{0921EF24-47E5-F048-AD4F-BF3DFE2BB135}"/>
+                  </a:ext>
+                </a:extLst>
+              </p:cNvPr>
+              <p:cNvSpPr txBox="1"/>
+              <p:nvPr/>
+            </p:nvSpPr>
+            <p:spPr>
+              <a:xfrm>
+                <a:off x="5770706" y="3016251"/>
+                <a:ext cx="5276193" cy="2513573"/>
+              </a:xfrm>
+              <a:prstGeom prst="rect">
+                <a:avLst/>
+              </a:prstGeom>
+              <a:solidFill>
+                <a:schemeClr val="bg1"/>
+              </a:solidFill>
+              <a:ln>
+                <a:solidFill>
+                  <a:schemeClr val="tx1"/>
+                </a:solidFill>
+              </a:ln>
+            </p:spPr>
+            <p:txBody>
+              <a:bodyPr wrap="square" rtlCol="0">
+                <a:spAutoFit/>
+              </a:bodyPr>
+              <a:lstStyle/>
+              <a:p>
+                <a:r>
+                  <a:rPr lang="en-US" sz="2200" dirty="0">
+                    <a:latin typeface="Arial" panose="020B0604020202020204" pitchFamily="34" charset="0"/>
+                    <a:cs typeface="Arial" panose="020B0604020202020204" pitchFamily="34" charset="0"/>
+                  </a:rPr>
+                  <a:t>Strength of wave function shifted to low-momentum</a:t>
+                </a:r>
+              </a:p>
+              <a:p>
+                <a:endParaRPr lang="en-US" sz="2200" dirty="0">
+                  <a:latin typeface="Arial" panose="020B0604020202020204" pitchFamily="34" charset="0"/>
+                  <a:cs typeface="Arial" panose="020B0604020202020204" pitchFamily="34" charset="0"/>
+                </a:endParaRPr>
+              </a:p>
+              <a:p>
+                <a:pPr algn="ctr"/>
+                <a14:m>
+                  <m:oMath xmlns:m="http://schemas.openxmlformats.org/officeDocument/2006/math">
+                    <m:d>
+                      <m:dPr>
+                        <m:begChr m:val="⟨"/>
+                        <m:endChr m:val="⟩"/>
+                        <m:ctrlPr>
+                          <a:rPr lang="en-US" sz="2200" b="0" i="1" smtClean="0">
+                            <a:latin typeface="Cambria Math" panose="02040503050406030204" pitchFamily="18" charset="0"/>
+                            <a:cs typeface="Arial" panose="020B0604020202020204" pitchFamily="34" charset="0"/>
+                          </a:rPr>
+                        </m:ctrlPr>
+                      </m:dPr>
+                      <m:e>
+                        <m:r>
+                          <a:rPr lang="en-US" sz="2200" b="0" i="1" smtClean="0">
+                            <a:latin typeface="Cambria Math" panose="02040503050406030204" pitchFamily="18" charset="0"/>
+                            <a:ea typeface="Cambria Math" panose="02040503050406030204" pitchFamily="18" charset="0"/>
+                            <a:cs typeface="Arial" panose="020B0604020202020204" pitchFamily="34" charset="0"/>
+                          </a:rPr>
+                          <m:t>𝜓</m:t>
+                        </m:r>
+                        <m:r>
+                          <a:rPr lang="en-US" sz="2200" b="0" i="1" smtClean="0">
+                            <a:latin typeface="Cambria Math" panose="02040503050406030204" pitchFamily="18" charset="0"/>
+                            <a:ea typeface="Cambria Math" panose="02040503050406030204" pitchFamily="18" charset="0"/>
+                            <a:cs typeface="Arial" panose="020B0604020202020204" pitchFamily="34" charset="0"/>
+                          </a:rPr>
+                          <m:t>(0)</m:t>
+                        </m:r>
+                      </m:e>
+                      <m:e>
+                        <m:r>
+                          <a:rPr lang="en-US" sz="2200" b="0" i="1" smtClean="0">
+                            <a:latin typeface="Cambria Math" panose="02040503050406030204" pitchFamily="18" charset="0"/>
+                            <a:cs typeface="Arial" panose="020B0604020202020204" pitchFamily="34" charset="0"/>
+                          </a:rPr>
+                          <m:t>𝑂</m:t>
+                        </m:r>
+                        <m:r>
+                          <a:rPr lang="en-US" sz="2200" b="0" i="1" smtClean="0">
+                            <a:latin typeface="Cambria Math" panose="02040503050406030204" pitchFamily="18" charset="0"/>
+                            <a:cs typeface="Arial" panose="020B0604020202020204" pitchFamily="34" charset="0"/>
+                          </a:rPr>
+                          <m:t>(0)</m:t>
+                        </m:r>
+                      </m:e>
+                      <m:e>
+                        <m:r>
+                          <a:rPr lang="en-US" sz="2200" b="0" i="1" smtClean="0">
+                            <a:latin typeface="Cambria Math" panose="02040503050406030204" pitchFamily="18" charset="0"/>
+                            <a:ea typeface="Cambria Math" panose="02040503050406030204" pitchFamily="18" charset="0"/>
+                            <a:cs typeface="Arial" panose="020B0604020202020204" pitchFamily="34" charset="0"/>
+                          </a:rPr>
+                          <m:t>𝜓</m:t>
+                        </m:r>
+                        <m:r>
+                          <a:rPr lang="en-US" sz="2200" b="0" i="1" smtClean="0">
+                            <a:latin typeface="Cambria Math" panose="02040503050406030204" pitchFamily="18" charset="0"/>
+                            <a:ea typeface="Cambria Math" panose="02040503050406030204" pitchFamily="18" charset="0"/>
+                            <a:cs typeface="Arial" panose="020B0604020202020204" pitchFamily="34" charset="0"/>
+                          </a:rPr>
+                          <m:t>(0)</m:t>
+                        </m:r>
+                      </m:e>
+                    </m:d>
+                    <m:r>
+                      <a:rPr lang="en-US" sz="2200" b="0" i="1" smtClean="0">
+                        <a:latin typeface="Cambria Math" panose="02040503050406030204" pitchFamily="18" charset="0"/>
+                        <a:cs typeface="Arial" panose="020B0604020202020204" pitchFamily="34" charset="0"/>
+                      </a:rPr>
+                      <m:t>=</m:t>
+                    </m:r>
+                  </m:oMath>
+                </a14:m>
+                <a:r>
+                  <a:rPr lang="en-US" sz="2200" b="0" dirty="0">
+                    <a:cs typeface="Arial" panose="020B0604020202020204" pitchFamily="34" charset="0"/>
+                  </a:rPr>
+                  <a:t> </a:t>
+                </a:r>
+                <a14:m>
+                  <m:oMath xmlns:m="http://schemas.openxmlformats.org/officeDocument/2006/math">
+                    <m:d>
+                      <m:dPr>
+                        <m:begChr m:val="⟨"/>
+                        <m:endChr m:val="⟩"/>
+                        <m:ctrlPr>
+                          <a:rPr lang="en-US" sz="2200" b="0" i="1" smtClean="0">
+                            <a:latin typeface="Cambria Math" panose="02040503050406030204" pitchFamily="18" charset="0"/>
+                            <a:cs typeface="Arial" panose="020B0604020202020204" pitchFamily="34" charset="0"/>
+                          </a:rPr>
+                        </m:ctrlPr>
+                      </m:dPr>
+                      <m:e>
+                        <m:r>
+                          <a:rPr lang="en-US" sz="2200" b="0" i="1" smtClean="0">
+                            <a:latin typeface="Cambria Math" panose="02040503050406030204" pitchFamily="18" charset="0"/>
+                            <a:ea typeface="Cambria Math" panose="02040503050406030204" pitchFamily="18" charset="0"/>
+                            <a:cs typeface="Arial" panose="020B0604020202020204" pitchFamily="34" charset="0"/>
+                          </a:rPr>
+                          <m:t>𝜓</m:t>
+                        </m:r>
+                        <m:r>
+                          <a:rPr lang="en-US" sz="2200" b="0" i="1" smtClean="0">
+                            <a:latin typeface="Cambria Math" panose="02040503050406030204" pitchFamily="18" charset="0"/>
+                            <a:ea typeface="Cambria Math" panose="02040503050406030204" pitchFamily="18" charset="0"/>
+                            <a:cs typeface="Arial" panose="020B0604020202020204" pitchFamily="34" charset="0"/>
+                          </a:rPr>
+                          <m:t>(</m:t>
+                        </m:r>
+                        <m:r>
+                          <a:rPr lang="en-US" sz="2200" b="0" i="1" smtClean="0">
+                            <a:latin typeface="Cambria Math" panose="02040503050406030204" pitchFamily="18" charset="0"/>
+                            <a:ea typeface="Cambria Math" panose="02040503050406030204" pitchFamily="18" charset="0"/>
+                            <a:cs typeface="Arial" panose="020B0604020202020204" pitchFamily="34" charset="0"/>
+                          </a:rPr>
+                          <m:t>𝑠</m:t>
+                        </m:r>
+                        <m:r>
+                          <a:rPr lang="en-US" sz="2200" b="0" i="1" smtClean="0">
+                            <a:latin typeface="Cambria Math" panose="02040503050406030204" pitchFamily="18" charset="0"/>
+                            <a:ea typeface="Cambria Math" panose="02040503050406030204" pitchFamily="18" charset="0"/>
+                            <a:cs typeface="Arial" panose="020B0604020202020204" pitchFamily="34" charset="0"/>
+                          </a:rPr>
+                          <m:t>)</m:t>
+                        </m:r>
+                      </m:e>
+                      <m:e>
+                        <m:r>
+                          <a:rPr lang="en-US" sz="2200" b="0" i="1" smtClean="0">
+                            <a:latin typeface="Cambria Math" panose="02040503050406030204" pitchFamily="18" charset="0"/>
+                            <a:cs typeface="Arial" panose="020B0604020202020204" pitchFamily="34" charset="0"/>
+                          </a:rPr>
+                          <m:t>𝑂</m:t>
+                        </m:r>
+                        <m:r>
+                          <a:rPr lang="en-US" sz="2200" b="0" i="1" smtClean="0">
+                            <a:latin typeface="Cambria Math" panose="02040503050406030204" pitchFamily="18" charset="0"/>
+                            <a:cs typeface="Arial" panose="020B0604020202020204" pitchFamily="34" charset="0"/>
+                          </a:rPr>
+                          <m:t>(</m:t>
+                        </m:r>
+                        <m:r>
+                          <a:rPr lang="en-US" sz="2200" b="0" i="1" smtClean="0">
+                            <a:latin typeface="Cambria Math" panose="02040503050406030204" pitchFamily="18" charset="0"/>
+                            <a:cs typeface="Arial" panose="020B0604020202020204" pitchFamily="34" charset="0"/>
+                          </a:rPr>
+                          <m:t>𝑠</m:t>
+                        </m:r>
+                        <m:r>
+                          <a:rPr lang="en-US" sz="2200" b="0" i="1" smtClean="0">
+                            <a:latin typeface="Cambria Math" panose="02040503050406030204" pitchFamily="18" charset="0"/>
+                            <a:cs typeface="Arial" panose="020B0604020202020204" pitchFamily="34" charset="0"/>
+                          </a:rPr>
+                          <m:t>)</m:t>
+                        </m:r>
+                      </m:e>
+                      <m:e>
+                        <m:r>
+                          <a:rPr lang="en-US" sz="2200" b="0" i="1" smtClean="0">
+                            <a:latin typeface="Cambria Math" panose="02040503050406030204" pitchFamily="18" charset="0"/>
+                            <a:ea typeface="Cambria Math" panose="02040503050406030204" pitchFamily="18" charset="0"/>
+                            <a:cs typeface="Arial" panose="020B0604020202020204" pitchFamily="34" charset="0"/>
+                          </a:rPr>
+                          <m:t>𝜓</m:t>
+                        </m:r>
+                        <m:r>
+                          <a:rPr lang="en-US" sz="2200" b="0" i="1" smtClean="0">
+                            <a:latin typeface="Cambria Math" panose="02040503050406030204" pitchFamily="18" charset="0"/>
+                            <a:ea typeface="Cambria Math" panose="02040503050406030204" pitchFamily="18" charset="0"/>
+                            <a:cs typeface="Arial" panose="020B0604020202020204" pitchFamily="34" charset="0"/>
+                          </a:rPr>
+                          <m:t>(</m:t>
+                        </m:r>
+                        <m:r>
+                          <a:rPr lang="en-US" sz="2200" b="0" i="1" smtClean="0">
+                            <a:latin typeface="Cambria Math" panose="02040503050406030204" pitchFamily="18" charset="0"/>
+                            <a:ea typeface="Cambria Math" panose="02040503050406030204" pitchFamily="18" charset="0"/>
+                            <a:cs typeface="Arial" panose="020B0604020202020204" pitchFamily="34" charset="0"/>
+                          </a:rPr>
+                          <m:t>𝑠</m:t>
+                        </m:r>
+                        <m:r>
+                          <a:rPr lang="en-US" sz="2200" b="0" i="1" smtClean="0">
+                            <a:latin typeface="Cambria Math" panose="02040503050406030204" pitchFamily="18" charset="0"/>
+                            <a:ea typeface="Cambria Math" panose="02040503050406030204" pitchFamily="18" charset="0"/>
+                            <a:cs typeface="Arial" panose="020B0604020202020204" pitchFamily="34" charset="0"/>
+                          </a:rPr>
+                          <m:t>)</m:t>
+                        </m:r>
+                      </m:e>
+                    </m:d>
+                  </m:oMath>
+                </a14:m>
+                <a:endParaRPr lang="en-US" sz="2200" dirty="0">
+                  <a:latin typeface="Arial" panose="020B0604020202020204" pitchFamily="34" charset="0"/>
+                  <a:cs typeface="Arial" panose="020B0604020202020204" pitchFamily="34" charset="0"/>
+                </a:endParaRPr>
+              </a:p>
+              <a:p>
+                <a:endParaRPr lang="en-US" sz="2200" dirty="0">
+                  <a:latin typeface="Arial" panose="020B0604020202020204" pitchFamily="34" charset="0"/>
+                  <a:cs typeface="Arial" panose="020B0604020202020204" pitchFamily="34" charset="0"/>
+                </a:endParaRPr>
+              </a:p>
+              <a:p>
+                <a14:m>
+                  <m:oMath xmlns:m="http://schemas.openxmlformats.org/officeDocument/2006/math">
+                    <m:r>
+                      <a:rPr lang="en-US" sz="2200" i="1" smtClean="0">
+                        <a:solidFill>
+                          <a:srgbClr val="C00000"/>
+                        </a:solidFill>
+                        <a:latin typeface="Cambria Math" panose="02040503050406030204" pitchFamily="18" charset="0"/>
+                        <a:ea typeface="Cambria Math" panose="02040503050406030204" pitchFamily="18" charset="0"/>
+                      </a:rPr>
+                      <m:t>⟹</m:t>
+                    </m:r>
+                  </m:oMath>
+                </a14:m>
+                <a:r>
+                  <a:rPr lang="en-US" sz="2200" dirty="0">
+                    <a:solidFill>
+                      <a:srgbClr val="C00000"/>
+                    </a:solidFill>
+                    <a:latin typeface="Arial" panose="020B0604020202020204" pitchFamily="34" charset="0"/>
+                    <a:cs typeface="Arial" panose="020B0604020202020204" pitchFamily="34" charset="0"/>
+                  </a:rPr>
+                  <a:t> Transformations on the operator must induce low-momentum contributions!</a:t>
+                </a:r>
+              </a:p>
+            </p:txBody>
+          </p:sp>
+        </mc:Choice>
+        <mc:Fallback xmlns="">
+          <p:sp>
+            <p:nvSpPr>
+              <p:cNvPr id="2" name="TextBox 1">
+                <a:extLst>
+                  <a:ext uri="{FF2B5EF4-FFF2-40B4-BE49-F238E27FC236}">
+                    <a16:creationId xmlns:a16="http://schemas.microsoft.com/office/drawing/2014/main" id="{0921EF24-47E5-F048-AD4F-BF3DFE2BB135}"/>
+                  </a:ext>
+                </a:extLst>
+              </p:cNvPr>
+              <p:cNvSpPr txBox="1">
+                <a:spLocks noRot="1" noChangeAspect="1" noMove="1" noResize="1" noEditPoints="1" noAdjustHandles="1" noChangeArrowheads="1" noChangeShapeType="1" noTextEdit="1"/>
+              </p:cNvSpPr>
+              <p:nvPr/>
+            </p:nvSpPr>
+            <p:spPr>
+              <a:xfrm>
+                <a:off x="5770706" y="3016251"/>
+                <a:ext cx="5276193" cy="2513573"/>
+              </a:xfrm>
+              <a:prstGeom prst="rect">
+                <a:avLst/>
+              </a:prstGeom>
+              <a:blipFill>
+                <a:blip r:embed="rId7"/>
+                <a:stretch>
+                  <a:fillRect l="-1196" t="-1508" r="-2153" b="-1508"/>
+                </a:stretch>
+              </a:blipFill>
+              <a:ln>
+                <a:solidFill>
+                  <a:schemeClr val="tx1"/>
+                </a:solidFill>
+              </a:ln>
+            </p:spPr>
+            <p:txBody>
+              <a:bodyPr/>
+              <a:lstStyle/>
+              <a:p>
+                <a:r>
+                  <a:rPr lang="en-US">
+                    <a:noFill/>
+                  </a:rPr>
+                  <a:t> </a:t>
+                </a:r>
+              </a:p>
+            </p:txBody>
+          </p:sp>
+        </mc:Fallback>
+      </mc:AlternateContent>
+      <mc:AlternateContent xmlns:mc="http://schemas.openxmlformats.org/markup-compatibility/2006" xmlns:a14="http://schemas.microsoft.com/office/drawing/2010/main">
+        <mc:Choice Requires="a14">
+          <p:sp>
+            <p:nvSpPr>
+              <p:cNvPr id="9" name="TextBox 8">
+                <a:extLst>
+                  <a:ext uri="{FF2B5EF4-FFF2-40B4-BE49-F238E27FC236}">
+                    <a16:creationId xmlns:a16="http://schemas.microsoft.com/office/drawing/2014/main" id="{21C1CC14-028A-CB4E-8C12-BA0D637B53A1}"/>
+                  </a:ext>
+                </a:extLst>
+              </p:cNvPr>
+              <p:cNvSpPr txBox="1"/>
+              <p:nvPr/>
+            </p:nvSpPr>
+            <p:spPr>
+              <a:xfrm>
+                <a:off x="9333186" y="1321356"/>
+                <a:ext cx="2710999" cy="369332"/>
+              </a:xfrm>
+              <a:prstGeom prst="rect">
+                <a:avLst/>
+              </a:prstGeom>
+              <a:noFill/>
+            </p:spPr>
+            <p:txBody>
+              <a:bodyPr wrap="none" rtlCol="0">
+                <a:spAutoFit/>
+              </a:bodyPr>
+              <a:lstStyle/>
+              <a:p>
+                <a:r>
+                  <a:rPr lang="en-US" dirty="0">
+                    <a:solidFill>
+                      <a:schemeClr val="tx1"/>
+                    </a:solidFill>
+                    <a:latin typeface="Arial" panose="020B0604020202020204" pitchFamily="34" charset="0"/>
+                    <a:cs typeface="Arial" panose="020B0604020202020204" pitchFamily="34" charset="0"/>
+                  </a:rPr>
+                  <a:t>RKE N</a:t>
+                </a:r>
+                <a:r>
+                  <a:rPr lang="en-US" baseline="30000" dirty="0">
+                    <a:solidFill>
+                      <a:schemeClr val="tx1"/>
+                    </a:solidFill>
+                    <a:latin typeface="Arial" panose="020B0604020202020204" pitchFamily="34" charset="0"/>
+                    <a:cs typeface="Arial" panose="020B0604020202020204" pitchFamily="34" charset="0"/>
+                  </a:rPr>
+                  <a:t>4</a:t>
+                </a:r>
+                <a:r>
+                  <a:rPr lang="en-US" dirty="0">
+                    <a:solidFill>
+                      <a:schemeClr val="tx1"/>
+                    </a:solidFill>
+                    <a:latin typeface="Arial" panose="020B0604020202020204" pitchFamily="34" charset="0"/>
+                    <a:cs typeface="Arial" panose="020B0604020202020204" pitchFamily="34" charset="0"/>
+                  </a:rPr>
+                  <a:t>LO </a:t>
+                </a:r>
+                <a14:m>
+                  <m:oMath xmlns:m="http://schemas.openxmlformats.org/officeDocument/2006/math">
+                    <m:r>
+                      <m:rPr>
+                        <m:sty m:val="p"/>
+                      </m:rPr>
+                      <a:rPr lang="el-GR" i="1" smtClean="0">
+                        <a:solidFill>
+                          <a:schemeClr val="tx1"/>
+                        </a:solidFill>
+                        <a:latin typeface="Cambria Math" panose="02040503050406030204" pitchFamily="18" charset="0"/>
+                        <a:ea typeface="Cambria Math" panose="02040503050406030204" pitchFamily="18" charset="0"/>
+                        <a:cs typeface="Arial" panose="020B0604020202020204" pitchFamily="34" charset="0"/>
+                      </a:rPr>
+                      <m:t>Λ</m:t>
+                    </m:r>
+                    <m:r>
+                      <a:rPr lang="en-US" b="0" i="1" smtClean="0">
+                        <a:solidFill>
+                          <a:schemeClr val="tx1"/>
+                        </a:solidFill>
+                        <a:latin typeface="Cambria Math" panose="02040503050406030204" pitchFamily="18" charset="0"/>
+                        <a:ea typeface="Cambria Math" panose="02040503050406030204" pitchFamily="18" charset="0"/>
+                        <a:cs typeface="Arial" panose="020B0604020202020204" pitchFamily="34" charset="0"/>
+                      </a:rPr>
+                      <m:t>=450</m:t>
+                    </m:r>
+                  </m:oMath>
+                </a14:m>
+                <a:r>
+                  <a:rPr lang="en-US" dirty="0">
+                    <a:solidFill>
+                      <a:schemeClr val="tx1"/>
+                    </a:solidFill>
+                    <a:latin typeface="Arial" panose="020B0604020202020204" pitchFamily="34" charset="0"/>
+                    <a:cs typeface="Arial" panose="020B0604020202020204" pitchFamily="34" charset="0"/>
+                  </a:rPr>
+                  <a:t> MeV</a:t>
+                </a:r>
+              </a:p>
+            </p:txBody>
+          </p:sp>
+        </mc:Choice>
+        <mc:Fallback xmlns="">
+          <p:sp>
+            <p:nvSpPr>
+              <p:cNvPr id="9" name="TextBox 8">
+                <a:extLst>
+                  <a:ext uri="{FF2B5EF4-FFF2-40B4-BE49-F238E27FC236}">
+                    <a16:creationId xmlns:a16="http://schemas.microsoft.com/office/drawing/2014/main" id="{21C1CC14-028A-CB4E-8C12-BA0D637B53A1}"/>
+                  </a:ext>
+                </a:extLst>
+              </p:cNvPr>
+              <p:cNvSpPr txBox="1">
+                <a:spLocks noRot="1" noChangeAspect="1" noMove="1" noResize="1" noEditPoints="1" noAdjustHandles="1" noChangeArrowheads="1" noChangeShapeType="1" noTextEdit="1"/>
+              </p:cNvSpPr>
+              <p:nvPr/>
+            </p:nvSpPr>
+            <p:spPr>
+              <a:xfrm>
+                <a:off x="9333186" y="1321356"/>
+                <a:ext cx="2710999" cy="369332"/>
+              </a:xfrm>
+              <a:prstGeom prst="rect">
+                <a:avLst/>
+              </a:prstGeom>
+              <a:blipFill>
+                <a:blip r:embed="rId8"/>
+                <a:stretch>
+                  <a:fillRect l="-1402" t="-6667" r="-935" b="-26667"/>
+                </a:stretch>
+              </a:blipFill>
+            </p:spPr>
+            <p:txBody>
+              <a:bodyPr/>
+              <a:lstStyle/>
+              <a:p>
+                <a:r>
+                  <a:rPr lang="en-US">
+                    <a:noFill/>
+                  </a:rPr>
+                  <a:t> </a:t>
+                </a:r>
+              </a:p>
+            </p:txBody>
+          </p:sp>
+        </mc:Fallback>
+      </mc:AlternateContent>
+    </p:spTree>
+    <p:extLst>
+      <p:ext uri="{BB962C8B-B14F-4D97-AF65-F5344CB8AC3E}">
+        <p14:creationId xmlns:p14="http://schemas.microsoft.com/office/powerpoint/2010/main" val="1585205129"/>
+      </p:ext>
+    </p:extLst>
+  </p:cSld>
+  <p:clrMapOvr>
+    <a:masterClrMapping/>
+  </p:clrMapOvr>
+</p:sld>
+</file>
+
+<file path=ppt/slides/slide13.xml><?xml version="1.0" encoding="utf-8"?>
+<p:sld xmlns:a="http://schemas.openxmlformats.org/drawingml/2006/main" xmlns:r="http://schemas.openxmlformats.org/officeDocument/2006/relationships" xmlns:p="http://schemas.openxmlformats.org/presentationml/2006/main">
+  <p:cSld>
+    <p:spTree>
+      <p:nvGrpSpPr>
+        <p:cNvPr id="1" name=""/>
+        <p:cNvGrpSpPr/>
+        <p:nvPr/>
+      </p:nvGrpSpPr>
+      <p:grpSpPr>
+        <a:xfrm>
+          <a:off x="0" y="0"/>
+          <a:ext cx="0" cy="0"/>
+          <a:chOff x="0" y="0"/>
+          <a:chExt cx="0" cy="0"/>
+        </a:xfrm>
+      </p:grpSpPr>
+      <p:sp>
+        <p:nvSpPr>
+          <p:cNvPr id="2" name="Title 1">
+            <a:extLst>
+              <a:ext uri="{FF2B5EF4-FFF2-40B4-BE49-F238E27FC236}">
+                <a16:creationId xmlns:a16="http://schemas.microsoft.com/office/drawing/2014/main" id="{9FECE9C7-FBB0-B54D-8E92-C3BC6CA96ED2}"/>
+              </a:ext>
+            </a:extLst>
+          </p:cNvPr>
+          <p:cNvSpPr>
+            <a:spLocks noGrp="1"/>
+          </p:cNvSpPr>
+          <p:nvPr>
+            <p:ph type="title"/>
+          </p:nvPr>
+        </p:nvSpPr>
+        <p:spPr/>
+        <p:txBody>
+          <a:bodyPr>
+            <a:normAutofit/>
+          </a:bodyPr>
+          <a:lstStyle/>
+          <a:p>
+            <a:pPr>
+              <a:lnSpc>
+                <a:spcPct val="100000"/>
+              </a:lnSpc>
+            </a:pPr>
+            <a:r>
+              <a:rPr lang="en-US" dirty="0">
+                <a:solidFill>
+                  <a:srgbClr val="002060"/>
+                </a:solidFill>
+                <a:latin typeface="Arial" panose="020B0604020202020204" pitchFamily="34" charset="0"/>
+              </a:rPr>
+              <a:t>Expectation value under SRG</a:t>
+            </a:r>
+          </a:p>
+        </p:txBody>
+      </p:sp>
+      <p:sp>
+        <p:nvSpPr>
+          <p:cNvPr id="3" name="Content Placeholder 2">
+            <a:extLst>
+              <a:ext uri="{FF2B5EF4-FFF2-40B4-BE49-F238E27FC236}">
+                <a16:creationId xmlns:a16="http://schemas.microsoft.com/office/drawing/2014/main" id="{1A8FA9B3-1B32-894B-93C2-F90FB63CBDAA}"/>
+              </a:ext>
+            </a:extLst>
+          </p:cNvPr>
+          <p:cNvSpPr>
+            <a:spLocks noGrp="1"/>
+          </p:cNvSpPr>
+          <p:nvPr>
+            <p:ph idx="1"/>
+          </p:nvPr>
+        </p:nvSpPr>
+        <p:spPr/>
+        <p:txBody>
+          <a:bodyPr/>
+          <a:lstStyle/>
+          <a:p>
+            <a:pPr>
+              <a:lnSpc>
+                <a:spcPct val="100000"/>
+              </a:lnSpc>
+            </a:pPr>
+            <a:r>
+              <a:rPr lang="en-US" dirty="0"/>
+              <a:t>Walk through how the &lt;\</a:t>
+            </a:r>
+            <a:r>
+              <a:rPr lang="en-US" dirty="0" err="1"/>
+              <a:t>psi_d|ataq</a:t>
+            </a:r>
+            <a:r>
+              <a:rPr lang="en-US" dirty="0"/>
+              <a:t>|\psi&gt; changes connecting back to point that we can utilize high-order chiral potentials</a:t>
+            </a:r>
+          </a:p>
+          <a:p>
+            <a:pPr>
+              <a:lnSpc>
+                <a:spcPct val="100000"/>
+              </a:lnSpc>
+            </a:pPr>
+            <a:r>
+              <a:rPr lang="en-US" dirty="0"/>
+              <a:t>Maybe do just band-diagonal decoupling</a:t>
+            </a:r>
+          </a:p>
+          <a:p>
+            <a:pPr>
+              <a:lnSpc>
+                <a:spcPct val="100000"/>
+              </a:lnSpc>
+            </a:pPr>
+            <a:endParaRPr lang="en-US" dirty="0"/>
+          </a:p>
+        </p:txBody>
+      </p:sp>
       <p:pic>
         <p:nvPicPr>
-          <p:cNvPr id="5" name="Picture 4">
-            <a:extLst>
-              <a:ext uri="{FF2B5EF4-FFF2-40B4-BE49-F238E27FC236}">
-                <a16:creationId xmlns:a16="http://schemas.microsoft.com/office/drawing/2014/main" id="{1A648F84-F4C5-E34C-930C-87ABBE6E82C8}"/>
+          <p:cNvPr id="5" name="Picture 4" descr="A screenshot of a social media post&#10;&#10;Description automatically generated">
+            <a:extLst>
+              <a:ext uri="{FF2B5EF4-FFF2-40B4-BE49-F238E27FC236}">
+                <a16:creationId xmlns:a16="http://schemas.microsoft.com/office/drawing/2014/main" id="{E2F53986-021B-7048-9372-1237D054D061}"/>
               </a:ext>
             </a:extLst>
           </p:cNvPr>
@@ -4120,15 +6286,15 @@
           <p:nvPr/>
         </p:nvPicPr>
         <p:blipFill>
-          <a:blip r:embed="rId6"/>
+          <a:blip r:embed="rId2"/>
           <a:stretch>
             <a:fillRect/>
           </a:stretch>
         </p:blipFill>
         <p:spPr>
           <a:xfrm>
-            <a:off x="8722423" y="5109599"/>
-            <a:ext cx="2763520" cy="1554480"/>
+            <a:off x="4698124" y="3543683"/>
+            <a:ext cx="7493876" cy="3314317"/>
           </a:xfrm>
           <a:prstGeom prst="rect">
             <a:avLst/>
@@ -4138,7 +6304,475 @@
     </p:spTree>
     <p:extLst>
       <p:ext uri="{BB962C8B-B14F-4D97-AF65-F5344CB8AC3E}">
-        <p14:creationId xmlns:p14="http://schemas.microsoft.com/office/powerpoint/2010/main" val="4144306699"/>
+        <p14:creationId xmlns:p14="http://schemas.microsoft.com/office/powerpoint/2010/main" val="2999820937"/>
+      </p:ext>
+    </p:extLst>
+  </p:cSld>
+  <p:clrMapOvr>
+    <a:masterClrMapping/>
+  </p:clrMapOvr>
+</p:sld>
+</file>
+
+<file path=ppt/slides/slide14.xml><?xml version="1.0" encoding="utf-8"?>
+<p:sld xmlns:a="http://schemas.openxmlformats.org/drawingml/2006/main" xmlns:r="http://schemas.openxmlformats.org/officeDocument/2006/relationships" xmlns:p="http://schemas.openxmlformats.org/presentationml/2006/main">
+  <p:cSld>
+    <p:spTree>
+      <p:nvGrpSpPr>
+        <p:cNvPr id="1" name=""/>
+        <p:cNvGrpSpPr/>
+        <p:nvPr/>
+      </p:nvGrpSpPr>
+      <p:grpSpPr>
+        <a:xfrm>
+          <a:off x="0" y="0"/>
+          <a:ext cx="0" cy="0"/>
+          <a:chOff x="0" y="0"/>
+          <a:chExt cx="0" cy="0"/>
+        </a:xfrm>
+      </p:grpSpPr>
+      <p:sp>
+        <p:nvSpPr>
+          <p:cNvPr id="2" name="Title 1">
+            <a:extLst>
+              <a:ext uri="{FF2B5EF4-FFF2-40B4-BE49-F238E27FC236}">
+                <a16:creationId xmlns:a16="http://schemas.microsoft.com/office/drawing/2014/main" id="{9FECE9C7-FBB0-B54D-8E92-C3BC6CA96ED2}"/>
+              </a:ext>
+            </a:extLst>
+          </p:cNvPr>
+          <p:cNvSpPr>
+            <a:spLocks noGrp="1"/>
+          </p:cNvSpPr>
+          <p:nvPr>
+            <p:ph type="title"/>
+          </p:nvPr>
+        </p:nvSpPr>
+        <p:spPr/>
+        <p:txBody>
+          <a:bodyPr>
+            <a:normAutofit/>
+          </a:bodyPr>
+          <a:lstStyle/>
+          <a:p>
+            <a:pPr>
+              <a:lnSpc>
+                <a:spcPct val="100000"/>
+              </a:lnSpc>
+            </a:pPr>
+            <a:r>
+              <a:rPr lang="en-US" dirty="0">
+                <a:solidFill>
+                  <a:srgbClr val="002060"/>
+                </a:solidFill>
+                <a:latin typeface="Arial" panose="020B0604020202020204" pitchFamily="34" charset="0"/>
+              </a:rPr>
+              <a:t>Ratios of different potentials</a:t>
+            </a:r>
+          </a:p>
+        </p:txBody>
+      </p:sp>
+      <p:sp>
+        <p:nvSpPr>
+          <p:cNvPr id="3" name="Content Placeholder 2">
+            <a:extLst>
+              <a:ext uri="{FF2B5EF4-FFF2-40B4-BE49-F238E27FC236}">
+                <a16:creationId xmlns:a16="http://schemas.microsoft.com/office/drawing/2014/main" id="{1A8FA9B3-1B32-894B-93C2-F90FB63CBDAA}"/>
+              </a:ext>
+            </a:extLst>
+          </p:cNvPr>
+          <p:cNvSpPr>
+            <a:spLocks noGrp="1"/>
+          </p:cNvSpPr>
+          <p:nvPr>
+            <p:ph idx="1"/>
+          </p:nvPr>
+        </p:nvSpPr>
+        <p:spPr/>
+        <p:txBody>
+          <a:bodyPr/>
+          <a:lstStyle/>
+          <a:p>
+            <a:pPr>
+              <a:lnSpc>
+                <a:spcPct val="100000"/>
+              </a:lnSpc>
+            </a:pPr>
+            <a:r>
+              <a:rPr lang="en-US" dirty="0"/>
+              <a:t>Reflects difference in UV physics, maybe show </a:t>
+            </a:r>
+            <a:r>
+              <a:rPr lang="en-US" dirty="0" err="1"/>
+              <a:t>ataq</a:t>
+            </a:r>
+            <a:r>
+              <a:rPr lang="en-US" dirty="0"/>
+              <a:t>(</a:t>
+            </a:r>
+            <a:r>
+              <a:rPr lang="en-US" dirty="0" err="1"/>
+              <a:t>k,k</a:t>
+            </a:r>
+            <a:r>
+              <a:rPr lang="en-US" dirty="0"/>
+              <a:t>) ratios</a:t>
+            </a:r>
+          </a:p>
+          <a:p>
+            <a:pPr>
+              <a:lnSpc>
+                <a:spcPct val="100000"/>
+              </a:lnSpc>
+            </a:pPr>
+            <a:r>
+              <a:rPr lang="en-US" dirty="0"/>
+              <a:t>Transition into ratios of </a:t>
+            </a:r>
+            <a:r>
+              <a:rPr lang="en-US" dirty="0" err="1"/>
+              <a:t>A/d</a:t>
+            </a:r>
+            <a:r>
+              <a:rPr lang="en-US" dirty="0"/>
+              <a:t> ~ low-energy structure components</a:t>
+            </a:r>
+          </a:p>
+          <a:p>
+            <a:pPr>
+              <a:lnSpc>
+                <a:spcPct val="100000"/>
+              </a:lnSpc>
+            </a:pPr>
+            <a:endParaRPr lang="en-US" dirty="0"/>
+          </a:p>
+        </p:txBody>
+      </p:sp>
+      <p:pic>
+        <p:nvPicPr>
+          <p:cNvPr id="6" name="Picture 5">
+            <a:extLst>
+              <a:ext uri="{FF2B5EF4-FFF2-40B4-BE49-F238E27FC236}">
+                <a16:creationId xmlns:a16="http://schemas.microsoft.com/office/drawing/2014/main" id="{132229F5-1051-E24A-8883-B6E9A7780D7D}"/>
+              </a:ext>
+            </a:extLst>
+          </p:cNvPr>
+          <p:cNvPicPr>
+            <a:picLocks noChangeAspect="1"/>
+          </p:cNvPicPr>
+          <p:nvPr/>
+        </p:nvPicPr>
+        <p:blipFill>
+          <a:blip r:embed="rId2"/>
+          <a:stretch>
+            <a:fillRect/>
+          </a:stretch>
+        </p:blipFill>
+        <p:spPr>
+          <a:xfrm>
+            <a:off x="6243145" y="2949197"/>
+            <a:ext cx="5948855" cy="3908803"/>
+          </a:xfrm>
+          <a:prstGeom prst="rect">
+            <a:avLst/>
+          </a:prstGeom>
+        </p:spPr>
+      </p:pic>
+    </p:spTree>
+    <p:extLst>
+      <p:ext uri="{BB962C8B-B14F-4D97-AF65-F5344CB8AC3E}">
+        <p14:creationId xmlns:p14="http://schemas.microsoft.com/office/powerpoint/2010/main" val="2323205402"/>
+      </p:ext>
+    </p:extLst>
+  </p:cSld>
+  <p:clrMapOvr>
+    <a:masterClrMapping/>
+  </p:clrMapOvr>
+</p:sld>
+</file>
+
+<file path=ppt/slides/slide15.xml><?xml version="1.0" encoding="utf-8"?>
+<p:sld xmlns:a="http://schemas.openxmlformats.org/drawingml/2006/main" xmlns:r="http://schemas.openxmlformats.org/officeDocument/2006/relationships" xmlns:p="http://schemas.openxmlformats.org/presentationml/2006/main">
+  <p:cSld>
+    <p:spTree>
+      <p:nvGrpSpPr>
+        <p:cNvPr id="1" name=""/>
+        <p:cNvGrpSpPr/>
+        <p:nvPr/>
+      </p:nvGrpSpPr>
+      <p:grpSpPr>
+        <a:xfrm>
+          <a:off x="0" y="0"/>
+          <a:ext cx="0" cy="0"/>
+          <a:chOff x="0" y="0"/>
+          <a:chExt cx="0" cy="0"/>
+        </a:xfrm>
+      </p:grpSpPr>
+      <p:sp>
+        <p:nvSpPr>
+          <p:cNvPr id="2" name="Title 1">
+            <a:extLst>
+              <a:ext uri="{FF2B5EF4-FFF2-40B4-BE49-F238E27FC236}">
+                <a16:creationId xmlns:a16="http://schemas.microsoft.com/office/drawing/2014/main" id="{9FECE9C7-FBB0-B54D-8E92-C3BC6CA96ED2}"/>
+              </a:ext>
+            </a:extLst>
+          </p:cNvPr>
+          <p:cNvSpPr>
+            <a:spLocks noGrp="1"/>
+          </p:cNvSpPr>
+          <p:nvPr>
+            <p:ph type="title"/>
+          </p:nvPr>
+        </p:nvSpPr>
+        <p:spPr/>
+        <p:txBody>
+          <a:bodyPr>
+            <a:normAutofit/>
+          </a:bodyPr>
+          <a:lstStyle/>
+          <a:p>
+            <a:pPr>
+              <a:lnSpc>
+                <a:spcPct val="100000"/>
+              </a:lnSpc>
+            </a:pPr>
+            <a:r>
+              <a:rPr lang="en-US" dirty="0">
+                <a:solidFill>
+                  <a:srgbClr val="002060"/>
+                </a:solidFill>
+                <a:latin typeface="Arial" panose="020B0604020202020204" pitchFamily="34" charset="0"/>
+              </a:rPr>
+              <a:t>Summary</a:t>
+            </a:r>
+          </a:p>
+        </p:txBody>
+      </p:sp>
+      <p:sp>
+        <p:nvSpPr>
+          <p:cNvPr id="3" name="Content Placeholder 2">
+            <a:extLst>
+              <a:ext uri="{FF2B5EF4-FFF2-40B4-BE49-F238E27FC236}">
+                <a16:creationId xmlns:a16="http://schemas.microsoft.com/office/drawing/2014/main" id="{1A8FA9B3-1B32-894B-93C2-F90FB63CBDAA}"/>
+              </a:ext>
+            </a:extLst>
+          </p:cNvPr>
+          <p:cNvSpPr>
+            <a:spLocks noGrp="1"/>
+          </p:cNvSpPr>
+          <p:nvPr>
+            <p:ph idx="1"/>
+          </p:nvPr>
+        </p:nvSpPr>
+        <p:spPr/>
+        <p:txBody>
+          <a:bodyPr/>
+          <a:lstStyle/>
+          <a:p>
+            <a:pPr>
+              <a:lnSpc>
+                <a:spcPct val="100000"/>
+              </a:lnSpc>
+            </a:pPr>
+            <a:r>
+              <a:rPr lang="en-US" dirty="0"/>
+              <a:t>Universality in drastically different chiral potentials</a:t>
+            </a:r>
+          </a:p>
+          <a:p>
+            <a:pPr>
+              <a:lnSpc>
+                <a:spcPct val="100000"/>
+              </a:lnSpc>
+            </a:pPr>
+            <a:r>
+              <a:rPr lang="en-US" dirty="0">
+                <a:latin typeface="Arial" panose="020B0604020202020204" pitchFamily="34" charset="0"/>
+              </a:rPr>
+              <a:t>Univer</a:t>
+            </a:r>
+            <a:r>
+              <a:rPr lang="en-US" dirty="0"/>
+              <a:t>sality shows in low-energy states as well</a:t>
+            </a:r>
+          </a:p>
+          <a:p>
+            <a:pPr>
+              <a:lnSpc>
+                <a:spcPct val="100000"/>
+              </a:lnSpc>
+            </a:pPr>
+            <a:r>
+              <a:rPr lang="en-US" dirty="0"/>
+              <a:t>Uncorrelated wave functions, consistently evolved operators with SRG induced terms from UV</a:t>
+            </a:r>
+          </a:p>
+          <a:p>
+            <a:pPr>
+              <a:lnSpc>
+                <a:spcPct val="100000"/>
+              </a:lnSpc>
+            </a:pPr>
+            <a:r>
+              <a:rPr lang="en-US" dirty="0">
+                <a:latin typeface="Arial" panose="020B0604020202020204" pitchFamily="34" charset="0"/>
+              </a:rPr>
+              <a:t>Essentially decoupl</a:t>
+            </a:r>
+            <a:r>
+              <a:rPr lang="en-US" dirty="0"/>
+              <a:t>es calculation from high-energy for low-energy states</a:t>
+            </a:r>
+          </a:p>
+        </p:txBody>
+      </p:sp>
+    </p:spTree>
+    <p:extLst>
+      <p:ext uri="{BB962C8B-B14F-4D97-AF65-F5344CB8AC3E}">
+        <p14:creationId xmlns:p14="http://schemas.microsoft.com/office/powerpoint/2010/main" val="3739908508"/>
+      </p:ext>
+    </p:extLst>
+  </p:cSld>
+  <p:clrMapOvr>
+    <a:masterClrMapping/>
+  </p:clrMapOvr>
+</p:sld>
+</file>
+
+<file path=ppt/slides/slide16.xml><?xml version="1.0" encoding="utf-8"?>
+<p:sld xmlns:a="http://schemas.openxmlformats.org/drawingml/2006/main" xmlns:r="http://schemas.openxmlformats.org/officeDocument/2006/relationships" xmlns:p="http://schemas.openxmlformats.org/presentationml/2006/main">
+  <p:cSld>
+    <p:spTree>
+      <p:nvGrpSpPr>
+        <p:cNvPr id="1" name=""/>
+        <p:cNvGrpSpPr/>
+        <p:nvPr/>
+      </p:nvGrpSpPr>
+      <p:grpSpPr>
+        <a:xfrm>
+          <a:off x="0" y="0"/>
+          <a:ext cx="0" cy="0"/>
+          <a:chOff x="0" y="0"/>
+          <a:chExt cx="0" cy="0"/>
+        </a:xfrm>
+      </p:grpSpPr>
+      <p:sp>
+        <p:nvSpPr>
+          <p:cNvPr id="2" name="Title 1">
+            <a:extLst>
+              <a:ext uri="{FF2B5EF4-FFF2-40B4-BE49-F238E27FC236}">
+                <a16:creationId xmlns:a16="http://schemas.microsoft.com/office/drawing/2014/main" id="{9FECE9C7-FBB0-B54D-8E92-C3BC6CA96ED2}"/>
+              </a:ext>
+            </a:extLst>
+          </p:cNvPr>
+          <p:cNvSpPr>
+            <a:spLocks noGrp="1"/>
+          </p:cNvSpPr>
+          <p:nvPr>
+            <p:ph type="title"/>
+          </p:nvPr>
+        </p:nvSpPr>
+        <p:spPr/>
+        <p:txBody>
+          <a:bodyPr>
+            <a:normAutofit/>
+          </a:bodyPr>
+          <a:lstStyle/>
+          <a:p>
+            <a:pPr>
+              <a:lnSpc>
+                <a:spcPct val="100000"/>
+              </a:lnSpc>
+            </a:pPr>
+            <a:r>
+              <a:rPr lang="en-US" dirty="0">
+                <a:solidFill>
+                  <a:srgbClr val="002060"/>
+                </a:solidFill>
+                <a:latin typeface="Arial" panose="020B0604020202020204" pitchFamily="34" charset="0"/>
+              </a:rPr>
+              <a:t>Outlook</a:t>
+            </a:r>
+          </a:p>
+        </p:txBody>
+      </p:sp>
+      <p:sp>
+        <p:nvSpPr>
+          <p:cNvPr id="3" name="Content Placeholder 2">
+            <a:extLst>
+              <a:ext uri="{FF2B5EF4-FFF2-40B4-BE49-F238E27FC236}">
+                <a16:creationId xmlns:a16="http://schemas.microsoft.com/office/drawing/2014/main" id="{1A8FA9B3-1B32-894B-93C2-F90FB63CBDAA}"/>
+              </a:ext>
+            </a:extLst>
+          </p:cNvPr>
+          <p:cNvSpPr>
+            <a:spLocks noGrp="1"/>
+          </p:cNvSpPr>
+          <p:nvPr>
+            <p:ph idx="1"/>
+          </p:nvPr>
+        </p:nvSpPr>
+        <p:spPr/>
+        <p:txBody>
+          <a:bodyPr/>
+          <a:lstStyle/>
+          <a:p>
+            <a:pPr>
+              <a:lnSpc>
+                <a:spcPct val="100000"/>
+              </a:lnSpc>
+            </a:pPr>
+            <a:r>
+              <a:rPr lang="en-US" dirty="0"/>
+              <a:t>Universality in drastically different chiral potentials</a:t>
+            </a:r>
+          </a:p>
+          <a:p>
+            <a:pPr>
+              <a:lnSpc>
+                <a:spcPct val="100000"/>
+              </a:lnSpc>
+            </a:pPr>
+            <a:r>
+              <a:rPr lang="en-US" dirty="0"/>
+              <a:t>Universality shows in low-energy states as well</a:t>
+            </a:r>
+          </a:p>
+          <a:p>
+            <a:pPr>
+              <a:lnSpc>
+                <a:spcPct val="100000"/>
+              </a:lnSpc>
+            </a:pPr>
+            <a:r>
+              <a:rPr lang="en-US" dirty="0"/>
+              <a:t>Uncorrelated wave functions, consistently evolved operators with SRG induced terms from UV</a:t>
+            </a:r>
+          </a:p>
+          <a:p>
+            <a:pPr>
+              <a:lnSpc>
+                <a:spcPct val="100000"/>
+              </a:lnSpc>
+            </a:pPr>
+            <a:r>
+              <a:rPr lang="en-US" dirty="0"/>
+              <a:t>Essentially decouples calculation from high-energy for low-energy states</a:t>
+            </a:r>
+          </a:p>
+          <a:p>
+            <a:pPr>
+              <a:lnSpc>
+                <a:spcPct val="100000"/>
+              </a:lnSpc>
+            </a:pPr>
+            <a:endParaRPr lang="en-US" dirty="0"/>
+          </a:p>
+        </p:txBody>
+      </p:sp>
+    </p:spTree>
+    <p:extLst>
+      <p:ext uri="{BB962C8B-B14F-4D97-AF65-F5344CB8AC3E}">
+        <p14:creationId xmlns:p14="http://schemas.microsoft.com/office/powerpoint/2010/main" val="1363396783"/>
       </p:ext>
     </p:extLst>
   </p:cSld>
@@ -4198,46 +6832,151 @@
                 </a:solidFill>
                 <a:latin typeface="Arial" panose="020B0604020202020204" pitchFamily="34" charset="0"/>
               </a:rPr>
-              <a:t>Slide title</a:t>
-            </a:r>
-          </a:p>
-        </p:txBody>
-      </p:sp>
-      <p:sp>
-        <p:nvSpPr>
-          <p:cNvPr id="3" name="Content Placeholder 2">
-            <a:extLst>
-              <a:ext uri="{FF2B5EF4-FFF2-40B4-BE49-F238E27FC236}">
-                <a16:creationId xmlns:a16="http://schemas.microsoft.com/office/drawing/2014/main" id="{1A8FA9B3-1B32-894B-93C2-F90FB63CBDAA}"/>
-              </a:ext>
-            </a:extLst>
-          </p:cNvPr>
-          <p:cNvSpPr>
-            <a:spLocks noGrp="1"/>
-          </p:cNvSpPr>
-          <p:nvPr>
-            <p:ph idx="1"/>
-          </p:nvPr>
-        </p:nvSpPr>
-        <p:spPr/>
-        <p:txBody>
-          <a:bodyPr/>
-          <a:lstStyle/>
-          <a:p>
-            <a:pPr>
-              <a:lnSpc>
-                <a:spcPct val="100000"/>
-              </a:lnSpc>
-            </a:pPr>
-            <a:r>
-              <a:rPr lang="en-US" dirty="0">
-                <a:latin typeface="Arial" panose="020B0604020202020204" pitchFamily="34" charset="0"/>
-              </a:rPr>
-              <a:t>Bullet</a:t>
-            </a:r>
-          </a:p>
-        </p:txBody>
-      </p:sp>
+              <a:t>Motivation</a:t>
+            </a:r>
+          </a:p>
+        </p:txBody>
+      </p:sp>
+      <mc:AlternateContent xmlns:mc="http://schemas.openxmlformats.org/markup-compatibility/2006">
+        <mc:Choice xmlns:a14="http://schemas.microsoft.com/office/drawing/2010/main" Requires="a14">
+          <p:sp>
+            <p:nvSpPr>
+              <p:cNvPr id="3" name="Content Placeholder 2">
+                <a:extLst>
+                  <a:ext uri="{FF2B5EF4-FFF2-40B4-BE49-F238E27FC236}">
+                    <a16:creationId xmlns:a16="http://schemas.microsoft.com/office/drawing/2014/main" id="{1A8FA9B3-1B32-894B-93C2-F90FB63CBDAA}"/>
+                  </a:ext>
+                </a:extLst>
+              </p:cNvPr>
+              <p:cNvSpPr>
+                <a:spLocks noGrp="1"/>
+              </p:cNvSpPr>
+              <p:nvPr>
+                <p:ph idx="1"/>
+              </p:nvPr>
+            </p:nvSpPr>
+            <p:spPr/>
+            <p:txBody>
+              <a:bodyPr/>
+              <a:lstStyle/>
+              <a:p>
+                <a:pPr>
+                  <a:lnSpc>
+                    <a:spcPct val="100000"/>
+                  </a:lnSpc>
+                </a:pPr>
+                <a:r>
+                  <a:rPr lang="en-US" dirty="0"/>
+                  <a:t>Explosion of new NN interactions from chiral effective field theory (</a:t>
+                </a:r>
+                <a14:m>
+                  <m:oMath xmlns:m="http://schemas.openxmlformats.org/officeDocument/2006/math">
+                    <m:r>
+                      <a:rPr lang="en-US" i="1">
+                        <a:latin typeface="Cambria Math" panose="02040503050406030204" pitchFamily="18" charset="0"/>
+                        <a:ea typeface="Cambria Math" panose="02040503050406030204" pitchFamily="18" charset="0"/>
+                      </a:rPr>
+                      <m:t>𝜒</m:t>
+                    </m:r>
+                  </m:oMath>
+                </a14:m>
+                <a:r>
+                  <a:rPr lang="en-US" baseline="30000" dirty="0"/>
+                  <a:t>EFT</a:t>
+                </a:r>
+                <a:r>
+                  <a:rPr lang="en-US" dirty="0"/>
+                  <a:t>) in the last few years</a:t>
+                </a:r>
+              </a:p>
+              <a:p>
+                <a:pPr>
+                  <a:lnSpc>
+                    <a:spcPct val="100000"/>
+                  </a:lnSpc>
+                </a:pPr>
+                <a:r>
+                  <a:rPr lang="en-US" dirty="0"/>
+                  <a:t>Previous SRG studies of operators were limited to phenomenological models or one </a:t>
+                </a:r>
+                <a14:m>
+                  <m:oMath xmlns:m="http://schemas.openxmlformats.org/officeDocument/2006/math">
+                    <m:r>
+                      <a:rPr lang="en-US" i="1">
+                        <a:latin typeface="Cambria Math" panose="02040503050406030204" pitchFamily="18" charset="0"/>
+                        <a:ea typeface="Cambria Math" panose="02040503050406030204" pitchFamily="18" charset="0"/>
+                      </a:rPr>
+                      <m:t>𝜒</m:t>
+                    </m:r>
+                  </m:oMath>
+                </a14:m>
+                <a:r>
+                  <a:rPr lang="en-US" baseline="30000" dirty="0"/>
+                  <a:t>EFT</a:t>
+                </a:r>
+                <a:r>
+                  <a:rPr lang="en-US" dirty="0"/>
+                  <a:t> interaction</a:t>
+                </a:r>
+              </a:p>
+              <a:p>
+                <a:pPr>
+                  <a:lnSpc>
+                    <a:spcPct val="100000"/>
+                  </a:lnSpc>
+                </a:pPr>
+                <a:r>
+                  <a:rPr lang="en-US" dirty="0">
+                    <a:solidFill>
+                      <a:srgbClr val="C00000"/>
+                    </a:solidFill>
+                  </a:rPr>
+                  <a:t>Revisit the question of how different potentials (regulator functions, cutoff, order, etc.) change under SRG transformations and how these transformations affect other operators</a:t>
+                </a:r>
+              </a:p>
+            </p:txBody>
+          </p:sp>
+        </mc:Choice>
+        <mc:Fallback>
+          <p:sp>
+            <p:nvSpPr>
+              <p:cNvPr id="3" name="Content Placeholder 2">
+                <a:extLst>
+                  <a:ext uri="{FF2B5EF4-FFF2-40B4-BE49-F238E27FC236}">
+                    <a16:creationId xmlns:a16="http://schemas.microsoft.com/office/drawing/2014/main" id="{1A8FA9B3-1B32-894B-93C2-F90FB63CBDAA}"/>
+                  </a:ext>
+                </a:extLst>
+              </p:cNvPr>
+              <p:cNvSpPr>
+                <a:spLocks noGrp="1" noRot="1" noChangeAspect="1" noMove="1" noResize="1" noEditPoints="1" noAdjustHandles="1" noChangeArrowheads="1" noChangeShapeType="1" noTextEdit="1"/>
+              </p:cNvSpPr>
+              <p:nvPr>
+                <p:ph idx="1"/>
+              </p:nvPr>
+            </p:nvSpPr>
+            <p:spPr>
+              <a:blipFill>
+                <a:blip r:embed="rId2"/>
+                <a:stretch>
+                  <a:fillRect l="-965" t="-1754" r="-1930"/>
+                </a:stretch>
+              </a:blipFill>
+            </p:spPr>
+            <p:txBody>
+              <a:bodyPr/>
+              <a:lstStyle/>
+              <a:p>
+                <a:r>
+                  <a:rPr lang="en-US">
+                    <a:noFill/>
+                  </a:rPr>
+                  <a:t> </a:t>
+                </a:r>
+              </a:p>
+            </p:txBody>
+          </p:sp>
+        </mc:Fallback>
+      </mc:AlternateContent>
     </p:spTree>
     <p:extLst>
       <p:ext uri="{BB962C8B-B14F-4D97-AF65-F5344CB8AC3E}">
@@ -4301,46 +7040,706 @@
                 </a:solidFill>
                 <a:latin typeface="Arial" panose="020B0604020202020204" pitchFamily="34" charset="0"/>
               </a:rPr>
-              <a:t>Slide title</a:t>
-            </a:r>
-          </a:p>
-        </p:txBody>
-      </p:sp>
-      <p:sp>
-        <p:nvSpPr>
-          <p:cNvPr id="3" name="Content Placeholder 2">
-            <a:extLst>
-              <a:ext uri="{FF2B5EF4-FFF2-40B4-BE49-F238E27FC236}">
-                <a16:creationId xmlns:a16="http://schemas.microsoft.com/office/drawing/2014/main" id="{1A8FA9B3-1B32-894B-93C2-F90FB63CBDAA}"/>
-              </a:ext>
-            </a:extLst>
-          </p:cNvPr>
-          <p:cNvSpPr>
-            <a:spLocks noGrp="1"/>
-          </p:cNvSpPr>
-          <p:nvPr>
-            <p:ph idx="1"/>
-          </p:nvPr>
-        </p:nvSpPr>
-        <p:spPr/>
-        <p:txBody>
-          <a:bodyPr/>
-          <a:lstStyle/>
-          <a:p>
-            <a:pPr>
-              <a:lnSpc>
-                <a:spcPct val="100000"/>
-              </a:lnSpc>
-            </a:pPr>
-            <a:r>
-              <a:rPr lang="en-US" dirty="0">
-                <a:latin typeface="Arial" panose="020B0604020202020204" pitchFamily="34" charset="0"/>
-              </a:rPr>
-              <a:t>Bullet</a:t>
-            </a:r>
-          </a:p>
-        </p:txBody>
-      </p:sp>
+              <a:t>SRG Formalism</a:t>
+            </a:r>
+          </a:p>
+        </p:txBody>
+      </p:sp>
+      <mc:AlternateContent xmlns:mc="http://schemas.openxmlformats.org/markup-compatibility/2006">
+        <mc:Choice xmlns:a14="http://schemas.microsoft.com/office/drawing/2010/main" Requires="a14">
+          <p:sp>
+            <p:nvSpPr>
+              <p:cNvPr id="3" name="Content Placeholder 2">
+                <a:extLst>
+                  <a:ext uri="{FF2B5EF4-FFF2-40B4-BE49-F238E27FC236}">
+                    <a16:creationId xmlns:a16="http://schemas.microsoft.com/office/drawing/2014/main" id="{1A8FA9B3-1B32-894B-93C2-F90FB63CBDAA}"/>
+                  </a:ext>
+                </a:extLst>
+              </p:cNvPr>
+              <p:cNvSpPr>
+                <a:spLocks noGrp="1"/>
+              </p:cNvSpPr>
+              <p:nvPr>
+                <p:ph idx="1"/>
+              </p:nvPr>
+            </p:nvSpPr>
+            <p:spPr/>
+            <p:txBody>
+              <a:bodyPr/>
+              <a:lstStyle/>
+              <a:p>
+                <a:pPr>
+                  <a:lnSpc>
+                    <a:spcPct val="100000"/>
+                  </a:lnSpc>
+                </a:pPr>
+                <a:r>
+                  <a:rPr lang="en-US" dirty="0">
+                    <a:cs typeface="Arial" panose="020B0604020202020204" pitchFamily="34" charset="0"/>
+                  </a:rPr>
+                  <a:t>SRG transformations decouple low- and high-momenta in Hamiltonian</a:t>
+                </a:r>
+              </a:p>
+              <a:p>
+                <a:pPr marL="0" indent="0" algn="ctr">
+                  <a:lnSpc>
+                    <a:spcPct val="100000"/>
+                  </a:lnSpc>
+                  <a:buNone/>
+                </a:pPr>
+                <a14:m>
+                  <m:oMathPara xmlns:m="http://schemas.openxmlformats.org/officeDocument/2006/math">
+                    <m:oMathParaPr>
+                      <m:jc m:val="centerGroup"/>
+                    </m:oMathParaPr>
+                    <m:oMath xmlns:m="http://schemas.openxmlformats.org/officeDocument/2006/math">
+                      <m:r>
+                        <a:rPr lang="en-US" altLang="en-US" i="1">
+                          <a:solidFill>
+                            <a:srgbClr val="C00000"/>
+                          </a:solidFill>
+                          <a:latin typeface="Cambria Math" panose="02040503050406030204" pitchFamily="18" charset="0"/>
+                        </a:rPr>
+                        <m:t>𝐻</m:t>
+                      </m:r>
+                      <m:r>
+                        <a:rPr lang="en-US" altLang="en-US" i="1">
+                          <a:solidFill>
+                            <a:srgbClr val="C00000"/>
+                          </a:solidFill>
+                          <a:latin typeface="Cambria Math" panose="02040503050406030204" pitchFamily="18" charset="0"/>
+                        </a:rPr>
+                        <m:t>(</m:t>
+                      </m:r>
+                      <m:r>
+                        <a:rPr lang="en-US" altLang="en-US" i="1">
+                          <a:solidFill>
+                            <a:srgbClr val="C00000"/>
+                          </a:solidFill>
+                          <a:latin typeface="Cambria Math" panose="02040503050406030204" pitchFamily="18" charset="0"/>
+                        </a:rPr>
+                        <m:t>𝑠</m:t>
+                      </m:r>
+                      <m:r>
+                        <a:rPr lang="en-US" altLang="en-US" i="1">
+                          <a:solidFill>
+                            <a:srgbClr val="C00000"/>
+                          </a:solidFill>
+                          <a:latin typeface="Cambria Math" panose="02040503050406030204" pitchFamily="18" charset="0"/>
+                        </a:rPr>
+                        <m:t>)=</m:t>
+                      </m:r>
+                      <m:r>
+                        <a:rPr lang="en-US" altLang="en-US" i="1">
+                          <a:solidFill>
+                            <a:srgbClr val="C00000"/>
+                          </a:solidFill>
+                          <a:latin typeface="Cambria Math" panose="02040503050406030204" pitchFamily="18" charset="0"/>
+                          <a:ea typeface="Cambria Math" panose="02040503050406030204" pitchFamily="18" charset="0"/>
+                        </a:rPr>
+                        <m:t>𝑈</m:t>
+                      </m:r>
+                      <m:d>
+                        <m:dPr>
+                          <m:ctrlPr>
+                            <a:rPr lang="en-US" altLang="en-US" i="1">
+                              <a:solidFill>
+                                <a:srgbClr val="C00000"/>
+                              </a:solidFill>
+                              <a:latin typeface="Cambria Math" panose="02040503050406030204" pitchFamily="18" charset="0"/>
+                              <a:ea typeface="Cambria Math" panose="02040503050406030204" pitchFamily="18" charset="0"/>
+                            </a:rPr>
+                          </m:ctrlPr>
+                        </m:dPr>
+                        <m:e>
+                          <m:r>
+                            <a:rPr lang="en-US" altLang="en-US" i="1">
+                              <a:solidFill>
+                                <a:srgbClr val="C00000"/>
+                              </a:solidFill>
+                              <a:latin typeface="Cambria Math" panose="02040503050406030204" pitchFamily="18" charset="0"/>
+                              <a:ea typeface="Cambria Math" panose="02040503050406030204" pitchFamily="18" charset="0"/>
+                            </a:rPr>
+                            <m:t>𝑠</m:t>
+                          </m:r>
+                        </m:e>
+                      </m:d>
+                      <m:r>
+                        <a:rPr lang="en-US" altLang="en-US" i="1">
+                          <a:solidFill>
+                            <a:srgbClr val="C00000"/>
+                          </a:solidFill>
+                          <a:latin typeface="Cambria Math" panose="02040503050406030204" pitchFamily="18" charset="0"/>
+                          <a:ea typeface="Cambria Math" panose="02040503050406030204" pitchFamily="18" charset="0"/>
+                        </a:rPr>
+                        <m:t>𝐻</m:t>
+                      </m:r>
+                      <m:d>
+                        <m:dPr>
+                          <m:ctrlPr>
+                            <a:rPr lang="en-US" altLang="en-US" i="1">
+                              <a:solidFill>
+                                <a:srgbClr val="C00000"/>
+                              </a:solidFill>
+                              <a:latin typeface="Cambria Math" panose="02040503050406030204" pitchFamily="18" charset="0"/>
+                              <a:ea typeface="Cambria Math" panose="02040503050406030204" pitchFamily="18" charset="0"/>
+                            </a:rPr>
+                          </m:ctrlPr>
+                        </m:dPr>
+                        <m:e>
+                          <m:r>
+                            <a:rPr lang="en-US" altLang="en-US" i="1">
+                              <a:solidFill>
+                                <a:srgbClr val="C00000"/>
+                              </a:solidFill>
+                              <a:latin typeface="Cambria Math" panose="02040503050406030204" pitchFamily="18" charset="0"/>
+                              <a:ea typeface="Cambria Math" panose="02040503050406030204" pitchFamily="18" charset="0"/>
+                            </a:rPr>
+                            <m:t>0</m:t>
+                          </m:r>
+                        </m:e>
+                      </m:d>
+                      <m:sSup>
+                        <m:sSupPr>
+                          <m:ctrlPr>
+                            <a:rPr lang="en-US" altLang="en-US" i="1">
+                              <a:solidFill>
+                                <a:srgbClr val="C00000"/>
+                              </a:solidFill>
+                              <a:latin typeface="Cambria Math" panose="02040503050406030204" pitchFamily="18" charset="0"/>
+                              <a:ea typeface="Cambria Math" panose="02040503050406030204" pitchFamily="18" charset="0"/>
+                            </a:rPr>
+                          </m:ctrlPr>
+                        </m:sSupPr>
+                        <m:e>
+                          <m:r>
+                            <a:rPr lang="en-US" altLang="en-US" i="1">
+                              <a:solidFill>
+                                <a:srgbClr val="C00000"/>
+                              </a:solidFill>
+                              <a:latin typeface="Cambria Math" panose="02040503050406030204" pitchFamily="18" charset="0"/>
+                              <a:ea typeface="Cambria Math" panose="02040503050406030204" pitchFamily="18" charset="0"/>
+                            </a:rPr>
+                            <m:t>𝑈</m:t>
+                          </m:r>
+                        </m:e>
+                        <m:sup>
+                          <m:r>
+                            <a:rPr lang="en-US" altLang="en-US" i="1">
+                              <a:solidFill>
+                                <a:srgbClr val="C00000"/>
+                              </a:solidFill>
+                              <a:latin typeface="Cambria Math" panose="02040503050406030204" pitchFamily="18" charset="0"/>
+                              <a:ea typeface="Cambria Math" panose="02040503050406030204" pitchFamily="18" charset="0"/>
+                            </a:rPr>
+                            <m:t>†</m:t>
+                          </m:r>
+                        </m:sup>
+                      </m:sSup>
+                      <m:r>
+                        <a:rPr lang="en-US" altLang="en-US" i="1">
+                          <a:solidFill>
+                            <a:srgbClr val="C00000"/>
+                          </a:solidFill>
+                          <a:latin typeface="Cambria Math" panose="02040503050406030204" pitchFamily="18" charset="0"/>
+                          <a:ea typeface="Cambria Math" panose="02040503050406030204" pitchFamily="18" charset="0"/>
+                        </a:rPr>
+                        <m:t>(</m:t>
+                      </m:r>
+                      <m:r>
+                        <a:rPr lang="en-US" altLang="en-US" i="1">
+                          <a:solidFill>
+                            <a:srgbClr val="C00000"/>
+                          </a:solidFill>
+                          <a:latin typeface="Cambria Math" panose="02040503050406030204" pitchFamily="18" charset="0"/>
+                          <a:ea typeface="Cambria Math" panose="02040503050406030204" pitchFamily="18" charset="0"/>
+                        </a:rPr>
+                        <m:t>𝑠</m:t>
+                      </m:r>
+                      <m:r>
+                        <a:rPr lang="en-US" altLang="en-US" i="1">
+                          <a:solidFill>
+                            <a:srgbClr val="C00000"/>
+                          </a:solidFill>
+                          <a:latin typeface="Cambria Math" panose="02040503050406030204" pitchFamily="18" charset="0"/>
+                          <a:ea typeface="Cambria Math" panose="02040503050406030204" pitchFamily="18" charset="0"/>
+                        </a:rPr>
+                        <m:t>)</m:t>
+                      </m:r>
+                    </m:oMath>
+                  </m:oMathPara>
+                </a14:m>
+                <a:endParaRPr lang="en-US" altLang="en-US" dirty="0">
+                  <a:solidFill>
+                    <a:srgbClr val="C00000"/>
+                  </a:solidFill>
+                </a:endParaRPr>
+              </a:p>
+              <a:p>
+                <a:pPr marL="0" indent="0">
+                  <a:lnSpc>
+                    <a:spcPct val="100000"/>
+                  </a:lnSpc>
+                  <a:buNone/>
+                </a:pPr>
+                <a:r>
+                  <a:rPr lang="en-US" altLang="en-US" dirty="0"/>
+                  <a:t>  where </a:t>
+                </a:r>
+                <a14:m>
+                  <m:oMath xmlns:m="http://schemas.openxmlformats.org/officeDocument/2006/math">
+                    <m:r>
+                      <a:rPr lang="en-US" altLang="en-US" i="1">
+                        <a:latin typeface="Cambria Math" panose="02040503050406030204" pitchFamily="18" charset="0"/>
+                      </a:rPr>
+                      <m:t>𝑠</m:t>
+                    </m:r>
+                    <m:r>
+                      <a:rPr lang="en-US" altLang="en-US" i="1">
+                        <a:latin typeface="Cambria Math" panose="02040503050406030204" pitchFamily="18" charset="0"/>
+                      </a:rPr>
+                      <m:t>=0→∞</m:t>
+                    </m:r>
+                  </m:oMath>
+                </a14:m>
+                <a:endParaRPr lang="en-US" altLang="en-US" dirty="0">
+                  <a:ea typeface="Cambria Math" panose="02040503050406030204" pitchFamily="18" charset="0"/>
+                </a:endParaRPr>
+              </a:p>
+              <a:p>
+                <a:pPr>
+                  <a:lnSpc>
+                    <a:spcPct val="100000"/>
+                  </a:lnSpc>
+                </a:pPr>
+                <a:r>
+                  <a:rPr lang="en-US" altLang="en-US" dirty="0"/>
+                  <a:t>In practice, solve differential flow equation</a:t>
+                </a:r>
+              </a:p>
+              <a:p>
+                <a:pPr marL="0" indent="0" algn="ctr">
+                  <a:lnSpc>
+                    <a:spcPct val="100000"/>
+                  </a:lnSpc>
+                  <a:buNone/>
+                </a:pPr>
+                <a14:m>
+                  <m:oMathPara xmlns:m="http://schemas.openxmlformats.org/officeDocument/2006/math">
+                    <m:oMathParaPr>
+                      <m:jc m:val="centerGroup"/>
+                    </m:oMathParaPr>
+                    <m:oMath xmlns:m="http://schemas.openxmlformats.org/officeDocument/2006/math">
+                      <m:f>
+                        <m:fPr>
+                          <m:ctrlPr>
+                            <a:rPr lang="en-US" altLang="en-US" i="1">
+                              <a:solidFill>
+                                <a:srgbClr val="C00000"/>
+                              </a:solidFill>
+                              <a:latin typeface="Cambria Math" panose="02040503050406030204" pitchFamily="18" charset="0"/>
+                            </a:rPr>
+                          </m:ctrlPr>
+                        </m:fPr>
+                        <m:num>
+                          <m:r>
+                            <a:rPr lang="en-US" altLang="en-US" i="1">
+                              <a:solidFill>
+                                <a:srgbClr val="C00000"/>
+                              </a:solidFill>
+                              <a:latin typeface="Cambria Math" panose="02040503050406030204" pitchFamily="18" charset="0"/>
+                            </a:rPr>
+                            <m:t>𝑑𝐻</m:t>
+                          </m:r>
+                          <m:r>
+                            <a:rPr lang="en-US" altLang="en-US" i="1">
+                              <a:solidFill>
+                                <a:srgbClr val="C00000"/>
+                              </a:solidFill>
+                              <a:latin typeface="Cambria Math" panose="02040503050406030204" pitchFamily="18" charset="0"/>
+                            </a:rPr>
+                            <m:t>(</m:t>
+                          </m:r>
+                          <m:r>
+                            <a:rPr lang="en-US" altLang="en-US" i="1">
+                              <a:solidFill>
+                                <a:srgbClr val="C00000"/>
+                              </a:solidFill>
+                              <a:latin typeface="Cambria Math" panose="02040503050406030204" pitchFamily="18" charset="0"/>
+                            </a:rPr>
+                            <m:t>𝑠</m:t>
+                          </m:r>
+                          <m:r>
+                            <a:rPr lang="en-US" altLang="en-US" i="1">
+                              <a:solidFill>
+                                <a:srgbClr val="C00000"/>
+                              </a:solidFill>
+                              <a:latin typeface="Cambria Math" panose="02040503050406030204" pitchFamily="18" charset="0"/>
+                            </a:rPr>
+                            <m:t>)</m:t>
+                          </m:r>
+                        </m:num>
+                        <m:den>
+                          <m:r>
+                            <a:rPr lang="en-US" altLang="en-US" i="1">
+                              <a:solidFill>
+                                <a:srgbClr val="C00000"/>
+                              </a:solidFill>
+                              <a:latin typeface="Cambria Math" panose="02040503050406030204" pitchFamily="18" charset="0"/>
+                            </a:rPr>
+                            <m:t>𝑑𝑠</m:t>
+                          </m:r>
+                        </m:den>
+                      </m:f>
+                      <m:r>
+                        <a:rPr lang="en-US" altLang="en-US" i="1">
+                          <a:solidFill>
+                            <a:srgbClr val="C00000"/>
+                          </a:solidFill>
+                          <a:latin typeface="Cambria Math" panose="02040503050406030204" pitchFamily="18" charset="0"/>
+                        </a:rPr>
+                        <m:t>=[</m:t>
+                      </m:r>
+                      <m:r>
+                        <a:rPr lang="en-US" altLang="en-US" i="1">
+                          <a:solidFill>
+                            <a:srgbClr val="C00000"/>
+                          </a:solidFill>
+                          <a:latin typeface="Cambria Math" panose="02040503050406030204" pitchFamily="18" charset="0"/>
+                          <a:ea typeface="Cambria Math" panose="02040503050406030204" pitchFamily="18" charset="0"/>
+                        </a:rPr>
+                        <m:t>𝜂</m:t>
+                      </m:r>
+                      <m:d>
+                        <m:dPr>
+                          <m:ctrlPr>
+                            <a:rPr lang="en-US" altLang="en-US" i="1">
+                              <a:solidFill>
+                                <a:srgbClr val="C00000"/>
+                              </a:solidFill>
+                              <a:latin typeface="Cambria Math" panose="02040503050406030204" pitchFamily="18" charset="0"/>
+                              <a:ea typeface="Cambria Math" panose="02040503050406030204" pitchFamily="18" charset="0"/>
+                            </a:rPr>
+                          </m:ctrlPr>
+                        </m:dPr>
+                        <m:e>
+                          <m:r>
+                            <a:rPr lang="en-US" altLang="en-US" i="1">
+                              <a:solidFill>
+                                <a:srgbClr val="C00000"/>
+                              </a:solidFill>
+                              <a:latin typeface="Cambria Math" panose="02040503050406030204" pitchFamily="18" charset="0"/>
+                              <a:ea typeface="Cambria Math" panose="02040503050406030204" pitchFamily="18" charset="0"/>
+                            </a:rPr>
+                            <m:t>𝑠</m:t>
+                          </m:r>
+                        </m:e>
+                      </m:d>
+                      <m:r>
+                        <a:rPr lang="en-US" altLang="en-US" i="1">
+                          <a:solidFill>
+                            <a:srgbClr val="C00000"/>
+                          </a:solidFill>
+                          <a:latin typeface="Cambria Math" panose="02040503050406030204" pitchFamily="18" charset="0"/>
+                          <a:ea typeface="Cambria Math" panose="02040503050406030204" pitchFamily="18" charset="0"/>
+                        </a:rPr>
+                        <m:t>,</m:t>
+                      </m:r>
+                      <m:r>
+                        <a:rPr lang="en-US" altLang="en-US" i="1">
+                          <a:solidFill>
+                            <a:srgbClr val="C00000"/>
+                          </a:solidFill>
+                          <a:latin typeface="Cambria Math" panose="02040503050406030204" pitchFamily="18" charset="0"/>
+                          <a:ea typeface="Cambria Math" panose="02040503050406030204" pitchFamily="18" charset="0"/>
+                        </a:rPr>
+                        <m:t>𝐻</m:t>
+                      </m:r>
+                      <m:d>
+                        <m:dPr>
+                          <m:ctrlPr>
+                            <a:rPr lang="en-US" altLang="en-US" i="1">
+                              <a:solidFill>
+                                <a:srgbClr val="C00000"/>
+                              </a:solidFill>
+                              <a:latin typeface="Cambria Math" panose="02040503050406030204" pitchFamily="18" charset="0"/>
+                              <a:ea typeface="Cambria Math" panose="02040503050406030204" pitchFamily="18" charset="0"/>
+                            </a:rPr>
+                          </m:ctrlPr>
+                        </m:dPr>
+                        <m:e>
+                          <m:r>
+                            <a:rPr lang="en-US" altLang="en-US" i="1">
+                              <a:solidFill>
+                                <a:srgbClr val="C00000"/>
+                              </a:solidFill>
+                              <a:latin typeface="Cambria Math" panose="02040503050406030204" pitchFamily="18" charset="0"/>
+                              <a:ea typeface="Cambria Math" panose="02040503050406030204" pitchFamily="18" charset="0"/>
+                            </a:rPr>
+                            <m:t>𝑠</m:t>
+                          </m:r>
+                        </m:e>
+                      </m:d>
+                      <m:r>
+                        <a:rPr lang="en-US" altLang="en-US" i="1">
+                          <a:solidFill>
+                            <a:srgbClr val="C00000"/>
+                          </a:solidFill>
+                          <a:latin typeface="Cambria Math" panose="02040503050406030204" pitchFamily="18" charset="0"/>
+                          <a:ea typeface="Cambria Math" panose="02040503050406030204" pitchFamily="18" charset="0"/>
+                        </a:rPr>
+                        <m:t>]</m:t>
+                      </m:r>
+                    </m:oMath>
+                  </m:oMathPara>
+                </a14:m>
+                <a:endParaRPr lang="en-US" altLang="en-US" dirty="0">
+                  <a:solidFill>
+                    <a:srgbClr val="C00000"/>
+                  </a:solidFill>
+                </a:endParaRPr>
+              </a:p>
+              <a:p>
+                <a:pPr marL="0" indent="0">
+                  <a:lnSpc>
+                    <a:spcPct val="100000"/>
+                  </a:lnSpc>
+                  <a:buNone/>
+                </a:pPr>
+                <a:r>
+                  <a:rPr lang="en-US" dirty="0">
+                    <a:ea typeface="Cambria Math" panose="02040503050406030204" pitchFamily="18" charset="0"/>
+                    <a:cs typeface="Arial" panose="020B0604020202020204" pitchFamily="34" charset="0"/>
+                  </a:rPr>
+                  <a:t>  with SRG generator </a:t>
+                </a:r>
+                <a14:m>
+                  <m:oMath xmlns:m="http://schemas.openxmlformats.org/officeDocument/2006/math">
+                    <m:r>
+                      <a:rPr lang="en-US" i="1">
+                        <a:latin typeface="Cambria Math" panose="02040503050406030204" pitchFamily="18" charset="0"/>
+                        <a:ea typeface="Cambria Math" panose="02040503050406030204" pitchFamily="18" charset="0"/>
+                      </a:rPr>
+                      <m:t>𝜂</m:t>
+                    </m:r>
+                    <m:d>
+                      <m:dPr>
+                        <m:ctrlPr>
+                          <a:rPr lang="en-US" i="1">
+                            <a:latin typeface="Cambria Math" panose="02040503050406030204" pitchFamily="18" charset="0"/>
+                            <a:ea typeface="Cambria Math" panose="02040503050406030204" pitchFamily="18" charset="0"/>
+                          </a:rPr>
+                        </m:ctrlPr>
+                      </m:dPr>
+                      <m:e>
+                        <m:r>
+                          <a:rPr lang="en-US" i="1">
+                            <a:latin typeface="Cambria Math" panose="02040503050406030204" pitchFamily="18" charset="0"/>
+                            <a:ea typeface="Cambria Math" panose="02040503050406030204" pitchFamily="18" charset="0"/>
+                          </a:rPr>
+                          <m:t>𝑠</m:t>
+                        </m:r>
+                      </m:e>
+                    </m:d>
+                    <m:r>
+                      <a:rPr lang="en-US" i="1">
+                        <a:latin typeface="Cambria Math" panose="02040503050406030204" pitchFamily="18" charset="0"/>
+                        <a:ea typeface="Cambria Math" panose="02040503050406030204" pitchFamily="18" charset="0"/>
+                      </a:rPr>
+                      <m:t>≡</m:t>
+                    </m:r>
+                    <m:f>
+                      <m:fPr>
+                        <m:ctrlPr>
+                          <a:rPr lang="is-IS" i="1" dirty="0">
+                            <a:latin typeface="Cambria Math" panose="02040503050406030204" pitchFamily="18" charset="0"/>
+                          </a:rPr>
+                        </m:ctrlPr>
+                      </m:fPr>
+                      <m:num>
+                        <m:r>
+                          <a:rPr lang="en-US" i="1" dirty="0">
+                            <a:latin typeface="Cambria Math" panose="02040503050406030204" pitchFamily="18" charset="0"/>
+                          </a:rPr>
+                          <m:t>𝑑𝑈</m:t>
+                        </m:r>
+                        <m:d>
+                          <m:dPr>
+                            <m:ctrlPr>
+                              <a:rPr lang="en-US" i="1" dirty="0">
+                                <a:latin typeface="Cambria Math" panose="02040503050406030204" pitchFamily="18" charset="0"/>
+                              </a:rPr>
+                            </m:ctrlPr>
+                          </m:dPr>
+                          <m:e>
+                            <m:r>
+                              <a:rPr lang="en-US" i="1" dirty="0">
+                                <a:latin typeface="Cambria Math" panose="02040503050406030204" pitchFamily="18" charset="0"/>
+                              </a:rPr>
+                              <m:t>𝑠</m:t>
+                            </m:r>
+                          </m:e>
+                        </m:d>
+                      </m:num>
+                      <m:den>
+                        <m:r>
+                          <a:rPr lang="en-US" i="1" dirty="0">
+                            <a:latin typeface="Cambria Math" panose="02040503050406030204" pitchFamily="18" charset="0"/>
+                          </a:rPr>
+                          <m:t>𝑑𝑠</m:t>
+                        </m:r>
+                      </m:den>
+                    </m:f>
+                    <m:sSup>
+                      <m:sSupPr>
+                        <m:ctrlPr>
+                          <a:rPr lang="is-IS" i="1" dirty="0">
+                            <a:latin typeface="Cambria Math" panose="02040503050406030204" pitchFamily="18" charset="0"/>
+                          </a:rPr>
+                        </m:ctrlPr>
+                      </m:sSupPr>
+                      <m:e>
+                        <m:r>
+                          <a:rPr lang="en-US" i="1" dirty="0">
+                            <a:latin typeface="Cambria Math" panose="02040503050406030204" pitchFamily="18" charset="0"/>
+                          </a:rPr>
+                          <m:t>𝑈</m:t>
+                        </m:r>
+                      </m:e>
+                      <m:sup>
+                        <m:r>
+                          <a:rPr lang="is-IS" i="1" dirty="0">
+                            <a:latin typeface="Cambria Math" panose="02040503050406030204" pitchFamily="18" charset="0"/>
+                            <a:ea typeface="Cambria Math" panose="02040503050406030204" pitchFamily="18" charset="0"/>
+                          </a:rPr>
+                          <m:t>†</m:t>
+                        </m:r>
+                      </m:sup>
+                    </m:sSup>
+                    <m:d>
+                      <m:dPr>
+                        <m:ctrlPr>
+                          <a:rPr lang="en-US" i="1" dirty="0">
+                            <a:latin typeface="Cambria Math" panose="02040503050406030204" pitchFamily="18" charset="0"/>
+                          </a:rPr>
+                        </m:ctrlPr>
+                      </m:dPr>
+                      <m:e>
+                        <m:r>
+                          <a:rPr lang="en-US" i="1" dirty="0">
+                            <a:latin typeface="Cambria Math" panose="02040503050406030204" pitchFamily="18" charset="0"/>
+                          </a:rPr>
+                          <m:t>𝑠</m:t>
+                        </m:r>
+                      </m:e>
+                    </m:d>
+                    <m:r>
+                      <a:rPr lang="en-US" i="1" dirty="0">
+                        <a:latin typeface="Cambria Math" panose="02040503050406030204" pitchFamily="18" charset="0"/>
+                      </a:rPr>
+                      <m:t>=</m:t>
+                    </m:r>
+                    <m:r>
+                      <a:rPr lang="en-US" i="1">
+                        <a:latin typeface="Cambria Math" panose="02040503050406030204" pitchFamily="18" charset="0"/>
+                        <a:ea typeface="Cambria Math" panose="02040503050406030204" pitchFamily="18" charset="0"/>
+                      </a:rPr>
+                      <m:t>[</m:t>
+                    </m:r>
+                    <m:r>
+                      <a:rPr lang="en-US" i="1">
+                        <a:latin typeface="Cambria Math" panose="02040503050406030204" pitchFamily="18" charset="0"/>
+                        <a:ea typeface="Cambria Math" panose="02040503050406030204" pitchFamily="18" charset="0"/>
+                      </a:rPr>
+                      <m:t>𝐺</m:t>
+                    </m:r>
+                    <m:r>
+                      <a:rPr lang="en-US" i="1">
+                        <a:latin typeface="Cambria Math" panose="02040503050406030204" pitchFamily="18" charset="0"/>
+                        <a:ea typeface="Cambria Math" panose="02040503050406030204" pitchFamily="18" charset="0"/>
+                      </a:rPr>
+                      <m:t>,</m:t>
+                    </m:r>
+                    <m:r>
+                      <a:rPr lang="en-US" i="1">
+                        <a:latin typeface="Cambria Math" panose="02040503050406030204" pitchFamily="18" charset="0"/>
+                        <a:ea typeface="Cambria Math" panose="02040503050406030204" pitchFamily="18" charset="0"/>
+                      </a:rPr>
+                      <m:t>𝐻</m:t>
+                    </m:r>
+                    <m:d>
+                      <m:dPr>
+                        <m:ctrlPr>
+                          <a:rPr lang="en-US" i="1">
+                            <a:latin typeface="Cambria Math" panose="02040503050406030204" pitchFamily="18" charset="0"/>
+                            <a:ea typeface="Cambria Math" panose="02040503050406030204" pitchFamily="18" charset="0"/>
+                          </a:rPr>
+                        </m:ctrlPr>
+                      </m:dPr>
+                      <m:e>
+                        <m:r>
+                          <a:rPr lang="en-US" i="1">
+                            <a:latin typeface="Cambria Math" panose="02040503050406030204" pitchFamily="18" charset="0"/>
+                          </a:rPr>
+                          <m:t>𝑠</m:t>
+                        </m:r>
+                      </m:e>
+                    </m:d>
+                    <m:r>
+                      <a:rPr lang="en-US" i="1">
+                        <a:latin typeface="Cambria Math" panose="02040503050406030204" pitchFamily="18" charset="0"/>
+                      </a:rPr>
+                      <m:t>]</m:t>
+                    </m:r>
+                  </m:oMath>
+                </a14:m>
+                <a:endParaRPr lang="en-US" dirty="0">
+                  <a:cs typeface="Arial" panose="020B0604020202020204" pitchFamily="34" charset="0"/>
+                </a:endParaRPr>
+              </a:p>
+            </p:txBody>
+          </p:sp>
+        </mc:Choice>
+        <mc:Fallback>
+          <p:sp>
+            <p:nvSpPr>
+              <p:cNvPr id="3" name="Content Placeholder 2">
+                <a:extLst>
+                  <a:ext uri="{FF2B5EF4-FFF2-40B4-BE49-F238E27FC236}">
+                    <a16:creationId xmlns:a16="http://schemas.microsoft.com/office/drawing/2014/main" id="{1A8FA9B3-1B32-894B-93C2-F90FB63CBDAA}"/>
+                  </a:ext>
+                </a:extLst>
+              </p:cNvPr>
+              <p:cNvSpPr>
+                <a:spLocks noGrp="1" noRot="1" noChangeAspect="1" noMove="1" noResize="1" noEditPoints="1" noAdjustHandles="1" noChangeArrowheads="1" noChangeShapeType="1" noTextEdit="1"/>
+              </p:cNvSpPr>
+              <p:nvPr>
+                <p:ph idx="1"/>
+              </p:nvPr>
+            </p:nvSpPr>
+            <p:spPr>
+              <a:blipFill>
+                <a:blip r:embed="rId2"/>
+                <a:stretch>
+                  <a:fillRect l="-965" t="-1754"/>
+                </a:stretch>
+              </a:blipFill>
+            </p:spPr>
+            <p:txBody>
+              <a:bodyPr/>
+              <a:lstStyle/>
+              <a:p>
+                <a:r>
+                  <a:rPr lang="en-US">
+                    <a:noFill/>
+                  </a:rPr>
+                  <a:t> </a:t>
+                </a:r>
+              </a:p>
+            </p:txBody>
+          </p:sp>
+        </mc:Fallback>
+      </mc:AlternateContent>
     </p:spTree>
     <p:extLst>
       <p:ext uri="{BB962C8B-B14F-4D97-AF65-F5344CB8AC3E}">
@@ -4404,7 +7803,7 @@
                 </a:solidFill>
                 <a:latin typeface="Arial" panose="020B0604020202020204" pitchFamily="34" charset="0"/>
               </a:rPr>
-              <a:t>Slide title</a:t>
+              <a:t>Universality of potentials</a:t>
             </a:r>
           </a:p>
         </p:txBody>
@@ -4425,9 +7824,16 @@
             <p:ph idx="1"/>
           </p:nvPr>
         </p:nvSpPr>
-        <p:spPr/>
-        <p:txBody>
-          <a:bodyPr/>
+        <p:spPr>
+          <a:xfrm>
+            <a:off x="838200" y="1825625"/>
+            <a:ext cx="2998076" cy="4351338"/>
+          </a:xfrm>
+        </p:spPr>
+        <p:txBody>
+          <a:bodyPr>
+            <a:normAutofit/>
+          </a:bodyPr>
           <a:lstStyle/>
           <a:p>
             <a:pPr>
@@ -4436,11 +7842,250 @@
               </a:lnSpc>
             </a:pPr>
             <a:r>
-              <a:rPr lang="en-US" dirty="0">
+              <a:rPr lang="en-US" sz="2400" dirty="0"/>
+              <a:t>Variety of NN interactions - at low-resolution they are the same thing</a:t>
+            </a:r>
+          </a:p>
+          <a:p>
+            <a:pPr>
+              <a:lnSpc>
+                <a:spcPct val="100000"/>
+              </a:lnSpc>
+            </a:pPr>
+            <a:r>
+              <a:rPr lang="en-US" sz="2400" dirty="0"/>
+              <a:t>Cite papers</a:t>
+            </a:r>
+          </a:p>
+          <a:p>
+            <a:pPr>
+              <a:lnSpc>
+                <a:spcPct val="100000"/>
+              </a:lnSpc>
+            </a:pPr>
+            <a:r>
+              <a:rPr lang="en-US" sz="2400" dirty="0"/>
+              <a:t>Define \lambda</a:t>
+            </a:r>
+          </a:p>
+          <a:p>
+            <a:pPr>
+              <a:lnSpc>
+                <a:spcPct val="100000"/>
+              </a:lnSpc>
+            </a:pPr>
+            <a:r>
+              <a:rPr lang="en-US" sz="2400" dirty="0"/>
+              <a:t>Explanation of universality: phase equivalence</a:t>
+            </a:r>
+          </a:p>
+        </p:txBody>
+      </p:sp>
+      <p:pic>
+        <p:nvPicPr>
+          <p:cNvPr id="5" name="Picture 4" descr="A picture containing screenshot&#10;&#10;Description automatically generated">
+            <a:extLst>
+              <a:ext uri="{FF2B5EF4-FFF2-40B4-BE49-F238E27FC236}">
+                <a16:creationId xmlns:a16="http://schemas.microsoft.com/office/drawing/2014/main" id="{33C450BC-17AB-2F48-B300-078AB01FC7C9}"/>
+              </a:ext>
+            </a:extLst>
+          </p:cNvPr>
+          <p:cNvPicPr>
+            <a:picLocks noChangeAspect="1"/>
+          </p:cNvPicPr>
+          <p:nvPr/>
+        </p:nvPicPr>
+        <p:blipFill>
+          <a:blip r:embed="rId2"/>
+          <a:stretch>
+            <a:fillRect/>
+          </a:stretch>
+        </p:blipFill>
+        <p:spPr>
+          <a:xfrm>
+            <a:off x="3925909" y="1690688"/>
+            <a:ext cx="8266091" cy="5167312"/>
+          </a:xfrm>
+          <a:prstGeom prst="rect">
+            <a:avLst/>
+          </a:prstGeom>
+        </p:spPr>
+      </p:pic>
+      <p:sp>
+        <p:nvSpPr>
+          <p:cNvPr id="6" name="Rectangle 5">
+            <a:extLst>
+              <a:ext uri="{FF2B5EF4-FFF2-40B4-BE49-F238E27FC236}">
+                <a16:creationId xmlns:a16="http://schemas.microsoft.com/office/drawing/2014/main" id="{7AF1E1FC-8C92-B14F-A1F9-79C1D71F642C}"/>
+              </a:ext>
+            </a:extLst>
+          </p:cNvPr>
+          <p:cNvSpPr/>
+          <p:nvPr/>
+        </p:nvSpPr>
+        <p:spPr>
+          <a:xfrm>
+            <a:off x="7842030" y="209167"/>
+            <a:ext cx="3930870" cy="1384995"/>
+          </a:xfrm>
+          <a:prstGeom prst="rect">
+            <a:avLst/>
+          </a:prstGeom>
+        </p:spPr>
+        <p:txBody>
+          <a:bodyPr wrap="square">
+            <a:spAutoFit/>
+          </a:bodyPr>
+          <a:lstStyle/>
+          <a:p>
+            <a:r>
+              <a:rPr lang="en-US" altLang="en-US" sz="1400" baseline="30000" dirty="0">
                 <a:latin typeface="Arial" panose="020B0604020202020204" pitchFamily="34" charset="0"/>
+                <a:cs typeface="Arial" panose="020B0604020202020204" pitchFamily="34" charset="0"/>
               </a:rPr>
-              <a:t>Bullet</a:t>
-            </a:r>
+              <a:t>1</a:t>
+            </a:r>
+            <a:r>
+              <a:rPr lang="en-US" sz="1400" dirty="0">
+                <a:latin typeface="Arial" panose="020B0604020202020204" pitchFamily="34" charset="0"/>
+                <a:cs typeface="Arial" panose="020B0604020202020204" pitchFamily="34" charset="0"/>
+              </a:rPr>
+              <a:t>D.R. </a:t>
+            </a:r>
+            <a:r>
+              <a:rPr lang="en-US" sz="1400" dirty="0" err="1">
+                <a:latin typeface="Arial" panose="020B0604020202020204" pitchFamily="34" charset="0"/>
+                <a:cs typeface="Arial" panose="020B0604020202020204" pitchFamily="34" charset="0"/>
+              </a:rPr>
+              <a:t>Entem</a:t>
+            </a:r>
+            <a:r>
+              <a:rPr lang="en-US" sz="1400" dirty="0">
+                <a:latin typeface="Arial" panose="020B0604020202020204" pitchFamily="34" charset="0"/>
+                <a:cs typeface="Arial" panose="020B0604020202020204" pitchFamily="34" charset="0"/>
+              </a:rPr>
+              <a:t> and R. </a:t>
+            </a:r>
+            <a:r>
+              <a:rPr lang="en-US" sz="1400" dirty="0" err="1">
+                <a:latin typeface="Arial" panose="020B0604020202020204" pitchFamily="34" charset="0"/>
+                <a:cs typeface="Arial" panose="020B0604020202020204" pitchFamily="34" charset="0"/>
+              </a:rPr>
+              <a:t>Machleidt</a:t>
+            </a:r>
+            <a:r>
+              <a:rPr lang="en-US" sz="1400" dirty="0">
+                <a:latin typeface="Arial" panose="020B0604020202020204" pitchFamily="34" charset="0"/>
+                <a:cs typeface="Arial" panose="020B0604020202020204" pitchFamily="34" charset="0"/>
+              </a:rPr>
+              <a:t>, Phys. Rev. C </a:t>
+            </a:r>
+            <a:r>
+              <a:rPr lang="en-US" sz="1400" b="1" dirty="0">
+                <a:latin typeface="Arial" panose="020B0604020202020204" pitchFamily="34" charset="0"/>
+                <a:cs typeface="Arial" panose="020B0604020202020204" pitchFamily="34" charset="0"/>
+              </a:rPr>
+              <a:t>68</a:t>
+            </a:r>
+            <a:r>
+              <a:rPr lang="en-US" sz="1400" dirty="0">
+                <a:latin typeface="Arial" panose="020B0604020202020204" pitchFamily="34" charset="0"/>
+                <a:cs typeface="Arial" panose="020B0604020202020204" pitchFamily="34" charset="0"/>
+              </a:rPr>
+              <a:t>, 041001 (2003)</a:t>
+            </a:r>
+          </a:p>
+          <a:p>
+            <a:r>
+              <a:rPr lang="en-US" sz="1400" baseline="30000" dirty="0">
+                <a:latin typeface="Arial" panose="020B0604020202020204" pitchFamily="34" charset="0"/>
+                <a:cs typeface="Arial" panose="020B0604020202020204" pitchFamily="34" charset="0"/>
+              </a:rPr>
+              <a:t>2</a:t>
+            </a:r>
+            <a:r>
+              <a:rPr lang="en-US" sz="1400" dirty="0">
+                <a:latin typeface="Arial" panose="020B0604020202020204" pitchFamily="34" charset="0"/>
+                <a:cs typeface="Arial" panose="020B0604020202020204" pitchFamily="34" charset="0"/>
+              </a:rPr>
+              <a:t>P. Reinert, H. Krebs, and E. </a:t>
+            </a:r>
+            <a:r>
+              <a:rPr lang="en-US" sz="1400" dirty="0" err="1">
+                <a:latin typeface="Arial" panose="020B0604020202020204" pitchFamily="34" charset="0"/>
+                <a:cs typeface="Arial" panose="020B0604020202020204" pitchFamily="34" charset="0"/>
+              </a:rPr>
+              <a:t>Epelbaum</a:t>
+            </a:r>
+            <a:r>
+              <a:rPr lang="en-US" sz="1400" dirty="0">
+                <a:latin typeface="Arial" panose="020B0604020202020204" pitchFamily="34" charset="0"/>
+                <a:cs typeface="Arial" panose="020B0604020202020204" pitchFamily="34" charset="0"/>
+              </a:rPr>
+              <a:t>, Eur. Phys. J. A </a:t>
+            </a:r>
+            <a:r>
+              <a:rPr lang="en-US" sz="1400" b="1" dirty="0">
+                <a:latin typeface="Arial" panose="020B0604020202020204" pitchFamily="34" charset="0"/>
+                <a:cs typeface="Arial" panose="020B0604020202020204" pitchFamily="34" charset="0"/>
+              </a:rPr>
+              <a:t>54</a:t>
+            </a:r>
+            <a:r>
+              <a:rPr lang="en-US" sz="1400" dirty="0">
+                <a:latin typeface="Arial" panose="020B0604020202020204" pitchFamily="34" charset="0"/>
+                <a:cs typeface="Arial" panose="020B0604020202020204" pitchFamily="34" charset="0"/>
+              </a:rPr>
+              <a:t>, 86 (2018)</a:t>
+            </a:r>
+          </a:p>
+          <a:p>
+            <a:r>
+              <a:rPr lang="en-US" sz="1400" baseline="30000" dirty="0">
+                <a:latin typeface="Arial" panose="020B0604020202020204" pitchFamily="34" charset="0"/>
+                <a:cs typeface="Arial" panose="020B0604020202020204" pitchFamily="34" charset="0"/>
+              </a:rPr>
+              <a:t>3</a:t>
+            </a:r>
+            <a:r>
+              <a:rPr lang="en-US" sz="1400" dirty="0">
+                <a:latin typeface="Arial" panose="020B0604020202020204" pitchFamily="34" charset="0"/>
+                <a:cs typeface="Arial" panose="020B0604020202020204" pitchFamily="34" charset="0"/>
+              </a:rPr>
+              <a:t>A. </a:t>
+            </a:r>
+            <a:r>
+              <a:rPr lang="en-US" sz="1400" dirty="0" err="1">
+                <a:latin typeface="Arial" panose="020B0604020202020204" pitchFamily="34" charset="0"/>
+                <a:cs typeface="Arial" panose="020B0604020202020204" pitchFamily="34" charset="0"/>
+              </a:rPr>
+              <a:t>Gezerlis</a:t>
+            </a:r>
+            <a:r>
+              <a:rPr lang="en-US" sz="1400" dirty="0">
+                <a:latin typeface="Arial" panose="020B0604020202020204" pitchFamily="34" charset="0"/>
+                <a:cs typeface="Arial" panose="020B0604020202020204" pitchFamily="34" charset="0"/>
+              </a:rPr>
+              <a:t>, et al., Phys. Rev. C </a:t>
+            </a:r>
+            <a:r>
+              <a:rPr lang="en-US" sz="1400" b="1" dirty="0">
+                <a:latin typeface="Arial" panose="020B0604020202020204" pitchFamily="34" charset="0"/>
+                <a:cs typeface="Arial" panose="020B0604020202020204" pitchFamily="34" charset="0"/>
+              </a:rPr>
+              <a:t>90</a:t>
+            </a:r>
+            <a:r>
+              <a:rPr lang="en-US" sz="1400" dirty="0">
+                <a:latin typeface="Arial" panose="020B0604020202020204" pitchFamily="34" charset="0"/>
+                <a:cs typeface="Arial" panose="020B0604020202020204" pitchFamily="34" charset="0"/>
+              </a:rPr>
+              <a:t>, 054323 (2014)</a:t>
+            </a:r>
+            <a:endParaRPr lang="en-US" sz="1400" baseline="30000" dirty="0">
+              <a:latin typeface="Arial" panose="020B0604020202020204" pitchFamily="34" charset="0"/>
+              <a:cs typeface="Arial" panose="020B0604020202020204" pitchFamily="34" charset="0"/>
+            </a:endParaRPr>
           </a:p>
         </p:txBody>
       </p:sp>
@@ -4507,7 +8152,7 @@
                 </a:solidFill>
                 <a:latin typeface="Arial" panose="020B0604020202020204" pitchFamily="34" charset="0"/>
               </a:rPr>
-              <a:t>Slide title</a:t>
+              <a:t>Universality of potentials</a:t>
             </a:r>
           </a:p>
         </p:txBody>
@@ -4528,9 +8173,16 @@
             <p:ph idx="1"/>
           </p:nvPr>
         </p:nvSpPr>
-        <p:spPr/>
-        <p:txBody>
-          <a:bodyPr/>
+        <p:spPr>
+          <a:xfrm>
+            <a:off x="838200" y="1825625"/>
+            <a:ext cx="2998076" cy="4351338"/>
+          </a:xfrm>
+        </p:spPr>
+        <p:txBody>
+          <a:bodyPr>
+            <a:normAutofit/>
+          </a:bodyPr>
           <a:lstStyle/>
           <a:p>
             <a:pPr>
@@ -4539,18 +8191,79 @@
               </a:lnSpc>
             </a:pPr>
             <a:r>
-              <a:rPr lang="en-US" dirty="0">
-                <a:latin typeface="Arial" panose="020B0604020202020204" pitchFamily="34" charset="0"/>
-              </a:rPr>
-              <a:t>Bullet</a:t>
-            </a:r>
-          </a:p>
-        </p:txBody>
-      </p:sp>
+              <a:rPr lang="en-US" sz="2400" dirty="0"/>
+              <a:t>Variety of NN interactions - at low-resolution they are the same thing</a:t>
+            </a:r>
+          </a:p>
+          <a:p>
+            <a:pPr>
+              <a:lnSpc>
+                <a:spcPct val="100000"/>
+              </a:lnSpc>
+            </a:pPr>
+            <a:r>
+              <a:rPr lang="en-US" sz="2400" dirty="0"/>
+              <a:t>Cite papers</a:t>
+            </a:r>
+          </a:p>
+          <a:p>
+            <a:pPr>
+              <a:lnSpc>
+                <a:spcPct val="100000"/>
+              </a:lnSpc>
+            </a:pPr>
+            <a:r>
+              <a:rPr lang="en-US" sz="2400" dirty="0"/>
+              <a:t>Define \lambda</a:t>
+            </a:r>
+          </a:p>
+          <a:p>
+            <a:pPr>
+              <a:lnSpc>
+                <a:spcPct val="100000"/>
+              </a:lnSpc>
+            </a:pPr>
+            <a:r>
+              <a:rPr lang="en-US" sz="2400" dirty="0"/>
+              <a:t>Explanation of universality: phase equivalence</a:t>
+            </a:r>
+          </a:p>
+        </p:txBody>
+      </p:sp>
+      <p:pic>
+        <p:nvPicPr>
+          <p:cNvPr id="5" name="Picture 4" descr="A picture containing screenshot&#10;&#10;Description automatically generated">
+            <a:extLst>
+              <a:ext uri="{FF2B5EF4-FFF2-40B4-BE49-F238E27FC236}">
+                <a16:creationId xmlns:a16="http://schemas.microsoft.com/office/drawing/2014/main" id="{33C450BC-17AB-2F48-B300-078AB01FC7C9}"/>
+              </a:ext>
+            </a:extLst>
+          </p:cNvPr>
+          <p:cNvPicPr>
+            <a:picLocks noChangeAspect="1"/>
+          </p:cNvPicPr>
+          <p:nvPr/>
+        </p:nvPicPr>
+        <p:blipFill>
+          <a:blip r:embed="rId2"/>
+          <a:stretch>
+            <a:fillRect/>
+          </a:stretch>
+        </p:blipFill>
+        <p:spPr>
+          <a:xfrm>
+            <a:off x="3925909" y="1690688"/>
+            <a:ext cx="8266091" cy="5167312"/>
+          </a:xfrm>
+          <a:prstGeom prst="rect">
+            <a:avLst/>
+          </a:prstGeom>
+        </p:spPr>
+      </p:pic>
     </p:spTree>
     <p:extLst>
       <p:ext uri="{BB962C8B-B14F-4D97-AF65-F5344CB8AC3E}">
-        <p14:creationId xmlns:p14="http://schemas.microsoft.com/office/powerpoint/2010/main" val="268486065"/>
+        <p14:creationId xmlns:p14="http://schemas.microsoft.com/office/powerpoint/2010/main" val="3416460950"/>
       </p:ext>
     </p:extLst>
   </p:cSld>
@@ -4610,7 +8323,7 @@
                 </a:solidFill>
                 <a:latin typeface="Arial" panose="020B0604020202020204" pitchFamily="34" charset="0"/>
               </a:rPr>
-              <a:t>Slide title</a:t>
+              <a:t>Universality of potentials</a:t>
             </a:r>
           </a:p>
         </p:txBody>
@@ -4631,9 +8344,16 @@
             <p:ph idx="1"/>
           </p:nvPr>
         </p:nvSpPr>
-        <p:spPr/>
-        <p:txBody>
-          <a:bodyPr/>
+        <p:spPr>
+          <a:xfrm>
+            <a:off x="838200" y="1825625"/>
+            <a:ext cx="2998076" cy="4351338"/>
+          </a:xfrm>
+        </p:spPr>
+        <p:txBody>
+          <a:bodyPr>
+            <a:noAutofit/>
+          </a:bodyPr>
           <a:lstStyle/>
           <a:p>
             <a:pPr>
@@ -4642,18 +8362,79 @@
               </a:lnSpc>
             </a:pPr>
             <a:r>
-              <a:rPr lang="en-US" dirty="0">
-                <a:latin typeface="Arial" panose="020B0604020202020204" pitchFamily="34" charset="0"/>
-              </a:rPr>
-              <a:t>Bullet</a:t>
-            </a:r>
-          </a:p>
-        </p:txBody>
-      </p:sp>
+              <a:rPr lang="en-US" sz="2400" dirty="0"/>
+              <a:t>Variety of NN interactions - at low-resolution they are the same thing</a:t>
+            </a:r>
+          </a:p>
+          <a:p>
+            <a:pPr>
+              <a:lnSpc>
+                <a:spcPct val="100000"/>
+              </a:lnSpc>
+            </a:pPr>
+            <a:r>
+              <a:rPr lang="en-US" sz="2400" dirty="0"/>
+              <a:t>Cite papers</a:t>
+            </a:r>
+          </a:p>
+          <a:p>
+            <a:pPr>
+              <a:lnSpc>
+                <a:spcPct val="100000"/>
+              </a:lnSpc>
+            </a:pPr>
+            <a:r>
+              <a:rPr lang="en-US" sz="2400" dirty="0"/>
+              <a:t>Define \lambda</a:t>
+            </a:r>
+          </a:p>
+          <a:p>
+            <a:pPr>
+              <a:lnSpc>
+                <a:spcPct val="100000"/>
+              </a:lnSpc>
+            </a:pPr>
+            <a:r>
+              <a:rPr lang="en-US" sz="2400" dirty="0"/>
+              <a:t>Explanation of universality: phase equivalence (maybe add 3S1 phase shifts on top)</a:t>
+            </a:r>
+          </a:p>
+        </p:txBody>
+      </p:sp>
+      <p:pic>
+        <p:nvPicPr>
+          <p:cNvPr id="5" name="Picture 4" descr="A picture containing screenshot&#10;&#10;Description automatically generated">
+            <a:extLst>
+              <a:ext uri="{FF2B5EF4-FFF2-40B4-BE49-F238E27FC236}">
+                <a16:creationId xmlns:a16="http://schemas.microsoft.com/office/drawing/2014/main" id="{33C450BC-17AB-2F48-B300-078AB01FC7C9}"/>
+              </a:ext>
+            </a:extLst>
+          </p:cNvPr>
+          <p:cNvPicPr>
+            <a:picLocks noChangeAspect="1"/>
+          </p:cNvPicPr>
+          <p:nvPr/>
+        </p:nvPicPr>
+        <p:blipFill>
+          <a:blip r:embed="rId2"/>
+          <a:stretch>
+            <a:fillRect/>
+          </a:stretch>
+        </p:blipFill>
+        <p:spPr>
+          <a:xfrm>
+            <a:off x="3925909" y="1690688"/>
+            <a:ext cx="8266091" cy="5167312"/>
+          </a:xfrm>
+          <a:prstGeom prst="rect">
+            <a:avLst/>
+          </a:prstGeom>
+        </p:spPr>
+      </p:pic>
     </p:spTree>
     <p:extLst>
       <p:ext uri="{BB962C8B-B14F-4D97-AF65-F5344CB8AC3E}">
-        <p14:creationId xmlns:p14="http://schemas.microsoft.com/office/powerpoint/2010/main" val="2569189177"/>
+        <p14:creationId xmlns:p14="http://schemas.microsoft.com/office/powerpoint/2010/main" val="1620838833"/>
       </p:ext>
     </p:extLst>
   </p:cSld>
@@ -4713,7 +8494,7 @@
                 </a:solidFill>
                 <a:latin typeface="Arial" panose="020B0604020202020204" pitchFamily="34" charset="0"/>
               </a:rPr>
-              <a:t>Slide title</a:t>
+              <a:t>SRG-evolved wave functions</a:t>
             </a:r>
           </a:p>
         </p:txBody>
@@ -4745,18 +8526,431 @@
               </a:lnSpc>
             </a:pPr>
             <a:r>
-              <a:rPr lang="en-US" dirty="0">
-                <a:latin typeface="Arial" panose="020B0604020202020204" pitchFamily="34" charset="0"/>
-              </a:rPr>
-              <a:t>Bullet</a:t>
-            </a:r>
+              <a:rPr lang="en-US" dirty="0"/>
+              <a:t>Natural consequence: the low-energy states between drastically different potentials also exhibit universality</a:t>
+            </a:r>
+          </a:p>
+          <a:p>
+            <a:pPr>
+              <a:lnSpc>
+                <a:spcPct val="100000"/>
+              </a:lnSpc>
+            </a:pPr>
+            <a:r>
+              <a:rPr lang="en-US" dirty="0"/>
+              <a:t>Figure: \psi(r) with EMN N4LO, RKE N4LO, </a:t>
+            </a:r>
+            <a:r>
+              <a:rPr lang="en-US" dirty="0" err="1"/>
+              <a:t>Gez</a:t>
+            </a:r>
+            <a:r>
+              <a:rPr lang="en-US" dirty="0"/>
+              <a:t>. N2LO, AV18 (need to generate this still)</a:t>
+            </a:r>
+          </a:p>
+          <a:p>
+            <a:pPr>
+              <a:lnSpc>
+                <a:spcPct val="100000"/>
+              </a:lnSpc>
+            </a:pPr>
+            <a:r>
+              <a:rPr lang="en-US" dirty="0"/>
+              <a:t>SRC physics in AV18 is gone</a:t>
+            </a:r>
+          </a:p>
+          <a:p>
+            <a:pPr>
+              <a:lnSpc>
+                <a:spcPct val="100000"/>
+              </a:lnSpc>
+            </a:pPr>
+            <a:r>
+              <a:rPr lang="en-US" dirty="0"/>
+              <a:t>All deuteron wave functions become soft and D-state probability goes down</a:t>
+            </a:r>
+          </a:p>
+          <a:p>
+            <a:pPr>
+              <a:lnSpc>
+                <a:spcPct val="100000"/>
+              </a:lnSpc>
+            </a:pPr>
+            <a:r>
+              <a:rPr lang="en-US" dirty="0"/>
+              <a:t>Observables such as asymptotic D/S ratio the same</a:t>
+            </a:r>
+          </a:p>
+          <a:p>
+            <a:pPr>
+              <a:lnSpc>
+                <a:spcPct val="100000"/>
+              </a:lnSpc>
+            </a:pPr>
+            <a:endParaRPr lang="en-US" dirty="0"/>
+          </a:p>
+          <a:p>
+            <a:pPr marL="0" indent="0">
+              <a:lnSpc>
+                <a:spcPct val="100000"/>
+              </a:lnSpc>
+              <a:buNone/>
+            </a:pPr>
+            <a:endParaRPr lang="en-US" dirty="0">
+              <a:latin typeface="Arial" panose="020B0604020202020204" pitchFamily="34" charset="0"/>
+            </a:endParaRPr>
           </a:p>
         </p:txBody>
       </p:sp>
     </p:spTree>
     <p:extLst>
       <p:ext uri="{BB962C8B-B14F-4D97-AF65-F5344CB8AC3E}">
-        <p14:creationId xmlns:p14="http://schemas.microsoft.com/office/powerpoint/2010/main" val="3678640858"/>
+        <p14:creationId xmlns:p14="http://schemas.microsoft.com/office/powerpoint/2010/main" val="268486065"/>
+      </p:ext>
+    </p:extLst>
+  </p:cSld>
+  <p:clrMapOvr>
+    <a:masterClrMapping/>
+  </p:clrMapOvr>
+</p:sld>
+</file>
+
+<file path=ppt/slides/slide8.xml><?xml version="1.0" encoding="utf-8"?>
+<p:sld xmlns:a="http://schemas.openxmlformats.org/drawingml/2006/main" xmlns:r="http://schemas.openxmlformats.org/officeDocument/2006/relationships" xmlns:p="http://schemas.openxmlformats.org/presentationml/2006/main">
+  <p:cSld>
+    <p:spTree>
+      <p:nvGrpSpPr>
+        <p:cNvPr id="1" name=""/>
+        <p:cNvGrpSpPr/>
+        <p:nvPr/>
+      </p:nvGrpSpPr>
+      <p:grpSpPr>
+        <a:xfrm>
+          <a:off x="0" y="0"/>
+          <a:ext cx="0" cy="0"/>
+          <a:chOff x="0" y="0"/>
+          <a:chExt cx="0" cy="0"/>
+        </a:xfrm>
+      </p:grpSpPr>
+      <p:sp>
+        <p:nvSpPr>
+          <p:cNvPr id="2" name="Title 1">
+            <a:extLst>
+              <a:ext uri="{FF2B5EF4-FFF2-40B4-BE49-F238E27FC236}">
+                <a16:creationId xmlns:a16="http://schemas.microsoft.com/office/drawing/2014/main" id="{9FECE9C7-FBB0-B54D-8E92-C3BC6CA96ED2}"/>
+              </a:ext>
+            </a:extLst>
+          </p:cNvPr>
+          <p:cNvSpPr>
+            <a:spLocks noGrp="1"/>
+          </p:cNvSpPr>
+          <p:nvPr>
+            <p:ph type="title"/>
+          </p:nvPr>
+        </p:nvSpPr>
+        <p:spPr/>
+        <p:txBody>
+          <a:bodyPr/>
+          <a:lstStyle/>
+          <a:p>
+            <a:pPr>
+              <a:lnSpc>
+                <a:spcPct val="100000"/>
+              </a:lnSpc>
+            </a:pPr>
+            <a:r>
+              <a:rPr lang="en-US" dirty="0">
+                <a:solidFill>
+                  <a:srgbClr val="002060"/>
+                </a:solidFill>
+                <a:latin typeface="Arial" panose="020B0604020202020204" pitchFamily="34" charset="0"/>
+              </a:rPr>
+              <a:t>SRG-evolved wave functions</a:t>
+            </a:r>
+          </a:p>
+        </p:txBody>
+      </p:sp>
+      <p:sp>
+        <p:nvSpPr>
+          <p:cNvPr id="3" name="Content Placeholder 2">
+            <a:extLst>
+              <a:ext uri="{FF2B5EF4-FFF2-40B4-BE49-F238E27FC236}">
+                <a16:creationId xmlns:a16="http://schemas.microsoft.com/office/drawing/2014/main" id="{1A8FA9B3-1B32-894B-93C2-F90FB63CBDAA}"/>
+              </a:ext>
+            </a:extLst>
+          </p:cNvPr>
+          <p:cNvSpPr>
+            <a:spLocks noGrp="1"/>
+          </p:cNvSpPr>
+          <p:nvPr>
+            <p:ph idx="1"/>
+          </p:nvPr>
+        </p:nvSpPr>
+        <p:spPr/>
+        <p:txBody>
+          <a:bodyPr/>
+          <a:lstStyle/>
+          <a:p>
+            <a:pPr>
+              <a:lnSpc>
+                <a:spcPct val="100000"/>
+              </a:lnSpc>
+            </a:pPr>
+            <a:r>
+              <a:rPr lang="en-US" dirty="0"/>
+              <a:t>Natural consequence: the low-energy states between drastically different potentials also exhibit universality</a:t>
+            </a:r>
+          </a:p>
+          <a:p>
+            <a:pPr>
+              <a:lnSpc>
+                <a:spcPct val="100000"/>
+              </a:lnSpc>
+            </a:pPr>
+            <a:r>
+              <a:rPr lang="en-US" dirty="0"/>
+              <a:t>Figure: \psi(r) with EMN N4LO, RKE N4LO, </a:t>
+            </a:r>
+            <a:r>
+              <a:rPr lang="en-US" dirty="0" err="1"/>
+              <a:t>Gez</a:t>
+            </a:r>
+            <a:r>
+              <a:rPr lang="en-US" dirty="0"/>
+              <a:t>. N2LO, AV18 (need to generate this still)</a:t>
+            </a:r>
+          </a:p>
+          <a:p>
+            <a:pPr>
+              <a:lnSpc>
+                <a:spcPct val="100000"/>
+              </a:lnSpc>
+            </a:pPr>
+            <a:r>
+              <a:rPr lang="en-US" dirty="0"/>
+              <a:t>SRC physics in AV18 is gone</a:t>
+            </a:r>
+          </a:p>
+          <a:p>
+            <a:pPr>
+              <a:lnSpc>
+                <a:spcPct val="100000"/>
+              </a:lnSpc>
+            </a:pPr>
+            <a:r>
+              <a:rPr lang="en-US" dirty="0"/>
+              <a:t>All deuteron wave functions become soft and D-state probability goes down</a:t>
+            </a:r>
+          </a:p>
+          <a:p>
+            <a:pPr>
+              <a:lnSpc>
+                <a:spcPct val="100000"/>
+              </a:lnSpc>
+            </a:pPr>
+            <a:r>
+              <a:rPr lang="en-US" dirty="0"/>
+              <a:t>Observables such as asymptotic D/S ratio the same</a:t>
+            </a:r>
+          </a:p>
+          <a:p>
+            <a:pPr>
+              <a:lnSpc>
+                <a:spcPct val="100000"/>
+              </a:lnSpc>
+            </a:pPr>
+            <a:endParaRPr lang="en-US" dirty="0"/>
+          </a:p>
+          <a:p>
+            <a:pPr marL="0" indent="0">
+              <a:lnSpc>
+                <a:spcPct val="100000"/>
+              </a:lnSpc>
+              <a:buNone/>
+            </a:pPr>
+            <a:endParaRPr lang="en-US" dirty="0">
+              <a:latin typeface="Arial" panose="020B0604020202020204" pitchFamily="34" charset="0"/>
+            </a:endParaRPr>
+          </a:p>
+        </p:txBody>
+      </p:sp>
+    </p:spTree>
+    <p:extLst>
+      <p:ext uri="{BB962C8B-B14F-4D97-AF65-F5344CB8AC3E}">
+        <p14:creationId xmlns:p14="http://schemas.microsoft.com/office/powerpoint/2010/main" val="1037284366"/>
+      </p:ext>
+    </p:extLst>
+  </p:cSld>
+  <p:clrMapOvr>
+    <a:masterClrMapping/>
+  </p:clrMapOvr>
+</p:sld>
+</file>
+
+<file path=ppt/slides/slide9.xml><?xml version="1.0" encoding="utf-8"?>
+<p:sld xmlns:a="http://schemas.openxmlformats.org/drawingml/2006/main" xmlns:r="http://schemas.openxmlformats.org/officeDocument/2006/relationships" xmlns:p="http://schemas.openxmlformats.org/presentationml/2006/main">
+  <p:cSld>
+    <p:spTree>
+      <p:nvGrpSpPr>
+        <p:cNvPr id="1" name=""/>
+        <p:cNvGrpSpPr/>
+        <p:nvPr/>
+      </p:nvGrpSpPr>
+      <p:grpSpPr>
+        <a:xfrm>
+          <a:off x="0" y="0"/>
+          <a:ext cx="0" cy="0"/>
+          <a:chOff x="0" y="0"/>
+          <a:chExt cx="0" cy="0"/>
+        </a:xfrm>
+      </p:grpSpPr>
+      <p:sp>
+        <p:nvSpPr>
+          <p:cNvPr id="2" name="Title 1">
+            <a:extLst>
+              <a:ext uri="{FF2B5EF4-FFF2-40B4-BE49-F238E27FC236}">
+                <a16:creationId xmlns:a16="http://schemas.microsoft.com/office/drawing/2014/main" id="{9FECE9C7-FBB0-B54D-8E92-C3BC6CA96ED2}"/>
+              </a:ext>
+            </a:extLst>
+          </p:cNvPr>
+          <p:cNvSpPr>
+            <a:spLocks noGrp="1"/>
+          </p:cNvSpPr>
+          <p:nvPr>
+            <p:ph type="title"/>
+          </p:nvPr>
+        </p:nvSpPr>
+        <p:spPr/>
+        <p:txBody>
+          <a:bodyPr/>
+          <a:lstStyle/>
+          <a:p>
+            <a:pPr>
+              <a:lnSpc>
+                <a:spcPct val="100000"/>
+              </a:lnSpc>
+            </a:pPr>
+            <a:r>
+              <a:rPr lang="en-US" dirty="0">
+                <a:solidFill>
+                  <a:srgbClr val="002060"/>
+                </a:solidFill>
+                <a:latin typeface="Arial" panose="020B0604020202020204" pitchFamily="34" charset="0"/>
+              </a:rPr>
+              <a:t>SRG-evolved wave functions</a:t>
+            </a:r>
+          </a:p>
+        </p:txBody>
+      </p:sp>
+      <p:sp>
+        <p:nvSpPr>
+          <p:cNvPr id="3" name="Content Placeholder 2">
+            <a:extLst>
+              <a:ext uri="{FF2B5EF4-FFF2-40B4-BE49-F238E27FC236}">
+                <a16:creationId xmlns:a16="http://schemas.microsoft.com/office/drawing/2014/main" id="{1A8FA9B3-1B32-894B-93C2-F90FB63CBDAA}"/>
+              </a:ext>
+            </a:extLst>
+          </p:cNvPr>
+          <p:cNvSpPr>
+            <a:spLocks noGrp="1"/>
+          </p:cNvSpPr>
+          <p:nvPr>
+            <p:ph idx="1"/>
+          </p:nvPr>
+        </p:nvSpPr>
+        <p:spPr/>
+        <p:txBody>
+          <a:bodyPr/>
+          <a:lstStyle/>
+          <a:p>
+            <a:pPr>
+              <a:lnSpc>
+                <a:spcPct val="100000"/>
+              </a:lnSpc>
+            </a:pPr>
+            <a:r>
+              <a:rPr lang="en-US" dirty="0"/>
+              <a:t>Natural consequence: the low-energy states between drastically different potentials also exhibit universality</a:t>
+            </a:r>
+          </a:p>
+          <a:p>
+            <a:pPr>
+              <a:lnSpc>
+                <a:spcPct val="100000"/>
+              </a:lnSpc>
+            </a:pPr>
+            <a:r>
+              <a:rPr lang="en-US" dirty="0"/>
+              <a:t>Figure: \psi(r) with EMN N4LO, RKE N4LO, </a:t>
+            </a:r>
+            <a:r>
+              <a:rPr lang="en-US" dirty="0" err="1"/>
+              <a:t>Gez</a:t>
+            </a:r>
+            <a:r>
+              <a:rPr lang="en-US" dirty="0"/>
+              <a:t>. N2LO, AV18 (need to generate this still)</a:t>
+            </a:r>
+          </a:p>
+          <a:p>
+            <a:pPr>
+              <a:lnSpc>
+                <a:spcPct val="100000"/>
+              </a:lnSpc>
+            </a:pPr>
+            <a:r>
+              <a:rPr lang="en-US" dirty="0"/>
+              <a:t>SRC physics in AV18 is gone</a:t>
+            </a:r>
+          </a:p>
+          <a:p>
+            <a:pPr>
+              <a:lnSpc>
+                <a:spcPct val="100000"/>
+              </a:lnSpc>
+            </a:pPr>
+            <a:r>
+              <a:rPr lang="en-US" dirty="0"/>
+              <a:t>All deuteron wave functions become soft and D-state probability goes down</a:t>
+            </a:r>
+          </a:p>
+          <a:p>
+            <a:pPr>
+              <a:lnSpc>
+                <a:spcPct val="100000"/>
+              </a:lnSpc>
+            </a:pPr>
+            <a:r>
+              <a:rPr lang="en-US" dirty="0"/>
+              <a:t>Observables such as asymptotic D/S ratio the same</a:t>
+            </a:r>
+          </a:p>
+          <a:p>
+            <a:pPr>
+              <a:lnSpc>
+                <a:spcPct val="100000"/>
+              </a:lnSpc>
+            </a:pPr>
+            <a:endParaRPr lang="en-US" dirty="0"/>
+          </a:p>
+          <a:p>
+            <a:pPr marL="0" indent="0">
+              <a:lnSpc>
+                <a:spcPct val="100000"/>
+              </a:lnSpc>
+              <a:buNone/>
+            </a:pPr>
+            <a:endParaRPr lang="en-US" dirty="0">
+              <a:latin typeface="Arial" panose="020B0604020202020204" pitchFamily="34" charset="0"/>
+            </a:endParaRPr>
+          </a:p>
+        </p:txBody>
+      </p:sp>
+    </p:spTree>
+    <p:extLst>
+      <p:ext uri="{BB962C8B-B14F-4D97-AF65-F5344CB8AC3E}">
+        <p14:creationId xmlns:p14="http://schemas.microsoft.com/office/powerpoint/2010/main" val="4010055520"/>
       </p:ext>
     </p:extLst>
   </p:cSld>

--- a/Presentations/NUCLEI_June2020/tropiano_nuclei_2020.pptx
+++ b/Presentations/NUCLEI_June2020/tropiano_nuclei_2020.pptx
@@ -5,7 +5,7 @@
     <p:sldMasterId id="2147483648" r:id="rId1"/>
   </p:sldMasterIdLst>
   <p:notesMasterIdLst>
-    <p:notesMasterId r:id="rId18"/>
+    <p:notesMasterId r:id="rId23"/>
   </p:notesMasterIdLst>
   <p:sldIdLst>
     <p:sldId id="277" r:id="rId2"/>
@@ -15,15 +15,20 @@
     <p:sldId id="278" r:id="rId6"/>
     <p:sldId id="279" r:id="rId7"/>
     <p:sldId id="272" r:id="rId8"/>
-    <p:sldId id="280" r:id="rId9"/>
-    <p:sldId id="281" r:id="rId10"/>
+    <p:sldId id="302" r:id="rId9"/>
+    <p:sldId id="303" r:id="rId10"/>
     <p:sldId id="273" r:id="rId11"/>
-    <p:sldId id="274" r:id="rId12"/>
-    <p:sldId id="298" r:id="rId13"/>
-    <p:sldId id="299" r:id="rId14"/>
-    <p:sldId id="300" r:id="rId15"/>
-    <p:sldId id="276" r:id="rId16"/>
-    <p:sldId id="301" r:id="rId17"/>
+    <p:sldId id="304" r:id="rId12"/>
+    <p:sldId id="305" r:id="rId13"/>
+    <p:sldId id="274" r:id="rId14"/>
+    <p:sldId id="298" r:id="rId15"/>
+    <p:sldId id="299" r:id="rId16"/>
+    <p:sldId id="300" r:id="rId17"/>
+    <p:sldId id="307" r:id="rId18"/>
+    <p:sldId id="308" r:id="rId19"/>
+    <p:sldId id="276" r:id="rId20"/>
+    <p:sldId id="301" r:id="rId21"/>
+    <p:sldId id="306" r:id="rId22"/>
   </p:sldIdLst>
   <p:sldSz cx="12192000" cy="6858000"/>
   <p:notesSz cx="6858000" cy="9144000"/>
@@ -217,7 +222,7 @@
             <a:fld id="{0A84EC41-ECD6-7F4B-B508-87B276563826}" type="datetimeFigureOut">
               <a:rPr lang="en-US" smtClean="0"/>
               <a:pPr/>
-              <a:t>6/4/20</a:t>
+              <a:t>6/5/20</a:t>
             </a:fld>
             <a:endParaRPr lang="en-US" dirty="0"/>
           </a:p>
@@ -929,7 +934,7 @@
           <a:p>
             <a:fld id="{C752B45F-82BA-0A49-9FDC-DD5F6CBA947D}" type="datetimeFigureOut">
               <a:rPr lang="en-US" smtClean="0"/>
-              <a:t>6/4/20</a:t>
+              <a:t>6/5/20</a:t>
             </a:fld>
             <a:endParaRPr lang="en-US"/>
           </a:p>
@@ -1127,7 +1132,7 @@
           <a:p>
             <a:fld id="{C752B45F-82BA-0A49-9FDC-DD5F6CBA947D}" type="datetimeFigureOut">
               <a:rPr lang="en-US" smtClean="0"/>
-              <a:t>6/4/20</a:t>
+              <a:t>6/5/20</a:t>
             </a:fld>
             <a:endParaRPr lang="en-US"/>
           </a:p>
@@ -1335,7 +1340,7 @@
           <a:p>
             <a:fld id="{C752B45F-82BA-0A49-9FDC-DD5F6CBA947D}" type="datetimeFigureOut">
               <a:rPr lang="en-US" smtClean="0"/>
-              <a:t>6/4/20</a:t>
+              <a:t>6/5/20</a:t>
             </a:fld>
             <a:endParaRPr lang="en-US"/>
           </a:p>
@@ -1533,7 +1538,7 @@
           <a:p>
             <a:fld id="{C752B45F-82BA-0A49-9FDC-DD5F6CBA947D}" type="datetimeFigureOut">
               <a:rPr lang="en-US" smtClean="0"/>
-              <a:t>6/4/20</a:t>
+              <a:t>6/5/20</a:t>
             </a:fld>
             <a:endParaRPr lang="en-US"/>
           </a:p>
@@ -1808,7 +1813,7 @@
           <a:p>
             <a:fld id="{C752B45F-82BA-0A49-9FDC-DD5F6CBA947D}" type="datetimeFigureOut">
               <a:rPr lang="en-US" smtClean="0"/>
-              <a:t>6/4/20</a:t>
+              <a:t>6/5/20</a:t>
             </a:fld>
             <a:endParaRPr lang="en-US"/>
           </a:p>
@@ -2073,7 +2078,7 @@
           <a:p>
             <a:fld id="{C752B45F-82BA-0A49-9FDC-DD5F6CBA947D}" type="datetimeFigureOut">
               <a:rPr lang="en-US" smtClean="0"/>
-              <a:t>6/4/20</a:t>
+              <a:t>6/5/20</a:t>
             </a:fld>
             <a:endParaRPr lang="en-US"/>
           </a:p>
@@ -2485,7 +2490,7 @@
           <a:p>
             <a:fld id="{C752B45F-82BA-0A49-9FDC-DD5F6CBA947D}" type="datetimeFigureOut">
               <a:rPr lang="en-US" smtClean="0"/>
-              <a:t>6/4/20</a:t>
+              <a:t>6/5/20</a:t>
             </a:fld>
             <a:endParaRPr lang="en-US"/>
           </a:p>
@@ -2626,7 +2631,7 @@
           <a:p>
             <a:fld id="{C752B45F-82BA-0A49-9FDC-DD5F6CBA947D}" type="datetimeFigureOut">
               <a:rPr lang="en-US" smtClean="0"/>
-              <a:t>6/4/20</a:t>
+              <a:t>6/5/20</a:t>
             </a:fld>
             <a:endParaRPr lang="en-US"/>
           </a:p>
@@ -2739,7 +2744,7 @@
           <a:p>
             <a:fld id="{C752B45F-82BA-0A49-9FDC-DD5F6CBA947D}" type="datetimeFigureOut">
               <a:rPr lang="en-US" smtClean="0"/>
-              <a:t>6/4/20</a:t>
+              <a:t>6/5/20</a:t>
             </a:fld>
             <a:endParaRPr lang="en-US"/>
           </a:p>
@@ -3050,7 +3055,7 @@
           <a:p>
             <a:fld id="{C752B45F-82BA-0A49-9FDC-DD5F6CBA947D}" type="datetimeFigureOut">
               <a:rPr lang="en-US" smtClean="0"/>
-              <a:t>6/4/20</a:t>
+              <a:t>6/5/20</a:t>
             </a:fld>
             <a:endParaRPr lang="en-US"/>
           </a:p>
@@ -3341,7 +3346,7 @@
           <a:p>
             <a:fld id="{C752B45F-82BA-0A49-9FDC-DD5F6CBA947D}" type="datetimeFigureOut">
               <a:rPr lang="en-US" smtClean="0"/>
-              <a:t>6/4/20</a:t>
+              <a:t>6/5/20</a:t>
             </a:fld>
             <a:endParaRPr lang="en-US"/>
           </a:p>
@@ -3586,7 +3591,7 @@
             <a:fld id="{C752B45F-82BA-0A49-9FDC-DD5F6CBA947D}" type="datetimeFigureOut">
               <a:rPr lang="en-US" smtClean="0"/>
               <a:pPr/>
-              <a:t>6/4/20</a:t>
+              <a:t>6/5/20</a:t>
             </a:fld>
             <a:endParaRPr lang="en-US" dirty="0"/>
           </a:p>
@@ -4530,99 +4535,266 @@
           </a:p>
         </p:txBody>
       </p:sp>
-      <p:sp>
-        <p:nvSpPr>
-          <p:cNvPr id="3" name="Content Placeholder 2">
-            <a:extLst>
-              <a:ext uri="{FF2B5EF4-FFF2-40B4-BE49-F238E27FC236}">
-                <a16:creationId xmlns:a16="http://schemas.microsoft.com/office/drawing/2014/main" id="{1A8FA9B3-1B32-894B-93C2-F90FB63CBDAA}"/>
-              </a:ext>
-            </a:extLst>
-          </p:cNvPr>
-          <p:cNvSpPr>
-            <a:spLocks noGrp="1"/>
-          </p:cNvSpPr>
-          <p:nvPr>
-            <p:ph idx="1"/>
-          </p:nvPr>
-        </p:nvSpPr>
-        <p:spPr/>
-        <p:txBody>
-          <a:bodyPr/>
-          <a:lstStyle/>
-          <a:p>
-            <a:pPr>
-              <a:lnSpc>
-                <a:spcPct val="100000"/>
-              </a:lnSpc>
-            </a:pPr>
-            <a:r>
-              <a:rPr lang="en-US" dirty="0">
-                <a:latin typeface="Arial" panose="020B0604020202020204" pitchFamily="34" charset="0"/>
-              </a:rPr>
-              <a:t>In analyzing scattering observables, there is scale and scheme dependence in factorization of structure and reaction</a:t>
-            </a:r>
-          </a:p>
-          <a:p>
-            <a:pPr lvl="1">
-              <a:lnSpc>
-                <a:spcPct val="100000"/>
-              </a:lnSpc>
-            </a:pPr>
-            <a:r>
-              <a:rPr lang="en-US" dirty="0"/>
-              <a:t>Factorization scale \</a:t>
-            </a:r>
-            <a:r>
-              <a:rPr lang="en-US" dirty="0" err="1"/>
-              <a:t>mu_F</a:t>
-            </a:r>
-            <a:r>
-              <a:rPr lang="en-US" dirty="0"/>
-              <a:t> and scheme</a:t>
-            </a:r>
-            <a:endParaRPr lang="en-US" dirty="0">
-              <a:latin typeface="Arial" panose="020B0604020202020204" pitchFamily="34" charset="0"/>
-            </a:endParaRPr>
-          </a:p>
-          <a:p>
-            <a:pPr>
-              <a:lnSpc>
-                <a:spcPct val="100000"/>
-              </a:lnSpc>
-            </a:pPr>
-            <a:r>
-              <a:rPr lang="en-US" dirty="0"/>
-              <a:t>Can tune the scale with SRG transformations making a potential with SRC physics like AV18 much softer like a high-order chiral potential</a:t>
-            </a:r>
-          </a:p>
-          <a:p>
-            <a:pPr>
-              <a:lnSpc>
-                <a:spcPct val="100000"/>
-              </a:lnSpc>
-            </a:pPr>
-            <a:r>
-              <a:rPr lang="en-US" dirty="0"/>
-              <a:t>Can use low-energy structure to calculate high-energy reactions by consistently evolving the reactions part</a:t>
-            </a:r>
-          </a:p>
-          <a:p>
-            <a:pPr>
-              <a:lnSpc>
-                <a:spcPct val="100000"/>
-              </a:lnSpc>
-            </a:pPr>
-            <a:r>
-              <a:rPr lang="en-US" dirty="0"/>
-              <a:t>Mismatch of scales leads to incorrect observable</a:t>
-            </a:r>
-            <a:endParaRPr lang="en-US" dirty="0">
-              <a:latin typeface="Arial" panose="020B0604020202020204" pitchFamily="34" charset="0"/>
-            </a:endParaRPr>
-          </a:p>
-        </p:txBody>
-      </p:sp>
+      <mc:AlternateContent xmlns:mc="http://schemas.openxmlformats.org/markup-compatibility/2006">
+        <mc:Choice xmlns:a14="http://schemas.microsoft.com/office/drawing/2010/main" Requires="a14">
+          <p:sp>
+            <p:nvSpPr>
+              <p:cNvPr id="3" name="Content Placeholder 2">
+                <a:extLst>
+                  <a:ext uri="{FF2B5EF4-FFF2-40B4-BE49-F238E27FC236}">
+                    <a16:creationId xmlns:a16="http://schemas.microsoft.com/office/drawing/2014/main" id="{1A8FA9B3-1B32-894B-93C2-F90FB63CBDAA}"/>
+                  </a:ext>
+                </a:extLst>
+              </p:cNvPr>
+              <p:cNvSpPr>
+                <a:spLocks noGrp="1"/>
+              </p:cNvSpPr>
+              <p:nvPr>
+                <p:ph idx="1"/>
+              </p:nvPr>
+            </p:nvSpPr>
+            <p:spPr/>
+            <p:txBody>
+              <a:bodyPr/>
+              <a:lstStyle/>
+              <a:p>
+                <a:pPr>
+                  <a:lnSpc>
+                    <a:spcPct val="100000"/>
+                  </a:lnSpc>
+                </a:pPr>
+                <a:r>
+                  <a:rPr lang="en-US" dirty="0">
+                    <a:latin typeface="Arial" panose="020B0604020202020204" pitchFamily="34" charset="0"/>
+                  </a:rPr>
+                  <a:t>In analyzing scattering observables, there is scale and scheme dependence in factorization of structure and reaction</a:t>
+                </a:r>
+              </a:p>
+              <a:p>
+                <a:pPr lvl="1">
+                  <a:lnSpc>
+                    <a:spcPct val="100000"/>
+                  </a:lnSpc>
+                </a:pPr>
+                <a:r>
+                  <a:rPr lang="en-US" dirty="0"/>
+                  <a:t>Factorization scale \</a:t>
+                </a:r>
+                <a:r>
+                  <a:rPr lang="en-US" dirty="0" err="1"/>
+                  <a:t>mu_F</a:t>
+                </a:r>
+                <a:r>
+                  <a:rPr lang="en-US" dirty="0"/>
+                  <a:t> and scheme</a:t>
+                </a:r>
+              </a:p>
+              <a:p>
+                <a:pPr>
+                  <a:lnSpc>
+                    <a:spcPct val="100000"/>
+                  </a:lnSpc>
+                </a:pPr>
+                <a:r>
+                  <a:rPr lang="en-US" dirty="0">
+                    <a:latin typeface="Arial" panose="020B0604020202020204" pitchFamily="34" charset="0"/>
+                  </a:rPr>
+                  <a:t>Analogous </a:t>
+                </a:r>
+                <a:r>
+                  <a:rPr lang="en-US" dirty="0"/>
+                  <a:t>problem </a:t>
+                </a:r>
+                <a14:m>
+                  <m:oMath xmlns:m="http://schemas.openxmlformats.org/officeDocument/2006/math">
+                    <m:d>
+                      <m:dPr>
+                        <m:begChr m:val="⟨"/>
+                        <m:endChr m:val="⟩"/>
+                        <m:ctrlPr>
+                          <a:rPr lang="en-US" i="1" smtClean="0">
+                            <a:latin typeface="Cambria Math" panose="02040503050406030204" pitchFamily="18" charset="0"/>
+                          </a:rPr>
+                        </m:ctrlPr>
+                      </m:dPr>
+                      <m:e>
+                        <m:r>
+                          <a:rPr lang="en-US" i="1" smtClean="0">
+                            <a:latin typeface="Cambria Math" panose="02040503050406030204" pitchFamily="18" charset="0"/>
+                            <a:ea typeface="Cambria Math" panose="02040503050406030204" pitchFamily="18" charset="0"/>
+                          </a:rPr>
+                          <m:t>𝜓</m:t>
+                        </m:r>
+                      </m:e>
+                      <m:e>
+                        <m:r>
+                          <a:rPr lang="en-US" b="0" i="1" smtClean="0">
+                            <a:latin typeface="Cambria Math" panose="02040503050406030204" pitchFamily="18" charset="0"/>
+                          </a:rPr>
+                          <m:t>𝑂</m:t>
+                        </m:r>
+                      </m:e>
+                      <m:e>
+                        <m:r>
+                          <a:rPr lang="en-US" i="1" smtClean="0">
+                            <a:latin typeface="Cambria Math" panose="02040503050406030204" pitchFamily="18" charset="0"/>
+                            <a:ea typeface="Cambria Math" panose="02040503050406030204" pitchFamily="18" charset="0"/>
+                          </a:rPr>
+                          <m:t>𝜓</m:t>
+                        </m:r>
+                      </m:e>
+                    </m:d>
+                  </m:oMath>
+                </a14:m>
+                <a:endParaRPr lang="en-US" dirty="0">
+                  <a:latin typeface="Arial" panose="020B0604020202020204" pitchFamily="34" charset="0"/>
+                </a:endParaRPr>
+              </a:p>
+              <a:p>
+                <a:pPr>
+                  <a:lnSpc>
+                    <a:spcPct val="100000"/>
+                  </a:lnSpc>
+                </a:pPr>
+                <a:r>
+                  <a:rPr lang="en-US" dirty="0"/>
+                  <a:t>Can tune the scale with SRG transformations making a potential with SRC physics like AV18 much softer like a high-order chiral potential</a:t>
+                </a:r>
+              </a:p>
+              <a:p>
+                <a:pPr>
+                  <a:lnSpc>
+                    <a:spcPct val="100000"/>
+                  </a:lnSpc>
+                </a:pPr>
+                <a:r>
+                  <a:rPr lang="en-US" dirty="0"/>
+                  <a:t>Can use low-energy structure </a:t>
+                </a:r>
+                <a14:m>
+                  <m:oMath xmlns:m="http://schemas.openxmlformats.org/officeDocument/2006/math">
+                    <m:sSub>
+                      <m:sSubPr>
+                        <m:ctrlPr>
+                          <a:rPr lang="en-US" i="1" smtClean="0">
+                            <a:latin typeface="Cambria Math" panose="02040503050406030204" pitchFamily="18" charset="0"/>
+                          </a:rPr>
+                        </m:ctrlPr>
+                      </m:sSubPr>
+                      <m:e>
+                        <m:r>
+                          <a:rPr lang="en-US" i="1" smtClean="0">
+                            <a:latin typeface="Cambria Math" panose="02040503050406030204" pitchFamily="18" charset="0"/>
+                            <a:ea typeface="Cambria Math" panose="02040503050406030204" pitchFamily="18" charset="0"/>
+                          </a:rPr>
+                          <m:t>𝜓</m:t>
+                        </m:r>
+                      </m:e>
+                      <m:sub>
+                        <m:r>
+                          <a:rPr lang="en-US" i="1" smtClean="0">
+                            <a:latin typeface="Cambria Math" panose="02040503050406030204" pitchFamily="18" charset="0"/>
+                            <a:ea typeface="Cambria Math" panose="02040503050406030204" pitchFamily="18" charset="0"/>
+                          </a:rPr>
+                          <m:t>𝜆</m:t>
+                        </m:r>
+                      </m:sub>
+                    </m:sSub>
+                  </m:oMath>
+                </a14:m>
+                <a:r>
+                  <a:rPr lang="en-US" dirty="0"/>
+                  <a:t> to calculate high-energy reactions by consistently evolving the reactions part </a:t>
+                </a:r>
+                <a14:m>
+                  <m:oMath xmlns:m="http://schemas.openxmlformats.org/officeDocument/2006/math">
+                    <m:sSub>
+                      <m:sSubPr>
+                        <m:ctrlPr>
+                          <a:rPr lang="en-US" i="1" smtClean="0">
+                            <a:latin typeface="Cambria Math" panose="02040503050406030204" pitchFamily="18" charset="0"/>
+                          </a:rPr>
+                        </m:ctrlPr>
+                      </m:sSubPr>
+                      <m:e>
+                        <m:r>
+                          <a:rPr lang="en-US" b="0" i="1" smtClean="0">
+                            <a:latin typeface="Cambria Math" panose="02040503050406030204" pitchFamily="18" charset="0"/>
+                          </a:rPr>
+                          <m:t>𝑂</m:t>
+                        </m:r>
+                      </m:e>
+                      <m:sub>
+                        <m:r>
+                          <a:rPr lang="en-US" i="1" smtClean="0">
+                            <a:latin typeface="Cambria Math" panose="02040503050406030204" pitchFamily="18" charset="0"/>
+                            <a:ea typeface="Cambria Math" panose="02040503050406030204" pitchFamily="18" charset="0"/>
+                          </a:rPr>
+                          <m:t>𝜆</m:t>
+                        </m:r>
+                      </m:sub>
+                    </m:sSub>
+                  </m:oMath>
+                </a14:m>
+                <a:endParaRPr lang="en-US" dirty="0"/>
+              </a:p>
+              <a:p>
+                <a:pPr>
+                  <a:lnSpc>
+                    <a:spcPct val="100000"/>
+                  </a:lnSpc>
+                </a:pPr>
+                <a:r>
+                  <a:rPr lang="en-US" dirty="0"/>
+                  <a:t>Mismatch of scales leads to incorrect observable</a:t>
+                </a:r>
+                <a:endParaRPr lang="en-US" dirty="0">
+                  <a:latin typeface="Arial" panose="020B0604020202020204" pitchFamily="34" charset="0"/>
+                </a:endParaRPr>
+              </a:p>
+            </p:txBody>
+          </p:sp>
+        </mc:Choice>
+        <mc:Fallback>
+          <p:sp>
+            <p:nvSpPr>
+              <p:cNvPr id="3" name="Content Placeholder 2">
+                <a:extLst>
+                  <a:ext uri="{FF2B5EF4-FFF2-40B4-BE49-F238E27FC236}">
+                    <a16:creationId xmlns:a16="http://schemas.microsoft.com/office/drawing/2014/main" id="{1A8FA9B3-1B32-894B-93C2-F90FB63CBDAA}"/>
+                  </a:ext>
+                </a:extLst>
+              </p:cNvPr>
+              <p:cNvSpPr>
+                <a:spLocks noGrp="1" noRot="1" noChangeAspect="1" noMove="1" noResize="1" noEditPoints="1" noAdjustHandles="1" noChangeArrowheads="1" noChangeShapeType="1" noTextEdit="1"/>
+              </p:cNvSpPr>
+              <p:nvPr>
+                <p:ph idx="1"/>
+              </p:nvPr>
+            </p:nvSpPr>
+            <p:spPr>
+              <a:blipFill>
+                <a:blip r:embed="rId2"/>
+                <a:stretch>
+                  <a:fillRect l="-965" t="-1754" r="-121" b="-15789"/>
+                </a:stretch>
+              </a:blipFill>
+            </p:spPr>
+            <p:txBody>
+              <a:bodyPr/>
+              <a:lstStyle/>
+              <a:p>
+                <a:r>
+                  <a:rPr lang="en-US">
+                    <a:noFill/>
+                  </a:rPr>
+                  <a:t> </a:t>
+                </a:r>
+              </a:p>
+            </p:txBody>
+          </p:sp>
+        </mc:Fallback>
+      </mc:AlternateContent>
     </p:spTree>
     <p:extLst>
       <p:ext uri="{BB962C8B-B14F-4D97-AF65-F5344CB8AC3E}">
@@ -4671,6 +4843,662 @@
         </p:nvSpPr>
         <p:spPr/>
         <p:txBody>
+          <a:bodyPr/>
+          <a:lstStyle/>
+          <a:p>
+            <a:pPr>
+              <a:lnSpc>
+                <a:spcPct val="100000"/>
+              </a:lnSpc>
+            </a:pPr>
+            <a:r>
+              <a:rPr lang="en-US" dirty="0">
+                <a:solidFill>
+                  <a:srgbClr val="002060"/>
+                </a:solidFill>
+                <a:latin typeface="Arial" panose="020B0604020202020204" pitchFamily="34" charset="0"/>
+              </a:rPr>
+              <a:t>Connection to experiments</a:t>
+            </a:r>
+          </a:p>
+        </p:txBody>
+      </p:sp>
+      <mc:AlternateContent xmlns:mc="http://schemas.openxmlformats.org/markup-compatibility/2006">
+        <mc:Choice xmlns:a14="http://schemas.microsoft.com/office/drawing/2010/main" Requires="a14">
+          <p:sp>
+            <p:nvSpPr>
+              <p:cNvPr id="3" name="Content Placeholder 2">
+                <a:extLst>
+                  <a:ext uri="{FF2B5EF4-FFF2-40B4-BE49-F238E27FC236}">
+                    <a16:creationId xmlns:a16="http://schemas.microsoft.com/office/drawing/2014/main" id="{1A8FA9B3-1B32-894B-93C2-F90FB63CBDAA}"/>
+                  </a:ext>
+                </a:extLst>
+              </p:cNvPr>
+              <p:cNvSpPr>
+                <a:spLocks noGrp="1"/>
+              </p:cNvSpPr>
+              <p:nvPr>
+                <p:ph idx="1"/>
+              </p:nvPr>
+            </p:nvSpPr>
+            <p:spPr/>
+            <p:txBody>
+              <a:bodyPr/>
+              <a:lstStyle/>
+              <a:p>
+                <a:pPr>
+                  <a:lnSpc>
+                    <a:spcPct val="100000"/>
+                  </a:lnSpc>
+                </a:pPr>
+                <a:r>
+                  <a:rPr lang="en-US" dirty="0">
+                    <a:latin typeface="Arial" panose="020B0604020202020204" pitchFamily="34" charset="0"/>
+                  </a:rPr>
+                  <a:t>In analyzing scattering observables, there is scale and scheme dependence in factorization of structure and reaction</a:t>
+                </a:r>
+              </a:p>
+              <a:p>
+                <a:pPr lvl="1">
+                  <a:lnSpc>
+                    <a:spcPct val="100000"/>
+                  </a:lnSpc>
+                </a:pPr>
+                <a:r>
+                  <a:rPr lang="en-US" dirty="0"/>
+                  <a:t>Factorization scale \</a:t>
+                </a:r>
+                <a:r>
+                  <a:rPr lang="en-US" dirty="0" err="1"/>
+                  <a:t>mu_F</a:t>
+                </a:r>
+                <a:r>
+                  <a:rPr lang="en-US" dirty="0"/>
+                  <a:t> and scheme</a:t>
+                </a:r>
+              </a:p>
+              <a:p>
+                <a:pPr>
+                  <a:lnSpc>
+                    <a:spcPct val="100000"/>
+                  </a:lnSpc>
+                </a:pPr>
+                <a:r>
+                  <a:rPr lang="en-US" dirty="0">
+                    <a:latin typeface="Arial" panose="020B0604020202020204" pitchFamily="34" charset="0"/>
+                  </a:rPr>
+                  <a:t>Analogous </a:t>
+                </a:r>
+                <a:r>
+                  <a:rPr lang="en-US" dirty="0"/>
+                  <a:t>problem </a:t>
+                </a:r>
+                <a14:m>
+                  <m:oMath xmlns:m="http://schemas.openxmlformats.org/officeDocument/2006/math">
+                    <m:d>
+                      <m:dPr>
+                        <m:begChr m:val="⟨"/>
+                        <m:endChr m:val="⟩"/>
+                        <m:ctrlPr>
+                          <a:rPr lang="en-US" i="1" smtClean="0">
+                            <a:latin typeface="Cambria Math" panose="02040503050406030204" pitchFamily="18" charset="0"/>
+                          </a:rPr>
+                        </m:ctrlPr>
+                      </m:dPr>
+                      <m:e>
+                        <m:r>
+                          <a:rPr lang="en-US" i="1" smtClean="0">
+                            <a:latin typeface="Cambria Math" panose="02040503050406030204" pitchFamily="18" charset="0"/>
+                            <a:ea typeface="Cambria Math" panose="02040503050406030204" pitchFamily="18" charset="0"/>
+                          </a:rPr>
+                          <m:t>𝜓</m:t>
+                        </m:r>
+                      </m:e>
+                      <m:e>
+                        <m:r>
+                          <a:rPr lang="en-US" b="0" i="1" smtClean="0">
+                            <a:latin typeface="Cambria Math" panose="02040503050406030204" pitchFamily="18" charset="0"/>
+                          </a:rPr>
+                          <m:t>𝑂</m:t>
+                        </m:r>
+                      </m:e>
+                      <m:e>
+                        <m:r>
+                          <a:rPr lang="en-US" i="1" smtClean="0">
+                            <a:latin typeface="Cambria Math" panose="02040503050406030204" pitchFamily="18" charset="0"/>
+                            <a:ea typeface="Cambria Math" panose="02040503050406030204" pitchFamily="18" charset="0"/>
+                          </a:rPr>
+                          <m:t>𝜓</m:t>
+                        </m:r>
+                      </m:e>
+                    </m:d>
+                  </m:oMath>
+                </a14:m>
+                <a:endParaRPr lang="en-US" dirty="0">
+                  <a:latin typeface="Arial" panose="020B0604020202020204" pitchFamily="34" charset="0"/>
+                </a:endParaRPr>
+              </a:p>
+              <a:p>
+                <a:pPr>
+                  <a:lnSpc>
+                    <a:spcPct val="100000"/>
+                  </a:lnSpc>
+                </a:pPr>
+                <a:r>
+                  <a:rPr lang="en-US" dirty="0"/>
+                  <a:t>Can tune the scale with SRG transformations making a potential with SRC physics like AV18 much softer like a high-order chiral potential</a:t>
+                </a:r>
+              </a:p>
+              <a:p>
+                <a:pPr>
+                  <a:lnSpc>
+                    <a:spcPct val="100000"/>
+                  </a:lnSpc>
+                </a:pPr>
+                <a:r>
+                  <a:rPr lang="en-US" dirty="0"/>
+                  <a:t>Can use low-energy structure </a:t>
+                </a:r>
+                <a14:m>
+                  <m:oMath xmlns:m="http://schemas.openxmlformats.org/officeDocument/2006/math">
+                    <m:sSub>
+                      <m:sSubPr>
+                        <m:ctrlPr>
+                          <a:rPr lang="en-US" i="1" smtClean="0">
+                            <a:latin typeface="Cambria Math" panose="02040503050406030204" pitchFamily="18" charset="0"/>
+                          </a:rPr>
+                        </m:ctrlPr>
+                      </m:sSubPr>
+                      <m:e>
+                        <m:r>
+                          <a:rPr lang="en-US" i="1" smtClean="0">
+                            <a:latin typeface="Cambria Math" panose="02040503050406030204" pitchFamily="18" charset="0"/>
+                            <a:ea typeface="Cambria Math" panose="02040503050406030204" pitchFamily="18" charset="0"/>
+                          </a:rPr>
+                          <m:t>𝜓</m:t>
+                        </m:r>
+                      </m:e>
+                      <m:sub>
+                        <m:r>
+                          <a:rPr lang="en-US" i="1" smtClean="0">
+                            <a:latin typeface="Cambria Math" panose="02040503050406030204" pitchFamily="18" charset="0"/>
+                            <a:ea typeface="Cambria Math" panose="02040503050406030204" pitchFamily="18" charset="0"/>
+                          </a:rPr>
+                          <m:t>𝜆</m:t>
+                        </m:r>
+                      </m:sub>
+                    </m:sSub>
+                  </m:oMath>
+                </a14:m>
+                <a:r>
+                  <a:rPr lang="en-US" dirty="0"/>
+                  <a:t> to calculate high-energy reactions by consistently evolving the reactions part </a:t>
+                </a:r>
+                <a14:m>
+                  <m:oMath xmlns:m="http://schemas.openxmlformats.org/officeDocument/2006/math">
+                    <m:sSub>
+                      <m:sSubPr>
+                        <m:ctrlPr>
+                          <a:rPr lang="en-US" i="1" smtClean="0">
+                            <a:latin typeface="Cambria Math" panose="02040503050406030204" pitchFamily="18" charset="0"/>
+                          </a:rPr>
+                        </m:ctrlPr>
+                      </m:sSubPr>
+                      <m:e>
+                        <m:r>
+                          <a:rPr lang="en-US" b="0" i="1" smtClean="0">
+                            <a:latin typeface="Cambria Math" panose="02040503050406030204" pitchFamily="18" charset="0"/>
+                          </a:rPr>
+                          <m:t>𝑂</m:t>
+                        </m:r>
+                      </m:e>
+                      <m:sub>
+                        <m:r>
+                          <a:rPr lang="en-US" i="1" smtClean="0">
+                            <a:latin typeface="Cambria Math" panose="02040503050406030204" pitchFamily="18" charset="0"/>
+                            <a:ea typeface="Cambria Math" panose="02040503050406030204" pitchFamily="18" charset="0"/>
+                          </a:rPr>
+                          <m:t>𝜆</m:t>
+                        </m:r>
+                      </m:sub>
+                    </m:sSub>
+                  </m:oMath>
+                </a14:m>
+                <a:endParaRPr lang="en-US" dirty="0"/>
+              </a:p>
+              <a:p>
+                <a:pPr>
+                  <a:lnSpc>
+                    <a:spcPct val="100000"/>
+                  </a:lnSpc>
+                </a:pPr>
+                <a:r>
+                  <a:rPr lang="en-US" dirty="0"/>
+                  <a:t>Mismatch of scales leads to incorrect observable</a:t>
+                </a:r>
+                <a:endParaRPr lang="en-US" dirty="0">
+                  <a:latin typeface="Arial" panose="020B0604020202020204" pitchFamily="34" charset="0"/>
+                </a:endParaRPr>
+              </a:p>
+            </p:txBody>
+          </p:sp>
+        </mc:Choice>
+        <mc:Fallback>
+          <p:sp>
+            <p:nvSpPr>
+              <p:cNvPr id="3" name="Content Placeholder 2">
+                <a:extLst>
+                  <a:ext uri="{FF2B5EF4-FFF2-40B4-BE49-F238E27FC236}">
+                    <a16:creationId xmlns:a16="http://schemas.microsoft.com/office/drawing/2014/main" id="{1A8FA9B3-1B32-894B-93C2-F90FB63CBDAA}"/>
+                  </a:ext>
+                </a:extLst>
+              </p:cNvPr>
+              <p:cNvSpPr>
+                <a:spLocks noGrp="1" noRot="1" noChangeAspect="1" noMove="1" noResize="1" noEditPoints="1" noAdjustHandles="1" noChangeArrowheads="1" noChangeShapeType="1" noTextEdit="1"/>
+              </p:cNvSpPr>
+              <p:nvPr>
+                <p:ph idx="1"/>
+              </p:nvPr>
+            </p:nvSpPr>
+            <p:spPr>
+              <a:blipFill>
+                <a:blip r:embed="rId2"/>
+                <a:stretch>
+                  <a:fillRect l="-965" t="-1754" r="-121" b="-15789"/>
+                </a:stretch>
+              </a:blipFill>
+            </p:spPr>
+            <p:txBody>
+              <a:bodyPr/>
+              <a:lstStyle/>
+              <a:p>
+                <a:r>
+                  <a:rPr lang="en-US">
+                    <a:noFill/>
+                  </a:rPr>
+                  <a:t> </a:t>
+                </a:r>
+              </a:p>
+            </p:txBody>
+          </p:sp>
+        </mc:Fallback>
+      </mc:AlternateContent>
+    </p:spTree>
+    <p:extLst>
+      <p:ext uri="{BB962C8B-B14F-4D97-AF65-F5344CB8AC3E}">
+        <p14:creationId xmlns:p14="http://schemas.microsoft.com/office/powerpoint/2010/main" val="3113682996"/>
+      </p:ext>
+    </p:extLst>
+  </p:cSld>
+  <p:clrMapOvr>
+    <a:masterClrMapping/>
+  </p:clrMapOvr>
+</p:sld>
+</file>
+
+<file path=ppt/slides/slide12.xml><?xml version="1.0" encoding="utf-8"?>
+<p:sld xmlns:a="http://schemas.openxmlformats.org/drawingml/2006/main" xmlns:r="http://schemas.openxmlformats.org/officeDocument/2006/relationships" xmlns:p="http://schemas.openxmlformats.org/presentationml/2006/main">
+  <p:cSld>
+    <p:spTree>
+      <p:nvGrpSpPr>
+        <p:cNvPr id="1" name=""/>
+        <p:cNvGrpSpPr/>
+        <p:nvPr/>
+      </p:nvGrpSpPr>
+      <p:grpSpPr>
+        <a:xfrm>
+          <a:off x="0" y="0"/>
+          <a:ext cx="0" cy="0"/>
+          <a:chOff x="0" y="0"/>
+          <a:chExt cx="0" cy="0"/>
+        </a:xfrm>
+      </p:grpSpPr>
+      <p:sp>
+        <p:nvSpPr>
+          <p:cNvPr id="2" name="Title 1">
+            <a:extLst>
+              <a:ext uri="{FF2B5EF4-FFF2-40B4-BE49-F238E27FC236}">
+                <a16:creationId xmlns:a16="http://schemas.microsoft.com/office/drawing/2014/main" id="{9FECE9C7-FBB0-B54D-8E92-C3BC6CA96ED2}"/>
+              </a:ext>
+            </a:extLst>
+          </p:cNvPr>
+          <p:cNvSpPr>
+            <a:spLocks noGrp="1"/>
+          </p:cNvSpPr>
+          <p:nvPr>
+            <p:ph type="title"/>
+          </p:nvPr>
+        </p:nvSpPr>
+        <p:spPr/>
+        <p:txBody>
+          <a:bodyPr/>
+          <a:lstStyle/>
+          <a:p>
+            <a:pPr>
+              <a:lnSpc>
+                <a:spcPct val="100000"/>
+              </a:lnSpc>
+            </a:pPr>
+            <a:r>
+              <a:rPr lang="en-US" dirty="0">
+                <a:solidFill>
+                  <a:srgbClr val="002060"/>
+                </a:solidFill>
+                <a:latin typeface="Arial" panose="020B0604020202020204" pitchFamily="34" charset="0"/>
+              </a:rPr>
+              <a:t>Connection to experiments</a:t>
+            </a:r>
+          </a:p>
+        </p:txBody>
+      </p:sp>
+      <mc:AlternateContent xmlns:mc="http://schemas.openxmlformats.org/markup-compatibility/2006">
+        <mc:Choice xmlns:a14="http://schemas.microsoft.com/office/drawing/2010/main" Requires="a14">
+          <p:sp>
+            <p:nvSpPr>
+              <p:cNvPr id="3" name="Content Placeholder 2">
+                <a:extLst>
+                  <a:ext uri="{FF2B5EF4-FFF2-40B4-BE49-F238E27FC236}">
+                    <a16:creationId xmlns:a16="http://schemas.microsoft.com/office/drawing/2014/main" id="{1A8FA9B3-1B32-894B-93C2-F90FB63CBDAA}"/>
+                  </a:ext>
+                </a:extLst>
+              </p:cNvPr>
+              <p:cNvSpPr>
+                <a:spLocks noGrp="1"/>
+              </p:cNvSpPr>
+              <p:nvPr>
+                <p:ph idx="1"/>
+              </p:nvPr>
+            </p:nvSpPr>
+            <p:spPr/>
+            <p:txBody>
+              <a:bodyPr/>
+              <a:lstStyle/>
+              <a:p>
+                <a:pPr>
+                  <a:lnSpc>
+                    <a:spcPct val="100000"/>
+                  </a:lnSpc>
+                </a:pPr>
+                <a:r>
+                  <a:rPr lang="en-US" dirty="0">
+                    <a:latin typeface="Arial" panose="020B0604020202020204" pitchFamily="34" charset="0"/>
+                  </a:rPr>
+                  <a:t>In analyzing scattering observables, there is scale and scheme dependence in factorization of structure and reaction</a:t>
+                </a:r>
+              </a:p>
+              <a:p>
+                <a:pPr lvl="1">
+                  <a:lnSpc>
+                    <a:spcPct val="100000"/>
+                  </a:lnSpc>
+                </a:pPr>
+                <a:r>
+                  <a:rPr lang="en-US" dirty="0"/>
+                  <a:t>Factorization scale \</a:t>
+                </a:r>
+                <a:r>
+                  <a:rPr lang="en-US" dirty="0" err="1"/>
+                  <a:t>mu_F</a:t>
+                </a:r>
+                <a:r>
+                  <a:rPr lang="en-US" dirty="0"/>
+                  <a:t> and scheme</a:t>
+                </a:r>
+              </a:p>
+              <a:p>
+                <a:pPr>
+                  <a:lnSpc>
+                    <a:spcPct val="100000"/>
+                  </a:lnSpc>
+                </a:pPr>
+                <a:r>
+                  <a:rPr lang="en-US" dirty="0">
+                    <a:latin typeface="Arial" panose="020B0604020202020204" pitchFamily="34" charset="0"/>
+                  </a:rPr>
+                  <a:t>Analogous </a:t>
+                </a:r>
+                <a:r>
+                  <a:rPr lang="en-US" dirty="0"/>
+                  <a:t>problem </a:t>
+                </a:r>
+                <a14:m>
+                  <m:oMath xmlns:m="http://schemas.openxmlformats.org/officeDocument/2006/math">
+                    <m:d>
+                      <m:dPr>
+                        <m:begChr m:val="⟨"/>
+                        <m:endChr m:val="⟩"/>
+                        <m:ctrlPr>
+                          <a:rPr lang="en-US" i="1" smtClean="0">
+                            <a:latin typeface="Cambria Math" panose="02040503050406030204" pitchFamily="18" charset="0"/>
+                          </a:rPr>
+                        </m:ctrlPr>
+                      </m:dPr>
+                      <m:e>
+                        <m:r>
+                          <a:rPr lang="en-US" i="1" smtClean="0">
+                            <a:latin typeface="Cambria Math" panose="02040503050406030204" pitchFamily="18" charset="0"/>
+                            <a:ea typeface="Cambria Math" panose="02040503050406030204" pitchFamily="18" charset="0"/>
+                          </a:rPr>
+                          <m:t>𝜓</m:t>
+                        </m:r>
+                      </m:e>
+                      <m:e>
+                        <m:r>
+                          <a:rPr lang="en-US" b="0" i="1" smtClean="0">
+                            <a:latin typeface="Cambria Math" panose="02040503050406030204" pitchFamily="18" charset="0"/>
+                          </a:rPr>
+                          <m:t>𝑂</m:t>
+                        </m:r>
+                      </m:e>
+                      <m:e>
+                        <m:r>
+                          <a:rPr lang="en-US" i="1" smtClean="0">
+                            <a:latin typeface="Cambria Math" panose="02040503050406030204" pitchFamily="18" charset="0"/>
+                            <a:ea typeface="Cambria Math" panose="02040503050406030204" pitchFamily="18" charset="0"/>
+                          </a:rPr>
+                          <m:t>𝜓</m:t>
+                        </m:r>
+                      </m:e>
+                    </m:d>
+                  </m:oMath>
+                </a14:m>
+                <a:endParaRPr lang="en-US" dirty="0">
+                  <a:latin typeface="Arial" panose="020B0604020202020204" pitchFamily="34" charset="0"/>
+                </a:endParaRPr>
+              </a:p>
+              <a:p>
+                <a:pPr>
+                  <a:lnSpc>
+                    <a:spcPct val="100000"/>
+                  </a:lnSpc>
+                </a:pPr>
+                <a:r>
+                  <a:rPr lang="en-US" dirty="0"/>
+                  <a:t>Can tune the scale with SRG transformations making a potential with SRC physics like AV18 much softer like a high-order chiral potential</a:t>
+                </a:r>
+              </a:p>
+              <a:p>
+                <a:pPr>
+                  <a:lnSpc>
+                    <a:spcPct val="100000"/>
+                  </a:lnSpc>
+                </a:pPr>
+                <a:r>
+                  <a:rPr lang="en-US" dirty="0"/>
+                  <a:t>Can use low-energy structure </a:t>
+                </a:r>
+                <a14:m>
+                  <m:oMath xmlns:m="http://schemas.openxmlformats.org/officeDocument/2006/math">
+                    <m:sSub>
+                      <m:sSubPr>
+                        <m:ctrlPr>
+                          <a:rPr lang="en-US" i="1" smtClean="0">
+                            <a:latin typeface="Cambria Math" panose="02040503050406030204" pitchFamily="18" charset="0"/>
+                          </a:rPr>
+                        </m:ctrlPr>
+                      </m:sSubPr>
+                      <m:e>
+                        <m:r>
+                          <a:rPr lang="en-US" i="1" smtClean="0">
+                            <a:latin typeface="Cambria Math" panose="02040503050406030204" pitchFamily="18" charset="0"/>
+                            <a:ea typeface="Cambria Math" panose="02040503050406030204" pitchFamily="18" charset="0"/>
+                          </a:rPr>
+                          <m:t>𝜓</m:t>
+                        </m:r>
+                      </m:e>
+                      <m:sub>
+                        <m:r>
+                          <a:rPr lang="en-US" i="1" smtClean="0">
+                            <a:latin typeface="Cambria Math" panose="02040503050406030204" pitchFamily="18" charset="0"/>
+                            <a:ea typeface="Cambria Math" panose="02040503050406030204" pitchFamily="18" charset="0"/>
+                          </a:rPr>
+                          <m:t>𝜆</m:t>
+                        </m:r>
+                      </m:sub>
+                    </m:sSub>
+                  </m:oMath>
+                </a14:m>
+                <a:r>
+                  <a:rPr lang="en-US" dirty="0"/>
+                  <a:t> to calculate high-energy reactions by consistently evolving the reactions part </a:t>
+                </a:r>
+                <a14:m>
+                  <m:oMath xmlns:m="http://schemas.openxmlformats.org/officeDocument/2006/math">
+                    <m:sSub>
+                      <m:sSubPr>
+                        <m:ctrlPr>
+                          <a:rPr lang="en-US" i="1" smtClean="0">
+                            <a:latin typeface="Cambria Math" panose="02040503050406030204" pitchFamily="18" charset="0"/>
+                          </a:rPr>
+                        </m:ctrlPr>
+                      </m:sSubPr>
+                      <m:e>
+                        <m:r>
+                          <a:rPr lang="en-US" b="0" i="1" smtClean="0">
+                            <a:latin typeface="Cambria Math" panose="02040503050406030204" pitchFamily="18" charset="0"/>
+                          </a:rPr>
+                          <m:t>𝑂</m:t>
+                        </m:r>
+                      </m:e>
+                      <m:sub>
+                        <m:r>
+                          <a:rPr lang="en-US" i="1" smtClean="0">
+                            <a:latin typeface="Cambria Math" panose="02040503050406030204" pitchFamily="18" charset="0"/>
+                            <a:ea typeface="Cambria Math" panose="02040503050406030204" pitchFamily="18" charset="0"/>
+                          </a:rPr>
+                          <m:t>𝜆</m:t>
+                        </m:r>
+                      </m:sub>
+                    </m:sSub>
+                  </m:oMath>
+                </a14:m>
+                <a:endParaRPr lang="en-US" dirty="0"/>
+              </a:p>
+              <a:p>
+                <a:pPr>
+                  <a:lnSpc>
+                    <a:spcPct val="100000"/>
+                  </a:lnSpc>
+                </a:pPr>
+                <a:r>
+                  <a:rPr lang="en-US" dirty="0"/>
+                  <a:t>Mismatch of scales leads to incorrect observable</a:t>
+                </a:r>
+                <a:endParaRPr lang="en-US" dirty="0">
+                  <a:latin typeface="Arial" panose="020B0604020202020204" pitchFamily="34" charset="0"/>
+                </a:endParaRPr>
+              </a:p>
+            </p:txBody>
+          </p:sp>
+        </mc:Choice>
+        <mc:Fallback>
+          <p:sp>
+            <p:nvSpPr>
+              <p:cNvPr id="3" name="Content Placeholder 2">
+                <a:extLst>
+                  <a:ext uri="{FF2B5EF4-FFF2-40B4-BE49-F238E27FC236}">
+                    <a16:creationId xmlns:a16="http://schemas.microsoft.com/office/drawing/2014/main" id="{1A8FA9B3-1B32-894B-93C2-F90FB63CBDAA}"/>
+                  </a:ext>
+                </a:extLst>
+              </p:cNvPr>
+              <p:cNvSpPr>
+                <a:spLocks noGrp="1" noRot="1" noChangeAspect="1" noMove="1" noResize="1" noEditPoints="1" noAdjustHandles="1" noChangeArrowheads="1" noChangeShapeType="1" noTextEdit="1"/>
+              </p:cNvSpPr>
+              <p:nvPr>
+                <p:ph idx="1"/>
+              </p:nvPr>
+            </p:nvSpPr>
+            <p:spPr>
+              <a:blipFill>
+                <a:blip r:embed="rId2"/>
+                <a:stretch>
+                  <a:fillRect l="-965" t="-1754" r="-121" b="-15789"/>
+                </a:stretch>
+              </a:blipFill>
+            </p:spPr>
+            <p:txBody>
+              <a:bodyPr/>
+              <a:lstStyle/>
+              <a:p>
+                <a:r>
+                  <a:rPr lang="en-US">
+                    <a:noFill/>
+                  </a:rPr>
+                  <a:t> </a:t>
+                </a:r>
+              </a:p>
+            </p:txBody>
+          </p:sp>
+        </mc:Fallback>
+      </mc:AlternateContent>
+    </p:spTree>
+    <p:extLst>
+      <p:ext uri="{BB962C8B-B14F-4D97-AF65-F5344CB8AC3E}">
+        <p14:creationId xmlns:p14="http://schemas.microsoft.com/office/powerpoint/2010/main" val="4030662358"/>
+      </p:ext>
+    </p:extLst>
+  </p:cSld>
+  <p:clrMapOvr>
+    <a:masterClrMapping/>
+  </p:clrMapOvr>
+</p:sld>
+</file>
+
+<file path=ppt/slides/slide13.xml><?xml version="1.0" encoding="utf-8"?>
+<p:sld xmlns:a="http://schemas.openxmlformats.org/drawingml/2006/main" xmlns:r="http://schemas.openxmlformats.org/officeDocument/2006/relationships" xmlns:p="http://schemas.openxmlformats.org/presentationml/2006/main">
+  <p:cSld>
+    <p:spTree>
+      <p:nvGrpSpPr>
+        <p:cNvPr id="1" name=""/>
+        <p:cNvGrpSpPr/>
+        <p:nvPr/>
+      </p:nvGrpSpPr>
+      <p:grpSpPr>
+        <a:xfrm>
+          <a:off x="0" y="0"/>
+          <a:ext cx="0" cy="0"/>
+          <a:chOff x="0" y="0"/>
+          <a:chExt cx="0" cy="0"/>
+        </a:xfrm>
+      </p:grpSpPr>
+      <p:sp>
+        <p:nvSpPr>
+          <p:cNvPr id="2" name="Title 1">
+            <a:extLst>
+              <a:ext uri="{FF2B5EF4-FFF2-40B4-BE49-F238E27FC236}">
+                <a16:creationId xmlns:a16="http://schemas.microsoft.com/office/drawing/2014/main" id="{9FECE9C7-FBB0-B54D-8E92-C3BC6CA96ED2}"/>
+              </a:ext>
+            </a:extLst>
+          </p:cNvPr>
+          <p:cNvSpPr>
+            <a:spLocks noGrp="1"/>
+          </p:cNvSpPr>
+          <p:nvPr>
+            <p:ph type="title"/>
+          </p:nvPr>
+        </p:nvSpPr>
+        <p:spPr/>
+        <p:txBody>
           <a:bodyPr>
             <a:normAutofit fontScale="90000"/>
           </a:bodyPr>
@@ -4729,7 +5557,7 @@
             </a:r>
             <a:r>
               <a:rPr lang="en-US" dirty="0"/>
-              <a:t> as an example, depending on time can provide further detail (just do band-diagonal decoupling)</a:t>
+              <a:t> as an example, depending on time can provide further detail (just do band-diagonal decoupling) (add relative momentum q)</a:t>
             </a:r>
           </a:p>
           <a:p>
@@ -4743,19 +5571,38 @@
               <a:t>Induced low-momentum contributions reflecting UV physics of the NN potential</a:t>
             </a:r>
           </a:p>
-          <a:p>
-            <a:pPr>
-              <a:lnSpc>
-                <a:spcPct val="100000"/>
-              </a:lnSpc>
-            </a:pPr>
-            <a:r>
-              <a:rPr lang="en-US" dirty="0"/>
-              <a:t>Unitary transformations, with the evolved wave function, these changes are consistent</a:t>
-            </a:r>
-          </a:p>
         </p:txBody>
       </p:sp>
+      <p:pic>
+        <p:nvPicPr>
+          <p:cNvPr id="5" name="Picture 4" descr="A picture containing screenshot, drawing&#10;&#10;Description automatically generated">
+            <a:extLst>
+              <a:ext uri="{FF2B5EF4-FFF2-40B4-BE49-F238E27FC236}">
+                <a16:creationId xmlns:a16="http://schemas.microsoft.com/office/drawing/2014/main" id="{16032205-CBB2-BF45-A39B-9E892B31F9D5}"/>
+              </a:ext>
+            </a:extLst>
+          </p:cNvPr>
+          <p:cNvPicPr>
+            <a:picLocks noChangeAspect="1"/>
+          </p:cNvPicPr>
+          <p:nvPr/>
+        </p:nvPicPr>
+        <p:blipFill>
+          <a:blip r:embed="rId2"/>
+          <a:stretch>
+            <a:fillRect/>
+          </a:stretch>
+        </p:blipFill>
+        <p:spPr>
+          <a:xfrm>
+            <a:off x="2543175" y="3814400"/>
+            <a:ext cx="6629400" cy="2845668"/>
+          </a:xfrm>
+          <a:prstGeom prst="rect">
+            <a:avLst/>
+          </a:prstGeom>
+        </p:spPr>
+      </p:pic>
     </p:spTree>
     <p:extLst>
       <p:ext uri="{BB962C8B-B14F-4D97-AF65-F5344CB8AC3E}">
@@ -4769,7 +5616,7 @@
 </p:sld>
 </file>
 
-<file path=ppt/slides/slide12.xml><?xml version="1.0" encoding="utf-8"?>
+<file path=ppt/slides/slide14.xml><?xml version="1.0" encoding="utf-8"?>
 <p:sld xmlns:a="http://schemas.openxmlformats.org/drawingml/2006/main" xmlns:r="http://schemas.openxmlformats.org/officeDocument/2006/relationships" xmlns:p="http://schemas.openxmlformats.org/presentationml/2006/main">
   <p:cSld>
     <p:spTree>
@@ -6154,342 +7001,6 @@
 </p:sld>
 </file>
 
-<file path=ppt/slides/slide13.xml><?xml version="1.0" encoding="utf-8"?>
-<p:sld xmlns:a="http://schemas.openxmlformats.org/drawingml/2006/main" xmlns:r="http://schemas.openxmlformats.org/officeDocument/2006/relationships" xmlns:p="http://schemas.openxmlformats.org/presentationml/2006/main">
-  <p:cSld>
-    <p:spTree>
-      <p:nvGrpSpPr>
-        <p:cNvPr id="1" name=""/>
-        <p:cNvGrpSpPr/>
-        <p:nvPr/>
-      </p:nvGrpSpPr>
-      <p:grpSpPr>
-        <a:xfrm>
-          <a:off x="0" y="0"/>
-          <a:ext cx="0" cy="0"/>
-          <a:chOff x="0" y="0"/>
-          <a:chExt cx="0" cy="0"/>
-        </a:xfrm>
-      </p:grpSpPr>
-      <p:sp>
-        <p:nvSpPr>
-          <p:cNvPr id="2" name="Title 1">
-            <a:extLst>
-              <a:ext uri="{FF2B5EF4-FFF2-40B4-BE49-F238E27FC236}">
-                <a16:creationId xmlns:a16="http://schemas.microsoft.com/office/drawing/2014/main" id="{9FECE9C7-FBB0-B54D-8E92-C3BC6CA96ED2}"/>
-              </a:ext>
-            </a:extLst>
-          </p:cNvPr>
-          <p:cNvSpPr>
-            <a:spLocks noGrp="1"/>
-          </p:cNvSpPr>
-          <p:nvPr>
-            <p:ph type="title"/>
-          </p:nvPr>
-        </p:nvSpPr>
-        <p:spPr/>
-        <p:txBody>
-          <a:bodyPr>
-            <a:normAutofit/>
-          </a:bodyPr>
-          <a:lstStyle/>
-          <a:p>
-            <a:pPr>
-              <a:lnSpc>
-                <a:spcPct val="100000"/>
-              </a:lnSpc>
-            </a:pPr>
-            <a:r>
-              <a:rPr lang="en-US" dirty="0">
-                <a:solidFill>
-                  <a:srgbClr val="002060"/>
-                </a:solidFill>
-                <a:latin typeface="Arial" panose="020B0604020202020204" pitchFamily="34" charset="0"/>
-              </a:rPr>
-              <a:t>Expectation value under SRG</a:t>
-            </a:r>
-          </a:p>
-        </p:txBody>
-      </p:sp>
-      <p:sp>
-        <p:nvSpPr>
-          <p:cNvPr id="3" name="Content Placeholder 2">
-            <a:extLst>
-              <a:ext uri="{FF2B5EF4-FFF2-40B4-BE49-F238E27FC236}">
-                <a16:creationId xmlns:a16="http://schemas.microsoft.com/office/drawing/2014/main" id="{1A8FA9B3-1B32-894B-93C2-F90FB63CBDAA}"/>
-              </a:ext>
-            </a:extLst>
-          </p:cNvPr>
-          <p:cNvSpPr>
-            <a:spLocks noGrp="1"/>
-          </p:cNvSpPr>
-          <p:nvPr>
-            <p:ph idx="1"/>
-          </p:nvPr>
-        </p:nvSpPr>
-        <p:spPr/>
-        <p:txBody>
-          <a:bodyPr/>
-          <a:lstStyle/>
-          <a:p>
-            <a:pPr>
-              <a:lnSpc>
-                <a:spcPct val="100000"/>
-              </a:lnSpc>
-            </a:pPr>
-            <a:r>
-              <a:rPr lang="en-US" dirty="0"/>
-              <a:t>Walk through how the &lt;\</a:t>
-            </a:r>
-            <a:r>
-              <a:rPr lang="en-US" dirty="0" err="1"/>
-              <a:t>psi_d|ataq</a:t>
-            </a:r>
-            <a:r>
-              <a:rPr lang="en-US" dirty="0"/>
-              <a:t>|\psi&gt; changes connecting back to point that we can utilize high-order chiral potentials</a:t>
-            </a:r>
-          </a:p>
-          <a:p>
-            <a:pPr>
-              <a:lnSpc>
-                <a:spcPct val="100000"/>
-              </a:lnSpc>
-            </a:pPr>
-            <a:r>
-              <a:rPr lang="en-US" dirty="0"/>
-              <a:t>Maybe do just band-diagonal decoupling</a:t>
-            </a:r>
-          </a:p>
-          <a:p>
-            <a:pPr>
-              <a:lnSpc>
-                <a:spcPct val="100000"/>
-              </a:lnSpc>
-            </a:pPr>
-            <a:endParaRPr lang="en-US" dirty="0"/>
-          </a:p>
-        </p:txBody>
-      </p:sp>
-      <p:pic>
-        <p:nvPicPr>
-          <p:cNvPr id="5" name="Picture 4" descr="A screenshot of a social media post&#10;&#10;Description automatically generated">
-            <a:extLst>
-              <a:ext uri="{FF2B5EF4-FFF2-40B4-BE49-F238E27FC236}">
-                <a16:creationId xmlns:a16="http://schemas.microsoft.com/office/drawing/2014/main" id="{E2F53986-021B-7048-9372-1237D054D061}"/>
-              </a:ext>
-            </a:extLst>
-          </p:cNvPr>
-          <p:cNvPicPr>
-            <a:picLocks noChangeAspect="1"/>
-          </p:cNvPicPr>
-          <p:nvPr/>
-        </p:nvPicPr>
-        <p:blipFill>
-          <a:blip r:embed="rId2"/>
-          <a:stretch>
-            <a:fillRect/>
-          </a:stretch>
-        </p:blipFill>
-        <p:spPr>
-          <a:xfrm>
-            <a:off x="4698124" y="3543683"/>
-            <a:ext cx="7493876" cy="3314317"/>
-          </a:xfrm>
-          <a:prstGeom prst="rect">
-            <a:avLst/>
-          </a:prstGeom>
-        </p:spPr>
-      </p:pic>
-    </p:spTree>
-    <p:extLst>
-      <p:ext uri="{BB962C8B-B14F-4D97-AF65-F5344CB8AC3E}">
-        <p14:creationId xmlns:p14="http://schemas.microsoft.com/office/powerpoint/2010/main" val="2999820937"/>
-      </p:ext>
-    </p:extLst>
-  </p:cSld>
-  <p:clrMapOvr>
-    <a:masterClrMapping/>
-  </p:clrMapOvr>
-</p:sld>
-</file>
-
-<file path=ppt/slides/slide14.xml><?xml version="1.0" encoding="utf-8"?>
-<p:sld xmlns:a="http://schemas.openxmlformats.org/drawingml/2006/main" xmlns:r="http://schemas.openxmlformats.org/officeDocument/2006/relationships" xmlns:p="http://schemas.openxmlformats.org/presentationml/2006/main">
-  <p:cSld>
-    <p:spTree>
-      <p:nvGrpSpPr>
-        <p:cNvPr id="1" name=""/>
-        <p:cNvGrpSpPr/>
-        <p:nvPr/>
-      </p:nvGrpSpPr>
-      <p:grpSpPr>
-        <a:xfrm>
-          <a:off x="0" y="0"/>
-          <a:ext cx="0" cy="0"/>
-          <a:chOff x="0" y="0"/>
-          <a:chExt cx="0" cy="0"/>
-        </a:xfrm>
-      </p:grpSpPr>
-      <p:sp>
-        <p:nvSpPr>
-          <p:cNvPr id="2" name="Title 1">
-            <a:extLst>
-              <a:ext uri="{FF2B5EF4-FFF2-40B4-BE49-F238E27FC236}">
-                <a16:creationId xmlns:a16="http://schemas.microsoft.com/office/drawing/2014/main" id="{9FECE9C7-FBB0-B54D-8E92-C3BC6CA96ED2}"/>
-              </a:ext>
-            </a:extLst>
-          </p:cNvPr>
-          <p:cNvSpPr>
-            <a:spLocks noGrp="1"/>
-          </p:cNvSpPr>
-          <p:nvPr>
-            <p:ph type="title"/>
-          </p:nvPr>
-        </p:nvSpPr>
-        <p:spPr/>
-        <p:txBody>
-          <a:bodyPr>
-            <a:normAutofit/>
-          </a:bodyPr>
-          <a:lstStyle/>
-          <a:p>
-            <a:pPr>
-              <a:lnSpc>
-                <a:spcPct val="100000"/>
-              </a:lnSpc>
-            </a:pPr>
-            <a:r>
-              <a:rPr lang="en-US" dirty="0">
-                <a:solidFill>
-                  <a:srgbClr val="002060"/>
-                </a:solidFill>
-                <a:latin typeface="Arial" panose="020B0604020202020204" pitchFamily="34" charset="0"/>
-              </a:rPr>
-              <a:t>Ratios of different potentials</a:t>
-            </a:r>
-          </a:p>
-        </p:txBody>
-      </p:sp>
-      <p:sp>
-        <p:nvSpPr>
-          <p:cNvPr id="3" name="Content Placeholder 2">
-            <a:extLst>
-              <a:ext uri="{FF2B5EF4-FFF2-40B4-BE49-F238E27FC236}">
-                <a16:creationId xmlns:a16="http://schemas.microsoft.com/office/drawing/2014/main" id="{1A8FA9B3-1B32-894B-93C2-F90FB63CBDAA}"/>
-              </a:ext>
-            </a:extLst>
-          </p:cNvPr>
-          <p:cNvSpPr>
-            <a:spLocks noGrp="1"/>
-          </p:cNvSpPr>
-          <p:nvPr>
-            <p:ph idx="1"/>
-          </p:nvPr>
-        </p:nvSpPr>
-        <p:spPr/>
-        <p:txBody>
-          <a:bodyPr/>
-          <a:lstStyle/>
-          <a:p>
-            <a:pPr>
-              <a:lnSpc>
-                <a:spcPct val="100000"/>
-              </a:lnSpc>
-            </a:pPr>
-            <a:r>
-              <a:rPr lang="en-US" dirty="0"/>
-              <a:t>Reflects difference in UV physics, maybe show </a:t>
-            </a:r>
-            <a:r>
-              <a:rPr lang="en-US" dirty="0" err="1"/>
-              <a:t>ataq</a:t>
-            </a:r>
-            <a:r>
-              <a:rPr lang="en-US" dirty="0"/>
-              <a:t>(</a:t>
-            </a:r>
-            <a:r>
-              <a:rPr lang="en-US" dirty="0" err="1"/>
-              <a:t>k,k</a:t>
-            </a:r>
-            <a:r>
-              <a:rPr lang="en-US" dirty="0"/>
-              <a:t>) ratios</a:t>
-            </a:r>
-          </a:p>
-          <a:p>
-            <a:pPr>
-              <a:lnSpc>
-                <a:spcPct val="100000"/>
-              </a:lnSpc>
-            </a:pPr>
-            <a:r>
-              <a:rPr lang="en-US" dirty="0"/>
-              <a:t>Transition into ratios of </a:t>
-            </a:r>
-            <a:r>
-              <a:rPr lang="en-US" dirty="0" err="1"/>
-              <a:t>A/d</a:t>
-            </a:r>
-            <a:r>
-              <a:rPr lang="en-US" dirty="0"/>
-              <a:t> ~ low-energy structure components</a:t>
-            </a:r>
-          </a:p>
-          <a:p>
-            <a:pPr>
-              <a:lnSpc>
-                <a:spcPct val="100000"/>
-              </a:lnSpc>
-            </a:pPr>
-            <a:endParaRPr lang="en-US" dirty="0"/>
-          </a:p>
-        </p:txBody>
-      </p:sp>
-      <p:pic>
-        <p:nvPicPr>
-          <p:cNvPr id="6" name="Picture 5">
-            <a:extLst>
-              <a:ext uri="{FF2B5EF4-FFF2-40B4-BE49-F238E27FC236}">
-                <a16:creationId xmlns:a16="http://schemas.microsoft.com/office/drawing/2014/main" id="{132229F5-1051-E24A-8883-B6E9A7780D7D}"/>
-              </a:ext>
-            </a:extLst>
-          </p:cNvPr>
-          <p:cNvPicPr>
-            <a:picLocks noChangeAspect="1"/>
-          </p:cNvPicPr>
-          <p:nvPr/>
-        </p:nvPicPr>
-        <p:blipFill>
-          <a:blip r:embed="rId2"/>
-          <a:stretch>
-            <a:fillRect/>
-          </a:stretch>
-        </p:blipFill>
-        <p:spPr>
-          <a:xfrm>
-            <a:off x="6243145" y="2949197"/>
-            <a:ext cx="5948855" cy="3908803"/>
-          </a:xfrm>
-          <a:prstGeom prst="rect">
-            <a:avLst/>
-          </a:prstGeom>
-        </p:spPr>
-      </p:pic>
-    </p:spTree>
-    <p:extLst>
-      <p:ext uri="{BB962C8B-B14F-4D97-AF65-F5344CB8AC3E}">
-        <p14:creationId xmlns:p14="http://schemas.microsoft.com/office/powerpoint/2010/main" val="2323205402"/>
-      </p:ext>
-    </p:extLst>
-  </p:cSld>
-  <p:clrMapOvr>
-    <a:masterClrMapping/>
-  </p:clrMapOvr>
-</p:sld>
-</file>
-
 <file path=ppt/slides/slide15.xml><?xml version="1.0" encoding="utf-8"?>
 <p:sld xmlns:a="http://schemas.openxmlformats.org/drawingml/2006/main" xmlns:r="http://schemas.openxmlformats.org/officeDocument/2006/relationships" xmlns:p="http://schemas.openxmlformats.org/presentationml/2006/main">
   <p:cSld>
@@ -6542,7 +7053,7 @@
                 </a:solidFill>
                 <a:latin typeface="Arial" panose="020B0604020202020204" pitchFamily="34" charset="0"/>
               </a:rPr>
-              <a:t>Summary</a:t>
+              <a:t>Expectation value under SRG</a:t>
             </a:r>
           </a:p>
         </p:txBody>
@@ -6575,7 +7086,15 @@
             </a:pPr>
             <a:r>
               <a:rPr lang="en-US" dirty="0"/>
-              <a:t>Universality in drastically different chiral potentials</a:t>
+              <a:t>Walk through the &lt;\</a:t>
+            </a:r>
+            <a:r>
+              <a:rPr lang="en-US" dirty="0" err="1"/>
+              <a:t>psi_d|ataq</a:t>
+            </a:r>
+            <a:r>
+              <a:rPr lang="en-US" dirty="0"/>
+              <a:t>|\psi&gt; changes connecting back to point that we can utilize high-order chiral potentials</a:t>
             </a:r>
           </a:p>
           <a:p>
@@ -6585,14 +7104,8 @@
               </a:lnSpc>
             </a:pPr>
             <a:r>
-              <a:rPr lang="en-US" dirty="0">
-                <a:latin typeface="Arial" panose="020B0604020202020204" pitchFamily="34" charset="0"/>
-              </a:rPr>
-              <a:t>Univer</a:t>
-            </a:r>
-            <a:r>
               <a:rPr lang="en-US" dirty="0"/>
-              <a:t>sality shows in low-energy states as well</a:t>
+              <a:t>Expectation value is shifted to low resolution</a:t>
             </a:r>
           </a:p>
           <a:p>
@@ -6603,7 +7116,7 @@
             </a:pPr>
             <a:r>
               <a:rPr lang="en-US" dirty="0"/>
-              <a:t>Uncorrelated wave functions, consistently evolved operators with SRG induced terms from UV</a:t>
+              <a:t>Maybe do just band-diagonal decoupling</a:t>
             </a:r>
           </a:p>
           <a:p>
@@ -6613,22 +7126,46 @@
               </a:lnSpc>
             </a:pPr>
             <a:r>
-              <a:rPr lang="en-US" dirty="0">
-                <a:latin typeface="Arial" panose="020B0604020202020204" pitchFamily="34" charset="0"/>
-              </a:rPr>
-              <a:t>Essentially decoupl</a:t>
-            </a:r>
-            <a:r>
               <a:rPr lang="en-US" dirty="0"/>
-              <a:t>es calculation from high-energy for low-energy states</a:t>
+              <a:t>Arrows to indicate scale dependence (left to right) and scheme dependence (up to down)</a:t>
             </a:r>
           </a:p>
         </p:txBody>
       </p:sp>
+      <p:pic>
+        <p:nvPicPr>
+          <p:cNvPr id="5" name="Picture 4" descr="A screenshot of a social media post&#10;&#10;Description automatically generated">
+            <a:extLst>
+              <a:ext uri="{FF2B5EF4-FFF2-40B4-BE49-F238E27FC236}">
+                <a16:creationId xmlns:a16="http://schemas.microsoft.com/office/drawing/2014/main" id="{E2F53986-021B-7048-9372-1237D054D061}"/>
+              </a:ext>
+            </a:extLst>
+          </p:cNvPr>
+          <p:cNvPicPr>
+            <a:picLocks noChangeAspect="1"/>
+          </p:cNvPicPr>
+          <p:nvPr/>
+        </p:nvPicPr>
+        <p:blipFill>
+          <a:blip r:embed="rId2"/>
+          <a:stretch>
+            <a:fillRect/>
+          </a:stretch>
+        </p:blipFill>
+        <p:spPr>
+          <a:xfrm>
+            <a:off x="6358758" y="4278132"/>
+            <a:ext cx="5833241" cy="2579868"/>
+          </a:xfrm>
+          <a:prstGeom prst="rect">
+            <a:avLst/>
+          </a:prstGeom>
+        </p:spPr>
+      </p:pic>
     </p:spTree>
     <p:extLst>
       <p:ext uri="{BB962C8B-B14F-4D97-AF65-F5344CB8AC3E}">
-        <p14:creationId xmlns:p14="http://schemas.microsoft.com/office/powerpoint/2010/main" val="3739908508"/>
+        <p14:creationId xmlns:p14="http://schemas.microsoft.com/office/powerpoint/2010/main" val="2999820937"/>
       </p:ext>
     </p:extLst>
   </p:cSld>
@@ -6690,7 +7227,7 @@
                 </a:solidFill>
                 <a:latin typeface="Arial" panose="020B0604020202020204" pitchFamily="34" charset="0"/>
               </a:rPr>
-              <a:t>Outlook</a:t>
+              <a:t>Ratios of different potentials</a:t>
             </a:r>
           </a:p>
         </p:txBody>
@@ -6723,7 +7260,23 @@
             </a:pPr>
             <a:r>
               <a:rPr lang="en-US" dirty="0"/>
-              <a:t>Universality in drastically different chiral potentials</a:t>
+              <a:t>SRG induced terms in the operator reflects difference in UV physics, maybe show </a:t>
+            </a:r>
+            <a:r>
+              <a:rPr lang="en-US" dirty="0" err="1"/>
+              <a:t>ataq</a:t>
+            </a:r>
+            <a:r>
+              <a:rPr lang="en-US" dirty="0"/>
+              <a:t>(</a:t>
+            </a:r>
+            <a:r>
+              <a:rPr lang="en-US" dirty="0" err="1"/>
+              <a:t>k,k</a:t>
+            </a:r>
+            <a:r>
+              <a:rPr lang="en-US" dirty="0"/>
+              <a:t>) ratios</a:t>
             </a:r>
           </a:p>
           <a:p>
@@ -6734,29 +7287,15 @@
             </a:pPr>
             <a:r>
               <a:rPr lang="en-US" dirty="0"/>
-              <a:t>Universality shows in low-energy states as well</a:t>
-            </a:r>
-          </a:p>
-          <a:p>
-            <a:pPr>
-              <a:lnSpc>
-                <a:spcPct val="100000"/>
-              </a:lnSpc>
-            </a:pPr>
+              <a:t>Transition into ratios of </a:t>
+            </a:r>
+            <a:r>
+              <a:rPr lang="en-US" dirty="0" err="1"/>
+              <a:t>A/d</a:t>
+            </a:r>
             <a:r>
               <a:rPr lang="en-US" dirty="0"/>
-              <a:t>Uncorrelated wave functions, consistently evolved operators with SRG induced terms from UV</a:t>
-            </a:r>
-          </a:p>
-          <a:p>
-            <a:pPr>
-              <a:lnSpc>
-                <a:spcPct val="100000"/>
-              </a:lnSpc>
-            </a:pPr>
-            <a:r>
-              <a:rPr lang="en-US" dirty="0"/>
-              <a:t>Essentially decouples calculation from high-energy for low-energy states</a:t>
+              <a:t> ~ low-energy structure components</a:t>
             </a:r>
           </a:p>
           <a:p>
@@ -6769,10 +7308,544 @@
           </a:p>
         </p:txBody>
       </p:sp>
+      <p:pic>
+        <p:nvPicPr>
+          <p:cNvPr id="6" name="Picture 5">
+            <a:extLst>
+              <a:ext uri="{FF2B5EF4-FFF2-40B4-BE49-F238E27FC236}">
+                <a16:creationId xmlns:a16="http://schemas.microsoft.com/office/drawing/2014/main" id="{132229F5-1051-E24A-8883-B6E9A7780D7D}"/>
+              </a:ext>
+            </a:extLst>
+          </p:cNvPr>
+          <p:cNvPicPr>
+            <a:picLocks noChangeAspect="1"/>
+          </p:cNvPicPr>
+          <p:nvPr/>
+        </p:nvPicPr>
+        <p:blipFill>
+          <a:blip r:embed="rId2"/>
+          <a:stretch>
+            <a:fillRect/>
+          </a:stretch>
+        </p:blipFill>
+        <p:spPr>
+          <a:xfrm>
+            <a:off x="3184635" y="3453336"/>
+            <a:ext cx="5181600" cy="3404664"/>
+          </a:xfrm>
+          <a:prstGeom prst="rect">
+            <a:avLst/>
+          </a:prstGeom>
+        </p:spPr>
+      </p:pic>
     </p:spTree>
     <p:extLst>
       <p:ext uri="{BB962C8B-B14F-4D97-AF65-F5344CB8AC3E}">
-        <p14:creationId xmlns:p14="http://schemas.microsoft.com/office/powerpoint/2010/main" val="1363396783"/>
+        <p14:creationId xmlns:p14="http://schemas.microsoft.com/office/powerpoint/2010/main" val="2323205402"/>
+      </p:ext>
+    </p:extLst>
+  </p:cSld>
+  <p:clrMapOvr>
+    <a:masterClrMapping/>
+  </p:clrMapOvr>
+</p:sld>
+</file>
+
+<file path=ppt/slides/slide17.xml><?xml version="1.0" encoding="utf-8"?>
+<p:sld xmlns:a="http://schemas.openxmlformats.org/drawingml/2006/main" xmlns:r="http://schemas.openxmlformats.org/officeDocument/2006/relationships" xmlns:p="http://schemas.openxmlformats.org/presentationml/2006/main">
+  <p:cSld>
+    <p:spTree>
+      <p:nvGrpSpPr>
+        <p:cNvPr id="1" name=""/>
+        <p:cNvGrpSpPr/>
+        <p:nvPr/>
+      </p:nvGrpSpPr>
+      <p:grpSpPr>
+        <a:xfrm>
+          <a:off x="0" y="0"/>
+          <a:ext cx="0" cy="0"/>
+          <a:chOff x="0" y="0"/>
+          <a:chExt cx="0" cy="0"/>
+        </a:xfrm>
+      </p:grpSpPr>
+      <p:sp>
+        <p:nvSpPr>
+          <p:cNvPr id="2" name="Title 1">
+            <a:extLst>
+              <a:ext uri="{FF2B5EF4-FFF2-40B4-BE49-F238E27FC236}">
+                <a16:creationId xmlns:a16="http://schemas.microsoft.com/office/drawing/2014/main" id="{9FECE9C7-FBB0-B54D-8E92-C3BC6CA96ED2}"/>
+              </a:ext>
+            </a:extLst>
+          </p:cNvPr>
+          <p:cNvSpPr>
+            <a:spLocks noGrp="1"/>
+          </p:cNvSpPr>
+          <p:nvPr>
+            <p:ph type="title"/>
+          </p:nvPr>
+        </p:nvSpPr>
+        <p:spPr/>
+        <p:txBody>
+          <a:bodyPr>
+            <a:normAutofit/>
+          </a:bodyPr>
+          <a:lstStyle/>
+          <a:p>
+            <a:pPr>
+              <a:lnSpc>
+                <a:spcPct val="100000"/>
+              </a:lnSpc>
+            </a:pPr>
+            <a:r>
+              <a:rPr lang="en-US" dirty="0">
+                <a:solidFill>
+                  <a:srgbClr val="002060"/>
+                </a:solidFill>
+                <a:latin typeface="Arial" panose="020B0604020202020204" pitchFamily="34" charset="0"/>
+              </a:rPr>
+              <a:t>Ratios of different potentials</a:t>
+            </a:r>
+          </a:p>
+        </p:txBody>
+      </p:sp>
+      <p:sp>
+        <p:nvSpPr>
+          <p:cNvPr id="3" name="Content Placeholder 2">
+            <a:extLst>
+              <a:ext uri="{FF2B5EF4-FFF2-40B4-BE49-F238E27FC236}">
+                <a16:creationId xmlns:a16="http://schemas.microsoft.com/office/drawing/2014/main" id="{1A8FA9B3-1B32-894B-93C2-F90FB63CBDAA}"/>
+              </a:ext>
+            </a:extLst>
+          </p:cNvPr>
+          <p:cNvSpPr>
+            <a:spLocks noGrp="1"/>
+          </p:cNvSpPr>
+          <p:nvPr>
+            <p:ph idx="1"/>
+          </p:nvPr>
+        </p:nvSpPr>
+        <p:spPr/>
+        <p:txBody>
+          <a:bodyPr/>
+          <a:lstStyle/>
+          <a:p>
+            <a:pPr>
+              <a:lnSpc>
+                <a:spcPct val="100000"/>
+              </a:lnSpc>
+            </a:pPr>
+            <a:r>
+              <a:rPr lang="en-US" dirty="0"/>
+              <a:t>SRG induced terms in the operator reflects difference in UV physics, maybe show </a:t>
+            </a:r>
+            <a:r>
+              <a:rPr lang="en-US" dirty="0" err="1"/>
+              <a:t>ataq</a:t>
+            </a:r>
+            <a:r>
+              <a:rPr lang="en-US" dirty="0"/>
+              <a:t>(</a:t>
+            </a:r>
+            <a:r>
+              <a:rPr lang="en-US" dirty="0" err="1"/>
+              <a:t>k,k</a:t>
+            </a:r>
+            <a:r>
+              <a:rPr lang="en-US" dirty="0"/>
+              <a:t>) ratios</a:t>
+            </a:r>
+          </a:p>
+          <a:p>
+            <a:pPr>
+              <a:lnSpc>
+                <a:spcPct val="100000"/>
+              </a:lnSpc>
+            </a:pPr>
+            <a:r>
+              <a:rPr lang="en-US" dirty="0"/>
+              <a:t>Transition into ratios of </a:t>
+            </a:r>
+            <a:r>
+              <a:rPr lang="en-US" dirty="0" err="1"/>
+              <a:t>A/d</a:t>
+            </a:r>
+            <a:r>
+              <a:rPr lang="en-US" dirty="0"/>
+              <a:t> ~ low-energy structure components</a:t>
+            </a:r>
+          </a:p>
+          <a:p>
+            <a:pPr>
+              <a:lnSpc>
+                <a:spcPct val="100000"/>
+              </a:lnSpc>
+            </a:pPr>
+            <a:endParaRPr lang="en-US" dirty="0"/>
+          </a:p>
+        </p:txBody>
+      </p:sp>
+      <p:pic>
+        <p:nvPicPr>
+          <p:cNvPr id="6" name="Picture 5">
+            <a:extLst>
+              <a:ext uri="{FF2B5EF4-FFF2-40B4-BE49-F238E27FC236}">
+                <a16:creationId xmlns:a16="http://schemas.microsoft.com/office/drawing/2014/main" id="{132229F5-1051-E24A-8883-B6E9A7780D7D}"/>
+              </a:ext>
+            </a:extLst>
+          </p:cNvPr>
+          <p:cNvPicPr>
+            <a:picLocks noChangeAspect="1"/>
+          </p:cNvPicPr>
+          <p:nvPr/>
+        </p:nvPicPr>
+        <p:blipFill>
+          <a:blip r:embed="rId2"/>
+          <a:stretch>
+            <a:fillRect/>
+          </a:stretch>
+        </p:blipFill>
+        <p:spPr>
+          <a:xfrm>
+            <a:off x="3184635" y="3453336"/>
+            <a:ext cx="5181600" cy="3404664"/>
+          </a:xfrm>
+          <a:prstGeom prst="rect">
+            <a:avLst/>
+          </a:prstGeom>
+        </p:spPr>
+      </p:pic>
+    </p:spTree>
+    <p:extLst>
+      <p:ext uri="{BB962C8B-B14F-4D97-AF65-F5344CB8AC3E}">
+        <p14:creationId xmlns:p14="http://schemas.microsoft.com/office/powerpoint/2010/main" val="2024028779"/>
+      </p:ext>
+    </p:extLst>
+  </p:cSld>
+  <p:clrMapOvr>
+    <a:masterClrMapping/>
+  </p:clrMapOvr>
+</p:sld>
+</file>
+
+<file path=ppt/slides/slide18.xml><?xml version="1.0" encoding="utf-8"?>
+<p:sld xmlns:a="http://schemas.openxmlformats.org/drawingml/2006/main" xmlns:r="http://schemas.openxmlformats.org/officeDocument/2006/relationships" xmlns:p="http://schemas.openxmlformats.org/presentationml/2006/main">
+  <p:cSld>
+    <p:spTree>
+      <p:nvGrpSpPr>
+        <p:cNvPr id="1" name=""/>
+        <p:cNvGrpSpPr/>
+        <p:nvPr/>
+      </p:nvGrpSpPr>
+      <p:grpSpPr>
+        <a:xfrm>
+          <a:off x="0" y="0"/>
+          <a:ext cx="0" cy="0"/>
+          <a:chOff x="0" y="0"/>
+          <a:chExt cx="0" cy="0"/>
+        </a:xfrm>
+      </p:grpSpPr>
+      <p:sp>
+        <p:nvSpPr>
+          <p:cNvPr id="2" name="Title 1">
+            <a:extLst>
+              <a:ext uri="{FF2B5EF4-FFF2-40B4-BE49-F238E27FC236}">
+                <a16:creationId xmlns:a16="http://schemas.microsoft.com/office/drawing/2014/main" id="{9FECE9C7-FBB0-B54D-8E92-C3BC6CA96ED2}"/>
+              </a:ext>
+            </a:extLst>
+          </p:cNvPr>
+          <p:cNvSpPr>
+            <a:spLocks noGrp="1"/>
+          </p:cNvSpPr>
+          <p:nvPr>
+            <p:ph type="title"/>
+          </p:nvPr>
+        </p:nvSpPr>
+        <p:spPr/>
+        <p:txBody>
+          <a:bodyPr>
+            <a:normAutofit/>
+          </a:bodyPr>
+          <a:lstStyle/>
+          <a:p>
+            <a:pPr>
+              <a:lnSpc>
+                <a:spcPct val="100000"/>
+              </a:lnSpc>
+            </a:pPr>
+            <a:r>
+              <a:rPr lang="en-US" dirty="0">
+                <a:solidFill>
+                  <a:srgbClr val="002060"/>
+                </a:solidFill>
+                <a:latin typeface="Arial" panose="020B0604020202020204" pitchFamily="34" charset="0"/>
+              </a:rPr>
+              <a:t>Ratios of different potentials</a:t>
+            </a:r>
+          </a:p>
+        </p:txBody>
+      </p:sp>
+      <p:sp>
+        <p:nvSpPr>
+          <p:cNvPr id="3" name="Content Placeholder 2">
+            <a:extLst>
+              <a:ext uri="{FF2B5EF4-FFF2-40B4-BE49-F238E27FC236}">
+                <a16:creationId xmlns:a16="http://schemas.microsoft.com/office/drawing/2014/main" id="{1A8FA9B3-1B32-894B-93C2-F90FB63CBDAA}"/>
+              </a:ext>
+            </a:extLst>
+          </p:cNvPr>
+          <p:cNvSpPr>
+            <a:spLocks noGrp="1"/>
+          </p:cNvSpPr>
+          <p:nvPr>
+            <p:ph idx="1"/>
+          </p:nvPr>
+        </p:nvSpPr>
+        <p:spPr/>
+        <p:txBody>
+          <a:bodyPr/>
+          <a:lstStyle/>
+          <a:p>
+            <a:pPr>
+              <a:lnSpc>
+                <a:spcPct val="100000"/>
+              </a:lnSpc>
+            </a:pPr>
+            <a:r>
+              <a:rPr lang="en-US" dirty="0"/>
+              <a:t>SRG induced terms in the operator reflects difference in UV physics, maybe show </a:t>
+            </a:r>
+            <a:r>
+              <a:rPr lang="en-US" dirty="0" err="1"/>
+              <a:t>ataq</a:t>
+            </a:r>
+            <a:r>
+              <a:rPr lang="en-US" dirty="0"/>
+              <a:t>(</a:t>
+            </a:r>
+            <a:r>
+              <a:rPr lang="en-US" dirty="0" err="1"/>
+              <a:t>k,k</a:t>
+            </a:r>
+            <a:r>
+              <a:rPr lang="en-US" dirty="0"/>
+              <a:t>) ratios</a:t>
+            </a:r>
+          </a:p>
+          <a:p>
+            <a:pPr>
+              <a:lnSpc>
+                <a:spcPct val="100000"/>
+              </a:lnSpc>
+            </a:pPr>
+            <a:r>
+              <a:rPr lang="en-US" dirty="0"/>
+              <a:t>Transition into ratios of </a:t>
+            </a:r>
+            <a:r>
+              <a:rPr lang="en-US" dirty="0" err="1"/>
+              <a:t>A/d</a:t>
+            </a:r>
+            <a:r>
+              <a:rPr lang="en-US" dirty="0"/>
+              <a:t> ~ low-energy structure components</a:t>
+            </a:r>
+          </a:p>
+          <a:p>
+            <a:pPr>
+              <a:lnSpc>
+                <a:spcPct val="100000"/>
+              </a:lnSpc>
+            </a:pPr>
+            <a:r>
+              <a:rPr lang="en-US" dirty="0"/>
+              <a:t>Add in momentum distributions</a:t>
+            </a:r>
+          </a:p>
+        </p:txBody>
+      </p:sp>
+      <p:pic>
+        <p:nvPicPr>
+          <p:cNvPr id="6" name="Picture 5">
+            <a:extLst>
+              <a:ext uri="{FF2B5EF4-FFF2-40B4-BE49-F238E27FC236}">
+                <a16:creationId xmlns:a16="http://schemas.microsoft.com/office/drawing/2014/main" id="{132229F5-1051-E24A-8883-B6E9A7780D7D}"/>
+              </a:ext>
+            </a:extLst>
+          </p:cNvPr>
+          <p:cNvPicPr>
+            <a:picLocks noChangeAspect="1"/>
+          </p:cNvPicPr>
+          <p:nvPr/>
+        </p:nvPicPr>
+        <p:blipFill>
+          <a:blip r:embed="rId2"/>
+          <a:stretch>
+            <a:fillRect/>
+          </a:stretch>
+        </p:blipFill>
+        <p:spPr>
+          <a:xfrm>
+            <a:off x="6894787" y="3453336"/>
+            <a:ext cx="5181600" cy="3404664"/>
+          </a:xfrm>
+          <a:prstGeom prst="rect">
+            <a:avLst/>
+          </a:prstGeom>
+        </p:spPr>
+      </p:pic>
+    </p:spTree>
+    <p:extLst>
+      <p:ext uri="{BB962C8B-B14F-4D97-AF65-F5344CB8AC3E}">
+        <p14:creationId xmlns:p14="http://schemas.microsoft.com/office/powerpoint/2010/main" val="1994531800"/>
+      </p:ext>
+    </p:extLst>
+  </p:cSld>
+  <p:clrMapOvr>
+    <a:masterClrMapping/>
+  </p:clrMapOvr>
+</p:sld>
+</file>
+
+<file path=ppt/slides/slide19.xml><?xml version="1.0" encoding="utf-8"?>
+<p:sld xmlns:a="http://schemas.openxmlformats.org/drawingml/2006/main" xmlns:r="http://schemas.openxmlformats.org/officeDocument/2006/relationships" xmlns:p="http://schemas.openxmlformats.org/presentationml/2006/main">
+  <p:cSld>
+    <p:spTree>
+      <p:nvGrpSpPr>
+        <p:cNvPr id="1" name=""/>
+        <p:cNvGrpSpPr/>
+        <p:nvPr/>
+      </p:nvGrpSpPr>
+      <p:grpSpPr>
+        <a:xfrm>
+          <a:off x="0" y="0"/>
+          <a:ext cx="0" cy="0"/>
+          <a:chOff x="0" y="0"/>
+          <a:chExt cx="0" cy="0"/>
+        </a:xfrm>
+      </p:grpSpPr>
+      <p:sp>
+        <p:nvSpPr>
+          <p:cNvPr id="2" name="Title 1">
+            <a:extLst>
+              <a:ext uri="{FF2B5EF4-FFF2-40B4-BE49-F238E27FC236}">
+                <a16:creationId xmlns:a16="http://schemas.microsoft.com/office/drawing/2014/main" id="{9FECE9C7-FBB0-B54D-8E92-C3BC6CA96ED2}"/>
+              </a:ext>
+            </a:extLst>
+          </p:cNvPr>
+          <p:cNvSpPr>
+            <a:spLocks noGrp="1"/>
+          </p:cNvSpPr>
+          <p:nvPr>
+            <p:ph type="title"/>
+          </p:nvPr>
+        </p:nvSpPr>
+        <p:spPr/>
+        <p:txBody>
+          <a:bodyPr>
+            <a:normAutofit/>
+          </a:bodyPr>
+          <a:lstStyle/>
+          <a:p>
+            <a:pPr>
+              <a:lnSpc>
+                <a:spcPct val="100000"/>
+              </a:lnSpc>
+            </a:pPr>
+            <a:r>
+              <a:rPr lang="en-US" dirty="0">
+                <a:solidFill>
+                  <a:srgbClr val="002060"/>
+                </a:solidFill>
+                <a:latin typeface="Arial" panose="020B0604020202020204" pitchFamily="34" charset="0"/>
+              </a:rPr>
+              <a:t>Summary</a:t>
+            </a:r>
+          </a:p>
+        </p:txBody>
+      </p:sp>
+      <p:sp>
+        <p:nvSpPr>
+          <p:cNvPr id="3" name="Content Placeholder 2">
+            <a:extLst>
+              <a:ext uri="{FF2B5EF4-FFF2-40B4-BE49-F238E27FC236}">
+                <a16:creationId xmlns:a16="http://schemas.microsoft.com/office/drawing/2014/main" id="{1A8FA9B3-1B32-894B-93C2-F90FB63CBDAA}"/>
+              </a:ext>
+            </a:extLst>
+          </p:cNvPr>
+          <p:cNvSpPr>
+            <a:spLocks noGrp="1"/>
+          </p:cNvSpPr>
+          <p:nvPr>
+            <p:ph idx="1"/>
+          </p:nvPr>
+        </p:nvSpPr>
+        <p:spPr/>
+        <p:txBody>
+          <a:bodyPr/>
+          <a:lstStyle/>
+          <a:p>
+            <a:pPr>
+              <a:lnSpc>
+                <a:spcPct val="100000"/>
+              </a:lnSpc>
+            </a:pPr>
+            <a:r>
+              <a:rPr lang="en-US" dirty="0"/>
+              <a:t>Universality in drastically different chiral potentials</a:t>
+            </a:r>
+          </a:p>
+          <a:p>
+            <a:pPr>
+              <a:lnSpc>
+                <a:spcPct val="100000"/>
+              </a:lnSpc>
+            </a:pPr>
+            <a:r>
+              <a:rPr lang="en-US" dirty="0">
+                <a:latin typeface="Arial" panose="020B0604020202020204" pitchFamily="34" charset="0"/>
+              </a:rPr>
+              <a:t>Univer</a:t>
+            </a:r>
+            <a:r>
+              <a:rPr lang="en-US" dirty="0"/>
+              <a:t>sality shows in low-energy states as well</a:t>
+            </a:r>
+          </a:p>
+          <a:p>
+            <a:pPr>
+              <a:lnSpc>
+                <a:spcPct val="100000"/>
+              </a:lnSpc>
+            </a:pPr>
+            <a:r>
+              <a:rPr lang="en-US" dirty="0"/>
+              <a:t>Soft wave functions, consistently evolved operators with SRG induced terms from UV: </a:t>
+            </a:r>
+            <a:r>
+              <a:rPr lang="en-US" dirty="0">
+                <a:latin typeface="Arial" panose="020B0604020202020204" pitchFamily="34" charset="0"/>
+              </a:rPr>
+              <a:t>decoupl</a:t>
+            </a:r>
+            <a:r>
+              <a:rPr lang="en-US" dirty="0"/>
+              <a:t>es calculation from high-energy for low-energy states</a:t>
+            </a:r>
+          </a:p>
+          <a:p>
+            <a:pPr>
+              <a:lnSpc>
+                <a:spcPct val="100000"/>
+              </a:lnSpc>
+            </a:pPr>
+            <a:endParaRPr lang="en-US" dirty="0"/>
+          </a:p>
+        </p:txBody>
+      </p:sp>
+    </p:spTree>
+    <p:extLst>
+      <p:ext uri="{BB962C8B-B14F-4D97-AF65-F5344CB8AC3E}">
+        <p14:creationId xmlns:p14="http://schemas.microsoft.com/office/powerpoint/2010/main" val="3739908508"/>
       </p:ext>
     </p:extLst>
   </p:cSld>
@@ -6886,7 +7959,7 @@
                 </a:r>
                 <a:r>
                   <a:rPr lang="en-US" dirty="0"/>
-                  <a:t>) in the last few years</a:t>
+                  <a:t>) in the last few years (emphasize scheme dependence here)</a:t>
                 </a:r>
               </a:p>
               <a:p>
@@ -6931,7 +8004,22 @@
                       <a:srgbClr val="C00000"/>
                     </a:solidFill>
                   </a:rPr>
-                  <a:t>Revisit the question of how different potentials (regulator functions, cutoff, order, etc.) change under SRG transformations and how these transformations affect other operators</a:t>
+                  <a:t>Universality: at low resolution, different NN interactions are the same. Revisit this with new chiral interactions.</a:t>
+                </a:r>
+              </a:p>
+              <a:p>
+                <a:pPr>
+                  <a:lnSpc>
+                    <a:spcPct val="100000"/>
+                  </a:lnSpc>
+                </a:pPr>
+                <a:r>
+                  <a:rPr lang="en-US" dirty="0">
+                    <a:solidFill>
+                      <a:srgbClr val="C00000"/>
+                    </a:solidFill>
+                  </a:rPr>
+                  <a:t>Use SRG to analyze high-energy reactions at low resolution by consistently evolving wave function and corresponding operators</a:t>
                 </a:r>
               </a:p>
             </p:txBody>
@@ -6958,7 +8046,7 @@
               <a:blipFill>
                 <a:blip r:embed="rId2"/>
                 <a:stretch>
-                  <a:fillRect l="-965" t="-1754" r="-1930"/>
+                  <a:fillRect l="-965" t="-1754" r="-121" b="-12865"/>
                 </a:stretch>
               </a:blipFill>
             </p:spPr>
@@ -6981,6 +8069,192 @@
     <p:extLst>
       <p:ext uri="{BB962C8B-B14F-4D97-AF65-F5344CB8AC3E}">
         <p14:creationId xmlns:p14="http://schemas.microsoft.com/office/powerpoint/2010/main" val="1802450839"/>
+      </p:ext>
+    </p:extLst>
+  </p:cSld>
+  <p:clrMapOvr>
+    <a:masterClrMapping/>
+  </p:clrMapOvr>
+</p:sld>
+</file>
+
+<file path=ppt/slides/slide20.xml><?xml version="1.0" encoding="utf-8"?>
+<p:sld xmlns:a="http://schemas.openxmlformats.org/drawingml/2006/main" xmlns:r="http://schemas.openxmlformats.org/officeDocument/2006/relationships" xmlns:p="http://schemas.openxmlformats.org/presentationml/2006/main">
+  <p:cSld>
+    <p:spTree>
+      <p:nvGrpSpPr>
+        <p:cNvPr id="1" name=""/>
+        <p:cNvGrpSpPr/>
+        <p:nvPr/>
+      </p:nvGrpSpPr>
+      <p:grpSpPr>
+        <a:xfrm>
+          <a:off x="0" y="0"/>
+          <a:ext cx="0" cy="0"/>
+          <a:chOff x="0" y="0"/>
+          <a:chExt cx="0" cy="0"/>
+        </a:xfrm>
+      </p:grpSpPr>
+      <p:sp>
+        <p:nvSpPr>
+          <p:cNvPr id="2" name="Title 1">
+            <a:extLst>
+              <a:ext uri="{FF2B5EF4-FFF2-40B4-BE49-F238E27FC236}">
+                <a16:creationId xmlns:a16="http://schemas.microsoft.com/office/drawing/2014/main" id="{9FECE9C7-FBB0-B54D-8E92-C3BC6CA96ED2}"/>
+              </a:ext>
+            </a:extLst>
+          </p:cNvPr>
+          <p:cNvSpPr>
+            <a:spLocks noGrp="1"/>
+          </p:cNvSpPr>
+          <p:nvPr>
+            <p:ph type="title"/>
+          </p:nvPr>
+        </p:nvSpPr>
+        <p:spPr/>
+        <p:txBody>
+          <a:bodyPr>
+            <a:normAutofit/>
+          </a:bodyPr>
+          <a:lstStyle/>
+          <a:p>
+            <a:pPr>
+              <a:lnSpc>
+                <a:spcPct val="100000"/>
+              </a:lnSpc>
+            </a:pPr>
+            <a:r>
+              <a:rPr lang="en-US" dirty="0">
+                <a:solidFill>
+                  <a:srgbClr val="002060"/>
+                </a:solidFill>
+                <a:latin typeface="Arial" panose="020B0604020202020204" pitchFamily="34" charset="0"/>
+              </a:rPr>
+              <a:t>Outlook</a:t>
+            </a:r>
+          </a:p>
+        </p:txBody>
+      </p:sp>
+      <p:sp>
+        <p:nvSpPr>
+          <p:cNvPr id="3" name="Content Placeholder 2">
+            <a:extLst>
+              <a:ext uri="{FF2B5EF4-FFF2-40B4-BE49-F238E27FC236}">
+                <a16:creationId xmlns:a16="http://schemas.microsoft.com/office/drawing/2014/main" id="{1A8FA9B3-1B32-894B-93C2-F90FB63CBDAA}"/>
+              </a:ext>
+            </a:extLst>
+          </p:cNvPr>
+          <p:cNvSpPr>
+            <a:spLocks noGrp="1"/>
+          </p:cNvSpPr>
+          <p:nvPr>
+            <p:ph idx="1"/>
+          </p:nvPr>
+        </p:nvSpPr>
+        <p:spPr/>
+        <p:txBody>
+          <a:bodyPr/>
+          <a:lstStyle/>
+          <a:p>
+            <a:pPr>
+              <a:lnSpc>
+                <a:spcPct val="100000"/>
+              </a:lnSpc>
+            </a:pPr>
+            <a:endParaRPr lang="en-US" dirty="0"/>
+          </a:p>
+        </p:txBody>
+      </p:sp>
+    </p:spTree>
+    <p:extLst>
+      <p:ext uri="{BB962C8B-B14F-4D97-AF65-F5344CB8AC3E}">
+        <p14:creationId xmlns:p14="http://schemas.microsoft.com/office/powerpoint/2010/main" val="1363396783"/>
+      </p:ext>
+    </p:extLst>
+  </p:cSld>
+  <p:clrMapOvr>
+    <a:masterClrMapping/>
+  </p:clrMapOvr>
+</p:sld>
+</file>
+
+<file path=ppt/slides/slide21.xml><?xml version="1.0" encoding="utf-8"?>
+<p:sld xmlns:a="http://schemas.openxmlformats.org/drawingml/2006/main" xmlns:r="http://schemas.openxmlformats.org/officeDocument/2006/relationships" xmlns:p="http://schemas.openxmlformats.org/presentationml/2006/main">
+  <p:cSld>
+    <p:spTree>
+      <p:nvGrpSpPr>
+        <p:cNvPr id="1" name=""/>
+        <p:cNvGrpSpPr/>
+        <p:nvPr/>
+      </p:nvGrpSpPr>
+      <p:grpSpPr>
+        <a:xfrm>
+          <a:off x="0" y="0"/>
+          <a:ext cx="0" cy="0"/>
+          <a:chOff x="0" y="0"/>
+          <a:chExt cx="0" cy="0"/>
+        </a:xfrm>
+      </p:grpSpPr>
+      <p:sp>
+        <p:nvSpPr>
+          <p:cNvPr id="2" name="Title 1">
+            <a:extLst>
+              <a:ext uri="{FF2B5EF4-FFF2-40B4-BE49-F238E27FC236}">
+                <a16:creationId xmlns:a16="http://schemas.microsoft.com/office/drawing/2014/main" id="{0E1B6706-54E2-8948-AC16-32BCCF68AE95}"/>
+              </a:ext>
+            </a:extLst>
+          </p:cNvPr>
+          <p:cNvSpPr>
+            <a:spLocks noGrp="1"/>
+          </p:cNvSpPr>
+          <p:nvPr>
+            <p:ph type="title"/>
+          </p:nvPr>
+        </p:nvSpPr>
+        <p:spPr/>
+        <p:txBody>
+          <a:bodyPr/>
+          <a:lstStyle/>
+          <a:p>
+            <a:r>
+              <a:rPr lang="en-US" dirty="0"/>
+              <a:t>Back up slides</a:t>
+            </a:r>
+          </a:p>
+        </p:txBody>
+      </p:sp>
+      <p:sp>
+        <p:nvSpPr>
+          <p:cNvPr id="3" name="Content Placeholder 2">
+            <a:extLst>
+              <a:ext uri="{FF2B5EF4-FFF2-40B4-BE49-F238E27FC236}">
+                <a16:creationId xmlns:a16="http://schemas.microsoft.com/office/drawing/2014/main" id="{ABD6E5A7-0CC1-9542-84AB-62DE2ABB1E70}"/>
+              </a:ext>
+            </a:extLst>
+          </p:cNvPr>
+          <p:cNvSpPr>
+            <a:spLocks noGrp="1"/>
+          </p:cNvSpPr>
+          <p:nvPr>
+            <p:ph idx="1"/>
+          </p:nvPr>
+        </p:nvSpPr>
+        <p:spPr/>
+        <p:txBody>
+          <a:bodyPr/>
+          <a:lstStyle/>
+          <a:p>
+            <a:r>
+              <a:rPr lang="en-US" dirty="0"/>
+              <a:t>Add high cutoffs psi(r) figure</a:t>
+            </a:r>
+          </a:p>
+        </p:txBody>
+      </p:sp>
+    </p:spTree>
+    <p:extLst>
+      <p:ext uri="{BB962C8B-B14F-4D97-AF65-F5344CB8AC3E}">
+        <p14:creationId xmlns:p14="http://schemas.microsoft.com/office/powerpoint/2010/main" val="627312157"/>
       </p:ext>
     </p:extLst>
   </p:cSld>
@@ -7879,6 +9153,17 @@
               <a:t>Explanation of universality: phase equivalence</a:t>
             </a:r>
           </a:p>
+          <a:p>
+            <a:pPr>
+              <a:lnSpc>
+                <a:spcPct val="100000"/>
+              </a:lnSpc>
+            </a:pPr>
+            <a:r>
+              <a:rPr lang="en-US" sz="2400" dirty="0"/>
+              <a:t>Emphasize where we have scheme dependence</a:t>
+            </a:r>
+          </a:p>
         </p:txBody>
       </p:sp>
       <p:pic>
@@ -8515,7 +9800,12 @@
             <p:ph idx="1"/>
           </p:nvPr>
         </p:nvSpPr>
-        <p:spPr/>
+        <p:spPr>
+          <a:xfrm>
+            <a:off x="838200" y="1825625"/>
+            <a:ext cx="4572000" cy="4351338"/>
+          </a:xfrm>
+        </p:spPr>
         <p:txBody>
           <a:bodyPr/>
           <a:lstStyle/>
@@ -8526,7 +9816,7 @@
               </a:lnSpc>
             </a:pPr>
             <a:r>
-              <a:rPr lang="en-US" dirty="0"/>
+              <a:rPr lang="en-US" sz="2200" dirty="0"/>
               <a:t>Natural consequence: the low-energy states between drastically different potentials also exhibit universality</a:t>
             </a:r>
           </a:p>
@@ -8537,16 +9827,8 @@
               </a:lnSpc>
             </a:pPr>
             <a:r>
-              <a:rPr lang="en-US" dirty="0"/>
-              <a:t>Figure: \psi(r) with EMN N4LO, RKE N4LO, </a:t>
-            </a:r>
-            <a:r>
-              <a:rPr lang="en-US" dirty="0" err="1"/>
-              <a:t>Gez</a:t>
-            </a:r>
-            <a:r>
-              <a:rPr lang="en-US" dirty="0"/>
-              <a:t>. N2LO, AV18 (need to generate this still)</a:t>
+              <a:rPr lang="en-US" sz="2200" dirty="0"/>
+              <a:t>SRC physics in AV18 is gone (scheme dependence)</a:t>
             </a:r>
           </a:p>
           <a:p>
@@ -8556,8 +9838,8 @@
               </a:lnSpc>
             </a:pPr>
             <a:r>
-              <a:rPr lang="en-US" dirty="0"/>
-              <a:t>SRC physics in AV18 is gone</a:t>
+              <a:rPr lang="en-US" sz="2200" dirty="0"/>
+              <a:t>All deuteron wave functions become soft and D-state probability goes down</a:t>
             </a:r>
           </a:p>
           <a:p>
@@ -8567,8 +9849,8 @@
               </a:lnSpc>
             </a:pPr>
             <a:r>
-              <a:rPr lang="en-US" dirty="0"/>
-              <a:t>All deuteron wave functions become soft and D-state probability goes down</a:t>
+              <a:rPr lang="en-US" sz="2200" dirty="0"/>
+              <a:t>Observables such as asymptotic D/S ratio the same</a:t>
             </a:r>
           </a:p>
           <a:p>
@@ -8578,8 +9860,16 @@
               </a:lnSpc>
             </a:pPr>
             <a:r>
-              <a:rPr lang="en-US" dirty="0"/>
-              <a:t>Observables such as asymptotic D/S ratio the same</a:t>
+              <a:rPr lang="en-US" sz="2200" dirty="0"/>
+              <a:t>(add </a:t>
+            </a:r>
+            <a:r>
+              <a:rPr lang="en-US" sz="2200" dirty="0" err="1"/>
+              <a:t>Gezerlis</a:t>
+            </a:r>
+            <a:r>
+              <a:rPr lang="en-US" sz="2200" dirty="0"/>
+              <a:t> to this plot, S- and D-state arrows)</a:t>
             </a:r>
           </a:p>
           <a:p>
@@ -8588,7 +9878,7 @@
                 <a:spcPct val="100000"/>
               </a:lnSpc>
             </a:pPr>
-            <a:endParaRPr lang="en-US" dirty="0"/>
+            <a:endParaRPr lang="en-US" sz="2200" dirty="0"/>
           </a:p>
           <a:p>
             <a:pPr marL="0" indent="0">
@@ -8603,6 +9893,36 @@
           </a:p>
         </p:txBody>
       </p:sp>
+      <p:pic>
+        <p:nvPicPr>
+          <p:cNvPr id="5" name="Picture 4">
+            <a:extLst>
+              <a:ext uri="{FF2B5EF4-FFF2-40B4-BE49-F238E27FC236}">
+                <a16:creationId xmlns:a16="http://schemas.microsoft.com/office/drawing/2014/main" id="{50CC8E7F-4018-884B-B16C-08B6714402A5}"/>
+              </a:ext>
+            </a:extLst>
+          </p:cNvPr>
+          <p:cNvPicPr>
+            <a:picLocks noChangeAspect="1"/>
+          </p:cNvPicPr>
+          <p:nvPr/>
+        </p:nvPicPr>
+        <p:blipFill>
+          <a:blip r:embed="rId2"/>
+          <a:stretch>
+            <a:fillRect/>
+          </a:stretch>
+        </p:blipFill>
+        <p:spPr>
+          <a:xfrm>
+            <a:off x="5347073" y="2322786"/>
+            <a:ext cx="6844927" cy="3576282"/>
+          </a:xfrm>
+          <a:prstGeom prst="rect">
+            <a:avLst/>
+          </a:prstGeom>
+        </p:spPr>
+      </p:pic>
     </p:spTree>
     <p:extLst>
       <p:ext uri="{BB962C8B-B14F-4D97-AF65-F5344CB8AC3E}">
@@ -8687,7 +10007,12 @@
             <p:ph idx="1"/>
           </p:nvPr>
         </p:nvSpPr>
-        <p:spPr/>
+        <p:spPr>
+          <a:xfrm>
+            <a:off x="838200" y="1825625"/>
+            <a:ext cx="4572000" cy="4351338"/>
+          </a:xfrm>
+        </p:spPr>
         <p:txBody>
           <a:bodyPr/>
           <a:lstStyle/>
@@ -8698,7 +10023,7 @@
               </a:lnSpc>
             </a:pPr>
             <a:r>
-              <a:rPr lang="en-US" dirty="0"/>
+              <a:rPr lang="en-US" sz="2400" dirty="0"/>
               <a:t>Natural consequence: the low-energy states between drastically different potentials also exhibit universality</a:t>
             </a:r>
           </a:p>
@@ -8709,16 +10034,8 @@
               </a:lnSpc>
             </a:pPr>
             <a:r>
-              <a:rPr lang="en-US" dirty="0"/>
-              <a:t>Figure: \psi(r) with EMN N4LO, RKE N4LO, </a:t>
-            </a:r>
-            <a:r>
-              <a:rPr lang="en-US" dirty="0" err="1"/>
-              <a:t>Gez</a:t>
-            </a:r>
-            <a:r>
-              <a:rPr lang="en-US" dirty="0"/>
-              <a:t>. N2LO, AV18 (need to generate this still)</a:t>
+              <a:rPr lang="en-US" sz="2400" dirty="0"/>
+              <a:t>SRC physics in AV18 is gone</a:t>
             </a:r>
           </a:p>
           <a:p>
@@ -8728,8 +10045,8 @@
               </a:lnSpc>
             </a:pPr>
             <a:r>
-              <a:rPr lang="en-US" dirty="0"/>
-              <a:t>SRC physics in AV18 is gone</a:t>
+              <a:rPr lang="en-US" sz="2400" dirty="0"/>
+              <a:t>All deuteron wave functions become soft and D-state probability goes down</a:t>
             </a:r>
           </a:p>
           <a:p>
@@ -8739,18 +10056,7 @@
               </a:lnSpc>
             </a:pPr>
             <a:r>
-              <a:rPr lang="en-US" dirty="0"/>
-              <a:t>All deuteron wave functions become soft and D-state probability goes down</a:t>
-            </a:r>
-          </a:p>
-          <a:p>
-            <a:pPr>
-              <a:lnSpc>
-                <a:spcPct val="100000"/>
-              </a:lnSpc>
-            </a:pPr>
-            <a:r>
-              <a:rPr lang="en-US" dirty="0"/>
+              <a:rPr lang="en-US" sz="2400" dirty="0"/>
               <a:t>Observables such as asymptotic D/S ratio the same</a:t>
             </a:r>
           </a:p>
@@ -8775,10 +10081,40 @@
           </a:p>
         </p:txBody>
       </p:sp>
+      <p:pic>
+        <p:nvPicPr>
+          <p:cNvPr id="5" name="Picture 4">
+            <a:extLst>
+              <a:ext uri="{FF2B5EF4-FFF2-40B4-BE49-F238E27FC236}">
+                <a16:creationId xmlns:a16="http://schemas.microsoft.com/office/drawing/2014/main" id="{50CC8E7F-4018-884B-B16C-08B6714402A5}"/>
+              </a:ext>
+            </a:extLst>
+          </p:cNvPr>
+          <p:cNvPicPr>
+            <a:picLocks noChangeAspect="1"/>
+          </p:cNvPicPr>
+          <p:nvPr/>
+        </p:nvPicPr>
+        <p:blipFill>
+          <a:blip r:embed="rId2"/>
+          <a:stretch>
+            <a:fillRect/>
+          </a:stretch>
+        </p:blipFill>
+        <p:spPr>
+          <a:xfrm>
+            <a:off x="5410200" y="2229644"/>
+            <a:ext cx="6781800" cy="3543300"/>
+          </a:xfrm>
+          <a:prstGeom prst="rect">
+            <a:avLst/>
+          </a:prstGeom>
+        </p:spPr>
+      </p:pic>
     </p:spTree>
     <p:extLst>
       <p:ext uri="{BB962C8B-B14F-4D97-AF65-F5344CB8AC3E}">
-        <p14:creationId xmlns:p14="http://schemas.microsoft.com/office/powerpoint/2010/main" val="1037284366"/>
+        <p14:creationId xmlns:p14="http://schemas.microsoft.com/office/powerpoint/2010/main" val="3242946470"/>
       </p:ext>
     </p:extLst>
   </p:cSld>
@@ -8859,7 +10195,12 @@
             <p:ph idx="1"/>
           </p:nvPr>
         </p:nvSpPr>
-        <p:spPr/>
+        <p:spPr>
+          <a:xfrm>
+            <a:off x="838200" y="1825625"/>
+            <a:ext cx="4572000" cy="4351338"/>
+          </a:xfrm>
+        </p:spPr>
         <p:txBody>
           <a:bodyPr/>
           <a:lstStyle/>
@@ -8870,7 +10211,7 @@
               </a:lnSpc>
             </a:pPr>
             <a:r>
-              <a:rPr lang="en-US" dirty="0"/>
+              <a:rPr lang="en-US" sz="2400" dirty="0"/>
               <a:t>Natural consequence: the low-energy states between drastically different potentials also exhibit universality</a:t>
             </a:r>
           </a:p>
@@ -8881,16 +10222,8 @@
               </a:lnSpc>
             </a:pPr>
             <a:r>
-              <a:rPr lang="en-US" dirty="0"/>
-              <a:t>Figure: \psi(r) with EMN N4LO, RKE N4LO, </a:t>
-            </a:r>
-            <a:r>
-              <a:rPr lang="en-US" dirty="0" err="1"/>
-              <a:t>Gez</a:t>
-            </a:r>
-            <a:r>
-              <a:rPr lang="en-US" dirty="0"/>
-              <a:t>. N2LO, AV18 (need to generate this still)</a:t>
+              <a:rPr lang="en-US" sz="2400" dirty="0"/>
+              <a:t>SRC physics in AV18 is gone</a:t>
             </a:r>
           </a:p>
           <a:p>
@@ -8900,8 +10233,8 @@
               </a:lnSpc>
             </a:pPr>
             <a:r>
-              <a:rPr lang="en-US" dirty="0"/>
-              <a:t>SRC physics in AV18 is gone</a:t>
+              <a:rPr lang="en-US" sz="2400" dirty="0"/>
+              <a:t>All deuteron wave functions become soft and D-state probability goes down</a:t>
             </a:r>
           </a:p>
           <a:p>
@@ -8911,18 +10244,7 @@
               </a:lnSpc>
             </a:pPr>
             <a:r>
-              <a:rPr lang="en-US" dirty="0"/>
-              <a:t>All deuteron wave functions become soft and D-state probability goes down</a:t>
-            </a:r>
-          </a:p>
-          <a:p>
-            <a:pPr>
-              <a:lnSpc>
-                <a:spcPct val="100000"/>
-              </a:lnSpc>
-            </a:pPr>
-            <a:r>
-              <a:rPr lang="en-US" dirty="0"/>
+              <a:rPr lang="en-US" sz="2400" dirty="0"/>
               <a:t>Observables such as asymptotic D/S ratio the same</a:t>
             </a:r>
           </a:p>
@@ -8947,10 +10269,40 @@
           </a:p>
         </p:txBody>
       </p:sp>
+      <p:pic>
+        <p:nvPicPr>
+          <p:cNvPr id="5" name="Picture 4">
+            <a:extLst>
+              <a:ext uri="{FF2B5EF4-FFF2-40B4-BE49-F238E27FC236}">
+                <a16:creationId xmlns:a16="http://schemas.microsoft.com/office/drawing/2014/main" id="{50CC8E7F-4018-884B-B16C-08B6714402A5}"/>
+              </a:ext>
+            </a:extLst>
+          </p:cNvPr>
+          <p:cNvPicPr>
+            <a:picLocks noChangeAspect="1"/>
+          </p:cNvPicPr>
+          <p:nvPr/>
+        </p:nvPicPr>
+        <p:blipFill>
+          <a:blip r:embed="rId2"/>
+          <a:stretch>
+            <a:fillRect/>
+          </a:stretch>
+        </p:blipFill>
+        <p:spPr>
+          <a:xfrm>
+            <a:off x="5410200" y="2229644"/>
+            <a:ext cx="6781800" cy="3543300"/>
+          </a:xfrm>
+          <a:prstGeom prst="rect">
+            <a:avLst/>
+          </a:prstGeom>
+        </p:spPr>
+      </p:pic>
     </p:spTree>
     <p:extLst>
       <p:ext uri="{BB962C8B-B14F-4D97-AF65-F5344CB8AC3E}">
-        <p14:creationId xmlns:p14="http://schemas.microsoft.com/office/powerpoint/2010/main" val="4010055520"/>
+        <p14:creationId xmlns:p14="http://schemas.microsoft.com/office/powerpoint/2010/main" val="4257027843"/>
       </p:ext>
     </p:extLst>
   </p:cSld>

--- a/Presentations/NUCLEI_June2020/tropiano_nuclei_2020.pptx
+++ b/Presentations/NUCLEI_June2020/tropiano_nuclei_2020.pptx
@@ -5,7 +5,7 @@
     <p:sldMasterId id="2147483648" r:id="rId1"/>
   </p:sldMasterIdLst>
   <p:notesMasterIdLst>
-    <p:notesMasterId r:id="rId29"/>
+    <p:notesMasterId r:id="rId30"/>
   </p:notesMasterIdLst>
   <p:sldIdLst>
     <p:sldId id="277" r:id="rId2"/>
@@ -35,6 +35,7 @@
     <p:sldId id="323" r:id="rId26"/>
     <p:sldId id="276" r:id="rId27"/>
     <p:sldId id="306" r:id="rId28"/>
+    <p:sldId id="328" r:id="rId29"/>
   </p:sldIdLst>
   <p:sldSz cx="12192000" cy="6858000"/>
   <p:notesSz cx="6858000" cy="9144000"/>
@@ -4821,8 +4822,8 @@
           </a:p>
         </p:txBody>
       </p:sp>
-      <mc:AlternateContent xmlns:mc="http://schemas.openxmlformats.org/markup-compatibility/2006">
-        <mc:Choice xmlns:a14="http://schemas.microsoft.com/office/drawing/2010/main" Requires="a14">
+      <mc:AlternateContent xmlns:mc="http://schemas.openxmlformats.org/markup-compatibility/2006" xmlns:a14="http://schemas.microsoft.com/office/drawing/2010/main">
+        <mc:Choice Requires="a14">
           <p:sp>
             <p:nvSpPr>
               <p:cNvPr id="10" name="TextBox 9">
@@ -4976,7 +4977,7 @@
             </p:txBody>
           </p:sp>
         </mc:Choice>
-        <mc:Fallback>
+        <mc:Fallback xmlns="">
           <p:sp>
             <p:nvSpPr>
               <p:cNvPr id="10" name="TextBox 9">
@@ -5094,8 +5095,8 @@
           </a:p>
         </p:txBody>
       </p:sp>
-      <mc:AlternateContent xmlns:mc="http://schemas.openxmlformats.org/markup-compatibility/2006">
-        <mc:Choice xmlns:a14="http://schemas.microsoft.com/office/drawing/2010/main" Requires="a14">
+      <mc:AlternateContent xmlns:mc="http://schemas.openxmlformats.org/markup-compatibility/2006" xmlns:a14="http://schemas.microsoft.com/office/drawing/2010/main">
+        <mc:Choice Requires="a14">
           <p:sp>
             <p:nvSpPr>
               <p:cNvPr id="3" name="Content Placeholder 2">
@@ -5289,7 +5290,7 @@
             </p:txBody>
           </p:sp>
         </mc:Choice>
-        <mc:Fallback>
+        <mc:Fallback xmlns="">
           <p:sp>
             <p:nvSpPr>
               <p:cNvPr id="3" name="Content Placeholder 2">
@@ -6399,7 +6400,7 @@
                   <a:srgbClr val="C00000"/>
                 </a:solidFill>
               </a:rPr>
-              <a:t>SRC physics in AV18 is gone (scheme dependence) at low resolution</a:t>
+              <a:t>SRC physics in AV18 (scheme dependent) is gone from wave function at low resolution </a:t>
             </a:r>
           </a:p>
         </p:txBody>
@@ -7367,8 +7368,8 @@
           </a:p>
         </p:txBody>
       </p:sp>
-      <mc:AlternateContent xmlns:mc="http://schemas.openxmlformats.org/markup-compatibility/2006">
-        <mc:Choice xmlns:a14="http://schemas.microsoft.com/office/drawing/2010/main" Requires="a14">
+      <mc:AlternateContent xmlns:mc="http://schemas.openxmlformats.org/markup-compatibility/2006" xmlns:a14="http://schemas.microsoft.com/office/drawing/2010/main">
+        <mc:Choice Requires="a14">
           <p:sp>
             <p:nvSpPr>
               <p:cNvPr id="3" name="Content Placeholder 2">
@@ -7511,7 +7512,7 @@
             </p:txBody>
           </p:sp>
         </mc:Choice>
-        <mc:Fallback>
+        <mc:Fallback xmlns="">
           <p:sp>
             <p:nvSpPr>
               <p:cNvPr id="3" name="Content Placeholder 2">
@@ -7669,7 +7670,7 @@
                 </a:pPr>
                 <a:r>
                   <a:rPr lang="en-US" sz="2600" dirty="0"/>
-                  <a:t>Analogous problem: consider a general expectation value </a:t>
+                  <a:t>Analogous problem in any general expectation value </a:t>
                 </a:r>
                 <a14:m>
                   <m:oMath xmlns:m="http://schemas.openxmlformats.org/officeDocument/2006/math">
@@ -7678,7 +7679,7 @@
                         <m:begChr m:val="⟨"/>
                         <m:endChr m:val="⟩"/>
                         <m:ctrlPr>
-                          <a:rPr lang="en-US" sz="2600" i="1" smtClean="0">
+                          <a:rPr lang="en-US" sz="2600" i="1">
                             <a:solidFill>
                               <a:srgbClr val="C00000"/>
                             </a:solidFill>
@@ -7725,7 +7726,10 @@
                   </m:oMath>
                 </a14:m>
                 <a:endParaRPr lang="en-US" sz="2600" dirty="0">
-                  <a:latin typeface="Arial" panose="020B0604020202020204" pitchFamily="34" charset="0"/>
+                  <a:solidFill>
+                    <a:srgbClr val="C00000"/>
+                  </a:solidFill>
+                  <a:ea typeface="Cambria Math" panose="02040503050406030204" pitchFamily="18" charset="0"/>
                 </a:endParaRPr>
               </a:p>
               <a:p>
@@ -7929,7 +7933,7 @@
                 </a:pPr>
                 <a:r>
                   <a:rPr lang="en-US" sz="2600" dirty="0"/>
-                  <a:t>Analogous problem: consider a general expectation value </a:t>
+                  <a:t>Analogous problem in any general expectation value </a:t>
                 </a:r>
                 <a14:m>
                   <m:oMath xmlns:m="http://schemas.openxmlformats.org/officeDocument/2006/math">
@@ -7938,9 +7942,9 @@
                         <m:begChr m:val="⟨"/>
                         <m:endChr m:val="⟩"/>
                         <m:ctrlPr>
-                          <a:rPr lang="en-US" sz="2600" i="1" smtClean="0">
+                          <a:rPr lang="en-US" sz="2600" i="1">
                             <a:solidFill>
-                              <a:schemeClr val="tx1"/>
+                              <a:srgbClr val="C00000"/>
                             </a:solidFill>
                             <a:latin typeface="Cambria Math" panose="02040503050406030204" pitchFamily="18" charset="0"/>
                           </a:rPr>
@@ -7950,7 +7954,7 @@
                         <m:r>
                           <a:rPr lang="en-US" sz="2600" i="1">
                             <a:solidFill>
-                              <a:schemeClr val="tx1"/>
+                              <a:srgbClr val="C00000"/>
                             </a:solidFill>
                             <a:latin typeface="Cambria Math" panose="02040503050406030204" pitchFamily="18" charset="0"/>
                             <a:ea typeface="Cambria Math" panose="02040503050406030204" pitchFamily="18" charset="0"/>
@@ -7962,7 +7966,7 @@
                         <m:r>
                           <a:rPr lang="en-US" sz="2600" i="1">
                             <a:solidFill>
-                              <a:schemeClr val="tx1"/>
+                              <a:srgbClr val="C00000"/>
                             </a:solidFill>
                             <a:latin typeface="Cambria Math" panose="02040503050406030204" pitchFamily="18" charset="0"/>
                           </a:rPr>
@@ -7973,7 +7977,7 @@
                         <m:r>
                           <a:rPr lang="en-US" sz="2600" i="1">
                             <a:solidFill>
-                              <a:schemeClr val="tx1"/>
+                              <a:srgbClr val="C00000"/>
                             </a:solidFill>
                             <a:latin typeface="Cambria Math" panose="02040503050406030204" pitchFamily="18" charset="0"/>
                             <a:ea typeface="Cambria Math" panose="02040503050406030204" pitchFamily="18" charset="0"/>
@@ -7985,7 +7989,10 @@
                   </m:oMath>
                 </a14:m>
                 <a:endParaRPr lang="en-US" sz="2600" dirty="0">
-                  <a:latin typeface="Arial" panose="020B0604020202020204" pitchFamily="34" charset="0"/>
+                  <a:solidFill>
+                    <a:srgbClr val="C00000"/>
+                  </a:solidFill>
+                  <a:ea typeface="Cambria Math" panose="02040503050406030204" pitchFamily="18" charset="0"/>
                 </a:endParaRPr>
               </a:p>
               <a:p>
@@ -8049,48 +8056,8 @@
                       <a:srgbClr val="C00000"/>
                     </a:solidFill>
                   </a:rPr>
-                  <a:t>low-energy structure </a:t>
-                </a:r>
-                <a14:m>
-                  <m:oMath xmlns:m="http://schemas.openxmlformats.org/officeDocument/2006/math">
-                    <m:sSub>
-                      <m:sSubPr>
-                        <m:ctrlPr>
-                          <a:rPr lang="en-US" sz="2600" i="1">
-                            <a:solidFill>
-                              <a:srgbClr val="C00000"/>
-                            </a:solidFill>
-                            <a:latin typeface="Cambria Math" panose="02040503050406030204" pitchFamily="18" charset="0"/>
-                          </a:rPr>
-                        </m:ctrlPr>
-                      </m:sSubPr>
-                      <m:e>
-                        <m:r>
-                          <a:rPr lang="en-US" sz="2600" i="1">
-                            <a:solidFill>
-                              <a:srgbClr val="C00000"/>
-                            </a:solidFill>
-                            <a:latin typeface="Cambria Math" panose="02040503050406030204" pitchFamily="18" charset="0"/>
-                            <a:ea typeface="Cambria Math" panose="02040503050406030204" pitchFamily="18" charset="0"/>
-                          </a:rPr>
-                          <m:t>𝜓</m:t>
-                        </m:r>
-                      </m:e>
-                      <m:sub>
-                        <m:r>
-                          <a:rPr lang="en-US" sz="2600" i="1">
-                            <a:solidFill>
-                              <a:srgbClr val="C00000"/>
-                            </a:solidFill>
-                            <a:latin typeface="Cambria Math" panose="02040503050406030204" pitchFamily="18" charset="0"/>
-                            <a:ea typeface="Cambria Math" panose="02040503050406030204" pitchFamily="18" charset="0"/>
-                          </a:rPr>
-                          <m:t>𝜆</m:t>
-                        </m:r>
-                      </m:sub>
-                    </m:sSub>
-                  </m:oMath>
-                </a14:m>
+                  <a:t>low-resolution wave function</a:t>
+                </a:r>
                 <a:r>
                   <a:rPr lang="en-US" sz="2600" dirty="0"/>
                   <a:t> to calculate </a:t>
@@ -8105,48 +8072,8 @@
                 </a:r>
                 <a:r>
                   <a:rPr lang="en-US" sz="2600" dirty="0"/>
-                  <a:t> by consistently evolving the operator </a:t>
-                </a:r>
-                <a14:m>
-                  <m:oMath xmlns:m="http://schemas.openxmlformats.org/officeDocument/2006/math">
-                    <m:sSub>
-                      <m:sSubPr>
-                        <m:ctrlPr>
-                          <a:rPr lang="en-US" sz="2600" i="1" smtClean="0">
-                            <a:solidFill>
-                              <a:srgbClr val="C00000"/>
-                            </a:solidFill>
-                            <a:latin typeface="Cambria Math" panose="02040503050406030204" pitchFamily="18" charset="0"/>
-                          </a:rPr>
-                        </m:ctrlPr>
-                      </m:sSubPr>
-                      <m:e>
-                        <m:r>
-                          <a:rPr lang="en-US" sz="2600" i="1">
-                            <a:solidFill>
-                              <a:srgbClr val="C00000"/>
-                            </a:solidFill>
-                            <a:latin typeface="Cambria Math" panose="02040503050406030204" pitchFamily="18" charset="0"/>
-                          </a:rPr>
-                          <m:t>𝑂</m:t>
-                        </m:r>
-                      </m:e>
-                      <m:sub>
-                        <m:r>
-                          <a:rPr lang="en-US" sz="2600" i="1">
-                            <a:solidFill>
-                              <a:srgbClr val="C00000"/>
-                            </a:solidFill>
-                            <a:latin typeface="Cambria Math" panose="02040503050406030204" pitchFamily="18" charset="0"/>
-                            <a:ea typeface="Cambria Math" panose="02040503050406030204" pitchFamily="18" charset="0"/>
-                          </a:rPr>
-                          <m:t>𝜆</m:t>
-                        </m:r>
-                      </m:sub>
-                    </m:sSub>
-                  </m:oMath>
-                </a14:m>
-                <a:endParaRPr lang="en-US" sz="2600" dirty="0"/>
+                  <a:t> by consistently evolving the operator</a:t>
+                </a:r>
               </a:p>
               <a:p>
                 <a:pPr marL="457200" lvl="1" indent="0" algn="ctr">
@@ -8162,7 +8089,7 @@
                         <m:begChr m:val="⟨"/>
                         <m:endChr m:val="⟩"/>
                         <m:ctrlPr>
-                          <a:rPr lang="en-US" sz="2600" i="1" smtClean="0">
+                          <a:rPr lang="en-US" i="1" smtClean="0">
                             <a:solidFill>
                               <a:srgbClr val="C00000"/>
                             </a:solidFill>
@@ -8173,7 +8100,7 @@
                       </m:dPr>
                       <m:e>
                         <m:r>
-                          <a:rPr lang="en-US" sz="2600" i="1">
+                          <a:rPr lang="en-US" i="1">
                             <a:solidFill>
                               <a:srgbClr val="C00000"/>
                             </a:solidFill>
@@ -8184,7 +8111,7 @@
                           <m:t>𝜓</m:t>
                         </m:r>
                         <m:r>
-                          <a:rPr lang="en-US" sz="2600" i="1">
+                          <a:rPr lang="en-US" i="1">
                             <a:solidFill>
                               <a:srgbClr val="C00000"/>
                             </a:solidFill>
@@ -8197,7 +8124,7 @@
                       </m:e>
                       <m:e>
                         <m:r>
-                          <a:rPr lang="en-US" sz="2600" i="1">
+                          <a:rPr lang="en-US" i="1">
                             <a:solidFill>
                               <a:srgbClr val="C00000"/>
                             </a:solidFill>
@@ -8207,7 +8134,7 @@
                           <m:t>𝑂</m:t>
                         </m:r>
                         <m:r>
-                          <a:rPr lang="en-US" sz="2600" i="1">
+                          <a:rPr lang="en-US" i="1">
                             <a:solidFill>
                               <a:srgbClr val="C00000"/>
                             </a:solidFill>
@@ -8219,7 +8146,7 @@
                       </m:e>
                       <m:e>
                         <m:r>
-                          <a:rPr lang="en-US" sz="2600" i="1">
+                          <a:rPr lang="en-US" i="1">
                             <a:solidFill>
                               <a:srgbClr val="C00000"/>
                             </a:solidFill>
@@ -8230,7 +8157,7 @@
                           <m:t>𝜓</m:t>
                         </m:r>
                         <m:r>
-                          <a:rPr lang="en-US" sz="2600" i="1">
+                          <a:rPr lang="en-US" i="1">
                             <a:solidFill>
                               <a:srgbClr val="C00000"/>
                             </a:solidFill>
@@ -8243,7 +8170,7 @@
                       </m:e>
                     </m:d>
                     <m:r>
-                      <a:rPr lang="en-US" sz="2600" i="1">
+                      <a:rPr lang="en-US" i="1">
                         <a:solidFill>
                           <a:srgbClr val="C00000"/>
                         </a:solidFill>
@@ -8255,7 +8182,7 @@
                   </m:oMath>
                 </a14:m>
                 <a:r>
-                  <a:rPr lang="en-US" sz="2600" dirty="0">
+                  <a:rPr lang="en-US" dirty="0">
                     <a:solidFill>
                       <a:srgbClr val="C00000"/>
                     </a:solidFill>
@@ -8270,7 +8197,7 @@
                         <m:begChr m:val="⟨"/>
                         <m:endChr m:val="⟩"/>
                         <m:ctrlPr>
-                          <a:rPr lang="en-US" sz="2600" i="1">
+                          <a:rPr lang="en-US" i="1">
                             <a:solidFill>
                               <a:srgbClr val="C00000"/>
                             </a:solidFill>
@@ -8281,7 +8208,7 @@
                       </m:dPr>
                       <m:e>
                         <m:r>
-                          <a:rPr lang="en-US" sz="2600" i="1">
+                          <a:rPr lang="en-US" i="1">
                             <a:solidFill>
                               <a:srgbClr val="C00000"/>
                             </a:solidFill>
@@ -8292,7 +8219,7 @@
                           <m:t>𝜓</m:t>
                         </m:r>
                         <m:r>
-                          <a:rPr lang="en-US" sz="2600" i="1">
+                          <a:rPr lang="en-US" i="1">
                             <a:solidFill>
                               <a:srgbClr val="C00000"/>
                             </a:solidFill>
@@ -8303,7 +8230,7 @@
                           <m:t>(</m:t>
                         </m:r>
                         <m:r>
-                          <a:rPr lang="en-US" sz="2600" i="1" smtClean="0">
+                          <a:rPr lang="en-US" i="1" smtClean="0">
                             <a:solidFill>
                               <a:srgbClr val="C00000"/>
                             </a:solidFill>
@@ -8314,7 +8241,7 @@
                           <m:t>𝑠</m:t>
                         </m:r>
                         <m:r>
-                          <a:rPr lang="en-US" sz="2600" i="1">
+                          <a:rPr lang="en-US" i="1">
                             <a:solidFill>
                               <a:srgbClr val="C00000"/>
                             </a:solidFill>
@@ -8327,7 +8254,7 @@
                       </m:e>
                       <m:e>
                         <m:r>
-                          <a:rPr lang="en-US" sz="2600" i="1">
+                          <a:rPr lang="en-US" i="1">
                             <a:solidFill>
                               <a:srgbClr val="C00000"/>
                             </a:solidFill>
@@ -8337,7 +8264,7 @@
                           <m:t>𝑂</m:t>
                         </m:r>
                         <m:r>
-                          <a:rPr lang="en-US" sz="2600" i="1">
+                          <a:rPr lang="en-US" i="1">
                             <a:solidFill>
                               <a:srgbClr val="C00000"/>
                             </a:solidFill>
@@ -8347,7 +8274,7 @@
                           <m:t>(</m:t>
                         </m:r>
                         <m:r>
-                          <a:rPr lang="en-US" sz="2600" i="1" smtClean="0">
+                          <a:rPr lang="en-US" i="1" smtClean="0">
                             <a:solidFill>
                               <a:srgbClr val="C00000"/>
                             </a:solidFill>
@@ -8357,7 +8284,7 @@
                           <m:t>𝑠</m:t>
                         </m:r>
                         <m:r>
-                          <a:rPr lang="en-US" sz="2600" i="1">
+                          <a:rPr lang="en-US" i="1">
                             <a:solidFill>
                               <a:srgbClr val="C00000"/>
                             </a:solidFill>
@@ -8369,7 +8296,7 @@
                       </m:e>
                       <m:e>
                         <m:r>
-                          <a:rPr lang="en-US" sz="2600" i="1">
+                          <a:rPr lang="en-US" i="1">
                             <a:solidFill>
                               <a:srgbClr val="C00000"/>
                             </a:solidFill>
@@ -8380,7 +8307,7 @@
                           <m:t>𝜓</m:t>
                         </m:r>
                         <m:r>
-                          <a:rPr lang="en-US" sz="2600" i="1">
+                          <a:rPr lang="en-US" i="1">
                             <a:solidFill>
                               <a:srgbClr val="C00000"/>
                             </a:solidFill>
@@ -8391,7 +8318,7 @@
                           <m:t>(</m:t>
                         </m:r>
                         <m:r>
-                          <a:rPr lang="en-US" sz="2600" i="1" smtClean="0">
+                          <a:rPr lang="en-US" i="1" smtClean="0">
                             <a:solidFill>
                               <a:srgbClr val="C00000"/>
                             </a:solidFill>
@@ -8402,7 +8329,7 @@
                           <m:t>𝑠</m:t>
                         </m:r>
                         <m:r>
-                          <a:rPr lang="en-US" sz="2600" i="1">
+                          <a:rPr lang="en-US" i="1">
                             <a:solidFill>
                               <a:srgbClr val="C00000"/>
                             </a:solidFill>
@@ -8416,7 +8343,7 @@
                     </m:d>
                   </m:oMath>
                 </a14:m>
-                <a:endParaRPr lang="en-US" sz="2600" dirty="0"/>
+                <a:endParaRPr lang="en-US" dirty="0"/>
               </a:p>
               <a:p>
                 <a:pPr>
@@ -8430,7 +8357,7 @@
                       <a:srgbClr val="C00000"/>
                     </a:solidFill>
                   </a:rPr>
-                  <a:t>Mismatch of scales leads to incorrect observable</a:t>
+                  <a:t>Mismatch of scales leads to incorrect observable (e.g., knock-out cross section)</a:t>
                 </a:r>
               </a:p>
             </p:txBody>
@@ -8457,7 +8384,7 @@
               <a:blipFill>
                 <a:blip r:embed="rId2"/>
                 <a:stretch>
-                  <a:fillRect l="-844" t="-1462" r="-121" b="-9942"/>
+                  <a:fillRect l="-844" t="-1462" r="-121" b="-18421"/>
                 </a:stretch>
               </a:blipFill>
             </p:spPr>
@@ -8546,8 +8473,8 @@
           </a:p>
         </p:txBody>
       </p:sp>
-      <mc:AlternateContent xmlns:mc="http://schemas.openxmlformats.org/markup-compatibility/2006">
-        <mc:Choice xmlns:a14="http://schemas.microsoft.com/office/drawing/2010/main" Requires="a14">
+      <mc:AlternateContent xmlns:mc="http://schemas.openxmlformats.org/markup-compatibility/2006" xmlns:a14="http://schemas.microsoft.com/office/drawing/2010/main">
+        <mc:Choice Requires="a14">
           <p:sp>
             <p:nvSpPr>
               <p:cNvPr id="3" name="Content Placeholder 2">
@@ -8888,7 +8815,7 @@
             </p:txBody>
           </p:sp>
         </mc:Choice>
-        <mc:Fallback>
+        <mc:Fallback xmlns="">
           <p:sp>
             <p:nvSpPr>
               <p:cNvPr id="3" name="Content Placeholder 2">
@@ -8962,8 +8889,8 @@
           </a:prstGeom>
         </p:spPr>
       </p:pic>
-      <mc:AlternateContent xmlns:mc="http://schemas.openxmlformats.org/markup-compatibility/2006">
-        <mc:Choice xmlns:a14="http://schemas.microsoft.com/office/drawing/2010/main" Requires="a14">
+      <mc:AlternateContent xmlns:mc="http://schemas.openxmlformats.org/markup-compatibility/2006" xmlns:a14="http://schemas.microsoft.com/office/drawing/2010/main">
+        <mc:Choice Requires="a14">
           <p:sp>
             <p:nvSpPr>
               <p:cNvPr id="6" name="TextBox 5">
@@ -9124,7 +9051,7 @@
             </p:txBody>
           </p:sp>
         </mc:Choice>
-        <mc:Fallback>
+        <mc:Fallback xmlns="">
           <p:sp>
             <p:nvSpPr>
               <p:cNvPr id="6" name="TextBox 5">
@@ -9469,8 +9396,21 @@
                       <a:srgbClr val="C00000"/>
                     </a:solidFill>
                   </a:rPr>
-                  <a:t>Various schemes!</a:t>
-                </a:r>
+                  <a:t>Various schemes! </a:t>
+                </a:r>
+                <a:r>
+                  <a:rPr lang="en-US" dirty="0">
+                    <a:solidFill>
+                      <a:srgbClr val="C00000"/>
+                    </a:solidFill>
+                  </a:rPr>
+                  <a:t>(e.g., different regulators)</a:t>
+                </a:r>
+                <a:endParaRPr lang="en-US" sz="2500" dirty="0">
+                  <a:solidFill>
+                    <a:srgbClr val="C00000"/>
+                  </a:solidFill>
+                </a:endParaRPr>
               </a:p>
               <a:p>
                 <a:pPr>
@@ -9615,8 +9555,8 @@
           </a:p>
         </p:txBody>
       </p:sp>
-      <mc:AlternateContent xmlns:mc="http://schemas.openxmlformats.org/markup-compatibility/2006">
-        <mc:Choice xmlns:a14="http://schemas.microsoft.com/office/drawing/2010/main" Requires="a14">
+      <mc:AlternateContent xmlns:mc="http://schemas.openxmlformats.org/markup-compatibility/2006" xmlns:a14="http://schemas.microsoft.com/office/drawing/2010/main">
+        <mc:Choice Requires="a14">
           <p:sp>
             <p:nvSpPr>
               <p:cNvPr id="3" name="Content Placeholder 2">
@@ -9981,7 +9921,7 @@
             </p:txBody>
           </p:sp>
         </mc:Choice>
-        <mc:Fallback>
+        <mc:Fallback xmlns="">
           <p:sp>
             <p:nvSpPr>
               <p:cNvPr id="3" name="Content Placeholder 2">
@@ -10055,8 +9995,8 @@
           </a:prstGeom>
         </p:spPr>
       </p:pic>
-      <mc:AlternateContent xmlns:mc="http://schemas.openxmlformats.org/markup-compatibility/2006">
-        <mc:Choice xmlns:a14="http://schemas.microsoft.com/office/drawing/2010/main" Requires="a14">
+      <mc:AlternateContent xmlns:mc="http://schemas.openxmlformats.org/markup-compatibility/2006" xmlns:a14="http://schemas.microsoft.com/office/drawing/2010/main">
+        <mc:Choice Requires="a14">
           <p:sp>
             <p:nvSpPr>
               <p:cNvPr id="6" name="TextBox 5">
@@ -10217,7 +10157,7 @@
             </p:txBody>
           </p:sp>
         </mc:Choice>
-        <mc:Fallback>
+        <mc:Fallback xmlns="">
           <p:sp>
             <p:nvSpPr>
               <p:cNvPr id="6" name="TextBox 5">
@@ -10292,8 +10232,8 @@
           <a:chExt cx="0" cy="0"/>
         </a:xfrm>
       </p:grpSpPr>
-      <mc:AlternateContent xmlns:mc="http://schemas.openxmlformats.org/markup-compatibility/2006">
-        <mc:Choice xmlns:a14="http://schemas.microsoft.com/office/drawing/2010/main" Requires="a14">
+      <mc:AlternateContent xmlns:mc="http://schemas.openxmlformats.org/markup-compatibility/2006" xmlns:a14="http://schemas.microsoft.com/office/drawing/2010/main">
+        <mc:Choice Requires="a14">
           <p:sp>
             <p:nvSpPr>
               <p:cNvPr id="2" name="Title 1">
@@ -10436,7 +10376,7 @@
             </p:txBody>
           </p:sp>
         </mc:Choice>
-        <mc:Fallback>
+        <mc:Fallback xmlns="">
           <p:sp>
             <p:nvSpPr>
               <p:cNvPr id="2" name="Title 1">
@@ -10495,7 +10435,7 @@
         <p:spPr>
           <a:xfrm>
             <a:off x="1" y="2140059"/>
-            <a:ext cx="5181600" cy="4351338"/>
+            <a:ext cx="5055475" cy="4351338"/>
           </a:xfrm>
         </p:spPr>
         <p:txBody>
@@ -10508,11 +10448,11 @@
               </a:lnSpc>
             </a:pPr>
             <a:r>
-              <a:rPr lang="en-US" dirty="0"/>
+              <a:rPr lang="en-US" sz="2400" dirty="0"/>
               <a:t>SRG induced terms in the operator reflects difference in UV physics (</a:t>
             </a:r>
             <a:r>
-              <a:rPr lang="en-US" dirty="0">
+              <a:rPr lang="en-US" sz="2400" dirty="0">
                 <a:solidFill>
                   <a:srgbClr val="C00000"/>
                 </a:solidFill>
@@ -10520,7 +10460,7 @@
               <a:t>scheme dependence from NN interaction</a:t>
             </a:r>
             <a:r>
-              <a:rPr lang="en-US" dirty="0"/>
+              <a:rPr lang="en-US" sz="2400" dirty="0"/>
               <a:t>)</a:t>
             </a:r>
           </a:p>
@@ -10534,8 +10474,8 @@
           </a:p>
         </p:txBody>
       </p:sp>
-      <mc:AlternateContent xmlns:mc="http://schemas.openxmlformats.org/markup-compatibility/2006">
-        <mc:Choice xmlns:a14="http://schemas.microsoft.com/office/drawing/2010/main" Requires="a14">
+      <mc:AlternateContent xmlns:mc="http://schemas.openxmlformats.org/markup-compatibility/2006" xmlns:a14="http://schemas.microsoft.com/office/drawing/2010/main">
+        <mc:Choice Requires="a14">
           <p:sp>
             <p:nvSpPr>
               <p:cNvPr id="9" name="Rectangle 8">
@@ -10816,7 +10756,7 @@
             </p:txBody>
           </p:sp>
         </mc:Choice>
-        <mc:Fallback>
+        <mc:Fallback xmlns="">
           <p:sp>
             <p:nvSpPr>
               <p:cNvPr id="9" name="Rectangle 8">
@@ -10921,8 +10861,8 @@
           <a:chExt cx="0" cy="0"/>
         </a:xfrm>
       </p:grpSpPr>
-      <mc:AlternateContent xmlns:mc="http://schemas.openxmlformats.org/markup-compatibility/2006">
-        <mc:Choice xmlns:a14="http://schemas.microsoft.com/office/drawing/2010/main" Requires="a14">
+      <mc:AlternateContent xmlns:mc="http://schemas.openxmlformats.org/markup-compatibility/2006" xmlns:a14="http://schemas.microsoft.com/office/drawing/2010/main">
+        <mc:Choice Requires="a14">
           <p:sp>
             <p:nvSpPr>
               <p:cNvPr id="2" name="Title 1">
@@ -11077,7 +11017,7 @@
             </p:txBody>
           </p:sp>
         </mc:Choice>
-        <mc:Fallback>
+        <mc:Fallback xmlns="">
           <p:sp>
             <p:nvSpPr>
               <p:cNvPr id="2" name="Title 1">
@@ -11138,7 +11078,7 @@
             <p:spPr>
               <a:xfrm>
                 <a:off x="1" y="2140059"/>
-                <a:ext cx="5034454" cy="4351338"/>
+                <a:ext cx="5044965" cy="4351338"/>
               </a:xfrm>
             </p:spPr>
             <p:txBody>
@@ -11151,7 +11091,7 @@
                   </a:lnSpc>
                 </a:pPr>
                 <a:r>
-                  <a:rPr lang="en-US" dirty="0">
+                  <a:rPr lang="en-US" sz="2400" dirty="0">
                     <a:solidFill>
                       <a:schemeClr val="tx1"/>
                     </a:solidFill>
@@ -11166,7 +11106,7 @@
                   </a:lnSpc>
                 </a:pPr>
                 <a:r>
-                  <a:rPr lang="en-US" dirty="0">
+                  <a:rPr lang="en-US" sz="2400" dirty="0">
                     <a:solidFill>
                       <a:srgbClr val="C00000"/>
                     </a:solidFill>
@@ -11178,7 +11118,7 @@
                     <m:sSubSup>
                       <m:sSubSupPr>
                         <m:ctrlPr>
-                          <a:rPr lang="en-US" i="1" smtClean="0">
+                          <a:rPr lang="en-US" sz="2400" i="1" smtClean="0">
                             <a:solidFill>
                               <a:srgbClr val="C00000"/>
                             </a:solidFill>
@@ -11188,7 +11128,7 @@
                       </m:sSubSupPr>
                       <m:e>
                         <m:r>
-                          <a:rPr lang="en-US" i="1">
+                          <a:rPr lang="en-US" sz="2400" i="1">
                             <a:solidFill>
                               <a:srgbClr val="C00000"/>
                             </a:solidFill>
@@ -11199,7 +11139,7 @@
                       </m:e>
                       <m:sub>
                         <m:r>
-                          <a:rPr lang="en-US" i="1">
+                          <a:rPr lang="en-US" sz="2400" i="1">
                             <a:solidFill>
                               <a:srgbClr val="C00000"/>
                             </a:solidFill>
@@ -11210,7 +11150,7 @@
                       </m:sub>
                       <m:sup>
                         <m:r>
-                          <a:rPr lang="en-US" i="1">
+                          <a:rPr lang="en-US" sz="2400" i="1">
                             <a:solidFill>
                               <a:srgbClr val="C00000"/>
                             </a:solidFill>
@@ -11224,7 +11164,7 @@
                     <m:sSub>
                       <m:sSubPr>
                         <m:ctrlPr>
-                          <a:rPr lang="en-US" i="1">
+                          <a:rPr lang="en-US" sz="2400" i="1">
                             <a:solidFill>
                               <a:srgbClr val="C00000"/>
                             </a:solidFill>
@@ -11234,7 +11174,7 @@
                       </m:sSubPr>
                       <m:e>
                         <m:r>
-                          <a:rPr lang="en-US" i="1">
+                          <a:rPr lang="en-US" sz="2400" i="1">
                             <a:solidFill>
                               <a:srgbClr val="C00000"/>
                             </a:solidFill>
@@ -11245,7 +11185,7 @@
                       </m:e>
                       <m:sub>
                         <m:r>
-                          <a:rPr lang="en-US" i="1">
+                          <a:rPr lang="en-US" sz="2400" i="1">
                             <a:solidFill>
                               <a:srgbClr val="C00000"/>
                             </a:solidFill>
@@ -11258,7 +11198,7 @@
                   </m:oMath>
                 </a14:m>
                 <a:r>
-                  <a:rPr lang="en-US" dirty="0">
+                  <a:rPr lang="en-US" sz="2400" dirty="0">
                     <a:solidFill>
                       <a:srgbClr val="C00000"/>
                     </a:solidFill>
@@ -11268,7 +11208,7 @@
                 <a14:m>
                   <m:oMath xmlns:m="http://schemas.openxmlformats.org/officeDocument/2006/math">
                     <m:r>
-                      <a:rPr lang="en-US" b="0" i="1" smtClean="0">
+                      <a:rPr lang="en-US" sz="2400" b="0" i="1" smtClean="0">
                         <a:solidFill>
                           <a:srgbClr val="C00000"/>
                         </a:solidFill>
@@ -11278,6 +11218,33 @@
                     </m:r>
                   </m:oMath>
                 </a14:m>
+                <a:endParaRPr lang="en-US" sz="2400" dirty="0">
+                  <a:solidFill>
+                    <a:srgbClr val="C00000"/>
+                  </a:solidFill>
+                </a:endParaRPr>
+              </a:p>
+              <a:p>
+                <a:pPr>
+                  <a:lnSpc>
+                    <a:spcPct val="100000"/>
+                  </a:lnSpc>
+                </a:pPr>
+                <a:r>
+                  <a:rPr lang="en-US" sz="2400" dirty="0">
+                    <a:solidFill>
+                      <a:srgbClr val="C00000"/>
+                    </a:solidFill>
+                  </a:rPr>
+                  <a:t>Flatness at low-k indicates factorization of low- and high-resolution physics</a:t>
+                </a:r>
+              </a:p>
+              <a:p>
+                <a:pPr>
+                  <a:lnSpc>
+                    <a:spcPct val="100000"/>
+                  </a:lnSpc>
+                </a:pPr>
                 <a:endParaRPr lang="en-US" dirty="0">
                   <a:solidFill>
                     <a:srgbClr val="C00000"/>
@@ -11315,12 +11282,12 @@
             <p:spPr>
               <a:xfrm>
                 <a:off x="1" y="2140059"/>
-                <a:ext cx="5034454" cy="4351338"/>
+                <a:ext cx="5044965" cy="4351338"/>
               </a:xfrm>
               <a:blipFill>
                 <a:blip r:embed="rId3"/>
                 <a:stretch>
-                  <a:fillRect l="-2020" t="-1458" r="-4293"/>
+                  <a:fillRect l="-1511" t="-1166" b="-5248"/>
                 </a:stretch>
               </a:blipFill>
             </p:spPr>
@@ -11339,8 +11306,8 @@
           </p:sp>
         </mc:Fallback>
       </mc:AlternateContent>
-      <mc:AlternateContent xmlns:mc="http://schemas.openxmlformats.org/markup-compatibility/2006">
-        <mc:Choice xmlns:a14="http://schemas.microsoft.com/office/drawing/2010/main" Requires="a14">
+      <mc:AlternateContent xmlns:mc="http://schemas.openxmlformats.org/markup-compatibility/2006" xmlns:a14="http://schemas.microsoft.com/office/drawing/2010/main">
+        <mc:Choice Requires="a14">
           <p:sp>
             <p:nvSpPr>
               <p:cNvPr id="7" name="Rectangle 6">
@@ -11621,7 +11588,7 @@
             </p:txBody>
           </p:sp>
         </mc:Choice>
-        <mc:Fallback>
+        <mc:Fallback xmlns="">
           <p:sp>
             <p:nvSpPr>
               <p:cNvPr id="7" name="Rectangle 6">
@@ -11796,8 +11763,8 @@
           </a:prstGeom>
         </p:spPr>
       </p:pic>
-      <mc:AlternateContent xmlns:mc="http://schemas.openxmlformats.org/markup-compatibility/2006">
-        <mc:Choice xmlns:a14="http://schemas.microsoft.com/office/drawing/2010/main" Requires="a14">
+      <mc:AlternateContent xmlns:mc="http://schemas.openxmlformats.org/markup-compatibility/2006" xmlns:a14="http://schemas.microsoft.com/office/drawing/2010/main">
+        <mc:Choice Requires="a14">
           <p:sp>
             <p:nvSpPr>
               <p:cNvPr id="6" name="TextBox 5">
@@ -11958,7 +11925,7 @@
             </p:txBody>
           </p:sp>
         </mc:Choice>
-        <mc:Fallback>
+        <mc:Fallback xmlns="">
           <p:sp>
             <p:nvSpPr>
               <p:cNvPr id="6" name="TextBox 5">
@@ -12033,8 +12000,8 @@
           </a:prstGeom>
         </p:spPr>
       </p:pic>
-      <mc:AlternateContent xmlns:mc="http://schemas.openxmlformats.org/markup-compatibility/2006">
-        <mc:Choice xmlns:a14="http://schemas.microsoft.com/office/drawing/2010/main" Requires="a14">
+      <mc:AlternateContent xmlns:mc="http://schemas.openxmlformats.org/markup-compatibility/2006" xmlns:a14="http://schemas.microsoft.com/office/drawing/2010/main">
+        <mc:Choice Requires="a14">
           <p:sp>
             <p:nvSpPr>
               <p:cNvPr id="11" name="Rectangle 10">
@@ -12143,7 +12110,7 @@
             </p:txBody>
           </p:sp>
         </mc:Choice>
-        <mc:Fallback>
+        <mc:Fallback xmlns="">
           <p:sp>
             <p:nvSpPr>
               <p:cNvPr id="11" name="Rectangle 10">
@@ -12327,8 +12294,8 @@
           </a:prstGeom>
         </p:spPr>
       </p:pic>
-      <mc:AlternateContent xmlns:mc="http://schemas.openxmlformats.org/markup-compatibility/2006">
-        <mc:Choice xmlns:a14="http://schemas.microsoft.com/office/drawing/2010/main" Requires="a14">
+      <mc:AlternateContent xmlns:mc="http://schemas.openxmlformats.org/markup-compatibility/2006" xmlns:a14="http://schemas.microsoft.com/office/drawing/2010/main">
+        <mc:Choice Requires="a14">
           <p:sp>
             <p:nvSpPr>
               <p:cNvPr id="6" name="TextBox 5">
@@ -12489,7 +12456,7 @@
             </p:txBody>
           </p:sp>
         </mc:Choice>
-        <mc:Fallback>
+        <mc:Fallback xmlns="">
           <p:sp>
             <p:nvSpPr>
               <p:cNvPr id="6" name="TextBox 5">
@@ -12564,8 +12531,8 @@
           </a:prstGeom>
         </p:spPr>
       </p:pic>
-      <mc:AlternateContent xmlns:mc="http://schemas.openxmlformats.org/markup-compatibility/2006">
-        <mc:Choice xmlns:a14="http://schemas.microsoft.com/office/drawing/2010/main" Requires="a14">
+      <mc:AlternateContent xmlns:mc="http://schemas.openxmlformats.org/markup-compatibility/2006" xmlns:a14="http://schemas.microsoft.com/office/drawing/2010/main">
+        <mc:Choice Requires="a14">
           <p:sp>
             <p:nvSpPr>
               <p:cNvPr id="8" name="TextBox 7">
@@ -12853,7 +12820,7 @@
             </p:txBody>
           </p:sp>
         </mc:Choice>
-        <mc:Fallback>
+        <mc:Fallback xmlns="">
           <p:sp>
             <p:nvSpPr>
               <p:cNvPr id="8" name="TextBox 7">
@@ -12903,8 +12870,8 @@
           </p:sp>
         </mc:Fallback>
       </mc:AlternateContent>
-      <mc:AlternateContent xmlns:mc="http://schemas.openxmlformats.org/markup-compatibility/2006">
-        <mc:Choice xmlns:a14="http://schemas.microsoft.com/office/drawing/2010/main" Requires="a14">
+      <mc:AlternateContent xmlns:mc="http://schemas.openxmlformats.org/markup-compatibility/2006" xmlns:a14="http://schemas.microsoft.com/office/drawing/2010/main">
+        <mc:Choice Requires="a14">
           <p:sp>
             <p:nvSpPr>
               <p:cNvPr id="11" name="Rectangle 10">
@@ -13013,7 +12980,7 @@
             </p:txBody>
           </p:sp>
         </mc:Choice>
-        <mc:Fallback>
+        <mc:Fallback xmlns="">
           <p:sp>
             <p:nvSpPr>
               <p:cNvPr id="11" name="Rectangle 10">
@@ -13202,8 +13169,8 @@
           </a:prstGeom>
         </p:spPr>
       </p:pic>
-      <mc:AlternateContent xmlns:mc="http://schemas.openxmlformats.org/markup-compatibility/2006">
-        <mc:Choice xmlns:a14="http://schemas.microsoft.com/office/drawing/2010/main" Requires="a14">
+      <mc:AlternateContent xmlns:mc="http://schemas.openxmlformats.org/markup-compatibility/2006" xmlns:a14="http://schemas.microsoft.com/office/drawing/2010/main">
+        <mc:Choice Requires="a14">
           <p:sp>
             <p:nvSpPr>
               <p:cNvPr id="6" name="TextBox 5">
@@ -13361,7 +13328,7 @@
             </p:txBody>
           </p:sp>
         </mc:Choice>
-        <mc:Fallback>
+        <mc:Fallback xmlns="">
           <p:sp>
             <p:nvSpPr>
               <p:cNvPr id="6" name="TextBox 5">
@@ -13406,8 +13373,8 @@
           </p:sp>
         </mc:Fallback>
       </mc:AlternateContent>
-      <mc:AlternateContent xmlns:mc="http://schemas.openxmlformats.org/markup-compatibility/2006">
-        <mc:Choice xmlns:a14="http://schemas.microsoft.com/office/drawing/2010/main" Requires="a14">
+      <mc:AlternateContent xmlns:mc="http://schemas.openxmlformats.org/markup-compatibility/2006" xmlns:a14="http://schemas.microsoft.com/office/drawing/2010/main">
+        <mc:Choice Requires="a14">
           <p:sp>
             <p:nvSpPr>
               <p:cNvPr id="8" name="Content Placeholder 2">
@@ -13613,7 +13580,7 @@
             </p:txBody>
           </p:sp>
         </mc:Choice>
-        <mc:Fallback>
+        <mc:Fallback xmlns="">
           <p:sp>
             <p:nvSpPr>
               <p:cNvPr id="8" name="Content Placeholder 2">
@@ -14108,8 +14075,8 @@
           </a:prstGeom>
         </p:spPr>
       </p:pic>
-      <mc:AlternateContent xmlns:mc="http://schemas.openxmlformats.org/markup-compatibility/2006">
-        <mc:Choice xmlns:a14="http://schemas.microsoft.com/office/drawing/2010/main" Requires="a14">
+      <mc:AlternateContent xmlns:mc="http://schemas.openxmlformats.org/markup-compatibility/2006" xmlns:a14="http://schemas.microsoft.com/office/drawing/2010/main">
+        <mc:Choice Requires="a14">
           <p:sp>
             <p:nvSpPr>
               <p:cNvPr id="8" name="TextBox 7">
@@ -14171,7 +14138,7 @@
             </p:txBody>
           </p:sp>
         </mc:Choice>
-        <mc:Fallback>
+        <mc:Fallback xmlns="">
           <p:sp>
             <p:nvSpPr>
               <p:cNvPr id="8" name="TextBox 7">
@@ -14220,6 +14187,207 @@
     <p:extLst>
       <p:ext uri="{BB962C8B-B14F-4D97-AF65-F5344CB8AC3E}">
         <p14:creationId xmlns:p14="http://schemas.microsoft.com/office/powerpoint/2010/main" val="627312157"/>
+      </p:ext>
+    </p:extLst>
+  </p:cSld>
+  <p:clrMapOvr>
+    <a:masterClrMapping/>
+  </p:clrMapOvr>
+</p:sld>
+</file>
+
+<file path=ppt/slides/slide28.xml><?xml version="1.0" encoding="utf-8"?>
+<p:sld xmlns:a="http://schemas.openxmlformats.org/drawingml/2006/main" xmlns:r="http://schemas.openxmlformats.org/officeDocument/2006/relationships" xmlns:p="http://schemas.openxmlformats.org/presentationml/2006/main">
+  <p:cSld>
+    <p:spTree>
+      <p:nvGrpSpPr>
+        <p:cNvPr id="1" name=""/>
+        <p:cNvGrpSpPr/>
+        <p:nvPr/>
+      </p:nvGrpSpPr>
+      <p:grpSpPr>
+        <a:xfrm>
+          <a:off x="0" y="0"/>
+          <a:ext cx="0" cy="0"/>
+          <a:chOff x="0" y="0"/>
+          <a:chExt cx="0" cy="0"/>
+        </a:xfrm>
+      </p:grpSpPr>
+      <p:sp>
+        <p:nvSpPr>
+          <p:cNvPr id="2" name="Title 1">
+            <a:extLst>
+              <a:ext uri="{FF2B5EF4-FFF2-40B4-BE49-F238E27FC236}">
+                <a16:creationId xmlns:a16="http://schemas.microsoft.com/office/drawing/2014/main" id="{0E1B6706-54E2-8948-AC16-32BCCF68AE95}"/>
+              </a:ext>
+            </a:extLst>
+          </p:cNvPr>
+          <p:cNvSpPr>
+            <a:spLocks noGrp="1"/>
+          </p:cNvSpPr>
+          <p:nvPr>
+            <p:ph type="title"/>
+          </p:nvPr>
+        </p:nvSpPr>
+        <p:spPr/>
+        <p:txBody>
+          <a:bodyPr/>
+          <a:lstStyle/>
+          <a:p>
+            <a:r>
+              <a:rPr lang="en-US" dirty="0"/>
+              <a:t>Back up slides</a:t>
+            </a:r>
+          </a:p>
+        </p:txBody>
+      </p:sp>
+      <mc:AlternateContent xmlns:mc="http://schemas.openxmlformats.org/markup-compatibility/2006" xmlns:a14="http://schemas.microsoft.com/office/drawing/2010/main">
+        <mc:Choice Requires="a14">
+          <p:sp>
+            <p:nvSpPr>
+              <p:cNvPr id="8" name="TextBox 7">
+                <a:extLst>
+                  <a:ext uri="{FF2B5EF4-FFF2-40B4-BE49-F238E27FC236}">
+                    <a16:creationId xmlns:a16="http://schemas.microsoft.com/office/drawing/2014/main" id="{572C74F1-6ACF-9640-B5B5-F9CA7AEEE56F}"/>
+                  </a:ext>
+                </a:extLst>
+              </p:cNvPr>
+              <p:cNvSpPr txBox="1"/>
+              <p:nvPr/>
+            </p:nvSpPr>
+            <p:spPr>
+              <a:xfrm>
+                <a:off x="3757448" y="5665076"/>
+                <a:ext cx="4677103" cy="830997"/>
+              </a:xfrm>
+              <a:prstGeom prst="rect">
+                <a:avLst/>
+              </a:prstGeom>
+              <a:noFill/>
+            </p:spPr>
+            <p:txBody>
+              <a:bodyPr wrap="square" rtlCol="0">
+                <a:spAutoFit/>
+              </a:bodyPr>
+              <a:lstStyle/>
+              <a:p>
+                <a:r>
+                  <a:rPr lang="en-US" sz="1600" dirty="0">
+                    <a:latin typeface="Arial" panose="020B0604020202020204" pitchFamily="34" charset="0"/>
+                    <a:cs typeface="Arial" panose="020B0604020202020204" pitchFamily="34" charset="0"/>
+                  </a:rPr>
+                  <a:t>Fig. 8: SRG evolution of deuteron wave function in coordinate space for AV18 and two LO chiral models at high momentum-space cutoffs </a:t>
+                </a:r>
+                <a14:m>
+                  <m:oMath xmlns:m="http://schemas.openxmlformats.org/officeDocument/2006/math">
+                    <m:r>
+                      <m:rPr>
+                        <m:sty m:val="p"/>
+                      </m:rPr>
+                      <a:rPr lang="el-GR" sz="1600" i="1" smtClean="0">
+                        <a:latin typeface="Cambria Math" panose="02040503050406030204" pitchFamily="18" charset="0"/>
+                        <a:ea typeface="Cambria Math" panose="02040503050406030204" pitchFamily="18" charset="0"/>
+                        <a:cs typeface="Arial" panose="020B0604020202020204" pitchFamily="34" charset="0"/>
+                      </a:rPr>
+                      <m:t>Λ</m:t>
+                    </m:r>
+                  </m:oMath>
+                </a14:m>
+                <a:r>
+                  <a:rPr lang="en-US" sz="1600" dirty="0">
+                    <a:latin typeface="Arial" panose="020B0604020202020204" pitchFamily="34" charset="0"/>
+                    <a:cs typeface="Arial" panose="020B0604020202020204" pitchFamily="34" charset="0"/>
+                  </a:rPr>
+                  <a:t>.</a:t>
+                </a:r>
+              </a:p>
+            </p:txBody>
+          </p:sp>
+        </mc:Choice>
+        <mc:Fallback xmlns="">
+          <p:sp>
+            <p:nvSpPr>
+              <p:cNvPr id="8" name="TextBox 7">
+                <a:extLst>
+                  <a:ext uri="{FF2B5EF4-FFF2-40B4-BE49-F238E27FC236}">
+                    <a16:creationId xmlns:a16="http://schemas.microsoft.com/office/drawing/2014/main" id="{572C74F1-6ACF-9640-B5B5-F9CA7AEEE56F}"/>
+                  </a:ext>
+                </a:extLst>
+              </p:cNvPr>
+              <p:cNvSpPr txBox="1">
+                <a:spLocks noRot="1" noChangeAspect="1" noMove="1" noResize="1" noEditPoints="1" noAdjustHandles="1" noChangeArrowheads="1" noChangeShapeType="1" noTextEdit="1"/>
+              </p:cNvSpPr>
+              <p:nvPr/>
+            </p:nvSpPr>
+            <p:spPr>
+              <a:xfrm>
+                <a:off x="3757448" y="5665076"/>
+                <a:ext cx="4677103" cy="830997"/>
+              </a:xfrm>
+              <a:prstGeom prst="rect">
+                <a:avLst/>
+              </a:prstGeom>
+              <a:blipFill>
+                <a:blip r:embed="rId3"/>
+                <a:stretch>
+                  <a:fillRect l="-542" t="-1493" b="-7463"/>
+                </a:stretch>
+              </a:blipFill>
+            </p:spPr>
+            <p:txBody>
+              <a:bodyPr/>
+              <a:lstStyle/>
+              <a:p>
+                <a:r>
+                  <a:rPr lang="en-US">
+                    <a:noFill/>
+                  </a:rPr>
+                  <a:t> </a:t>
+                </a:r>
+              </a:p>
+            </p:txBody>
+          </p:sp>
+        </mc:Fallback>
+      </mc:AlternateContent>
+      <p:sp>
+        <p:nvSpPr>
+          <p:cNvPr id="3" name="TextBox 2">
+            <a:extLst>
+              <a:ext uri="{FF2B5EF4-FFF2-40B4-BE49-F238E27FC236}">
+                <a16:creationId xmlns:a16="http://schemas.microsoft.com/office/drawing/2014/main" id="{A0AA5F37-D4E8-8B4B-8F18-CE699E75501B}"/>
+              </a:ext>
+            </a:extLst>
+          </p:cNvPr>
+          <p:cNvSpPr txBox="1"/>
+          <p:nvPr/>
+        </p:nvSpPr>
+        <p:spPr>
+          <a:xfrm>
+            <a:off x="4340772" y="2448910"/>
+            <a:ext cx="2387513" cy="369332"/>
+          </a:xfrm>
+          <a:prstGeom prst="rect">
+            <a:avLst/>
+          </a:prstGeom>
+          <a:noFill/>
+        </p:spPr>
+        <p:txBody>
+          <a:bodyPr wrap="none" rtlCol="0">
+            <a:spAutoFit/>
+          </a:bodyPr>
+          <a:lstStyle/>
+          <a:p>
+            <a:r>
+              <a:rPr lang="en-US" dirty="0"/>
+              <a:t>Add factorization figure</a:t>
+            </a:r>
+          </a:p>
+        </p:txBody>
+      </p:sp>
+    </p:spTree>
+    <p:extLst>
+      <p:ext uri="{BB962C8B-B14F-4D97-AF65-F5344CB8AC3E}">
+        <p14:creationId xmlns:p14="http://schemas.microsoft.com/office/powerpoint/2010/main" val="4110335935"/>
       </p:ext>
     </p:extLst>
   </p:cSld>
@@ -14346,7 +14514,7 @@
                 </a:pPr>
                 <a:r>
                   <a:rPr lang="en-US" sz="2500" dirty="0"/>
-                  <a:t>Various schemes!</a:t>
+                  <a:t>Various schemes! (e.g., different regulators)</a:t>
                 </a:r>
               </a:p>
               <a:p>
@@ -14582,7 +14750,7 @@
                 </a:pPr>
                 <a:r>
                   <a:rPr lang="en-US" sz="2500" dirty="0"/>
-                  <a:t>Various schemes!</a:t>
+                  <a:t>Various schemes! (e.g., different regulators)</a:t>
                 </a:r>
               </a:p>
               <a:p>
@@ -14763,8 +14931,8 @@
           </a:p>
         </p:txBody>
       </p:sp>
-      <mc:AlternateContent xmlns:mc="http://schemas.openxmlformats.org/markup-compatibility/2006">
-        <mc:Choice xmlns:a14="http://schemas.microsoft.com/office/drawing/2010/main" Requires="a14">
+      <mc:AlternateContent xmlns:mc="http://schemas.openxmlformats.org/markup-compatibility/2006" xmlns:a14="http://schemas.microsoft.com/office/drawing/2010/main">
+        <mc:Choice Requires="a14">
           <p:sp>
             <p:nvSpPr>
               <p:cNvPr id="3" name="Content Placeholder 2">
@@ -15466,7 +15634,7 @@
             </p:txBody>
           </p:sp>
         </mc:Choice>
-        <mc:Fallback>
+        <mc:Fallback xmlns="">
           <p:sp>
             <p:nvSpPr>
               <p:cNvPr id="3" name="Content Placeholder 2">
@@ -15574,8 +15742,8 @@
           </a:p>
         </p:txBody>
       </p:sp>
-      <mc:AlternateContent xmlns:mc="http://schemas.openxmlformats.org/markup-compatibility/2006">
-        <mc:Choice xmlns:a14="http://schemas.microsoft.com/office/drawing/2010/main" Requires="a14">
+      <mc:AlternateContent xmlns:mc="http://schemas.openxmlformats.org/markup-compatibility/2006" xmlns:a14="http://schemas.microsoft.com/office/drawing/2010/main">
+        <mc:Choice Requires="a14">
           <p:sp>
             <p:nvSpPr>
               <p:cNvPr id="3" name="Content Placeholder 2">
@@ -16349,7 +16517,7 @@
             </p:txBody>
           </p:sp>
         </mc:Choice>
-        <mc:Fallback>
+        <mc:Fallback xmlns="">
           <p:sp>
             <p:nvSpPr>
               <p:cNvPr id="3" name="Content Placeholder 2">
@@ -16461,8 +16629,8 @@
           </a:p>
         </p:txBody>
       </p:sp>
-      <mc:AlternateContent xmlns:mc="http://schemas.openxmlformats.org/markup-compatibility/2006">
-        <mc:Choice xmlns:a14="http://schemas.microsoft.com/office/drawing/2010/main" Requires="a14">
+      <mc:AlternateContent xmlns:mc="http://schemas.openxmlformats.org/markup-compatibility/2006" xmlns:a14="http://schemas.microsoft.com/office/drawing/2010/main">
+        <mc:Choice Requires="a14">
           <p:sp>
             <p:nvSpPr>
               <p:cNvPr id="11" name="TextBox 10">
@@ -16677,7 +16845,7 @@
             </p:txBody>
           </p:sp>
         </mc:Choice>
-        <mc:Fallback>
+        <mc:Fallback xmlns="">
           <p:sp>
             <p:nvSpPr>
               <p:cNvPr id="11" name="TextBox 10">
@@ -16722,8 +16890,8 @@
           </p:sp>
         </mc:Fallback>
       </mc:AlternateContent>
-      <mc:AlternateContent xmlns:mc="http://schemas.openxmlformats.org/markup-compatibility/2006">
-        <mc:Choice xmlns:a14="http://schemas.microsoft.com/office/drawing/2010/main" Requires="a14">
+      <mc:AlternateContent xmlns:mc="http://schemas.openxmlformats.org/markup-compatibility/2006" xmlns:a14="http://schemas.microsoft.com/office/drawing/2010/main">
+        <mc:Choice Requires="a14">
           <p:sp>
             <p:nvSpPr>
               <p:cNvPr id="2" name="TextBox 1">
@@ -16825,7 +16993,7 @@
             </p:txBody>
           </p:sp>
         </mc:Choice>
-        <mc:Fallback>
+        <mc:Fallback xmlns="">
           <p:sp>
             <p:nvSpPr>
               <p:cNvPr id="2" name="TextBox 1">
@@ -16900,8 +17068,8 @@
           </a:prstGeom>
         </p:spPr>
       </p:pic>
-      <mc:AlternateContent xmlns:mc="http://schemas.openxmlformats.org/markup-compatibility/2006">
-        <mc:Choice xmlns:a14="http://schemas.microsoft.com/office/drawing/2010/main" Requires="a14">
+      <mc:AlternateContent xmlns:mc="http://schemas.openxmlformats.org/markup-compatibility/2006" xmlns:a14="http://schemas.microsoft.com/office/drawing/2010/main">
+        <mc:Choice Requires="a14">
           <p:sp>
             <p:nvSpPr>
               <p:cNvPr id="12" name="Content Placeholder 2">
@@ -17309,7 +17477,7 @@
             </p:txBody>
           </p:sp>
         </mc:Choice>
-        <mc:Fallback>
+        <mc:Fallback xmlns="">
           <p:sp>
             <p:nvSpPr>
               <p:cNvPr id="12" name="Content Placeholder 2">
@@ -17426,8 +17594,8 @@
           </a:p>
         </p:txBody>
       </p:sp>
-      <mc:AlternateContent xmlns:mc="http://schemas.openxmlformats.org/markup-compatibility/2006">
-        <mc:Choice xmlns:a14="http://schemas.microsoft.com/office/drawing/2010/main" Requires="a14">
+      <mc:AlternateContent xmlns:mc="http://schemas.openxmlformats.org/markup-compatibility/2006" xmlns:a14="http://schemas.microsoft.com/office/drawing/2010/main">
+        <mc:Choice Requires="a14">
           <p:sp>
             <p:nvSpPr>
               <p:cNvPr id="18434" name="Content Placeholder 2">
@@ -17767,7 +17935,7 @@
             </p:txBody>
           </p:sp>
         </mc:Choice>
-        <mc:Fallback>
+        <mc:Fallback xmlns="">
           <p:sp>
             <p:nvSpPr>
               <p:cNvPr id="18434" name="Content Placeholder 2">
@@ -17811,8 +17979,8 @@
           </p:sp>
         </mc:Fallback>
       </mc:AlternateContent>
-      <mc:AlternateContent xmlns:mc="http://schemas.openxmlformats.org/markup-compatibility/2006">
-        <mc:Choice xmlns:a14="http://schemas.microsoft.com/office/drawing/2010/main" Requires="a14">
+      <mc:AlternateContent xmlns:mc="http://schemas.openxmlformats.org/markup-compatibility/2006" xmlns:a14="http://schemas.microsoft.com/office/drawing/2010/main">
+        <mc:Choice Requires="a14">
           <p:sp>
             <p:nvSpPr>
               <p:cNvPr id="11" name="TextBox 10">
@@ -18027,7 +18195,7 @@
             </p:txBody>
           </p:sp>
         </mc:Choice>
-        <mc:Fallback>
+        <mc:Fallback xmlns="">
           <p:sp>
             <p:nvSpPr>
               <p:cNvPr id="11" name="TextBox 10">
@@ -18072,8 +18240,8 @@
           </p:sp>
         </mc:Fallback>
       </mc:AlternateContent>
-      <mc:AlternateContent xmlns:mc="http://schemas.openxmlformats.org/markup-compatibility/2006">
-        <mc:Choice xmlns:a14="http://schemas.microsoft.com/office/drawing/2010/main" Requires="a14">
+      <mc:AlternateContent xmlns:mc="http://schemas.openxmlformats.org/markup-compatibility/2006" xmlns:a14="http://schemas.microsoft.com/office/drawing/2010/main">
+        <mc:Choice Requires="a14">
           <p:sp>
             <p:nvSpPr>
               <p:cNvPr id="2" name="TextBox 1">
@@ -18175,7 +18343,7 @@
             </p:txBody>
           </p:sp>
         </mc:Choice>
-        <mc:Fallback>
+        <mc:Fallback xmlns="">
           <p:sp>
             <p:nvSpPr>
               <p:cNvPr id="2" name="TextBox 1">
@@ -18829,8 +18997,8 @@
           </a:p>
         </p:txBody>
       </p:sp>
-      <mc:AlternateContent xmlns:mc="http://schemas.openxmlformats.org/markup-compatibility/2006">
-        <mc:Choice xmlns:a14="http://schemas.microsoft.com/office/drawing/2010/main" Requires="a14">
+      <mc:AlternateContent xmlns:mc="http://schemas.openxmlformats.org/markup-compatibility/2006" xmlns:a14="http://schemas.microsoft.com/office/drawing/2010/main">
+        <mc:Choice Requires="a14">
           <p:sp>
             <p:nvSpPr>
               <p:cNvPr id="8" name="TextBox 7">
@@ -18984,7 +19152,7 @@
             </p:txBody>
           </p:sp>
         </mc:Choice>
-        <mc:Fallback>
+        <mc:Fallback xmlns="">
           <p:sp>
             <p:nvSpPr>
               <p:cNvPr id="8" name="TextBox 7">

--- a/Presentations/NUCLEI_June2020/tropiano_nuclei_2020.pptx
+++ b/Presentations/NUCLEI_June2020/tropiano_nuclei_2020.pptx
@@ -1,6 +1,6 @@
 
 <file path=ppt/presentation.xml><?xml version="1.0" encoding="utf-8"?>
-<p:presentation xmlns:a="http://schemas.openxmlformats.org/drawingml/2006/main" xmlns:r="http://schemas.openxmlformats.org/officeDocument/2006/relationships" xmlns:p="http://schemas.openxmlformats.org/presentationml/2006/main" saveSubsetFonts="1" autoCompressPictures="0">
+<p:presentation xmlns:a="http://schemas.openxmlformats.org/drawingml/2006/main" xmlns:r="http://schemas.openxmlformats.org/officeDocument/2006/relationships" xmlns:p="http://schemas.openxmlformats.org/presentationml/2006/main" showSpecialPlsOnTitleSld="0" saveSubsetFonts="1" autoCompressPictures="0">
   <p:sldMasterIdLst>
     <p:sldMasterId id="2147483648" r:id="rId1"/>
   </p:sldMasterIdLst>
@@ -255,7 +255,7 @@
             <a:fld id="{0A84EC41-ECD6-7F4B-B508-87B276563826}" type="datetimeFigureOut">
               <a:rPr lang="en-US" smtClean="0"/>
               <a:pPr/>
-              <a:t>6/7/20</a:t>
+              <a:t>6/8/20</a:t>
             </a:fld>
             <a:endParaRPr lang="en-US" dirty="0"/>
           </a:p>
@@ -965,9 +965,9 @@
           <a:bodyPr/>
           <a:lstStyle/>
           <a:p>
-            <a:fld id="{C752B45F-82BA-0A49-9FDC-DD5F6CBA947D}" type="datetimeFigureOut">
+            <a:fld id="{C3DAB034-3E69-C74A-A1B2-01597DB1B319}" type="datetime1">
               <a:rPr lang="en-US" smtClean="0"/>
-              <a:t>6/7/20</a:t>
+              <a:t>6/8/20</a:t>
             </a:fld>
             <a:endParaRPr lang="en-US"/>
           </a:p>
@@ -1163,9 +1163,9 @@
           <a:bodyPr/>
           <a:lstStyle/>
           <a:p>
-            <a:fld id="{C752B45F-82BA-0A49-9FDC-DD5F6CBA947D}" type="datetimeFigureOut">
+            <a:fld id="{6843452F-8DB3-B94F-A029-4C1F744B0F07}" type="datetime1">
               <a:rPr lang="en-US" smtClean="0"/>
-              <a:t>6/7/20</a:t>
+              <a:t>6/8/20</a:t>
             </a:fld>
             <a:endParaRPr lang="en-US"/>
           </a:p>
@@ -1371,9 +1371,9 @@
           <a:bodyPr/>
           <a:lstStyle/>
           <a:p>
-            <a:fld id="{C752B45F-82BA-0A49-9FDC-DD5F6CBA947D}" type="datetimeFigureOut">
+            <a:fld id="{A03CF1D7-886B-3F42-AD05-1608A08018BE}" type="datetime1">
               <a:rPr lang="en-US" smtClean="0"/>
-              <a:t>6/7/20</a:t>
+              <a:t>6/8/20</a:t>
             </a:fld>
             <a:endParaRPr lang="en-US"/>
           </a:p>
@@ -1569,9 +1569,9 @@
           <a:bodyPr/>
           <a:lstStyle/>
           <a:p>
-            <a:fld id="{C752B45F-82BA-0A49-9FDC-DD5F6CBA947D}" type="datetimeFigureOut">
+            <a:fld id="{17472CCF-9B47-4A41-91F6-0E2B23F36AAB}" type="datetime1">
               <a:rPr lang="en-US" smtClean="0"/>
-              <a:t>6/7/20</a:t>
+              <a:t>6/8/20</a:t>
             </a:fld>
             <a:endParaRPr lang="en-US"/>
           </a:p>
@@ -1844,9 +1844,9 @@
           <a:bodyPr/>
           <a:lstStyle/>
           <a:p>
-            <a:fld id="{C752B45F-82BA-0A49-9FDC-DD5F6CBA947D}" type="datetimeFigureOut">
+            <a:fld id="{EF4215EA-7A9A-4144-B03C-A86AEEA97527}" type="datetime1">
               <a:rPr lang="en-US" smtClean="0"/>
-              <a:t>6/7/20</a:t>
+              <a:t>6/8/20</a:t>
             </a:fld>
             <a:endParaRPr lang="en-US"/>
           </a:p>
@@ -2109,9 +2109,9 @@
           <a:bodyPr/>
           <a:lstStyle/>
           <a:p>
-            <a:fld id="{C752B45F-82BA-0A49-9FDC-DD5F6CBA947D}" type="datetimeFigureOut">
+            <a:fld id="{662B367E-89A7-5E42-A498-EE3D5D0F1198}" type="datetime1">
               <a:rPr lang="en-US" smtClean="0"/>
-              <a:t>6/7/20</a:t>
+              <a:t>6/8/20</a:t>
             </a:fld>
             <a:endParaRPr lang="en-US"/>
           </a:p>
@@ -2521,9 +2521,9 @@
           <a:bodyPr/>
           <a:lstStyle/>
           <a:p>
-            <a:fld id="{C752B45F-82BA-0A49-9FDC-DD5F6CBA947D}" type="datetimeFigureOut">
+            <a:fld id="{3B2216CE-E836-1043-9DC8-4C36A5C1829B}" type="datetime1">
               <a:rPr lang="en-US" smtClean="0"/>
-              <a:t>6/7/20</a:t>
+              <a:t>6/8/20</a:t>
             </a:fld>
             <a:endParaRPr lang="en-US"/>
           </a:p>
@@ -2662,9 +2662,9 @@
           <a:bodyPr/>
           <a:lstStyle/>
           <a:p>
-            <a:fld id="{C752B45F-82BA-0A49-9FDC-DD5F6CBA947D}" type="datetimeFigureOut">
+            <a:fld id="{1FAA158F-1B00-3D4E-8AF2-BD6172DBDAA5}" type="datetime1">
               <a:rPr lang="en-US" smtClean="0"/>
-              <a:t>6/7/20</a:t>
+              <a:t>6/8/20</a:t>
             </a:fld>
             <a:endParaRPr lang="en-US"/>
           </a:p>
@@ -2775,9 +2775,9 @@
           <a:bodyPr/>
           <a:lstStyle/>
           <a:p>
-            <a:fld id="{C752B45F-82BA-0A49-9FDC-DD5F6CBA947D}" type="datetimeFigureOut">
+            <a:fld id="{E1D3A21D-6889-D64C-84A6-D4BC8E252167}" type="datetime1">
               <a:rPr lang="en-US" smtClean="0"/>
-              <a:t>6/7/20</a:t>
+              <a:t>6/8/20</a:t>
             </a:fld>
             <a:endParaRPr lang="en-US"/>
           </a:p>
@@ -3086,9 +3086,9 @@
           <a:bodyPr/>
           <a:lstStyle/>
           <a:p>
-            <a:fld id="{C752B45F-82BA-0A49-9FDC-DD5F6CBA947D}" type="datetimeFigureOut">
+            <a:fld id="{409E93FA-3FCF-8E47-B69F-79113DC2AE7A}" type="datetime1">
               <a:rPr lang="en-US" smtClean="0"/>
-              <a:t>6/7/20</a:t>
+              <a:t>6/8/20</a:t>
             </a:fld>
             <a:endParaRPr lang="en-US"/>
           </a:p>
@@ -3377,9 +3377,9 @@
           <a:bodyPr/>
           <a:lstStyle/>
           <a:p>
-            <a:fld id="{C752B45F-82BA-0A49-9FDC-DD5F6CBA947D}" type="datetimeFigureOut">
+            <a:fld id="{14D10797-6BD5-0E44-B67C-4E69A67DCC0A}" type="datetime1">
               <a:rPr lang="en-US" smtClean="0"/>
-              <a:t>6/7/20</a:t>
+              <a:t>6/8/20</a:t>
             </a:fld>
             <a:endParaRPr lang="en-US"/>
           </a:p>
@@ -3621,10 +3621,9 @@
             </a:lvl1pPr>
           </a:lstStyle>
           <a:p>
-            <a:fld id="{C752B45F-82BA-0A49-9FDC-DD5F6CBA947D}" type="datetimeFigureOut">
+            <a:fld id="{06EA9EDC-532F-E64E-8A7D-9DECB7BED5F7}" type="datetime1">
               <a:rPr lang="en-US" smtClean="0"/>
-              <a:pPr/>
-              <a:t>6/7/20</a:t>
+              <a:t>6/8/20</a:t>
             </a:fld>
             <a:endParaRPr lang="en-US" dirty="0"/>
           </a:p>
@@ -3744,6 +3743,7 @@
     <p:sldLayoutId id="2147483658" r:id="rId10"/>
     <p:sldLayoutId id="2147483659" r:id="rId11"/>
   </p:sldLayoutIdLst>
+  <p:hf hdr="0" ftr="0" dt="0"/>
   <p:txStyles>
     <p:titleStyle>
       <a:lvl1pPr algn="l" defTabSz="914400" rtl="0" eaLnBrk="1" latinLnBrk="0" hangingPunct="1">
@@ -5022,6 +5022,35 @@
           </p:sp>
         </mc:Fallback>
       </mc:AlternateContent>
+      <p:sp>
+        <p:nvSpPr>
+          <p:cNvPr id="6" name="Slide Number Placeholder 5">
+            <a:extLst>
+              <a:ext uri="{FF2B5EF4-FFF2-40B4-BE49-F238E27FC236}">
+                <a16:creationId xmlns:a16="http://schemas.microsoft.com/office/drawing/2014/main" id="{6503DE67-506F-EB4F-B339-C2D7A783A04C}"/>
+              </a:ext>
+            </a:extLst>
+          </p:cNvPr>
+          <p:cNvSpPr>
+            <a:spLocks noGrp="1"/>
+          </p:cNvSpPr>
+          <p:nvPr>
+            <p:ph type="sldNum" sz="quarter" idx="12"/>
+          </p:nvPr>
+        </p:nvSpPr>
+        <p:spPr/>
+        <p:txBody>
+          <a:bodyPr/>
+          <a:lstStyle/>
+          <a:p>
+            <a:fld id="{DD20F09D-B375-B446-8D61-90653E4EE1AB}" type="slidenum">
+              <a:rPr lang="en-US" smtClean="0"/>
+              <a:t>10</a:t>
+            </a:fld>
+            <a:endParaRPr lang="en-US"/>
+          </a:p>
+        </p:txBody>
+      </p:sp>
     </p:spTree>
     <p:extLst>
       <p:ext uri="{BB962C8B-B14F-4D97-AF65-F5344CB8AC3E}">
@@ -5625,6 +5654,35 @@
           </a:p>
         </p:txBody>
       </p:sp>
+      <p:sp>
+        <p:nvSpPr>
+          <p:cNvPr id="11" name="Slide Number Placeholder 10">
+            <a:extLst>
+              <a:ext uri="{FF2B5EF4-FFF2-40B4-BE49-F238E27FC236}">
+                <a16:creationId xmlns:a16="http://schemas.microsoft.com/office/drawing/2014/main" id="{35C5A9A7-1513-8043-A909-961F46940E9A}"/>
+              </a:ext>
+            </a:extLst>
+          </p:cNvPr>
+          <p:cNvSpPr>
+            <a:spLocks noGrp="1"/>
+          </p:cNvSpPr>
+          <p:nvPr>
+            <p:ph type="sldNum" sz="quarter" idx="12"/>
+          </p:nvPr>
+        </p:nvSpPr>
+        <p:spPr/>
+        <p:txBody>
+          <a:bodyPr/>
+          <a:lstStyle/>
+          <a:p>
+            <a:fld id="{DD20F09D-B375-B446-8D61-90653E4EE1AB}" type="slidenum">
+              <a:rPr lang="en-US" smtClean="0"/>
+              <a:t>11</a:t>
+            </a:fld>
+            <a:endParaRPr lang="en-US"/>
+          </a:p>
+        </p:txBody>
+      </p:sp>
     </p:spTree>
     <p:extLst>
       <p:ext uri="{BB962C8B-B14F-4D97-AF65-F5344CB8AC3E}">
@@ -5941,6 +5999,35 @@
           </a:p>
         </p:txBody>
       </p:sp>
+      <p:sp>
+        <p:nvSpPr>
+          <p:cNvPr id="8" name="Slide Number Placeholder 7">
+            <a:extLst>
+              <a:ext uri="{FF2B5EF4-FFF2-40B4-BE49-F238E27FC236}">
+                <a16:creationId xmlns:a16="http://schemas.microsoft.com/office/drawing/2014/main" id="{EBD1A32A-D384-1A4E-BFF6-8DF23AB86DEA}"/>
+              </a:ext>
+            </a:extLst>
+          </p:cNvPr>
+          <p:cNvSpPr>
+            <a:spLocks noGrp="1"/>
+          </p:cNvSpPr>
+          <p:nvPr>
+            <p:ph type="sldNum" sz="quarter" idx="12"/>
+          </p:nvPr>
+        </p:nvSpPr>
+        <p:spPr/>
+        <p:txBody>
+          <a:bodyPr/>
+          <a:lstStyle/>
+          <a:p>
+            <a:fld id="{DD20F09D-B375-B446-8D61-90653E4EE1AB}" type="slidenum">
+              <a:rPr lang="en-US" smtClean="0"/>
+              <a:t>12</a:t>
+            </a:fld>
+            <a:endParaRPr lang="en-US"/>
+          </a:p>
+        </p:txBody>
+      </p:sp>
     </p:spTree>
     <p:extLst>
       <p:ext uri="{BB962C8B-B14F-4D97-AF65-F5344CB8AC3E}">
@@ -6276,6 +6363,35 @@
               <a:rPr lang="en-US" dirty="0"/>
               <a:t>D-state</a:t>
             </a:r>
+          </a:p>
+        </p:txBody>
+      </p:sp>
+      <p:sp>
+        <p:nvSpPr>
+          <p:cNvPr id="5" name="Slide Number Placeholder 4">
+            <a:extLst>
+              <a:ext uri="{FF2B5EF4-FFF2-40B4-BE49-F238E27FC236}">
+                <a16:creationId xmlns:a16="http://schemas.microsoft.com/office/drawing/2014/main" id="{DB51BE0A-7D78-9E4B-A8C1-8ECAD4112F1C}"/>
+              </a:ext>
+            </a:extLst>
+          </p:cNvPr>
+          <p:cNvSpPr>
+            <a:spLocks noGrp="1"/>
+          </p:cNvSpPr>
+          <p:nvPr>
+            <p:ph type="sldNum" sz="quarter" idx="12"/>
+          </p:nvPr>
+        </p:nvSpPr>
+        <p:spPr/>
+        <p:txBody>
+          <a:bodyPr/>
+          <a:lstStyle/>
+          <a:p>
+            <a:fld id="{DD20F09D-B375-B446-8D61-90653E4EE1AB}" type="slidenum">
+              <a:rPr lang="en-US" smtClean="0"/>
+              <a:t>13</a:t>
+            </a:fld>
+            <a:endParaRPr lang="en-US"/>
           </a:p>
         </p:txBody>
       </p:sp>
@@ -6771,6 +6887,35 @@
           </a:p>
         </p:txBody>
       </p:sp>
+      <p:sp>
+        <p:nvSpPr>
+          <p:cNvPr id="13" name="Slide Number Placeholder 12">
+            <a:extLst>
+              <a:ext uri="{FF2B5EF4-FFF2-40B4-BE49-F238E27FC236}">
+                <a16:creationId xmlns:a16="http://schemas.microsoft.com/office/drawing/2014/main" id="{8A15E18A-D2EA-9F4F-934D-AE43678CE805}"/>
+              </a:ext>
+            </a:extLst>
+          </p:cNvPr>
+          <p:cNvSpPr>
+            <a:spLocks noGrp="1"/>
+          </p:cNvSpPr>
+          <p:nvPr>
+            <p:ph type="sldNum" sz="quarter" idx="12"/>
+          </p:nvPr>
+        </p:nvSpPr>
+        <p:spPr/>
+        <p:txBody>
+          <a:bodyPr/>
+          <a:lstStyle/>
+          <a:p>
+            <a:fld id="{DD20F09D-B375-B446-8D61-90653E4EE1AB}" type="slidenum">
+              <a:rPr lang="en-US" smtClean="0"/>
+              <a:t>14</a:t>
+            </a:fld>
+            <a:endParaRPr lang="en-US"/>
+          </a:p>
+        </p:txBody>
+      </p:sp>
     </p:spTree>
     <p:extLst>
       <p:ext uri="{BB962C8B-B14F-4D97-AF65-F5344CB8AC3E}">
@@ -7300,6 +7445,35 @@
           </a:p>
         </p:txBody>
       </p:sp>
+      <p:sp>
+        <p:nvSpPr>
+          <p:cNvPr id="13" name="Slide Number Placeholder 12">
+            <a:extLst>
+              <a:ext uri="{FF2B5EF4-FFF2-40B4-BE49-F238E27FC236}">
+                <a16:creationId xmlns:a16="http://schemas.microsoft.com/office/drawing/2014/main" id="{FA581A02-0E6B-D746-9550-063A76C9F0FD}"/>
+              </a:ext>
+            </a:extLst>
+          </p:cNvPr>
+          <p:cNvSpPr>
+            <a:spLocks noGrp="1"/>
+          </p:cNvSpPr>
+          <p:nvPr>
+            <p:ph type="sldNum" sz="quarter" idx="12"/>
+          </p:nvPr>
+        </p:nvSpPr>
+        <p:spPr/>
+        <p:txBody>
+          <a:bodyPr/>
+          <a:lstStyle/>
+          <a:p>
+            <a:fld id="{DD20F09D-B375-B446-8D61-90653E4EE1AB}" type="slidenum">
+              <a:rPr lang="en-US" smtClean="0"/>
+              <a:t>15</a:t>
+            </a:fld>
+            <a:endParaRPr lang="en-US"/>
+          </a:p>
+        </p:txBody>
+      </p:sp>
     </p:spTree>
     <p:extLst>
       <p:ext uri="{BB962C8B-B14F-4D97-AF65-F5344CB8AC3E}">
@@ -7368,8 +7542,8 @@
           </a:p>
         </p:txBody>
       </p:sp>
-      <mc:AlternateContent xmlns:mc="http://schemas.openxmlformats.org/markup-compatibility/2006" xmlns:a14="http://schemas.microsoft.com/office/drawing/2010/main">
-        <mc:Choice Requires="a14">
+      <mc:AlternateContent xmlns:mc="http://schemas.openxmlformats.org/markup-compatibility/2006">
+        <mc:Choice xmlns:a14="http://schemas.microsoft.com/office/drawing/2010/main" Requires="a14">
           <p:sp>
             <p:nvSpPr>
               <p:cNvPr id="3" name="Content Placeholder 2">
@@ -7450,7 +7624,7 @@
                 </a:r>
                 <a:r>
                   <a:rPr lang="en-US" sz="2600" dirty="0"/>
-                  <a:t>problem in any general expectation value </a:t>
+                  <a:t>problem for any matrix element </a:t>
                 </a:r>
                 <a14:m>
                   <m:oMath xmlns:m="http://schemas.openxmlformats.org/officeDocument/2006/math">
@@ -7468,16 +7642,41 @@
                         </m:ctrlPr>
                       </m:dPr>
                       <m:e>
-                        <m:r>
-                          <a:rPr lang="en-US" sz="2600" i="1" smtClean="0">
-                            <a:solidFill>
-                              <a:srgbClr val="C00000"/>
-                            </a:solidFill>
-                            <a:latin typeface="Cambria Math" panose="02040503050406030204" pitchFamily="18" charset="0"/>
-                            <a:ea typeface="Cambria Math" panose="02040503050406030204" pitchFamily="18" charset="0"/>
-                          </a:rPr>
-                          <m:t>𝜓</m:t>
-                        </m:r>
+                        <m:sSub>
+                          <m:sSubPr>
+                            <m:ctrlPr>
+                              <a:rPr lang="en-US" sz="2600" i="1" smtClean="0">
+                                <a:solidFill>
+                                  <a:srgbClr val="C00000"/>
+                                </a:solidFill>
+                                <a:latin typeface="Cambria Math" panose="02040503050406030204" pitchFamily="18" charset="0"/>
+                              </a:rPr>
+                            </m:ctrlPr>
+                          </m:sSubPr>
+                          <m:e>
+                            <m:r>
+                              <a:rPr lang="en-US" sz="2600" i="1">
+                                <a:solidFill>
+                                  <a:srgbClr val="C00000"/>
+                                </a:solidFill>
+                                <a:latin typeface="Cambria Math" panose="02040503050406030204" pitchFamily="18" charset="0"/>
+                                <a:ea typeface="Cambria Math" panose="02040503050406030204" pitchFamily="18" charset="0"/>
+                              </a:rPr>
+                              <m:t>𝜓</m:t>
+                            </m:r>
+                          </m:e>
+                          <m:sub>
+                            <m:r>
+                              <a:rPr lang="en-US" sz="2600" b="0" i="1" smtClean="0">
+                                <a:solidFill>
+                                  <a:srgbClr val="C00000"/>
+                                </a:solidFill>
+                                <a:latin typeface="Cambria Math" panose="02040503050406030204" pitchFamily="18" charset="0"/>
+                              </a:rPr>
+                              <m:t>𝑓</m:t>
+                            </m:r>
+                          </m:sub>
+                        </m:sSub>
                       </m:e>
                       <m:e>
                         <m:r>
@@ -7491,16 +7690,42 @@
                         </m:r>
                       </m:e>
                       <m:e>
-                        <m:r>
-                          <a:rPr lang="en-US" sz="2600" i="1" smtClean="0">
-                            <a:solidFill>
-                              <a:srgbClr val="C00000"/>
-                            </a:solidFill>
-                            <a:latin typeface="Cambria Math" panose="02040503050406030204" pitchFamily="18" charset="0"/>
-                            <a:ea typeface="Cambria Math" panose="02040503050406030204" pitchFamily="18" charset="0"/>
-                          </a:rPr>
-                          <m:t>𝜓</m:t>
-                        </m:r>
+                        <m:sSub>
+                          <m:sSubPr>
+                            <m:ctrlPr>
+                              <a:rPr lang="en-US" sz="2600" i="1">
+                                <a:solidFill>
+                                  <a:srgbClr val="C00000"/>
+                                </a:solidFill>
+                                <a:latin typeface="Cambria Math" panose="02040503050406030204" pitchFamily="18" charset="0"/>
+                              </a:rPr>
+                            </m:ctrlPr>
+                          </m:sSubPr>
+                          <m:e>
+                            <m:r>
+                              <a:rPr lang="en-US" sz="2600" i="1">
+                                <a:solidFill>
+                                  <a:srgbClr val="C00000"/>
+                                </a:solidFill>
+                                <a:latin typeface="Cambria Math" panose="02040503050406030204" pitchFamily="18" charset="0"/>
+                                <a:ea typeface="Cambria Math" panose="02040503050406030204" pitchFamily="18" charset="0"/>
+                              </a:rPr>
+                              <m:t>𝜓</m:t>
+                            </m:r>
+                          </m:e>
+                          <m:sub>
+                            <m:r>
+                              <a:rPr lang="en-US" sz="2600" b="0" i="1" smtClean="0">
+                                <a:solidFill>
+                                  <a:srgbClr val="C00000"/>
+                                </a:solidFill>
+                                <a:latin typeface="Cambria Math" panose="02040503050406030204" pitchFamily="18" charset="0"/>
+                                <a:ea typeface="Cambria Math" panose="02040503050406030204" pitchFamily="18" charset="0"/>
+                              </a:rPr>
+                              <m:t>𝑖</m:t>
+                            </m:r>
+                          </m:sub>
+                        </m:sSub>
                       </m:e>
                     </m:d>
                   </m:oMath>
@@ -7512,7 +7737,7 @@
             </p:txBody>
           </p:sp>
         </mc:Choice>
-        <mc:Fallback xmlns="">
+        <mc:Fallback>
           <p:sp>
             <p:nvSpPr>
               <p:cNvPr id="3" name="Content Placeholder 2">
@@ -7552,6 +7777,35 @@
           </p:sp>
         </mc:Fallback>
       </mc:AlternateContent>
+      <p:sp>
+        <p:nvSpPr>
+          <p:cNvPr id="5" name="Slide Number Placeholder 4">
+            <a:extLst>
+              <a:ext uri="{FF2B5EF4-FFF2-40B4-BE49-F238E27FC236}">
+                <a16:creationId xmlns:a16="http://schemas.microsoft.com/office/drawing/2014/main" id="{AFA45F33-79CF-EC46-B0A1-2735D7CF7ED6}"/>
+              </a:ext>
+            </a:extLst>
+          </p:cNvPr>
+          <p:cNvSpPr>
+            <a:spLocks noGrp="1"/>
+          </p:cNvSpPr>
+          <p:nvPr>
+            <p:ph type="sldNum" sz="quarter" idx="12"/>
+          </p:nvPr>
+        </p:nvSpPr>
+        <p:spPr/>
+        <p:txBody>
+          <a:bodyPr/>
+          <a:lstStyle/>
+          <a:p>
+            <a:fld id="{DD20F09D-B375-B446-8D61-90653E4EE1AB}" type="slidenum">
+              <a:rPr lang="en-US" smtClean="0"/>
+              <a:t>16</a:t>
+            </a:fld>
+            <a:endParaRPr lang="en-US"/>
+          </a:p>
+        </p:txBody>
+      </p:sp>
     </p:spTree>
     <p:extLst>
       <p:ext uri="{BB962C8B-B14F-4D97-AF65-F5344CB8AC3E}">
@@ -7670,7 +7924,7 @@
                 </a:pPr>
                 <a:r>
                   <a:rPr lang="en-US" sz="2600" dirty="0"/>
-                  <a:t>Analogous problem in any general expectation value </a:t>
+                  <a:t>Analogous problem for any matrix element </a:t>
                 </a:r>
                 <a14:m>
                   <m:oMath xmlns:m="http://schemas.openxmlformats.org/officeDocument/2006/math">
@@ -7679,31 +7933,56 @@
                         <m:begChr m:val="⟨"/>
                         <m:endChr m:val="⟩"/>
                         <m:ctrlPr>
-                          <a:rPr lang="en-US" sz="2600" i="1">
+                          <a:rPr lang="en-US" sz="2600" i="1" smtClean="0">
                             <a:solidFill>
-                              <a:srgbClr val="C00000"/>
+                              <a:schemeClr val="tx1"/>
                             </a:solidFill>
                             <a:latin typeface="Cambria Math" panose="02040503050406030204" pitchFamily="18" charset="0"/>
                           </a:rPr>
                         </m:ctrlPr>
                       </m:dPr>
                       <m:e>
-                        <m:r>
-                          <a:rPr lang="en-US" sz="2600" i="1">
-                            <a:solidFill>
-                              <a:srgbClr val="C00000"/>
-                            </a:solidFill>
-                            <a:latin typeface="Cambria Math" panose="02040503050406030204" pitchFamily="18" charset="0"/>
-                            <a:ea typeface="Cambria Math" panose="02040503050406030204" pitchFamily="18" charset="0"/>
-                          </a:rPr>
-                          <m:t>𝜓</m:t>
-                        </m:r>
+                        <m:sSub>
+                          <m:sSubPr>
+                            <m:ctrlPr>
+                              <a:rPr lang="en-US" sz="2600" i="1">
+                                <a:solidFill>
+                                  <a:schemeClr val="tx1"/>
+                                </a:solidFill>
+                                <a:latin typeface="Cambria Math" panose="02040503050406030204" pitchFamily="18" charset="0"/>
+                              </a:rPr>
+                            </m:ctrlPr>
+                          </m:sSubPr>
+                          <m:e>
+                            <m:r>
+                              <a:rPr lang="en-US" sz="2600" i="1">
+                                <a:solidFill>
+                                  <a:schemeClr val="tx1"/>
+                                </a:solidFill>
+                                <a:latin typeface="Cambria Math" panose="02040503050406030204" pitchFamily="18" charset="0"/>
+                                <a:ea typeface="Cambria Math" panose="02040503050406030204" pitchFamily="18" charset="0"/>
+                              </a:rPr>
+                              <m:t>𝜓</m:t>
+                            </m:r>
+                          </m:e>
+                          <m:sub>
+                            <m:r>
+                              <a:rPr lang="en-US" sz="2600" i="1">
+                                <a:solidFill>
+                                  <a:schemeClr val="tx1"/>
+                                </a:solidFill>
+                                <a:latin typeface="Cambria Math" panose="02040503050406030204" pitchFamily="18" charset="0"/>
+                              </a:rPr>
+                              <m:t>𝑓</m:t>
+                            </m:r>
+                          </m:sub>
+                        </m:sSub>
                       </m:e>
                       <m:e>
                         <m:r>
                           <a:rPr lang="en-US" sz="2600" i="1">
                             <a:solidFill>
-                              <a:srgbClr val="C00000"/>
+                              <a:schemeClr val="tx1"/>
                             </a:solidFill>
                             <a:latin typeface="Cambria Math" panose="02040503050406030204" pitchFamily="18" charset="0"/>
                           </a:rPr>
@@ -7711,16 +7990,42 @@
                         </m:r>
                       </m:e>
                       <m:e>
-                        <m:r>
-                          <a:rPr lang="en-US" sz="2600" i="1">
-                            <a:solidFill>
-                              <a:srgbClr val="C00000"/>
-                            </a:solidFill>
-                            <a:latin typeface="Cambria Math" panose="02040503050406030204" pitchFamily="18" charset="0"/>
-                            <a:ea typeface="Cambria Math" panose="02040503050406030204" pitchFamily="18" charset="0"/>
-                          </a:rPr>
-                          <m:t>𝜓</m:t>
-                        </m:r>
+                        <m:sSub>
+                          <m:sSubPr>
+                            <m:ctrlPr>
+                              <a:rPr lang="en-US" sz="2600" i="1">
+                                <a:solidFill>
+                                  <a:schemeClr val="tx1"/>
+                                </a:solidFill>
+                                <a:latin typeface="Cambria Math" panose="02040503050406030204" pitchFamily="18" charset="0"/>
+                              </a:rPr>
+                            </m:ctrlPr>
+                          </m:sSubPr>
+                          <m:e>
+                            <m:r>
+                              <a:rPr lang="en-US" sz="2600" i="1">
+                                <a:solidFill>
+                                  <a:schemeClr val="tx1"/>
+                                </a:solidFill>
+                                <a:latin typeface="Cambria Math" panose="02040503050406030204" pitchFamily="18" charset="0"/>
+                                <a:ea typeface="Cambria Math" panose="02040503050406030204" pitchFamily="18" charset="0"/>
+                              </a:rPr>
+                              <m:t>𝜓</m:t>
+                            </m:r>
+                          </m:e>
+                          <m:sub>
+                            <m:r>
+                              <a:rPr lang="en-US" sz="2600" i="1">
+                                <a:solidFill>
+                                  <a:schemeClr val="tx1"/>
+                                </a:solidFill>
+                                <a:latin typeface="Cambria Math" panose="02040503050406030204" pitchFamily="18" charset="0"/>
+                                <a:ea typeface="Cambria Math" panose="02040503050406030204" pitchFamily="18" charset="0"/>
+                              </a:rPr>
+                              <m:t>𝑖</m:t>
+                            </m:r>
+                          </m:sub>
+                        </m:sSub>
                       </m:e>
                     </m:d>
                   </m:oMath>
@@ -7820,6 +8125,35 @@
           </p:sp>
         </mc:Fallback>
       </mc:AlternateContent>
+      <p:sp>
+        <p:nvSpPr>
+          <p:cNvPr id="5" name="Slide Number Placeholder 4">
+            <a:extLst>
+              <a:ext uri="{FF2B5EF4-FFF2-40B4-BE49-F238E27FC236}">
+                <a16:creationId xmlns:a16="http://schemas.microsoft.com/office/drawing/2014/main" id="{13AB5C31-F3FA-2342-A368-9C2DBDA1EDAD}"/>
+              </a:ext>
+            </a:extLst>
+          </p:cNvPr>
+          <p:cNvSpPr>
+            <a:spLocks noGrp="1"/>
+          </p:cNvSpPr>
+          <p:nvPr>
+            <p:ph type="sldNum" sz="quarter" idx="12"/>
+          </p:nvPr>
+        </p:nvSpPr>
+        <p:spPr/>
+        <p:txBody>
+          <a:bodyPr/>
+          <a:lstStyle/>
+          <a:p>
+            <a:fld id="{DD20F09D-B375-B446-8D61-90653E4EE1AB}" type="slidenum">
+              <a:rPr lang="en-US" smtClean="0"/>
+              <a:t>17</a:t>
+            </a:fld>
+            <a:endParaRPr lang="en-US"/>
+          </a:p>
+        </p:txBody>
+      </p:sp>
     </p:spTree>
     <p:extLst>
       <p:ext uri="{BB962C8B-B14F-4D97-AF65-F5344CB8AC3E}">
@@ -7933,7 +8267,7 @@
                 </a:pPr>
                 <a:r>
                   <a:rPr lang="en-US" sz="2600" dirty="0"/>
-                  <a:t>Analogous problem in any general expectation value </a:t>
+                  <a:t>Analogous problem for any matrix element </a:t>
                 </a:r>
                 <a14:m>
                   <m:oMath xmlns:m="http://schemas.openxmlformats.org/officeDocument/2006/math">
@@ -7943,47 +8277,74 @@
                         <m:endChr m:val="⟩"/>
                         <m:ctrlPr>
                           <a:rPr lang="en-US" sz="2600" i="1">
-                            <a:solidFill>
-                              <a:srgbClr val="C00000"/>
-                            </a:solidFill>
                             <a:latin typeface="Cambria Math" panose="02040503050406030204" pitchFamily="18" charset="0"/>
                           </a:rPr>
                         </m:ctrlPr>
                       </m:dPr>
                       <m:e>
-                        <m:r>
-                          <a:rPr lang="en-US" sz="2600" i="1">
-                            <a:solidFill>
-                              <a:srgbClr val="C00000"/>
-                            </a:solidFill>
-                            <a:latin typeface="Cambria Math" panose="02040503050406030204" pitchFamily="18" charset="0"/>
-                            <a:ea typeface="Cambria Math" panose="02040503050406030204" pitchFamily="18" charset="0"/>
-                          </a:rPr>
-                          <m:t>𝜓</m:t>
-                        </m:r>
+                        <m:sSub>
+                          <m:sSubPr>
+                            <m:ctrlPr>
+                              <a:rPr lang="en-US" sz="2600" i="1">
+                                <a:latin typeface="Cambria Math" panose="02040503050406030204" pitchFamily="18" charset="0"/>
+                              </a:rPr>
+                            </m:ctrlPr>
+                          </m:sSubPr>
+                          <m:e>
+                            <m:r>
+                              <a:rPr lang="en-US" sz="2600" i="1">
+                                <a:latin typeface="Cambria Math" panose="02040503050406030204" pitchFamily="18" charset="0"/>
+                                <a:ea typeface="Cambria Math" panose="02040503050406030204" pitchFamily="18" charset="0"/>
+                              </a:rPr>
+                              <m:t>𝜓</m:t>
+                            </m:r>
+                          </m:e>
+                          <m:sub>
+                            <m:r>
+                              <a:rPr lang="en-US" sz="2600" i="1">
+                                <a:latin typeface="Cambria Math" panose="02040503050406030204" pitchFamily="18" charset="0"/>
+                              </a:rPr>
+                              <m:t>𝑓</m:t>
+                            </m:r>
+                          </m:sub>
+                        </m:sSub>
                       </m:e>
                       <m:e>
                         <m:r>
                           <a:rPr lang="en-US" sz="2600" i="1">
-                            <a:solidFill>
-                              <a:srgbClr val="C00000"/>
-                            </a:solidFill>
                             <a:latin typeface="Cambria Math" panose="02040503050406030204" pitchFamily="18" charset="0"/>
                           </a:rPr>
                           <m:t>𝑂</m:t>
                         </m:r>
                       </m:e>
                       <m:e>
-                        <m:r>
-                          <a:rPr lang="en-US" sz="2600" i="1">
-                            <a:solidFill>
-                              <a:srgbClr val="C00000"/>
-                            </a:solidFill>
-                            <a:latin typeface="Cambria Math" panose="02040503050406030204" pitchFamily="18" charset="0"/>
-                            <a:ea typeface="Cambria Math" panose="02040503050406030204" pitchFamily="18" charset="0"/>
-                          </a:rPr>
-                          <m:t>𝜓</m:t>
-                        </m:r>
+                        <m:sSub>
+                          <m:sSubPr>
+                            <m:ctrlPr>
+                              <a:rPr lang="en-US" sz="2600" i="1">
+                                <a:latin typeface="Cambria Math" panose="02040503050406030204" pitchFamily="18" charset="0"/>
+                              </a:rPr>
+                            </m:ctrlPr>
+                          </m:sSubPr>
+                          <m:e>
+                            <m:r>
+                              <a:rPr lang="en-US" sz="2600" i="1">
+                                <a:latin typeface="Cambria Math" panose="02040503050406030204" pitchFamily="18" charset="0"/>
+                                <a:ea typeface="Cambria Math" panose="02040503050406030204" pitchFamily="18" charset="0"/>
+                              </a:rPr>
+                              <m:t>𝜓</m:t>
+                            </m:r>
+                          </m:e>
+                          <m:sub>
+                            <m:r>
+                              <a:rPr lang="en-US" sz="2600" i="1">
+                                <a:latin typeface="Cambria Math" panose="02040503050406030204" pitchFamily="18" charset="0"/>
+                                <a:ea typeface="Cambria Math" panose="02040503050406030204" pitchFamily="18" charset="0"/>
+                              </a:rPr>
+                              <m:t>𝑖</m:t>
+                            </m:r>
+                          </m:sub>
+                        </m:sSub>
                       </m:e>
                     </m:d>
                   </m:oMath>
@@ -8357,7 +8718,7 @@
                       <a:srgbClr val="C00000"/>
                     </a:solidFill>
                   </a:rPr>
-                  <a:t>Mismatch of scales leads to incorrect observable (e.g., knock-out cross section)</a:t>
+                  <a:t>Mismatch of scales leads to incorrect observable (e.g., theory knock-out cross section compared to experiment)</a:t>
                 </a:r>
               </a:p>
             </p:txBody>
@@ -8384,7 +8745,7 @@
               <a:blipFill>
                 <a:blip r:embed="rId2"/>
                 <a:stretch>
-                  <a:fillRect l="-844" t="-1462" r="-121" b="-18421"/>
+                  <a:fillRect l="-844" t="-1462" r="-483" b="-19591"/>
                 </a:stretch>
               </a:blipFill>
             </p:spPr>
@@ -8403,6 +8764,35 @@
           </p:sp>
         </mc:Fallback>
       </mc:AlternateContent>
+      <p:sp>
+        <p:nvSpPr>
+          <p:cNvPr id="5" name="Slide Number Placeholder 4">
+            <a:extLst>
+              <a:ext uri="{FF2B5EF4-FFF2-40B4-BE49-F238E27FC236}">
+                <a16:creationId xmlns:a16="http://schemas.microsoft.com/office/drawing/2014/main" id="{3D9FF965-A158-3A4B-BF24-A7D8E968FF02}"/>
+              </a:ext>
+            </a:extLst>
+          </p:cNvPr>
+          <p:cNvSpPr>
+            <a:spLocks noGrp="1"/>
+          </p:cNvSpPr>
+          <p:nvPr>
+            <p:ph type="sldNum" sz="quarter" idx="12"/>
+          </p:nvPr>
+        </p:nvSpPr>
+        <p:spPr/>
+        <p:txBody>
+          <a:bodyPr/>
+          <a:lstStyle/>
+          <a:p>
+            <a:fld id="{DD20F09D-B375-B446-8D61-90653E4EE1AB}" type="slidenum">
+              <a:rPr lang="en-US" smtClean="0"/>
+              <a:t>18</a:t>
+            </a:fld>
+            <a:endParaRPr lang="en-US"/>
+          </a:p>
+        </p:txBody>
+      </p:sp>
     </p:spTree>
     <p:extLst>
       <p:ext uri="{BB962C8B-B14F-4D97-AF65-F5344CB8AC3E}">
@@ -9262,6 +9652,35 @@
           </a:p>
         </p:txBody>
       </p:sp>
+      <p:sp>
+        <p:nvSpPr>
+          <p:cNvPr id="10" name="Slide Number Placeholder 9">
+            <a:extLst>
+              <a:ext uri="{FF2B5EF4-FFF2-40B4-BE49-F238E27FC236}">
+                <a16:creationId xmlns:a16="http://schemas.microsoft.com/office/drawing/2014/main" id="{1BF7CD16-374D-5A42-BF30-0EBA2EF8C6AD}"/>
+              </a:ext>
+            </a:extLst>
+          </p:cNvPr>
+          <p:cNvSpPr>
+            <a:spLocks noGrp="1"/>
+          </p:cNvSpPr>
+          <p:nvPr>
+            <p:ph type="sldNum" sz="quarter" idx="12"/>
+          </p:nvPr>
+        </p:nvSpPr>
+        <p:spPr/>
+        <p:txBody>
+          <a:bodyPr/>
+          <a:lstStyle/>
+          <a:p>
+            <a:fld id="{DD20F09D-B375-B446-8D61-90653E4EE1AB}" type="slidenum">
+              <a:rPr lang="en-US" smtClean="0"/>
+              <a:t>19</a:t>
+            </a:fld>
+            <a:endParaRPr lang="en-US"/>
+          </a:p>
+        </p:txBody>
+      </p:sp>
     </p:spTree>
     <p:extLst>
       <p:ext uri="{BB962C8B-B14F-4D97-AF65-F5344CB8AC3E}">
@@ -9396,21 +9815,8 @@
                       <a:srgbClr val="C00000"/>
                     </a:solidFill>
                   </a:rPr>
-                  <a:t>Various schemes! </a:t>
-                </a:r>
-                <a:r>
-                  <a:rPr lang="en-US" dirty="0">
-                    <a:solidFill>
-                      <a:srgbClr val="C00000"/>
-                    </a:solidFill>
-                  </a:rPr>
-                  <a:t>(e.g., different regulators)</a:t>
-                </a:r>
-                <a:endParaRPr lang="en-US" sz="2500" dirty="0">
-                  <a:solidFill>
-                    <a:srgbClr val="C00000"/>
-                  </a:solidFill>
-                </a:endParaRPr>
+                  <a:t>Various schemes! (e.g., different regulators)</a:t>
+                </a:r>
               </a:p>
               <a:p>
                 <a:pPr>
@@ -9485,6 +9891,35 @@
           </p:sp>
         </mc:Fallback>
       </mc:AlternateContent>
+      <p:sp>
+        <p:nvSpPr>
+          <p:cNvPr id="5" name="Slide Number Placeholder 4">
+            <a:extLst>
+              <a:ext uri="{FF2B5EF4-FFF2-40B4-BE49-F238E27FC236}">
+                <a16:creationId xmlns:a16="http://schemas.microsoft.com/office/drawing/2014/main" id="{DB9FDBE8-41DF-4641-BBEF-609D8222A611}"/>
+              </a:ext>
+            </a:extLst>
+          </p:cNvPr>
+          <p:cNvSpPr>
+            <a:spLocks noGrp="1"/>
+          </p:cNvSpPr>
+          <p:nvPr>
+            <p:ph type="sldNum" sz="quarter" idx="12"/>
+          </p:nvPr>
+        </p:nvSpPr>
+        <p:spPr/>
+        <p:txBody>
+          <a:bodyPr/>
+          <a:lstStyle/>
+          <a:p>
+            <a:fld id="{DD20F09D-B375-B446-8D61-90653E4EE1AB}" type="slidenum">
+              <a:rPr lang="en-US" smtClean="0"/>
+              <a:t>2</a:t>
+            </a:fld>
+            <a:endParaRPr lang="en-US"/>
+          </a:p>
+        </p:txBody>
+      </p:sp>
     </p:spTree>
     <p:extLst>
       <p:ext uri="{BB962C8B-B14F-4D97-AF65-F5344CB8AC3E}">
@@ -9555,8 +9990,8 @@
           </a:p>
         </p:txBody>
       </p:sp>
-      <mc:AlternateContent xmlns:mc="http://schemas.openxmlformats.org/markup-compatibility/2006" xmlns:a14="http://schemas.microsoft.com/office/drawing/2010/main">
-        <mc:Choice Requires="a14">
+      <mc:AlternateContent xmlns:mc="http://schemas.openxmlformats.org/markup-compatibility/2006">
+        <mc:Choice xmlns:a14="http://schemas.microsoft.com/office/drawing/2010/main" Requires="a14">
           <p:sp>
             <p:nvSpPr>
               <p:cNvPr id="3" name="Content Placeholder 2">
@@ -9906,22 +10341,13 @@
                       <a:srgbClr val="C00000"/>
                     </a:solidFill>
                   </a:rPr>
-                  <a:t>Induced low-momentum contributions reflecting UV physics of the NN potential</a:t>
-                </a:r>
-              </a:p>
-              <a:p>
-                <a:pPr marL="0" indent="0">
-                  <a:lnSpc>
-                    <a:spcPct val="100000"/>
-                  </a:lnSpc>
-                  <a:buNone/>
-                </a:pPr>
-                <a:endParaRPr lang="en-US" sz="2400" dirty="0"/>
+                  <a:t>Smooth induced contributions at low momentum reproduce UV physics of the original NN potential</a:t>
+                </a:r>
               </a:p>
             </p:txBody>
           </p:sp>
         </mc:Choice>
-        <mc:Fallback xmlns="">
+        <mc:Fallback>
           <p:sp>
             <p:nvSpPr>
               <p:cNvPr id="3" name="Content Placeholder 2">
@@ -9946,7 +10372,7 @@
               <a:blipFill>
                 <a:blip r:embed="rId2"/>
                 <a:stretch>
-                  <a:fillRect l="-1911" r="-3822"/>
+                  <a:fillRect l="-1911" r="-2229"/>
                 </a:stretch>
               </a:blipFill>
             </p:spPr>
@@ -10202,6 +10628,35 @@
           </p:sp>
         </mc:Fallback>
       </mc:AlternateContent>
+      <p:sp>
+        <p:nvSpPr>
+          <p:cNvPr id="7" name="Slide Number Placeholder 6">
+            <a:extLst>
+              <a:ext uri="{FF2B5EF4-FFF2-40B4-BE49-F238E27FC236}">
+                <a16:creationId xmlns:a16="http://schemas.microsoft.com/office/drawing/2014/main" id="{E45A3E2C-0C53-A245-8AA1-05544B3F37BF}"/>
+              </a:ext>
+            </a:extLst>
+          </p:cNvPr>
+          <p:cNvSpPr>
+            <a:spLocks noGrp="1"/>
+          </p:cNvSpPr>
+          <p:nvPr>
+            <p:ph type="sldNum" sz="quarter" idx="12"/>
+          </p:nvPr>
+        </p:nvSpPr>
+        <p:spPr/>
+        <p:txBody>
+          <a:bodyPr/>
+          <a:lstStyle/>
+          <a:p>
+            <a:fld id="{DD20F09D-B375-B446-8D61-90653E4EE1AB}" type="slidenum">
+              <a:rPr lang="en-US" smtClean="0"/>
+              <a:t>20</a:t>
+            </a:fld>
+            <a:endParaRPr lang="en-US"/>
+          </a:p>
+        </p:txBody>
+      </p:sp>
     </p:spTree>
     <p:extLst>
       <p:ext uri="{BB962C8B-B14F-4D97-AF65-F5344CB8AC3E}">
@@ -10831,6 +11286,35 @@
           </a:prstGeom>
         </p:spPr>
       </p:pic>
+      <p:sp>
+        <p:nvSpPr>
+          <p:cNvPr id="5" name="Slide Number Placeholder 4">
+            <a:extLst>
+              <a:ext uri="{FF2B5EF4-FFF2-40B4-BE49-F238E27FC236}">
+                <a16:creationId xmlns:a16="http://schemas.microsoft.com/office/drawing/2014/main" id="{4BC62FBF-5DC3-FE4C-A0A6-0D4982665AB8}"/>
+              </a:ext>
+            </a:extLst>
+          </p:cNvPr>
+          <p:cNvSpPr>
+            <a:spLocks noGrp="1"/>
+          </p:cNvSpPr>
+          <p:nvPr>
+            <p:ph type="sldNum" sz="quarter" idx="12"/>
+          </p:nvPr>
+        </p:nvSpPr>
+        <p:spPr/>
+        <p:txBody>
+          <a:bodyPr/>
+          <a:lstStyle/>
+          <a:p>
+            <a:fld id="{DD20F09D-B375-B446-8D61-90653E4EE1AB}" type="slidenum">
+              <a:rPr lang="en-US" smtClean="0"/>
+              <a:t>21</a:t>
+            </a:fld>
+            <a:endParaRPr lang="en-US"/>
+          </a:p>
+        </p:txBody>
+      </p:sp>
     </p:spTree>
     <p:extLst>
       <p:ext uri="{BB962C8B-B14F-4D97-AF65-F5344CB8AC3E}">
@@ -11057,8 +11541,8 @@
           </p:sp>
         </mc:Fallback>
       </mc:AlternateContent>
-      <mc:AlternateContent xmlns:mc="http://schemas.openxmlformats.org/markup-compatibility/2006">
-        <mc:Choice xmlns:a14="http://schemas.microsoft.com/office/drawing/2010/main" Requires="a14">
+      <mc:AlternateContent xmlns:mc="http://schemas.openxmlformats.org/markup-compatibility/2006" xmlns:a14="http://schemas.microsoft.com/office/drawing/2010/main">
+        <mc:Choice Requires="a14">
           <p:sp>
             <p:nvSpPr>
               <p:cNvPr id="3" name="Content Placeholder 2">
@@ -11262,7 +11746,7 @@
             </p:txBody>
           </p:sp>
         </mc:Choice>
-        <mc:Fallback>
+        <mc:Fallback xmlns="">
           <p:sp>
             <p:nvSpPr>
               <p:cNvPr id="3" name="Content Placeholder 2">
@@ -11663,6 +12147,35 @@
           </a:prstGeom>
         </p:spPr>
       </p:pic>
+      <p:sp>
+        <p:nvSpPr>
+          <p:cNvPr id="5" name="Slide Number Placeholder 4">
+            <a:extLst>
+              <a:ext uri="{FF2B5EF4-FFF2-40B4-BE49-F238E27FC236}">
+                <a16:creationId xmlns:a16="http://schemas.microsoft.com/office/drawing/2014/main" id="{9DA2D8CA-6FF6-954C-9ACC-6DC35DEA46EB}"/>
+              </a:ext>
+            </a:extLst>
+          </p:cNvPr>
+          <p:cNvSpPr>
+            <a:spLocks noGrp="1"/>
+          </p:cNvSpPr>
+          <p:nvPr>
+            <p:ph type="sldNum" sz="quarter" idx="12"/>
+          </p:nvPr>
+        </p:nvSpPr>
+        <p:spPr/>
+        <p:txBody>
+          <a:bodyPr/>
+          <a:lstStyle/>
+          <a:p>
+            <a:fld id="{DD20F09D-B375-B446-8D61-90653E4EE1AB}" type="slidenum">
+              <a:rPr lang="en-US" smtClean="0"/>
+              <a:t>22</a:t>
+            </a:fld>
+            <a:endParaRPr lang="en-US"/>
+          </a:p>
+        </p:txBody>
+      </p:sp>
     </p:spTree>
     <p:extLst>
       <p:ext uri="{BB962C8B-B14F-4D97-AF65-F5344CB8AC3E}">
@@ -12191,6 +12704,35 @@
               </a:rPr>
               <a:t>Consistently evolve the wave functions!</a:t>
             </a:r>
+          </a:p>
+        </p:txBody>
+      </p:sp>
+      <p:sp>
+        <p:nvSpPr>
+          <p:cNvPr id="8" name="Slide Number Placeholder 7">
+            <a:extLst>
+              <a:ext uri="{FF2B5EF4-FFF2-40B4-BE49-F238E27FC236}">
+                <a16:creationId xmlns:a16="http://schemas.microsoft.com/office/drawing/2014/main" id="{D8533AA9-6FAF-3540-ADE3-774D151DBE10}"/>
+              </a:ext>
+            </a:extLst>
+          </p:cNvPr>
+          <p:cNvSpPr>
+            <a:spLocks noGrp="1"/>
+          </p:cNvSpPr>
+          <p:nvPr>
+            <p:ph type="sldNum" sz="quarter" idx="12"/>
+          </p:nvPr>
+        </p:nvSpPr>
+        <p:spPr/>
+        <p:txBody>
+          <a:bodyPr/>
+          <a:lstStyle/>
+          <a:p>
+            <a:fld id="{DD20F09D-B375-B446-8D61-90653E4EE1AB}" type="slidenum">
+              <a:rPr lang="en-US" smtClean="0"/>
+              <a:t>23</a:t>
+            </a:fld>
+            <a:endParaRPr lang="en-US"/>
           </a:p>
         </p:txBody>
       </p:sp>
@@ -13061,6 +13603,35 @@
               </a:rPr>
               <a:t>Consistently evolve the wave functions!</a:t>
             </a:r>
+          </a:p>
+        </p:txBody>
+      </p:sp>
+      <p:sp>
+        <p:nvSpPr>
+          <p:cNvPr id="4" name="Slide Number Placeholder 3">
+            <a:extLst>
+              <a:ext uri="{FF2B5EF4-FFF2-40B4-BE49-F238E27FC236}">
+                <a16:creationId xmlns:a16="http://schemas.microsoft.com/office/drawing/2014/main" id="{18C76EDD-903C-414B-A12F-2D6B2B2225B0}"/>
+              </a:ext>
+            </a:extLst>
+          </p:cNvPr>
+          <p:cNvSpPr>
+            <a:spLocks noGrp="1"/>
+          </p:cNvSpPr>
+          <p:nvPr>
+            <p:ph type="sldNum" sz="quarter" idx="12"/>
+          </p:nvPr>
+        </p:nvSpPr>
+        <p:spPr/>
+        <p:txBody>
+          <a:bodyPr/>
+          <a:lstStyle/>
+          <a:p>
+            <a:fld id="{DD20F09D-B375-B446-8D61-90653E4EE1AB}" type="slidenum">
+              <a:rPr lang="en-US" smtClean="0"/>
+              <a:t>24</a:t>
+            </a:fld>
+            <a:endParaRPr lang="en-US"/>
           </a:p>
         </p:txBody>
       </p:sp>
@@ -13790,6 +14361,35 @@
           </a:p>
         </p:txBody>
       </p:sp>
+      <p:sp>
+        <p:nvSpPr>
+          <p:cNvPr id="4" name="Slide Number Placeholder 3">
+            <a:extLst>
+              <a:ext uri="{FF2B5EF4-FFF2-40B4-BE49-F238E27FC236}">
+                <a16:creationId xmlns:a16="http://schemas.microsoft.com/office/drawing/2014/main" id="{57720229-C6E6-A148-84FF-BC2650D99A32}"/>
+              </a:ext>
+            </a:extLst>
+          </p:cNvPr>
+          <p:cNvSpPr>
+            <a:spLocks noGrp="1"/>
+          </p:cNvSpPr>
+          <p:nvPr>
+            <p:ph type="sldNum" sz="quarter" idx="12"/>
+          </p:nvPr>
+        </p:nvSpPr>
+        <p:spPr/>
+        <p:txBody>
+          <a:bodyPr/>
+          <a:lstStyle/>
+          <a:p>
+            <a:fld id="{DD20F09D-B375-B446-8D61-90653E4EE1AB}" type="slidenum">
+              <a:rPr lang="en-US" smtClean="0"/>
+              <a:t>25</a:t>
+            </a:fld>
+            <a:endParaRPr lang="en-US"/>
+          </a:p>
+        </p:txBody>
+      </p:sp>
     </p:spTree>
     <p:extLst>
       <p:ext uri="{BB962C8B-B14F-4D97-AF65-F5344CB8AC3E}">
@@ -13943,22 +14543,7 @@
             </a:pPr>
             <a:r>
               <a:rPr lang="en-US" dirty="0"/>
-              <a:t>Results suggest one can analyze high-energy nuclear reactions with low-energy structure</a:t>
-            </a:r>
-          </a:p>
-          <a:p>
-            <a:pPr lvl="1">
-              <a:lnSpc>
-                <a:spcPct val="100000"/>
-              </a:lnSpc>
-            </a:pPr>
-            <a:r>
-              <a:rPr lang="en-US" dirty="0">
-                <a:solidFill>
-                  <a:srgbClr val="C00000"/>
-                </a:solidFill>
-              </a:rPr>
-              <a:t>Must match the scale and scheme in reaction and structure components!</a:t>
+              <a:t>Results suggest one can analyze high-energy nuclear reactions with low-resolution structure (e.g., shell model) if evolved operator used</a:t>
             </a:r>
           </a:p>
           <a:p>
@@ -13977,13 +14562,34 @@
             </a:pPr>
             <a:endParaRPr lang="en-US" dirty="0"/>
           </a:p>
-          <a:p>
-            <a:pPr>
-              <a:lnSpc>
-                <a:spcPct val="100000"/>
-              </a:lnSpc>
-            </a:pPr>
-            <a:endParaRPr lang="en-US" dirty="0"/>
+        </p:txBody>
+      </p:sp>
+      <p:sp>
+        <p:nvSpPr>
+          <p:cNvPr id="5" name="Slide Number Placeholder 4">
+            <a:extLst>
+              <a:ext uri="{FF2B5EF4-FFF2-40B4-BE49-F238E27FC236}">
+                <a16:creationId xmlns:a16="http://schemas.microsoft.com/office/drawing/2014/main" id="{2CA3E728-B6CB-5649-A721-E792F9E536B4}"/>
+              </a:ext>
+            </a:extLst>
+          </p:cNvPr>
+          <p:cNvSpPr>
+            <a:spLocks noGrp="1"/>
+          </p:cNvSpPr>
+          <p:nvPr>
+            <p:ph type="sldNum" sz="quarter" idx="12"/>
+          </p:nvPr>
+        </p:nvSpPr>
+        <p:spPr/>
+        <p:txBody>
+          <a:bodyPr/>
+          <a:lstStyle/>
+          <a:p>
+            <a:fld id="{DD20F09D-B375-B446-8D61-90653E4EE1AB}" type="slidenum">
+              <a:rPr lang="en-US" smtClean="0"/>
+              <a:t>26</a:t>
+            </a:fld>
+            <a:endParaRPr lang="en-US"/>
           </a:p>
         </p:txBody>
       </p:sp>
@@ -14183,6 +14789,35 @@
           </p:sp>
         </mc:Fallback>
       </mc:AlternateContent>
+      <p:sp>
+        <p:nvSpPr>
+          <p:cNvPr id="4" name="Slide Number Placeholder 3">
+            <a:extLst>
+              <a:ext uri="{FF2B5EF4-FFF2-40B4-BE49-F238E27FC236}">
+                <a16:creationId xmlns:a16="http://schemas.microsoft.com/office/drawing/2014/main" id="{89C1803C-4F97-C24C-87E2-5137AD12F323}"/>
+              </a:ext>
+            </a:extLst>
+          </p:cNvPr>
+          <p:cNvSpPr>
+            <a:spLocks noGrp="1"/>
+          </p:cNvSpPr>
+          <p:nvPr>
+            <p:ph type="sldNum" sz="quarter" idx="12"/>
+          </p:nvPr>
+        </p:nvSpPr>
+        <p:spPr/>
+        <p:txBody>
+          <a:bodyPr/>
+          <a:lstStyle/>
+          <a:p>
+            <a:fld id="{DD20F09D-B375-B446-8D61-90653E4EE1AB}" type="slidenum">
+              <a:rPr lang="en-US" smtClean="0"/>
+              <a:t>27</a:t>
+            </a:fld>
+            <a:endParaRPr lang="en-US"/>
+          </a:p>
+        </p:txBody>
+      </p:sp>
     </p:spTree>
     <p:extLst>
       <p:ext uri="{BB962C8B-B14F-4D97-AF65-F5344CB8AC3E}">
@@ -14381,6 +15016,35 @@
               <a:rPr lang="en-US" dirty="0"/>
               <a:t>Add factorization figure</a:t>
             </a:r>
+          </a:p>
+        </p:txBody>
+      </p:sp>
+      <p:sp>
+        <p:nvSpPr>
+          <p:cNvPr id="5" name="Slide Number Placeholder 4">
+            <a:extLst>
+              <a:ext uri="{FF2B5EF4-FFF2-40B4-BE49-F238E27FC236}">
+                <a16:creationId xmlns:a16="http://schemas.microsoft.com/office/drawing/2014/main" id="{E5A58109-E385-AB41-99B9-1DFFD3F4C4BD}"/>
+              </a:ext>
+            </a:extLst>
+          </p:cNvPr>
+          <p:cNvSpPr>
+            <a:spLocks noGrp="1"/>
+          </p:cNvSpPr>
+          <p:nvPr>
+            <p:ph type="sldNum" sz="quarter" idx="12"/>
+          </p:nvPr>
+        </p:nvSpPr>
+        <p:spPr/>
+        <p:txBody>
+          <a:bodyPr/>
+          <a:lstStyle/>
+          <a:p>
+            <a:fld id="{DD20F09D-B375-B446-8D61-90653E4EE1AB}" type="slidenum">
+              <a:rPr lang="en-US" smtClean="0"/>
+              <a:t>28</a:t>
+            </a:fld>
+            <a:endParaRPr lang="en-US"/>
           </a:p>
         </p:txBody>
       </p:sp>
@@ -14559,7 +15223,7 @@
                       <a:srgbClr val="C00000"/>
                     </a:solidFill>
                   </a:rPr>
-                  <a:t>Universality: different NN interactions are the same at low resolution where the scale is tuned with SRG transformations</a:t>
+                  <a:t>Universality: different NN interactions become the same at low resolution when the scale is lowered with SRG transformations</a:t>
                 </a:r>
               </a:p>
               <a:p>
@@ -14620,6 +15284,35 @@
           </p:sp>
         </mc:Fallback>
       </mc:AlternateContent>
+      <p:sp>
+        <p:nvSpPr>
+          <p:cNvPr id="5" name="Slide Number Placeholder 4">
+            <a:extLst>
+              <a:ext uri="{FF2B5EF4-FFF2-40B4-BE49-F238E27FC236}">
+                <a16:creationId xmlns:a16="http://schemas.microsoft.com/office/drawing/2014/main" id="{731A2041-6B5E-C047-B6C6-64EA65947B64}"/>
+              </a:ext>
+            </a:extLst>
+          </p:cNvPr>
+          <p:cNvSpPr>
+            <a:spLocks noGrp="1"/>
+          </p:cNvSpPr>
+          <p:nvPr>
+            <p:ph type="sldNum" sz="quarter" idx="12"/>
+          </p:nvPr>
+        </p:nvSpPr>
+        <p:spPr/>
+        <p:txBody>
+          <a:bodyPr/>
+          <a:lstStyle/>
+          <a:p>
+            <a:fld id="{DD20F09D-B375-B446-8D61-90653E4EE1AB}" type="slidenum">
+              <a:rPr lang="en-US" smtClean="0"/>
+              <a:t>3</a:t>
+            </a:fld>
+            <a:endParaRPr lang="en-US"/>
+          </a:p>
+        </p:txBody>
+      </p:sp>
     </p:spTree>
     <p:extLst>
       <p:ext uri="{BB962C8B-B14F-4D97-AF65-F5344CB8AC3E}">
@@ -14791,7 +15484,7 @@
                 </a:pPr>
                 <a:r>
                   <a:rPr lang="en-US" sz="2700" dirty="0"/>
-                  <a:t>Universality: different NN interactions are the same at low resolution where the scale is tuned with SRG transformations</a:t>
+                  <a:t>Universality: different NN interactions become the same at low resolution when the scale is lowered with SRG transformations</a:t>
                 </a:r>
               </a:p>
               <a:p>
@@ -14863,6 +15556,35 @@
           </p:sp>
         </mc:Fallback>
       </mc:AlternateContent>
+      <p:sp>
+        <p:nvSpPr>
+          <p:cNvPr id="5" name="Slide Number Placeholder 4">
+            <a:extLst>
+              <a:ext uri="{FF2B5EF4-FFF2-40B4-BE49-F238E27FC236}">
+                <a16:creationId xmlns:a16="http://schemas.microsoft.com/office/drawing/2014/main" id="{25F94D9A-1254-7542-B5C1-A1A1A802E1E7}"/>
+              </a:ext>
+            </a:extLst>
+          </p:cNvPr>
+          <p:cNvSpPr>
+            <a:spLocks noGrp="1"/>
+          </p:cNvSpPr>
+          <p:nvPr>
+            <p:ph type="sldNum" sz="quarter" idx="12"/>
+          </p:nvPr>
+        </p:nvSpPr>
+        <p:spPr/>
+        <p:txBody>
+          <a:bodyPr/>
+          <a:lstStyle/>
+          <a:p>
+            <a:fld id="{DD20F09D-B375-B446-8D61-90653E4EE1AB}" type="slidenum">
+              <a:rPr lang="en-US" smtClean="0"/>
+              <a:t>4</a:t>
+            </a:fld>
+            <a:endParaRPr lang="en-US"/>
+          </a:p>
+        </p:txBody>
+      </p:sp>
     </p:spTree>
     <p:extLst>
       <p:ext uri="{BB962C8B-B14F-4D97-AF65-F5344CB8AC3E}">
@@ -15674,6 +16396,35 @@
           </p:sp>
         </mc:Fallback>
       </mc:AlternateContent>
+      <p:sp>
+        <p:nvSpPr>
+          <p:cNvPr id="5" name="Slide Number Placeholder 4">
+            <a:extLst>
+              <a:ext uri="{FF2B5EF4-FFF2-40B4-BE49-F238E27FC236}">
+                <a16:creationId xmlns:a16="http://schemas.microsoft.com/office/drawing/2014/main" id="{6A6689CE-6899-FD47-B0A5-792A2759A6CB}"/>
+              </a:ext>
+            </a:extLst>
+          </p:cNvPr>
+          <p:cNvSpPr>
+            <a:spLocks noGrp="1"/>
+          </p:cNvSpPr>
+          <p:nvPr>
+            <p:ph type="sldNum" sz="quarter" idx="12"/>
+          </p:nvPr>
+        </p:nvSpPr>
+        <p:spPr/>
+        <p:txBody>
+          <a:bodyPr/>
+          <a:lstStyle/>
+          <a:p>
+            <a:fld id="{DD20F09D-B375-B446-8D61-90653E4EE1AB}" type="slidenum">
+              <a:rPr lang="en-US" smtClean="0"/>
+              <a:t>5</a:t>
+            </a:fld>
+            <a:endParaRPr lang="en-US"/>
+          </a:p>
+        </p:txBody>
+      </p:sp>
     </p:spTree>
     <p:extLst>
       <p:ext uri="{BB962C8B-B14F-4D97-AF65-F5344CB8AC3E}">
@@ -16557,6 +17308,35 @@
           </p:sp>
         </mc:Fallback>
       </mc:AlternateContent>
+      <p:sp>
+        <p:nvSpPr>
+          <p:cNvPr id="5" name="Slide Number Placeholder 4">
+            <a:extLst>
+              <a:ext uri="{FF2B5EF4-FFF2-40B4-BE49-F238E27FC236}">
+                <a16:creationId xmlns:a16="http://schemas.microsoft.com/office/drawing/2014/main" id="{18DD8437-CEE4-EF47-B242-A839C1DDC60B}"/>
+              </a:ext>
+            </a:extLst>
+          </p:cNvPr>
+          <p:cNvSpPr>
+            <a:spLocks noGrp="1"/>
+          </p:cNvSpPr>
+          <p:nvPr>
+            <p:ph type="sldNum" sz="quarter" idx="12"/>
+          </p:nvPr>
+        </p:nvSpPr>
+        <p:spPr/>
+        <p:txBody>
+          <a:bodyPr/>
+          <a:lstStyle/>
+          <a:p>
+            <a:fld id="{DD20F09D-B375-B446-8D61-90653E4EE1AB}" type="slidenum">
+              <a:rPr lang="en-US" smtClean="0"/>
+              <a:t>6</a:t>
+            </a:fld>
+            <a:endParaRPr lang="en-US"/>
+          </a:p>
+        </p:txBody>
+      </p:sp>
     </p:spTree>
     <p:extLst>
       <p:ext uri="{BB962C8B-B14F-4D97-AF65-F5344CB8AC3E}">
@@ -17522,6 +18302,35 @@
           </p:sp>
         </mc:Fallback>
       </mc:AlternateContent>
+      <p:sp>
+        <p:nvSpPr>
+          <p:cNvPr id="5" name="Slide Number Placeholder 4">
+            <a:extLst>
+              <a:ext uri="{FF2B5EF4-FFF2-40B4-BE49-F238E27FC236}">
+                <a16:creationId xmlns:a16="http://schemas.microsoft.com/office/drawing/2014/main" id="{58C30920-7232-1945-979B-A3A7265C8261}"/>
+              </a:ext>
+            </a:extLst>
+          </p:cNvPr>
+          <p:cNvSpPr>
+            <a:spLocks noGrp="1"/>
+          </p:cNvSpPr>
+          <p:nvPr>
+            <p:ph type="sldNum" sz="quarter" idx="12"/>
+          </p:nvPr>
+        </p:nvSpPr>
+        <p:spPr/>
+        <p:txBody>
+          <a:bodyPr/>
+          <a:lstStyle/>
+          <a:p>
+            <a:fld id="{DD20F09D-B375-B446-8D61-90653E4EE1AB}" type="slidenum">
+              <a:rPr lang="en-US" smtClean="0"/>
+              <a:t>7</a:t>
+            </a:fld>
+            <a:endParaRPr lang="en-US"/>
+          </a:p>
+        </p:txBody>
+      </p:sp>
     </p:spTree>
     <p:extLst>
       <p:ext uri="{BB962C8B-B14F-4D97-AF65-F5344CB8AC3E}">
@@ -18594,6 +19403,35 @@
           </a:fontRef>
         </p:style>
       </p:cxnSp>
+      <p:sp>
+        <p:nvSpPr>
+          <p:cNvPr id="5" name="Slide Number Placeholder 4">
+            <a:extLst>
+              <a:ext uri="{FF2B5EF4-FFF2-40B4-BE49-F238E27FC236}">
+                <a16:creationId xmlns:a16="http://schemas.microsoft.com/office/drawing/2014/main" id="{10E36074-E176-8549-9357-B0DAEB85D8DD}"/>
+              </a:ext>
+            </a:extLst>
+          </p:cNvPr>
+          <p:cNvSpPr>
+            <a:spLocks noGrp="1"/>
+          </p:cNvSpPr>
+          <p:nvPr>
+            <p:ph type="sldNum" sz="quarter" idx="12"/>
+          </p:nvPr>
+        </p:nvSpPr>
+        <p:spPr/>
+        <p:txBody>
+          <a:bodyPr/>
+          <a:lstStyle/>
+          <a:p>
+            <a:fld id="{DD20F09D-B375-B446-8D61-90653E4EE1AB}" type="slidenum">
+              <a:rPr lang="en-US" smtClean="0"/>
+              <a:t>8</a:t>
+            </a:fld>
+            <a:endParaRPr lang="en-US"/>
+          </a:p>
+        </p:txBody>
+      </p:sp>
     </p:spTree>
     <p:extLst>
       <p:ext uri="{BB962C8B-B14F-4D97-AF65-F5344CB8AC3E}">
@@ -19197,6 +20035,35 @@
           </p:sp>
         </mc:Fallback>
       </mc:AlternateContent>
+      <p:sp>
+        <p:nvSpPr>
+          <p:cNvPr id="7" name="Slide Number Placeholder 6">
+            <a:extLst>
+              <a:ext uri="{FF2B5EF4-FFF2-40B4-BE49-F238E27FC236}">
+                <a16:creationId xmlns:a16="http://schemas.microsoft.com/office/drawing/2014/main" id="{287A03E6-1309-254F-BA0A-8FC1732DCC39}"/>
+              </a:ext>
+            </a:extLst>
+          </p:cNvPr>
+          <p:cNvSpPr>
+            <a:spLocks noGrp="1"/>
+          </p:cNvSpPr>
+          <p:nvPr>
+            <p:ph type="sldNum" sz="quarter" idx="12"/>
+          </p:nvPr>
+        </p:nvSpPr>
+        <p:spPr/>
+        <p:txBody>
+          <a:bodyPr/>
+          <a:lstStyle/>
+          <a:p>
+            <a:fld id="{DD20F09D-B375-B446-8D61-90653E4EE1AB}" type="slidenum">
+              <a:rPr lang="en-US" smtClean="0"/>
+              <a:t>9</a:t>
+            </a:fld>
+            <a:endParaRPr lang="en-US"/>
+          </a:p>
+        </p:txBody>
+      </p:sp>
     </p:spTree>
     <p:extLst>
       <p:ext uri="{BB962C8B-B14F-4D97-AF65-F5344CB8AC3E}">

--- a/Presentations/NUCLEI_June2020/tropiano_nuclei_2020.pptx
+++ b/Presentations/NUCLEI_June2020/tropiano_nuclei_2020.pptx
@@ -5,7 +5,7 @@
     <p:sldMasterId id="2147483648" r:id="rId1"/>
   </p:sldMasterIdLst>
   <p:notesMasterIdLst>
-    <p:notesMasterId r:id="rId30"/>
+    <p:notesMasterId r:id="rId29"/>
   </p:notesMasterIdLst>
   <p:sldIdLst>
     <p:sldId id="277" r:id="rId2"/>
@@ -30,12 +30,11 @@
     <p:sldId id="320" r:id="rId21"/>
     <p:sldId id="300" r:id="rId22"/>
     <p:sldId id="324" r:id="rId23"/>
-    <p:sldId id="322" r:id="rId24"/>
-    <p:sldId id="325" r:id="rId25"/>
-    <p:sldId id="323" r:id="rId26"/>
-    <p:sldId id="276" r:id="rId27"/>
-    <p:sldId id="306" r:id="rId28"/>
-    <p:sldId id="328" r:id="rId29"/>
+    <p:sldId id="325" r:id="rId24"/>
+    <p:sldId id="323" r:id="rId25"/>
+    <p:sldId id="276" r:id="rId26"/>
+    <p:sldId id="306" r:id="rId27"/>
+    <p:sldId id="328" r:id="rId28"/>
   </p:sldIdLst>
   <p:sldSz cx="12192000" cy="6858000"/>
   <p:notesSz cx="6858000" cy="9144000"/>
@@ -154,20 +153,6 @@
 </p:cmAuthorLst>
 </file>
 
-<file path=ppt/comments/comment1.xml><?xml version="1.0" encoding="utf-8"?>
-<p:cmLst xmlns:a="http://schemas.openxmlformats.org/drawingml/2006/main" xmlns:r="http://schemas.openxmlformats.org/officeDocument/2006/relationships" xmlns:p="http://schemas.openxmlformats.org/presentationml/2006/main">
-  <p:cm authorId="1" dt="2020-06-07T19:18:57.400" idx="1">
-    <p:pos x="10" y="10"/>
-    <p:text/>
-    <p:extLst>
-      <p:ext uri="{C676402C-5697-4E1C-873F-D02D1690AC5C}">
-        <p15:threadingInfo xmlns:p15="http://schemas.microsoft.com/office/powerpoint/2012/main" timeZoneBias="240"/>
-      </p:ext>
-    </p:extLst>
-  </p:cm>
-</p:cmLst>
-</file>
-
 <file path=ppt/notesMasters/notesMaster1.xml><?xml version="1.0" encoding="utf-8"?>
 <p:notesMaster xmlns:a="http://schemas.openxmlformats.org/drawingml/2006/main" xmlns:r="http://schemas.openxmlformats.org/officeDocument/2006/relationships" xmlns:p="http://schemas.openxmlformats.org/presentationml/2006/main">
   <p:cSld>
@@ -255,7 +240,7 @@
             <a:fld id="{0A84EC41-ECD6-7F4B-B508-87B276563826}" type="datetimeFigureOut">
               <a:rPr lang="en-US" smtClean="0"/>
               <a:pPr/>
-              <a:t>6/8/20</a:t>
+              <a:t>6/9/20</a:t>
             </a:fld>
             <a:endParaRPr lang="en-US" dirty="0"/>
           </a:p>
@@ -967,7 +952,7 @@
           <a:p>
             <a:fld id="{C3DAB034-3E69-C74A-A1B2-01597DB1B319}" type="datetime1">
               <a:rPr lang="en-US" smtClean="0"/>
-              <a:t>6/8/20</a:t>
+              <a:t>6/9/20</a:t>
             </a:fld>
             <a:endParaRPr lang="en-US"/>
           </a:p>
@@ -1165,7 +1150,7 @@
           <a:p>
             <a:fld id="{6843452F-8DB3-B94F-A029-4C1F744B0F07}" type="datetime1">
               <a:rPr lang="en-US" smtClean="0"/>
-              <a:t>6/8/20</a:t>
+              <a:t>6/9/20</a:t>
             </a:fld>
             <a:endParaRPr lang="en-US"/>
           </a:p>
@@ -1373,7 +1358,7 @@
           <a:p>
             <a:fld id="{A03CF1D7-886B-3F42-AD05-1608A08018BE}" type="datetime1">
               <a:rPr lang="en-US" smtClean="0"/>
-              <a:t>6/8/20</a:t>
+              <a:t>6/9/20</a:t>
             </a:fld>
             <a:endParaRPr lang="en-US"/>
           </a:p>
@@ -1571,7 +1556,7 @@
           <a:p>
             <a:fld id="{17472CCF-9B47-4A41-91F6-0E2B23F36AAB}" type="datetime1">
               <a:rPr lang="en-US" smtClean="0"/>
-              <a:t>6/8/20</a:t>
+              <a:t>6/9/20</a:t>
             </a:fld>
             <a:endParaRPr lang="en-US"/>
           </a:p>
@@ -1846,7 +1831,7 @@
           <a:p>
             <a:fld id="{EF4215EA-7A9A-4144-B03C-A86AEEA97527}" type="datetime1">
               <a:rPr lang="en-US" smtClean="0"/>
-              <a:t>6/8/20</a:t>
+              <a:t>6/9/20</a:t>
             </a:fld>
             <a:endParaRPr lang="en-US"/>
           </a:p>
@@ -2111,7 +2096,7 @@
           <a:p>
             <a:fld id="{662B367E-89A7-5E42-A498-EE3D5D0F1198}" type="datetime1">
               <a:rPr lang="en-US" smtClean="0"/>
-              <a:t>6/8/20</a:t>
+              <a:t>6/9/20</a:t>
             </a:fld>
             <a:endParaRPr lang="en-US"/>
           </a:p>
@@ -2523,7 +2508,7 @@
           <a:p>
             <a:fld id="{3B2216CE-E836-1043-9DC8-4C36A5C1829B}" type="datetime1">
               <a:rPr lang="en-US" smtClean="0"/>
-              <a:t>6/8/20</a:t>
+              <a:t>6/9/20</a:t>
             </a:fld>
             <a:endParaRPr lang="en-US"/>
           </a:p>
@@ -2664,7 +2649,7 @@
           <a:p>
             <a:fld id="{1FAA158F-1B00-3D4E-8AF2-BD6172DBDAA5}" type="datetime1">
               <a:rPr lang="en-US" smtClean="0"/>
-              <a:t>6/8/20</a:t>
+              <a:t>6/9/20</a:t>
             </a:fld>
             <a:endParaRPr lang="en-US"/>
           </a:p>
@@ -2777,7 +2762,7 @@
           <a:p>
             <a:fld id="{E1D3A21D-6889-D64C-84A6-D4BC8E252167}" type="datetime1">
               <a:rPr lang="en-US" smtClean="0"/>
-              <a:t>6/8/20</a:t>
+              <a:t>6/9/20</a:t>
             </a:fld>
             <a:endParaRPr lang="en-US"/>
           </a:p>
@@ -3088,7 +3073,7 @@
           <a:p>
             <a:fld id="{409E93FA-3FCF-8E47-B69F-79113DC2AE7A}" type="datetime1">
               <a:rPr lang="en-US" smtClean="0"/>
-              <a:t>6/8/20</a:t>
+              <a:t>6/9/20</a:t>
             </a:fld>
             <a:endParaRPr lang="en-US"/>
           </a:p>
@@ -3379,7 +3364,7 @@
           <a:p>
             <a:fld id="{14D10797-6BD5-0E44-B67C-4E69A67DCC0A}" type="datetime1">
               <a:rPr lang="en-US" smtClean="0"/>
-              <a:t>6/8/20</a:t>
+              <a:t>6/9/20</a:t>
             </a:fld>
             <a:endParaRPr lang="en-US"/>
           </a:p>
@@ -3623,7 +3608,7 @@
           <a:p>
             <a:fld id="{06EA9EDC-532F-E64E-8A7D-9DECB7BED5F7}" type="datetime1">
               <a:rPr lang="en-US" smtClean="0"/>
-              <a:t>6/8/20</a:t>
+              <a:t>6/9/20</a:t>
             </a:fld>
             <a:endParaRPr lang="en-US" dirty="0"/>
           </a:p>
@@ -4238,7 +4223,7 @@
                 <a:ea typeface="Arial Unicode MS" panose="020B0604020202020204" pitchFamily="34" charset="-128"/>
                 <a:cs typeface="Arial" panose="020B0604020202020204" pitchFamily="34" charset="0"/>
               </a:rPr>
-              <a:t>NUCLEI Meeting</a:t>
+              <a:t>NUCLEI Annual Meeting</a:t>
             </a:r>
           </a:p>
           <a:p>
@@ -5959,7 +5944,7 @@
           <a:p>
             <a:r>
               <a:rPr lang="en-US" dirty="0"/>
-              <a:t>s-state</a:t>
+              <a:t>S-state</a:t>
             </a:r>
           </a:p>
         </p:txBody>
@@ -5994,7 +5979,7 @@
           <a:p>
             <a:r>
               <a:rPr lang="en-US" dirty="0"/>
-              <a:t>d-state</a:t>
+              <a:t>D-state</a:t>
             </a:r>
           </a:p>
         </p:txBody>
@@ -7033,7 +7018,7 @@
             </a:pPr>
             <a:r>
               <a:rPr lang="en-US" sz="2200" dirty="0"/>
-              <a:t>SRC physics in AV18 is gone (scheme dependence) at low resolution</a:t>
+              <a:t>SRC physics in AV18 (scheme dependent) is gone from wave function at low resolution </a:t>
             </a:r>
           </a:p>
           <a:p>
@@ -7620,7 +7605,7 @@
                   <a:rPr lang="en-US" sz="2600" dirty="0">
                     <a:latin typeface="Arial" panose="020B0604020202020204" pitchFamily="34" charset="0"/>
                   </a:rPr>
-                  <a:t>Analogous </a:t>
+                  <a:t>General </a:t>
                 </a:r>
                 <a:r>
                   <a:rPr lang="en-US" sz="2600" dirty="0"/>
@@ -7924,7 +7909,7 @@
                 </a:pPr>
                 <a:r>
                   <a:rPr lang="en-US" sz="2600" dirty="0"/>
-                  <a:t>Analogous problem for any matrix element </a:t>
+                  <a:t>General problem for any matrix element </a:t>
                 </a:r>
                 <a14:m>
                   <m:oMath xmlns:m="http://schemas.openxmlformats.org/officeDocument/2006/math">
@@ -8267,7 +8252,7 @@
                 </a:pPr>
                 <a:r>
                   <a:rPr lang="en-US" sz="2600" dirty="0"/>
-                  <a:t>Analogous problem for any matrix element </a:t>
+                  <a:t>General problem for any matrix element </a:t>
                 </a:r>
                 <a14:m>
                   <m:oMath xmlns:m="http://schemas.openxmlformats.org/officeDocument/2006/math">
@@ -8460,17 +8445,41 @@
                         </m:ctrlPr>
                       </m:dPr>
                       <m:e>
-                        <m:r>
-                          <a:rPr lang="en-US" i="1">
-                            <a:solidFill>
-                              <a:srgbClr val="C00000"/>
-                            </a:solidFill>
-                            <a:latin typeface="Cambria Math" panose="02040503050406030204" pitchFamily="18" charset="0"/>
-                            <a:ea typeface="Cambria Math" panose="02040503050406030204" pitchFamily="18" charset="0"/>
-                            <a:cs typeface="Arial" panose="020B0604020202020204" pitchFamily="34" charset="0"/>
-                          </a:rPr>
-                          <m:t>𝜓</m:t>
-                        </m:r>
+                        <m:sSub>
+                          <m:sSubPr>
+                            <m:ctrlPr>
+                              <a:rPr lang="en-US" i="1">
+                                <a:solidFill>
+                                  <a:srgbClr val="C00000"/>
+                                </a:solidFill>
+                                <a:latin typeface="Cambria Math" panose="02040503050406030204" pitchFamily="18" charset="0"/>
+                              </a:rPr>
+                            </m:ctrlPr>
+                          </m:sSubPr>
+                          <m:e>
+                            <m:r>
+                              <a:rPr lang="en-US" i="1">
+                                <a:solidFill>
+                                  <a:srgbClr val="C00000"/>
+                                </a:solidFill>
+                                <a:latin typeface="Cambria Math" panose="02040503050406030204" pitchFamily="18" charset="0"/>
+                                <a:ea typeface="Cambria Math" panose="02040503050406030204" pitchFamily="18" charset="0"/>
+                              </a:rPr>
+                              <m:t>𝜓</m:t>
+                            </m:r>
+                          </m:e>
+                          <m:sub>
+                            <m:r>
+                              <a:rPr lang="en-US" i="1">
+                                <a:solidFill>
+                                  <a:srgbClr val="C00000"/>
+                                </a:solidFill>
+                                <a:latin typeface="Cambria Math" panose="02040503050406030204" pitchFamily="18" charset="0"/>
+                              </a:rPr>
+                              <m:t>𝑓</m:t>
+                            </m:r>
+                          </m:sub>
+                        </m:sSub>
                         <m:r>
                           <a:rPr lang="en-US" i="1">
                             <a:solidFill>
@@ -8506,17 +8515,42 @@
                         </m:r>
                       </m:e>
                       <m:e>
-                        <m:r>
-                          <a:rPr lang="en-US" i="1">
-                            <a:solidFill>
-                              <a:srgbClr val="C00000"/>
-                            </a:solidFill>
-                            <a:latin typeface="Cambria Math" panose="02040503050406030204" pitchFamily="18" charset="0"/>
-                            <a:ea typeface="Cambria Math" panose="02040503050406030204" pitchFamily="18" charset="0"/>
-                            <a:cs typeface="Arial" panose="020B0604020202020204" pitchFamily="34" charset="0"/>
-                          </a:rPr>
-                          <m:t>𝜓</m:t>
-                        </m:r>
+                        <m:sSub>
+                          <m:sSubPr>
+                            <m:ctrlPr>
+                              <a:rPr lang="en-US" i="1">
+                                <a:solidFill>
+                                  <a:srgbClr val="C00000"/>
+                                </a:solidFill>
+                                <a:latin typeface="Cambria Math" panose="02040503050406030204" pitchFamily="18" charset="0"/>
+                              </a:rPr>
+                            </m:ctrlPr>
+                          </m:sSubPr>
+                          <m:e>
+                            <m:r>
+                              <a:rPr lang="en-US" i="1">
+                                <a:solidFill>
+                                  <a:srgbClr val="C00000"/>
+                                </a:solidFill>
+                                <a:latin typeface="Cambria Math" panose="02040503050406030204" pitchFamily="18" charset="0"/>
+                                <a:ea typeface="Cambria Math" panose="02040503050406030204" pitchFamily="18" charset="0"/>
+                              </a:rPr>
+                              <m:t>𝜓</m:t>
+                            </m:r>
+                          </m:e>
+                          <m:sub>
+                            <m:r>
+                              <a:rPr lang="en-US" i="1">
+                                <a:solidFill>
+                                  <a:srgbClr val="C00000"/>
+                                </a:solidFill>
+                                <a:latin typeface="Cambria Math" panose="02040503050406030204" pitchFamily="18" charset="0"/>
+                                <a:ea typeface="Cambria Math" panose="02040503050406030204" pitchFamily="18" charset="0"/>
+                              </a:rPr>
+                              <m:t>𝑖</m:t>
+                            </m:r>
+                          </m:sub>
+                        </m:sSub>
                         <m:r>
                           <a:rPr lang="en-US" i="1">
                             <a:solidFill>
@@ -8568,17 +8602,41 @@
                         </m:ctrlPr>
                       </m:dPr>
                       <m:e>
-                        <m:r>
-                          <a:rPr lang="en-US" i="1">
-                            <a:solidFill>
-                              <a:srgbClr val="C00000"/>
-                            </a:solidFill>
-                            <a:latin typeface="Cambria Math" panose="02040503050406030204" pitchFamily="18" charset="0"/>
-                            <a:ea typeface="Cambria Math" panose="02040503050406030204" pitchFamily="18" charset="0"/>
-                            <a:cs typeface="Arial" panose="020B0604020202020204" pitchFamily="34" charset="0"/>
-                          </a:rPr>
-                          <m:t>𝜓</m:t>
-                        </m:r>
+                        <m:sSub>
+                          <m:sSubPr>
+                            <m:ctrlPr>
+                              <a:rPr lang="en-US" i="1">
+                                <a:solidFill>
+                                  <a:srgbClr val="C00000"/>
+                                </a:solidFill>
+                                <a:latin typeface="Cambria Math" panose="02040503050406030204" pitchFamily="18" charset="0"/>
+                              </a:rPr>
+                            </m:ctrlPr>
+                          </m:sSubPr>
+                          <m:e>
+                            <m:r>
+                              <a:rPr lang="en-US" i="1">
+                                <a:solidFill>
+                                  <a:srgbClr val="C00000"/>
+                                </a:solidFill>
+                                <a:latin typeface="Cambria Math" panose="02040503050406030204" pitchFamily="18" charset="0"/>
+                                <a:ea typeface="Cambria Math" panose="02040503050406030204" pitchFamily="18" charset="0"/>
+                              </a:rPr>
+                              <m:t>𝜓</m:t>
+                            </m:r>
+                          </m:e>
+                          <m:sub>
+                            <m:r>
+                              <a:rPr lang="en-US" i="1">
+                                <a:solidFill>
+                                  <a:srgbClr val="C00000"/>
+                                </a:solidFill>
+                                <a:latin typeface="Cambria Math" panose="02040503050406030204" pitchFamily="18" charset="0"/>
+                              </a:rPr>
+                              <m:t>𝑓</m:t>
+                            </m:r>
+                          </m:sub>
+                        </m:sSub>
                         <m:r>
                           <a:rPr lang="en-US" i="1">
                             <a:solidFill>
@@ -8656,17 +8714,42 @@
                         </m:r>
                       </m:e>
                       <m:e>
-                        <m:r>
-                          <a:rPr lang="en-US" i="1">
-                            <a:solidFill>
-                              <a:srgbClr val="C00000"/>
-                            </a:solidFill>
-                            <a:latin typeface="Cambria Math" panose="02040503050406030204" pitchFamily="18" charset="0"/>
-                            <a:ea typeface="Cambria Math" panose="02040503050406030204" pitchFamily="18" charset="0"/>
-                            <a:cs typeface="Arial" panose="020B0604020202020204" pitchFamily="34" charset="0"/>
-                          </a:rPr>
-                          <m:t>𝜓</m:t>
-                        </m:r>
+                        <m:sSub>
+                          <m:sSubPr>
+                            <m:ctrlPr>
+                              <a:rPr lang="en-US" i="1">
+                                <a:solidFill>
+                                  <a:srgbClr val="C00000"/>
+                                </a:solidFill>
+                                <a:latin typeface="Cambria Math" panose="02040503050406030204" pitchFamily="18" charset="0"/>
+                              </a:rPr>
+                            </m:ctrlPr>
+                          </m:sSubPr>
+                          <m:e>
+                            <m:r>
+                              <a:rPr lang="en-US" i="1">
+                                <a:solidFill>
+                                  <a:srgbClr val="C00000"/>
+                                </a:solidFill>
+                                <a:latin typeface="Cambria Math" panose="02040503050406030204" pitchFamily="18" charset="0"/>
+                                <a:ea typeface="Cambria Math" panose="02040503050406030204" pitchFamily="18" charset="0"/>
+                              </a:rPr>
+                              <m:t>𝜓</m:t>
+                            </m:r>
+                          </m:e>
+                          <m:sub>
+                            <m:r>
+                              <a:rPr lang="en-US" i="1">
+                                <a:solidFill>
+                                  <a:srgbClr val="C00000"/>
+                                </a:solidFill>
+                                <a:latin typeface="Cambria Math" panose="02040503050406030204" pitchFamily="18" charset="0"/>
+                                <a:ea typeface="Cambria Math" panose="02040503050406030204" pitchFamily="18" charset="0"/>
+                              </a:rPr>
+                              <m:t>𝑖</m:t>
+                            </m:r>
+                          </m:sub>
+                        </m:sSub>
                         <m:r>
                           <a:rPr lang="en-US" i="1">
                             <a:solidFill>
@@ -8704,7 +8787,11 @@
                     </m:d>
                   </m:oMath>
                 </a14:m>
-                <a:endParaRPr lang="en-US" dirty="0"/>
+                <a:endParaRPr lang="en-US" dirty="0">
+                  <a:solidFill>
+                    <a:srgbClr val="C00000"/>
+                  </a:solidFill>
+                </a:endParaRPr>
               </a:p>
               <a:p>
                 <a:pPr>
@@ -8745,7 +8832,7 @@
               <a:blipFill>
                 <a:blip r:embed="rId2"/>
                 <a:stretch>
-                  <a:fillRect l="-844" t="-1462" r="-483" b="-19591"/>
+                  <a:fillRect l="-844" t="-1462" r="-483" b="-21053"/>
                 </a:stretch>
               </a:blipFill>
             </p:spPr>
@@ -9749,8 +9836,8 @@
           </a:p>
         </p:txBody>
       </p:sp>
-      <mc:AlternateContent xmlns:mc="http://schemas.openxmlformats.org/markup-compatibility/2006">
-        <mc:Choice xmlns:a14="http://schemas.microsoft.com/office/drawing/2010/main" Requires="a14">
+      <mc:AlternateContent xmlns:mc="http://schemas.openxmlformats.org/markup-compatibility/2006" xmlns:a14="http://schemas.microsoft.com/office/drawing/2010/main">
+        <mc:Choice Requires="a14">
           <p:sp>
             <p:nvSpPr>
               <p:cNvPr id="3" name="Content Placeholder 2">
@@ -9851,7 +9938,7 @@
             </p:txBody>
           </p:sp>
         </mc:Choice>
-        <mc:Fallback>
+        <mc:Fallback xmlns="">
           <p:sp>
             <p:nvSpPr>
               <p:cNvPr id="3" name="Content Placeholder 2">
@@ -9990,8 +10077,8 @@
           </a:p>
         </p:txBody>
       </p:sp>
-      <mc:AlternateContent xmlns:mc="http://schemas.openxmlformats.org/markup-compatibility/2006">
-        <mc:Choice xmlns:a14="http://schemas.microsoft.com/office/drawing/2010/main" Requires="a14">
+      <mc:AlternateContent xmlns:mc="http://schemas.openxmlformats.org/markup-compatibility/2006" xmlns:a14="http://schemas.microsoft.com/office/drawing/2010/main">
+        <mc:Choice Requires="a14">
           <p:sp>
             <p:nvSpPr>
               <p:cNvPr id="3" name="Content Placeholder 2">
@@ -10347,7 +10434,7 @@
             </p:txBody>
           </p:sp>
         </mc:Choice>
-        <mc:Fallback>
+        <mc:Fallback xmlns="">
           <p:sp>
             <p:nvSpPr>
               <p:cNvPr id="3" name="Content Placeholder 2">
@@ -10871,64 +10958,184 @@
           </p:sp>
         </mc:Fallback>
       </mc:AlternateContent>
-      <p:sp>
-        <p:nvSpPr>
-          <p:cNvPr id="3" name="Content Placeholder 2">
-            <a:extLst>
-              <a:ext uri="{FF2B5EF4-FFF2-40B4-BE49-F238E27FC236}">
-                <a16:creationId xmlns:a16="http://schemas.microsoft.com/office/drawing/2014/main" id="{1A8FA9B3-1B32-894B-93C2-F90FB63CBDAA}"/>
-              </a:ext>
-            </a:extLst>
-          </p:cNvPr>
-          <p:cNvSpPr>
-            <a:spLocks noGrp="1"/>
-          </p:cNvSpPr>
-          <p:nvPr>
-            <p:ph idx="1"/>
-          </p:nvPr>
-        </p:nvSpPr>
-        <p:spPr>
-          <a:xfrm>
-            <a:off x="1" y="2140059"/>
-            <a:ext cx="5055475" cy="4351338"/>
-          </a:xfrm>
-        </p:spPr>
-        <p:txBody>
-          <a:bodyPr/>
-          <a:lstStyle/>
-          <a:p>
-            <a:pPr>
-              <a:lnSpc>
-                <a:spcPct val="100000"/>
-              </a:lnSpc>
-            </a:pPr>
-            <a:r>
-              <a:rPr lang="en-US" sz="2400" dirty="0"/>
-              <a:t>SRG induced terms in the operator reflects difference in UV physics (</a:t>
-            </a:r>
-            <a:r>
-              <a:rPr lang="en-US" sz="2400" dirty="0">
-                <a:solidFill>
-                  <a:srgbClr val="C00000"/>
-                </a:solidFill>
-              </a:rPr>
-              <a:t>scheme dependence from NN interaction</a:t>
-            </a:r>
-            <a:r>
-              <a:rPr lang="en-US" sz="2400" dirty="0"/>
-              <a:t>)</a:t>
-            </a:r>
-          </a:p>
-          <a:p>
-            <a:pPr>
-              <a:lnSpc>
-                <a:spcPct val="100000"/>
-              </a:lnSpc>
-            </a:pPr>
-            <a:endParaRPr lang="en-US" dirty="0"/>
-          </a:p>
-        </p:txBody>
-      </p:sp>
+      <mc:AlternateContent xmlns:mc="http://schemas.openxmlformats.org/markup-compatibility/2006">
+        <mc:Choice xmlns:a14="http://schemas.microsoft.com/office/drawing/2010/main" Requires="a14">
+          <p:sp>
+            <p:nvSpPr>
+              <p:cNvPr id="3" name="Content Placeholder 2">
+                <a:extLst>
+                  <a:ext uri="{FF2B5EF4-FFF2-40B4-BE49-F238E27FC236}">
+                    <a16:creationId xmlns:a16="http://schemas.microsoft.com/office/drawing/2014/main" id="{1A8FA9B3-1B32-894B-93C2-F90FB63CBDAA}"/>
+                  </a:ext>
+                </a:extLst>
+              </p:cNvPr>
+              <p:cNvSpPr>
+                <a:spLocks noGrp="1"/>
+              </p:cNvSpPr>
+              <p:nvPr>
+                <p:ph idx="1"/>
+              </p:nvPr>
+            </p:nvSpPr>
+            <p:spPr>
+              <a:xfrm>
+                <a:off x="1" y="2140059"/>
+                <a:ext cx="5055475" cy="4351338"/>
+              </a:xfrm>
+            </p:spPr>
+            <p:txBody>
+              <a:bodyPr/>
+              <a:lstStyle/>
+              <a:p>
+                <a:pPr>
+                  <a:lnSpc>
+                    <a:spcPct val="100000"/>
+                  </a:lnSpc>
+                </a:pPr>
+                <a:r>
+                  <a:rPr lang="en-US" sz="2200" dirty="0"/>
+                  <a:t>SRG induced terms in </a:t>
+                </a:r>
+                <a14:m>
+                  <m:oMath xmlns:m="http://schemas.openxmlformats.org/officeDocument/2006/math">
+                    <m:sSubSup>
+                      <m:sSubSupPr>
+                        <m:ctrlPr>
+                          <a:rPr lang="en-US" sz="2200" i="1">
+                            <a:latin typeface="Cambria Math" panose="02040503050406030204" pitchFamily="18" charset="0"/>
+                          </a:rPr>
+                        </m:ctrlPr>
+                      </m:sSubSupPr>
+                      <m:e>
+                        <m:r>
+                          <a:rPr lang="en-US" sz="2200" i="1">
+                            <a:latin typeface="Cambria Math" panose="02040503050406030204" pitchFamily="18" charset="0"/>
+                          </a:rPr>
+                          <m:t>𝑎</m:t>
+                        </m:r>
+                      </m:e>
+                      <m:sub>
+                        <m:r>
+                          <a:rPr lang="en-US" sz="2200" i="1">
+                            <a:latin typeface="Cambria Math" panose="02040503050406030204" pitchFamily="18" charset="0"/>
+                          </a:rPr>
+                          <m:t>𝑞</m:t>
+                        </m:r>
+                      </m:sub>
+                      <m:sup>
+                        <m:r>
+                          <a:rPr lang="en-US" sz="2200" i="1">
+                            <a:latin typeface="Cambria Math" panose="02040503050406030204" pitchFamily="18" charset="0"/>
+                            <a:ea typeface="Cambria Math" panose="02040503050406030204" pitchFamily="18" charset="0"/>
+                          </a:rPr>
+                          <m:t>†</m:t>
+                        </m:r>
+                      </m:sup>
+                    </m:sSubSup>
+                    <m:sSub>
+                      <m:sSubPr>
+                        <m:ctrlPr>
+                          <a:rPr lang="en-US" sz="2200" i="1">
+                            <a:latin typeface="Cambria Math" panose="02040503050406030204" pitchFamily="18" charset="0"/>
+                          </a:rPr>
+                        </m:ctrlPr>
+                      </m:sSubPr>
+                      <m:e>
+                        <m:r>
+                          <a:rPr lang="en-US" sz="2200" i="1">
+                            <a:latin typeface="Cambria Math" panose="02040503050406030204" pitchFamily="18" charset="0"/>
+                          </a:rPr>
+                          <m:t>𝑎</m:t>
+                        </m:r>
+                      </m:e>
+                      <m:sub>
+                        <m:r>
+                          <a:rPr lang="en-US" sz="2200" i="1">
+                            <a:latin typeface="Cambria Math" panose="02040503050406030204" pitchFamily="18" charset="0"/>
+                          </a:rPr>
+                          <m:t>𝑞</m:t>
+                        </m:r>
+                      </m:sub>
+                    </m:sSub>
+                    <m:r>
+                      <a:rPr lang="en-US" sz="2200" i="1">
+                        <a:latin typeface="Cambria Math" panose="02040503050406030204" pitchFamily="18" charset="0"/>
+                      </a:rPr>
+                      <m:t> </m:t>
+                    </m:r>
+                  </m:oMath>
+                </a14:m>
+                <a:r>
+                  <a:rPr lang="en-US" sz="2200" dirty="0"/>
+                  <a:t>reflects difference in UV physics (</a:t>
+                </a:r>
+                <a:r>
+                  <a:rPr lang="en-US" sz="2200" dirty="0">
+                    <a:solidFill>
+                      <a:srgbClr val="C00000"/>
+                    </a:solidFill>
+                  </a:rPr>
+                  <a:t>scheme dependence from NN interaction</a:t>
+                </a:r>
+                <a:r>
+                  <a:rPr lang="en-US" sz="2200" dirty="0"/>
+                  <a:t>)</a:t>
+                </a:r>
+              </a:p>
+              <a:p>
+                <a:pPr>
+                  <a:lnSpc>
+                    <a:spcPct val="100000"/>
+                  </a:lnSpc>
+                </a:pPr>
+                <a:endParaRPr lang="en-US" dirty="0"/>
+              </a:p>
+            </p:txBody>
+          </p:sp>
+        </mc:Choice>
+        <mc:Fallback>
+          <p:sp>
+            <p:nvSpPr>
+              <p:cNvPr id="3" name="Content Placeholder 2">
+                <a:extLst>
+                  <a:ext uri="{FF2B5EF4-FFF2-40B4-BE49-F238E27FC236}">
+                    <a16:creationId xmlns:a16="http://schemas.microsoft.com/office/drawing/2014/main" id="{1A8FA9B3-1B32-894B-93C2-F90FB63CBDAA}"/>
+                  </a:ext>
+                </a:extLst>
+              </p:cNvPr>
+              <p:cNvSpPr>
+                <a:spLocks noGrp="1" noRot="1" noChangeAspect="1" noMove="1" noResize="1" noEditPoints="1" noAdjustHandles="1" noChangeArrowheads="1" noChangeShapeType="1" noTextEdit="1"/>
+              </p:cNvSpPr>
+              <p:nvPr>
+                <p:ph idx="1"/>
+              </p:nvPr>
+            </p:nvSpPr>
+            <p:spPr>
+              <a:xfrm>
+                <a:off x="1" y="2140059"/>
+                <a:ext cx="5055475" cy="4351338"/>
+              </a:xfrm>
+              <a:blipFill>
+                <a:blip r:embed="rId3"/>
+                <a:stretch>
+                  <a:fillRect l="-1256"/>
+                </a:stretch>
+              </a:blipFill>
+            </p:spPr>
+            <p:txBody>
+              <a:bodyPr/>
+              <a:lstStyle/>
+              <a:p>
+                <a:r>
+                  <a:rPr lang="en-US">
+                    <a:noFill/>
+                  </a:rPr>
+                  <a:t> </a:t>
+                </a:r>
+              </a:p>
+            </p:txBody>
+          </p:sp>
+        </mc:Fallback>
+      </mc:AlternateContent>
       <mc:AlternateContent xmlns:mc="http://schemas.openxmlformats.org/markup-compatibility/2006" xmlns:a14="http://schemas.microsoft.com/office/drawing/2010/main">
         <mc:Choice Requires="a14">
           <p:sp>
@@ -11235,7 +11442,7 @@
                 <a:avLst/>
               </a:prstGeom>
               <a:blipFill>
-                <a:blip r:embed="rId3"/>
+                <a:blip r:embed="rId4"/>
                 <a:stretch>
                   <a:fillRect l="-905" r="-1810" b="-7595"/>
                 </a:stretch>
@@ -11271,7 +11478,7 @@
           <p:nvPr/>
         </p:nvPicPr>
         <p:blipFill>
-          <a:blip r:embed="rId4"/>
+          <a:blip r:embed="rId5"/>
           <a:stretch>
             <a:fillRect/>
           </a:stretch>
@@ -11541,8 +11748,8 @@
           </p:sp>
         </mc:Fallback>
       </mc:AlternateContent>
-      <mc:AlternateContent xmlns:mc="http://schemas.openxmlformats.org/markup-compatibility/2006" xmlns:a14="http://schemas.microsoft.com/office/drawing/2010/main">
-        <mc:Choice Requires="a14">
+      <mc:AlternateContent xmlns:mc="http://schemas.openxmlformats.org/markup-compatibility/2006">
+        <mc:Choice xmlns:a14="http://schemas.microsoft.com/office/drawing/2010/main" Requires="a14">
           <p:sp>
             <p:nvSpPr>
               <p:cNvPr id="3" name="Content Placeholder 2">
@@ -11575,12 +11782,89 @@
                   </a:lnSpc>
                 </a:pPr>
                 <a:r>
-                  <a:rPr lang="en-US" sz="2400" dirty="0">
+                  <a:rPr lang="en-US" sz="2200" dirty="0">
                     <a:solidFill>
                       <a:schemeClr val="tx1"/>
                     </a:solidFill>
                   </a:rPr>
-                  <a:t>SRG induced terms in the operator reflects difference in UV physics (scheme dependence from NN interaction)</a:t>
+                  <a:t>SRG induced terms in </a:t>
+                </a:r>
+                <a14:m>
+                  <m:oMath xmlns:m="http://schemas.openxmlformats.org/officeDocument/2006/math">
+                    <m:sSubSup>
+                      <m:sSubSupPr>
+                        <m:ctrlPr>
+                          <a:rPr lang="en-US" sz="2200" i="1">
+                            <a:latin typeface="Cambria Math" panose="02040503050406030204" pitchFamily="18" charset="0"/>
+                          </a:rPr>
+                        </m:ctrlPr>
+                      </m:sSubSupPr>
+                      <m:e>
+                        <m:r>
+                          <a:rPr lang="en-US" sz="2200" i="1">
+                            <a:latin typeface="Cambria Math" panose="02040503050406030204" pitchFamily="18" charset="0"/>
+                          </a:rPr>
+                          <m:t>𝑎</m:t>
+                        </m:r>
+                      </m:e>
+                      <m:sub>
+                        <m:r>
+                          <a:rPr lang="en-US" sz="2200" i="1">
+                            <a:latin typeface="Cambria Math" panose="02040503050406030204" pitchFamily="18" charset="0"/>
+                          </a:rPr>
+                          <m:t>𝑞</m:t>
+                        </m:r>
+                      </m:sub>
+                      <m:sup>
+                        <m:r>
+                          <a:rPr lang="en-US" sz="2200" i="1">
+                            <a:latin typeface="Cambria Math" panose="02040503050406030204" pitchFamily="18" charset="0"/>
+                            <a:ea typeface="Cambria Math" panose="02040503050406030204" pitchFamily="18" charset="0"/>
+                          </a:rPr>
+                          <m:t>†</m:t>
+                        </m:r>
+                      </m:sup>
+                    </m:sSubSup>
+                    <m:sSub>
+                      <m:sSubPr>
+                        <m:ctrlPr>
+                          <a:rPr lang="en-US" sz="2200" i="1">
+                            <a:latin typeface="Cambria Math" panose="02040503050406030204" pitchFamily="18" charset="0"/>
+                          </a:rPr>
+                        </m:ctrlPr>
+                      </m:sSubPr>
+                      <m:e>
+                        <m:r>
+                          <a:rPr lang="en-US" sz="2200" i="1">
+                            <a:latin typeface="Cambria Math" panose="02040503050406030204" pitchFamily="18" charset="0"/>
+                          </a:rPr>
+                          <m:t>𝑎</m:t>
+                        </m:r>
+                      </m:e>
+                      <m:sub>
+                        <m:r>
+                          <a:rPr lang="en-US" sz="2200" i="1">
+                            <a:latin typeface="Cambria Math" panose="02040503050406030204" pitchFamily="18" charset="0"/>
+                          </a:rPr>
+                          <m:t>𝑞</m:t>
+                        </m:r>
+                      </m:sub>
+                    </m:sSub>
+                    <m:r>
+                      <a:rPr lang="en-US" sz="2200" i="1">
+                        <a:latin typeface="Cambria Math" panose="02040503050406030204" pitchFamily="18" charset="0"/>
+                      </a:rPr>
+                      <m:t> </m:t>
+                    </m:r>
+                  </m:oMath>
+                </a14:m>
+                <a:r>
+                  <a:rPr lang="en-US" sz="2200" dirty="0">
+                    <a:solidFill>
+                      <a:schemeClr val="tx1"/>
+                    </a:solidFill>
+                  </a:rPr>
+                  <a:t>reflects difference in UV physics (scheme dependence from NN interaction)</a:t>
                 </a:r>
               </a:p>
               <a:p>
@@ -11590,7 +11874,7 @@
                   </a:lnSpc>
                 </a:pPr>
                 <a:r>
-                  <a:rPr lang="en-US" sz="2400" dirty="0">
+                  <a:rPr lang="en-US" sz="2200" dirty="0">
                     <a:solidFill>
                       <a:srgbClr val="C00000"/>
                     </a:solidFill>
@@ -11602,7 +11886,7 @@
                     <m:sSubSup>
                       <m:sSubSupPr>
                         <m:ctrlPr>
-                          <a:rPr lang="en-US" sz="2400" i="1" smtClean="0">
+                          <a:rPr lang="en-US" sz="2200" i="1" smtClean="0">
                             <a:solidFill>
                               <a:srgbClr val="C00000"/>
                             </a:solidFill>
@@ -11612,7 +11896,7 @@
                       </m:sSubSupPr>
                       <m:e>
                         <m:r>
-                          <a:rPr lang="en-US" sz="2400" i="1">
+                          <a:rPr lang="en-US" sz="2200" i="1">
                             <a:solidFill>
                               <a:srgbClr val="C00000"/>
                             </a:solidFill>
@@ -11623,7 +11907,7 @@
                       </m:e>
                       <m:sub>
                         <m:r>
-                          <a:rPr lang="en-US" sz="2400" i="1">
+                          <a:rPr lang="en-US" sz="2200" i="1">
                             <a:solidFill>
                               <a:srgbClr val="C00000"/>
                             </a:solidFill>
@@ -11634,7 +11918,7 @@
                       </m:sub>
                       <m:sup>
                         <m:r>
-                          <a:rPr lang="en-US" sz="2400" i="1">
+                          <a:rPr lang="en-US" sz="2200" i="1">
                             <a:solidFill>
                               <a:srgbClr val="C00000"/>
                             </a:solidFill>
@@ -11648,7 +11932,7 @@
                     <m:sSub>
                       <m:sSubPr>
                         <m:ctrlPr>
-                          <a:rPr lang="en-US" sz="2400" i="1">
+                          <a:rPr lang="en-US" sz="2200" i="1">
                             <a:solidFill>
                               <a:srgbClr val="C00000"/>
                             </a:solidFill>
@@ -11658,7 +11942,7 @@
                       </m:sSubPr>
                       <m:e>
                         <m:r>
-                          <a:rPr lang="en-US" sz="2400" i="1">
+                          <a:rPr lang="en-US" sz="2200" i="1">
                             <a:solidFill>
                               <a:srgbClr val="C00000"/>
                             </a:solidFill>
@@ -11669,7 +11953,7 @@
                       </m:e>
                       <m:sub>
                         <m:r>
-                          <a:rPr lang="en-US" sz="2400" i="1">
+                          <a:rPr lang="en-US" sz="2200" i="1">
                             <a:solidFill>
                               <a:srgbClr val="C00000"/>
                             </a:solidFill>
@@ -11682,7 +11966,7 @@
                   </m:oMath>
                 </a14:m>
                 <a:r>
-                  <a:rPr lang="en-US" sz="2400" dirty="0">
+                  <a:rPr lang="en-US" sz="2200" dirty="0">
                     <a:solidFill>
                       <a:srgbClr val="C00000"/>
                     </a:solidFill>
@@ -11692,7 +11976,7 @@
                 <a14:m>
                   <m:oMath xmlns:m="http://schemas.openxmlformats.org/officeDocument/2006/math">
                     <m:r>
-                      <a:rPr lang="en-US" sz="2400" b="0" i="1" smtClean="0">
+                      <a:rPr lang="en-US" sz="2200" b="0" i="1" smtClean="0">
                         <a:solidFill>
                           <a:srgbClr val="C00000"/>
                         </a:solidFill>
@@ -11702,7 +11986,219 @@
                     </m:r>
                   </m:oMath>
                 </a14:m>
-                <a:endParaRPr lang="en-US" sz="2400" dirty="0">
+                <a:r>
+                  <a:rPr lang="en-US" sz="2200" dirty="0">
+                    <a:solidFill>
+                      <a:srgbClr val="C00000"/>
+                    </a:solidFill>
+                  </a:rPr>
+                  <a:t>:</a:t>
+                </a:r>
+              </a:p>
+              <a:p>
+                <a:pPr marL="0" indent="0">
+                  <a:lnSpc>
+                    <a:spcPct val="100000"/>
+                  </a:lnSpc>
+                  <a:buNone/>
+                </a:pPr>
+                <a:r>
+                  <a:rPr lang="en-US" sz="2200" dirty="0">
+                    <a:solidFill>
+                      <a:srgbClr val="C00000"/>
+                    </a:solidFill>
+                  </a:rPr>
+                  <a:t>	 </a:t>
+                </a:r>
+                <a14:m>
+                  <m:oMath xmlns:m="http://schemas.openxmlformats.org/officeDocument/2006/math">
+                    <m:sSup>
+                      <m:sSupPr>
+                        <m:ctrlPr>
+                          <a:rPr lang="en-US" sz="2200" i="1" dirty="0" smtClean="0">
+                            <a:solidFill>
+                              <a:srgbClr val="C00000"/>
+                            </a:solidFill>
+                            <a:latin typeface="Cambria Math" panose="02040503050406030204" pitchFamily="18" charset="0"/>
+                          </a:rPr>
+                        </m:ctrlPr>
+                      </m:sSupPr>
+                      <m:e>
+                        <m:d>
+                          <m:dPr>
+                            <m:begChr m:val="|"/>
+                            <m:endChr m:val="|"/>
+                            <m:ctrlPr>
+                              <a:rPr lang="en-US" sz="2200" i="1" dirty="0">
+                                <a:solidFill>
+                                  <a:srgbClr val="C00000"/>
+                                </a:solidFill>
+                                <a:latin typeface="Cambria Math" panose="02040503050406030204" pitchFamily="18" charset="0"/>
+                              </a:rPr>
+                            </m:ctrlPr>
+                          </m:dPr>
+                          <m:e>
+                            <m:r>
+                              <a:rPr lang="en-US" sz="2200" i="1" dirty="0" smtClean="0">
+                                <a:solidFill>
+                                  <a:srgbClr val="C00000"/>
+                                </a:solidFill>
+                                <a:latin typeface="Cambria Math" panose="02040503050406030204" pitchFamily="18" charset="0"/>
+                                <a:ea typeface="Cambria Math" panose="02040503050406030204" pitchFamily="18" charset="0"/>
+                              </a:rPr>
+                              <m:t>𝜓</m:t>
+                            </m:r>
+                            <m:r>
+                              <a:rPr lang="en-US" sz="2200" i="1" dirty="0" smtClean="0">
+                                <a:solidFill>
+                                  <a:srgbClr val="C00000"/>
+                                </a:solidFill>
+                                <a:latin typeface="Cambria Math" panose="02040503050406030204" pitchFamily="18" charset="0"/>
+                              </a:rPr>
+                              <m:t> </m:t>
+                            </m:r>
+                            <m:r>
+                              <a:rPr lang="en-US" sz="2200" i="1" dirty="0">
+                                <a:solidFill>
+                                  <a:srgbClr val="C00000"/>
+                                </a:solidFill>
+                                <a:latin typeface="Cambria Math" panose="02040503050406030204" pitchFamily="18" charset="0"/>
+                              </a:rPr>
+                              <m:t>(</m:t>
+                            </m:r>
+                            <m:r>
+                              <a:rPr lang="en-US" sz="2200" i="1" dirty="0">
+                                <a:solidFill>
+                                  <a:srgbClr val="C00000"/>
+                                </a:solidFill>
+                                <a:latin typeface="Cambria Math" panose="02040503050406030204" pitchFamily="18" charset="0"/>
+                              </a:rPr>
+                              <m:t>𝑞</m:t>
+                            </m:r>
+                            <m:r>
+                              <a:rPr lang="en-US" sz="2200" i="1" dirty="0">
+                                <a:solidFill>
+                                  <a:srgbClr val="C00000"/>
+                                </a:solidFill>
+                                <a:latin typeface="Cambria Math" panose="02040503050406030204" pitchFamily="18" charset="0"/>
+                              </a:rPr>
+                              <m:t>)</m:t>
+                            </m:r>
+                          </m:e>
+                        </m:d>
+                      </m:e>
+                      <m:sup>
+                        <m:r>
+                          <a:rPr lang="en-US" sz="2200" b="0" i="1" dirty="0" smtClean="0">
+                            <a:solidFill>
+                              <a:srgbClr val="C00000"/>
+                            </a:solidFill>
+                            <a:latin typeface="Cambria Math" panose="02040503050406030204" pitchFamily="18" charset="0"/>
+                          </a:rPr>
+                          <m:t>2</m:t>
+                        </m:r>
+                      </m:sup>
+                    </m:sSup>
+                    <m:r>
+                      <a:rPr lang="en-US" sz="2200" b="0" i="1" dirty="0" smtClean="0">
+                        <a:solidFill>
+                          <a:srgbClr val="C00000"/>
+                        </a:solidFill>
+                        <a:latin typeface="Cambria Math" panose="02040503050406030204" pitchFamily="18" charset="0"/>
+                      </a:rPr>
+                      <m:t>/</m:t>
+                    </m:r>
+                    <m:sSup>
+                      <m:sSupPr>
+                        <m:ctrlPr>
+                          <a:rPr lang="en-US" sz="2200" i="1" dirty="0">
+                            <a:solidFill>
+                              <a:srgbClr val="C00000"/>
+                            </a:solidFill>
+                            <a:latin typeface="Cambria Math" panose="02040503050406030204" pitchFamily="18" charset="0"/>
+                          </a:rPr>
+                        </m:ctrlPr>
+                      </m:sSupPr>
+                      <m:e>
+                        <m:d>
+                          <m:dPr>
+                            <m:begChr m:val="|"/>
+                            <m:endChr m:val="|"/>
+                            <m:ctrlPr>
+                              <a:rPr lang="en-US" sz="2200" i="1" dirty="0">
+                                <a:solidFill>
+                                  <a:srgbClr val="C00000"/>
+                                </a:solidFill>
+                                <a:latin typeface="Cambria Math" panose="02040503050406030204" pitchFamily="18" charset="0"/>
+                              </a:rPr>
+                            </m:ctrlPr>
+                          </m:dPr>
+                          <m:e>
+                            <m:r>
+                              <a:rPr lang="en-US" sz="2200" i="1" dirty="0">
+                                <a:solidFill>
+                                  <a:srgbClr val="C00000"/>
+                                </a:solidFill>
+                                <a:latin typeface="Cambria Math" panose="02040503050406030204" pitchFamily="18" charset="0"/>
+                                <a:ea typeface="Cambria Math" panose="02040503050406030204" pitchFamily="18" charset="0"/>
+                              </a:rPr>
+                              <m:t>𝜓</m:t>
+                            </m:r>
+                            <m:r>
+                              <a:rPr lang="en-US" sz="2200" b="0" i="1" dirty="0" smtClean="0">
+                                <a:solidFill>
+                                  <a:srgbClr val="C00000"/>
+                                </a:solidFill>
+                                <a:latin typeface="Cambria Math" panose="02040503050406030204" pitchFamily="18" charset="0"/>
+                                <a:ea typeface="Cambria Math" panose="02040503050406030204" pitchFamily="18" charset="0"/>
+                              </a:rPr>
+                              <m:t>′</m:t>
+                            </m:r>
+                            <m:r>
+                              <a:rPr lang="en-US" sz="2200" i="1" dirty="0">
+                                <a:solidFill>
+                                  <a:srgbClr val="C00000"/>
+                                </a:solidFill>
+                                <a:latin typeface="Cambria Math" panose="02040503050406030204" pitchFamily="18" charset="0"/>
+                              </a:rPr>
+                              <m:t> (</m:t>
+                            </m:r>
+                            <m:r>
+                              <a:rPr lang="en-US" sz="2200" i="1" dirty="0">
+                                <a:solidFill>
+                                  <a:srgbClr val="C00000"/>
+                                </a:solidFill>
+                                <a:latin typeface="Cambria Math" panose="02040503050406030204" pitchFamily="18" charset="0"/>
+                              </a:rPr>
+                              <m:t>𝑞</m:t>
+                            </m:r>
+                            <m:r>
+                              <a:rPr lang="en-US" sz="2200" i="1" dirty="0">
+                                <a:solidFill>
+                                  <a:srgbClr val="C00000"/>
+                                </a:solidFill>
+                                <a:latin typeface="Cambria Math" panose="02040503050406030204" pitchFamily="18" charset="0"/>
+                              </a:rPr>
+                              <m:t>)</m:t>
+                            </m:r>
+                          </m:e>
+                        </m:d>
+                      </m:e>
+                      <m:sup>
+                        <m:r>
+                          <a:rPr lang="en-US" sz="2200" i="1" dirty="0">
+                            <a:solidFill>
+                              <a:srgbClr val="C00000"/>
+                            </a:solidFill>
+                            <a:latin typeface="Cambria Math" panose="02040503050406030204" pitchFamily="18" charset="0"/>
+                          </a:rPr>
+                          <m:t>2</m:t>
+                        </m:r>
+                      </m:sup>
+                    </m:sSup>
+                  </m:oMath>
+                </a14:m>
+                <a:endParaRPr lang="en-US" sz="2200" dirty="0">
                   <a:solidFill>
                     <a:srgbClr val="C00000"/>
                   </a:solidFill>
@@ -11715,7 +12211,7 @@
                   </a:lnSpc>
                 </a:pPr>
                 <a:r>
-                  <a:rPr lang="en-US" sz="2400" dirty="0">
+                  <a:rPr lang="en-US" sz="2200" dirty="0">
                     <a:solidFill>
                       <a:srgbClr val="C00000"/>
                     </a:solidFill>
@@ -11746,7 +12242,7 @@
             </p:txBody>
           </p:sp>
         </mc:Choice>
-        <mc:Fallback xmlns="">
+        <mc:Fallback>
           <p:sp>
             <p:nvSpPr>
               <p:cNvPr id="3" name="Content Placeholder 2">
@@ -11771,7 +12267,7 @@
               <a:blipFill>
                 <a:blip r:embed="rId3"/>
                 <a:stretch>
-                  <a:fillRect l="-1511" t="-1166" b="-5248"/>
+                  <a:fillRect l="-1259"/>
                 </a:stretch>
               </a:blipFill>
             </p:spPr>
@@ -12190,566 +12686,6 @@
 </file>
 
 <file path=ppt/slides/slide23.xml><?xml version="1.0" encoding="utf-8"?>
-<p:sld xmlns:a="http://schemas.openxmlformats.org/drawingml/2006/main" xmlns:r="http://schemas.openxmlformats.org/officeDocument/2006/relationships" xmlns:p="http://schemas.openxmlformats.org/presentationml/2006/main">
-  <p:cSld>
-    <p:spTree>
-      <p:nvGrpSpPr>
-        <p:cNvPr id="1" name=""/>
-        <p:cNvGrpSpPr/>
-        <p:nvPr/>
-      </p:nvGrpSpPr>
-      <p:grpSpPr>
-        <a:xfrm>
-          <a:off x="0" y="0"/>
-          <a:ext cx="0" cy="0"/>
-          <a:chOff x="0" y="0"/>
-          <a:chExt cx="0" cy="0"/>
-        </a:xfrm>
-      </p:grpSpPr>
-      <p:sp>
-        <p:nvSpPr>
-          <p:cNvPr id="2" name="Title 1">
-            <a:extLst>
-              <a:ext uri="{FF2B5EF4-FFF2-40B4-BE49-F238E27FC236}">
-                <a16:creationId xmlns:a16="http://schemas.microsoft.com/office/drawing/2014/main" id="{9FECE9C7-FBB0-B54D-8E92-C3BC6CA96ED2}"/>
-              </a:ext>
-            </a:extLst>
-          </p:cNvPr>
-          <p:cNvSpPr>
-            <a:spLocks noGrp="1"/>
-          </p:cNvSpPr>
-          <p:nvPr>
-            <p:ph type="title"/>
-          </p:nvPr>
-        </p:nvSpPr>
-        <p:spPr/>
-        <p:txBody>
-          <a:bodyPr>
-            <a:normAutofit fontScale="90000"/>
-          </a:bodyPr>
-          <a:lstStyle/>
-          <a:p>
-            <a:pPr>
-              <a:lnSpc>
-                <a:spcPct val="100000"/>
-              </a:lnSpc>
-            </a:pPr>
-            <a:r>
-              <a:rPr lang="en-US" dirty="0">
-                <a:solidFill>
-                  <a:srgbClr val="002060"/>
-                </a:solidFill>
-                <a:latin typeface="Arial" panose="020B0604020202020204" pitchFamily="34" charset="0"/>
-              </a:rPr>
-              <a:t>Where does the short-distance physics go?</a:t>
-            </a:r>
-          </a:p>
-        </p:txBody>
-      </p:sp>
-      <p:pic>
-        <p:nvPicPr>
-          <p:cNvPr id="5" name="Picture 4" descr="A picture containing screenshot, drawing&#10;&#10;Description automatically generated">
-            <a:extLst>
-              <a:ext uri="{FF2B5EF4-FFF2-40B4-BE49-F238E27FC236}">
-                <a16:creationId xmlns:a16="http://schemas.microsoft.com/office/drawing/2014/main" id="{16032205-CBB2-BF45-A39B-9E892B31F9D5}"/>
-              </a:ext>
-            </a:extLst>
-          </p:cNvPr>
-          <p:cNvPicPr>
-            <a:picLocks noChangeAspect="1"/>
-          </p:cNvPicPr>
-          <p:nvPr/>
-        </p:nvPicPr>
-        <p:blipFill>
-          <a:blip r:embed="rId2"/>
-          <a:stretch>
-            <a:fillRect/>
-          </a:stretch>
-        </p:blipFill>
-        <p:spPr>
-          <a:xfrm>
-            <a:off x="3988633" y="2145802"/>
-            <a:ext cx="8203367" cy="3521293"/>
-          </a:xfrm>
-          <a:prstGeom prst="rect">
-            <a:avLst/>
-          </a:prstGeom>
-        </p:spPr>
-      </p:pic>
-      <mc:AlternateContent xmlns:mc="http://schemas.openxmlformats.org/markup-compatibility/2006" xmlns:a14="http://schemas.microsoft.com/office/drawing/2010/main">
-        <mc:Choice Requires="a14">
-          <p:sp>
-            <p:nvSpPr>
-              <p:cNvPr id="6" name="TextBox 5">
-                <a:extLst>
-                  <a:ext uri="{FF2B5EF4-FFF2-40B4-BE49-F238E27FC236}">
-                    <a16:creationId xmlns:a16="http://schemas.microsoft.com/office/drawing/2014/main" id="{F9454607-A7EF-0943-B008-B2909340B183}"/>
-                  </a:ext>
-                </a:extLst>
-              </p:cNvPr>
-              <p:cNvSpPr txBox="1"/>
-              <p:nvPr/>
-            </p:nvSpPr>
-            <p:spPr>
-              <a:xfrm>
-                <a:off x="4582510" y="5783655"/>
-                <a:ext cx="4677103" cy="644279"/>
-              </a:xfrm>
-              <a:prstGeom prst="rect">
-                <a:avLst/>
-              </a:prstGeom>
-              <a:noFill/>
-            </p:spPr>
-            <p:txBody>
-              <a:bodyPr wrap="square" rtlCol="0">
-                <a:spAutoFit/>
-              </a:bodyPr>
-              <a:lstStyle/>
-              <a:p>
-                <a:r>
-                  <a:rPr lang="en-US" sz="1600" dirty="0">
-                    <a:latin typeface="Arial" panose="020B0604020202020204" pitchFamily="34" charset="0"/>
-                    <a:cs typeface="Arial" panose="020B0604020202020204" pitchFamily="34" charset="0"/>
-                  </a:rPr>
-                  <a:t>Fig. 4: SRG evolution of </a:t>
-                </a:r>
-                <a14:m>
-                  <m:oMath xmlns:m="http://schemas.openxmlformats.org/officeDocument/2006/math">
-                    <m:sSubSup>
-                      <m:sSubSupPr>
-                        <m:ctrlPr>
-                          <a:rPr lang="en-US" sz="1600" i="1">
-                            <a:latin typeface="Cambria Math" panose="02040503050406030204" pitchFamily="18" charset="0"/>
-                          </a:rPr>
-                        </m:ctrlPr>
-                      </m:sSubSupPr>
-                      <m:e>
-                        <m:r>
-                          <a:rPr lang="en-US" sz="1600" i="1">
-                            <a:latin typeface="Cambria Math" panose="02040503050406030204" pitchFamily="18" charset="0"/>
-                          </a:rPr>
-                          <m:t>𝑎</m:t>
-                        </m:r>
-                      </m:e>
-                      <m:sub>
-                        <m:r>
-                          <a:rPr lang="en-US" sz="1600" i="1">
-                            <a:latin typeface="Cambria Math" panose="02040503050406030204" pitchFamily="18" charset="0"/>
-                          </a:rPr>
-                          <m:t>𝑞</m:t>
-                        </m:r>
-                      </m:sub>
-                      <m:sup>
-                        <m:r>
-                          <a:rPr lang="en-US" sz="1600" i="1">
-                            <a:latin typeface="Cambria Math" panose="02040503050406030204" pitchFamily="18" charset="0"/>
-                            <a:ea typeface="Cambria Math" panose="02040503050406030204" pitchFamily="18" charset="0"/>
-                          </a:rPr>
-                          <m:t>†</m:t>
-                        </m:r>
-                      </m:sup>
-                    </m:sSubSup>
-                    <m:sSub>
-                      <m:sSubPr>
-                        <m:ctrlPr>
-                          <a:rPr lang="en-US" sz="1600" i="1">
-                            <a:latin typeface="Cambria Math" panose="02040503050406030204" pitchFamily="18" charset="0"/>
-                          </a:rPr>
-                        </m:ctrlPr>
-                      </m:sSubPr>
-                      <m:e>
-                        <m:r>
-                          <a:rPr lang="en-US" sz="1600" i="1">
-                            <a:latin typeface="Cambria Math" panose="02040503050406030204" pitchFamily="18" charset="0"/>
-                          </a:rPr>
-                          <m:t>𝑎</m:t>
-                        </m:r>
-                      </m:e>
-                      <m:sub>
-                        <m:r>
-                          <a:rPr lang="en-US" sz="1600" i="1">
-                            <a:latin typeface="Cambria Math" panose="02040503050406030204" pitchFamily="18" charset="0"/>
-                          </a:rPr>
-                          <m:t>𝑞</m:t>
-                        </m:r>
-                      </m:sub>
-                    </m:sSub>
-                  </m:oMath>
-                </a14:m>
-                <a:r>
-                  <a:rPr lang="en-US" sz="1600" dirty="0">
-                    <a:latin typeface="Arial" panose="020B0604020202020204" pitchFamily="34" charset="0"/>
-                    <a:cs typeface="Arial" panose="020B0604020202020204" pitchFamily="34" charset="0"/>
-                  </a:rPr>
-                  <a:t> for </a:t>
-                </a:r>
-                <a14:m>
-                  <m:oMath xmlns:m="http://schemas.openxmlformats.org/officeDocument/2006/math">
-                    <m:r>
-                      <a:rPr lang="en-US" sz="1600" i="1">
-                        <a:latin typeface="Cambria Math" panose="02040503050406030204" pitchFamily="18" charset="0"/>
-                      </a:rPr>
-                      <m:t>𝑞</m:t>
-                    </m:r>
-                    <m:r>
-                      <a:rPr lang="en-US" sz="1600" b="0" i="0" smtClean="0">
-                        <a:latin typeface="Cambria Math" panose="02040503050406030204" pitchFamily="18" charset="0"/>
-                      </a:rPr>
-                      <m:t>=3</m:t>
-                    </m:r>
-                  </m:oMath>
-                </a14:m>
-                <a:r>
-                  <a:rPr lang="en-US" sz="1600" dirty="0">
-                    <a:latin typeface="Arial" panose="020B0604020202020204" pitchFamily="34" charset="0"/>
-                    <a:cs typeface="Arial" panose="020B0604020202020204" pitchFamily="34" charset="0"/>
-                  </a:rPr>
-                  <a:t> fm</a:t>
-                </a:r>
-                <a:r>
-                  <a:rPr lang="en-US" sz="1600" baseline="30000" dirty="0">
-                    <a:latin typeface="Arial" panose="020B0604020202020204" pitchFamily="34" charset="0"/>
-                    <a:cs typeface="Arial" panose="020B0604020202020204" pitchFamily="34" charset="0"/>
-                  </a:rPr>
-                  <a:t>-1</a:t>
-                </a:r>
-                <a:r>
-                  <a:rPr lang="en-US" sz="1600" dirty="0">
-                    <a:latin typeface="Arial" panose="020B0604020202020204" pitchFamily="34" charset="0"/>
-                    <a:cs typeface="Arial" panose="020B0604020202020204" pitchFamily="34" charset="0"/>
-                  </a:rPr>
-                  <a:t>. Transformations done with RKE N</a:t>
-                </a:r>
-                <a:r>
-                  <a:rPr lang="en-US" sz="1600" baseline="30000" dirty="0">
-                    <a:latin typeface="Arial" panose="020B0604020202020204" pitchFamily="34" charset="0"/>
-                    <a:cs typeface="Arial" panose="020B0604020202020204" pitchFamily="34" charset="0"/>
-                  </a:rPr>
-                  <a:t>4</a:t>
-                </a:r>
-                <a:r>
-                  <a:rPr lang="en-US" sz="1600" dirty="0">
-                    <a:latin typeface="Arial" panose="020B0604020202020204" pitchFamily="34" charset="0"/>
-                    <a:cs typeface="Arial" panose="020B0604020202020204" pitchFamily="34" charset="0"/>
-                  </a:rPr>
-                  <a:t>LO 450 MeV.</a:t>
-                </a:r>
-              </a:p>
-            </p:txBody>
-          </p:sp>
-        </mc:Choice>
-        <mc:Fallback xmlns="">
-          <p:sp>
-            <p:nvSpPr>
-              <p:cNvPr id="6" name="TextBox 5">
-                <a:extLst>
-                  <a:ext uri="{FF2B5EF4-FFF2-40B4-BE49-F238E27FC236}">
-                    <a16:creationId xmlns:a16="http://schemas.microsoft.com/office/drawing/2014/main" id="{F9454607-A7EF-0943-B008-B2909340B183}"/>
-                  </a:ext>
-                </a:extLst>
-              </p:cNvPr>
-              <p:cNvSpPr txBox="1">
-                <a:spLocks noRot="1" noChangeAspect="1" noMove="1" noResize="1" noEditPoints="1" noAdjustHandles="1" noChangeArrowheads="1" noChangeShapeType="1" noTextEdit="1"/>
-              </p:cNvSpPr>
-              <p:nvPr/>
-            </p:nvSpPr>
-            <p:spPr>
-              <a:xfrm>
-                <a:off x="4582510" y="5783655"/>
-                <a:ext cx="4677103" cy="644279"/>
-              </a:xfrm>
-              <a:prstGeom prst="rect">
-                <a:avLst/>
-              </a:prstGeom>
-              <a:blipFill>
-                <a:blip r:embed="rId3"/>
-                <a:stretch>
-                  <a:fillRect l="-542" b="-9615"/>
-                </a:stretch>
-              </a:blipFill>
-            </p:spPr>
-            <p:txBody>
-              <a:bodyPr/>
-              <a:lstStyle/>
-              <a:p>
-                <a:r>
-                  <a:rPr lang="en-US">
-                    <a:noFill/>
-                  </a:rPr>
-                  <a:t> </a:t>
-                </a:r>
-              </a:p>
-            </p:txBody>
-          </p:sp>
-        </mc:Fallback>
-      </mc:AlternateContent>
-      <p:pic>
-        <p:nvPicPr>
-          <p:cNvPr id="7" name="Picture 6">
-            <a:extLst>
-              <a:ext uri="{FF2B5EF4-FFF2-40B4-BE49-F238E27FC236}">
-                <a16:creationId xmlns:a16="http://schemas.microsoft.com/office/drawing/2014/main" id="{83B7B6D5-FA76-0140-A724-6F2AB01B4F60}"/>
-              </a:ext>
-            </a:extLst>
-          </p:cNvPr>
-          <p:cNvPicPr>
-            <a:picLocks noChangeAspect="1"/>
-          </p:cNvPicPr>
-          <p:nvPr/>
-        </p:nvPicPr>
-        <p:blipFill>
-          <a:blip r:embed="rId4"/>
-          <a:stretch>
-            <a:fillRect/>
-          </a:stretch>
-        </p:blipFill>
-        <p:spPr>
-          <a:xfrm>
-            <a:off x="0" y="2314646"/>
-            <a:ext cx="3949700" cy="3581400"/>
-          </a:xfrm>
-          <a:prstGeom prst="rect">
-            <a:avLst/>
-          </a:prstGeom>
-        </p:spPr>
-      </p:pic>
-      <mc:AlternateContent xmlns:mc="http://schemas.openxmlformats.org/markup-compatibility/2006" xmlns:a14="http://schemas.microsoft.com/office/drawing/2010/main">
-        <mc:Choice Requires="a14">
-          <p:sp>
-            <p:nvSpPr>
-              <p:cNvPr id="11" name="Rectangle 10">
-                <a:extLst>
-                  <a:ext uri="{FF2B5EF4-FFF2-40B4-BE49-F238E27FC236}">
-                    <a16:creationId xmlns:a16="http://schemas.microsoft.com/office/drawing/2014/main" id="{EFE89A96-489F-6247-AABC-F5B2782C7927}"/>
-                  </a:ext>
-                </a:extLst>
-              </p:cNvPr>
-              <p:cNvSpPr/>
-              <p:nvPr/>
-            </p:nvSpPr>
-            <p:spPr>
-              <a:xfrm>
-                <a:off x="316405" y="5850017"/>
-                <a:ext cx="3949700" cy="348300"/>
-              </a:xfrm>
-              <a:prstGeom prst="rect">
-                <a:avLst/>
-              </a:prstGeom>
-            </p:spPr>
-            <p:txBody>
-              <a:bodyPr wrap="square">
-                <a:spAutoFit/>
-              </a:bodyPr>
-              <a:lstStyle/>
-              <a:p>
-                <a:r>
-                  <a:rPr lang="en-US" sz="1600" dirty="0">
-                    <a:latin typeface="Arial" panose="020B0604020202020204" pitchFamily="34" charset="0"/>
-                    <a:cs typeface="Arial" panose="020B0604020202020204" pitchFamily="34" charset="0"/>
-                  </a:rPr>
-                  <a:t>Fig. 6: SRG evolution of </a:t>
-                </a:r>
-                <a14:m>
-                  <m:oMath xmlns:m="http://schemas.openxmlformats.org/officeDocument/2006/math">
-                    <m:sSubSup>
-                      <m:sSubSupPr>
-                        <m:ctrlPr>
-                          <a:rPr lang="en-US" sz="1600" i="1" dirty="0" smtClean="0">
-                            <a:latin typeface="Cambria Math" panose="02040503050406030204" pitchFamily="18" charset="0"/>
-                            <a:cs typeface="Arial" panose="020B0604020202020204" pitchFamily="34" charset="0"/>
-                          </a:rPr>
-                        </m:ctrlPr>
-                      </m:sSubSupPr>
-                      <m:e>
-                        <m:r>
-                          <a:rPr lang="en-US" sz="1600" i="1" dirty="0" smtClean="0">
-                            <a:latin typeface="Cambria Math" panose="02040503050406030204" pitchFamily="18" charset="0"/>
-                            <a:ea typeface="Cambria Math" panose="02040503050406030204" pitchFamily="18" charset="0"/>
-                            <a:cs typeface="Arial" panose="020B0604020202020204" pitchFamily="34" charset="0"/>
-                          </a:rPr>
-                          <m:t>𝜓</m:t>
-                        </m:r>
-                      </m:e>
-                      <m:sub>
-                        <m:r>
-                          <a:rPr lang="en-US" sz="1600" b="0" i="1" dirty="0" smtClean="0">
-                            <a:latin typeface="Cambria Math" panose="02040503050406030204" pitchFamily="18" charset="0"/>
-                            <a:cs typeface="Arial" panose="020B0604020202020204" pitchFamily="34" charset="0"/>
-                          </a:rPr>
-                          <m:t>𝑑</m:t>
-                        </m:r>
-                      </m:sub>
-                      <m:sup>
-                        <m:r>
-                          <a:rPr lang="en-US" sz="1600" b="0" i="1" dirty="0" smtClean="0">
-                            <a:latin typeface="Cambria Math" panose="02040503050406030204" pitchFamily="18" charset="0"/>
-                            <a:cs typeface="Arial" panose="020B0604020202020204" pitchFamily="34" charset="0"/>
-                          </a:rPr>
-                          <m:t>2</m:t>
-                        </m:r>
-                      </m:sup>
-                    </m:sSubSup>
-                    <m:r>
-                      <a:rPr lang="en-US" sz="1600" b="0" i="1" dirty="0" smtClean="0">
-                        <a:latin typeface="Cambria Math" panose="02040503050406030204" pitchFamily="18" charset="0"/>
-                        <a:cs typeface="Arial" panose="020B0604020202020204" pitchFamily="34" charset="0"/>
-                      </a:rPr>
-                      <m:t>(</m:t>
-                    </m:r>
-                    <m:r>
-                      <a:rPr lang="en-US" sz="1600" b="0" i="1" dirty="0" smtClean="0">
-                        <a:latin typeface="Cambria Math" panose="02040503050406030204" pitchFamily="18" charset="0"/>
-                        <a:cs typeface="Arial" panose="020B0604020202020204" pitchFamily="34" charset="0"/>
-                      </a:rPr>
-                      <m:t>𝑘</m:t>
-                    </m:r>
-                    <m:r>
-                      <a:rPr lang="en-US" sz="1600" b="0" i="1" dirty="0" smtClean="0">
-                        <a:latin typeface="Cambria Math" panose="02040503050406030204" pitchFamily="18" charset="0"/>
-                        <a:cs typeface="Arial" panose="020B0604020202020204" pitchFamily="34" charset="0"/>
-                      </a:rPr>
-                      <m:t>)</m:t>
-                    </m:r>
-                  </m:oMath>
-                </a14:m>
-                <a:r>
-                  <a:rPr lang="en-US" sz="1600" dirty="0">
-                    <a:latin typeface="Arial" panose="020B0604020202020204" pitchFamily="34" charset="0"/>
-                    <a:cs typeface="Arial" panose="020B0604020202020204" pitchFamily="34" charset="0"/>
-                  </a:rPr>
-                  <a:t>.</a:t>
-                </a:r>
-              </a:p>
-            </p:txBody>
-          </p:sp>
-        </mc:Choice>
-        <mc:Fallback xmlns="">
-          <p:sp>
-            <p:nvSpPr>
-              <p:cNvPr id="11" name="Rectangle 10">
-                <a:extLst>
-                  <a:ext uri="{FF2B5EF4-FFF2-40B4-BE49-F238E27FC236}">
-                    <a16:creationId xmlns:a16="http://schemas.microsoft.com/office/drawing/2014/main" id="{EFE89A96-489F-6247-AABC-F5B2782C7927}"/>
-                  </a:ext>
-                </a:extLst>
-              </p:cNvPr>
-              <p:cNvSpPr>
-                <a:spLocks noRot="1" noChangeAspect="1" noMove="1" noResize="1" noEditPoints="1" noAdjustHandles="1" noChangeArrowheads="1" noChangeShapeType="1" noTextEdit="1"/>
-              </p:cNvSpPr>
-              <p:nvPr/>
-            </p:nvSpPr>
-            <p:spPr>
-              <a:xfrm>
-                <a:off x="316405" y="5850017"/>
-                <a:ext cx="3949700" cy="348300"/>
-              </a:xfrm>
-              <a:prstGeom prst="rect">
-                <a:avLst/>
-              </a:prstGeom>
-              <a:blipFill>
-                <a:blip r:embed="rId5"/>
-                <a:stretch>
-                  <a:fillRect l="-641" t="-3571" b="-17857"/>
-                </a:stretch>
-              </a:blipFill>
-            </p:spPr>
-            <p:txBody>
-              <a:bodyPr/>
-              <a:lstStyle/>
-              <a:p>
-                <a:r>
-                  <a:rPr lang="en-US">
-                    <a:noFill/>
-                  </a:rPr>
-                  <a:t> </a:t>
-                </a:r>
-              </a:p>
-            </p:txBody>
-          </p:sp>
-        </mc:Fallback>
-      </mc:AlternateContent>
-      <p:sp>
-        <p:nvSpPr>
-          <p:cNvPr id="3" name="TextBox 2">
-            <a:extLst>
-              <a:ext uri="{FF2B5EF4-FFF2-40B4-BE49-F238E27FC236}">
-                <a16:creationId xmlns:a16="http://schemas.microsoft.com/office/drawing/2014/main" id="{0C5C8FE5-6BE1-CD42-815F-E1483DEF38D5}"/>
-              </a:ext>
-            </a:extLst>
-          </p:cNvPr>
-          <p:cNvSpPr txBox="1"/>
-          <p:nvPr/>
-        </p:nvSpPr>
-        <p:spPr>
-          <a:xfrm>
-            <a:off x="94594" y="1794701"/>
-            <a:ext cx="5125314" cy="461665"/>
-          </a:xfrm>
-          <a:prstGeom prst="rect">
-            <a:avLst/>
-          </a:prstGeom>
-          <a:noFill/>
-        </p:spPr>
-        <p:txBody>
-          <a:bodyPr wrap="none" rtlCol="0">
-            <a:spAutoFit/>
-          </a:bodyPr>
-          <a:lstStyle/>
-          <a:p>
-            <a:r>
-              <a:rPr lang="en-US" sz="2400" dirty="0">
-                <a:solidFill>
-                  <a:srgbClr val="C00000"/>
-                </a:solidFill>
-              </a:rPr>
-              <a:t>Consistently evolve the wave functions!</a:t>
-            </a:r>
-          </a:p>
-        </p:txBody>
-      </p:sp>
-      <p:sp>
-        <p:nvSpPr>
-          <p:cNvPr id="8" name="Slide Number Placeholder 7">
-            <a:extLst>
-              <a:ext uri="{FF2B5EF4-FFF2-40B4-BE49-F238E27FC236}">
-                <a16:creationId xmlns:a16="http://schemas.microsoft.com/office/drawing/2014/main" id="{D8533AA9-6FAF-3540-ADE3-774D151DBE10}"/>
-              </a:ext>
-            </a:extLst>
-          </p:cNvPr>
-          <p:cNvSpPr>
-            <a:spLocks noGrp="1"/>
-          </p:cNvSpPr>
-          <p:nvPr>
-            <p:ph type="sldNum" sz="quarter" idx="12"/>
-          </p:nvPr>
-        </p:nvSpPr>
-        <p:spPr/>
-        <p:txBody>
-          <a:bodyPr/>
-          <a:lstStyle/>
-          <a:p>
-            <a:fld id="{DD20F09D-B375-B446-8D61-90653E4EE1AB}" type="slidenum">
-              <a:rPr lang="en-US" smtClean="0"/>
-              <a:t>23</a:t>
-            </a:fld>
-            <a:endParaRPr lang="en-US"/>
-          </a:p>
-        </p:txBody>
-      </p:sp>
-    </p:spTree>
-    <p:extLst>
-      <p:ext uri="{BB962C8B-B14F-4D97-AF65-F5344CB8AC3E}">
-        <p14:creationId xmlns:p14="http://schemas.microsoft.com/office/powerpoint/2010/main" val="3545847574"/>
-      </p:ext>
-    </p:extLst>
-  </p:cSld>
-  <p:clrMapOvr>
-    <a:masterClrMapping/>
-  </p:clrMapOvr>
-</p:sld>
-</file>
-
-<file path=ppt/slides/slide24.xml><?xml version="1.0" encoding="utf-8"?>
 <p:sld xmlns:a="http://schemas.openxmlformats.org/drawingml/2006/main" xmlns:r="http://schemas.openxmlformats.org/officeDocument/2006/relationships" xmlns:p="http://schemas.openxmlformats.org/presentationml/2006/main">
   <p:cSld>
     <p:spTree>
@@ -13629,7 +13565,7 @@
           <a:p>
             <a:fld id="{DD20F09D-B375-B446-8D61-90653E4EE1AB}" type="slidenum">
               <a:rPr lang="en-US" smtClean="0"/>
-              <a:t>24</a:t>
+              <a:t>23</a:t>
             </a:fld>
             <a:endParaRPr lang="en-US"/>
           </a:p>
@@ -13648,7 +13584,7 @@
 </p:sld>
 </file>
 
-<file path=ppt/slides/slide25.xml><?xml version="1.0" encoding="utf-8"?>
+<file path=ppt/slides/slide24.xml><?xml version="1.0" encoding="utf-8"?>
 <p:sld xmlns:a="http://schemas.openxmlformats.org/drawingml/2006/main" xmlns:r="http://schemas.openxmlformats.org/officeDocument/2006/relationships" xmlns:p="http://schemas.openxmlformats.org/presentationml/2006/main">
   <p:cSld>
     <p:spTree>
@@ -14384,7 +14320,7 @@
           <a:p>
             <a:fld id="{DD20F09D-B375-B446-8D61-90653E4EE1AB}" type="slidenum">
               <a:rPr lang="en-US" smtClean="0"/>
-              <a:t>25</a:t>
+              <a:t>24</a:t>
             </a:fld>
             <a:endParaRPr lang="en-US"/>
           </a:p>
@@ -14403,7 +14339,7 @@
 </p:sld>
 </file>
 
-<file path=ppt/slides/slide26.xml><?xml version="1.0" encoding="utf-8"?>
+<file path=ppt/slides/slide25.xml><?xml version="1.0" encoding="utf-8"?>
 <p:sld xmlns:a="http://schemas.openxmlformats.org/drawingml/2006/main" xmlns:r="http://schemas.openxmlformats.org/officeDocument/2006/relationships" xmlns:p="http://schemas.openxmlformats.org/presentationml/2006/main">
   <p:cSld>
     <p:spTree>
@@ -14543,7 +14479,7 @@
             </a:pPr>
             <a:r>
               <a:rPr lang="en-US" dirty="0"/>
-              <a:t>Results suggest one can analyze high-energy nuclear reactions with low-resolution structure (e.g., shell model) if evolved operator used</a:t>
+              <a:t>Results suggest one can analyze high-energy nuclear reactions with low-resolution structure (e.g., shell model) if evolved operator used (and correct initial operator)</a:t>
             </a:r>
           </a:p>
           <a:p>
@@ -14587,7 +14523,7 @@
           <a:p>
             <a:fld id="{DD20F09D-B375-B446-8D61-90653E4EE1AB}" type="slidenum">
               <a:rPr lang="en-US" smtClean="0"/>
-              <a:t>26</a:t>
+              <a:t>25</a:t>
             </a:fld>
             <a:endParaRPr lang="en-US"/>
           </a:p>
@@ -14606,7 +14542,7 @@
 </p:sld>
 </file>
 
-<file path=ppt/slides/slide27.xml><?xml version="1.0" encoding="utf-8"?>
+<file path=ppt/slides/slide26.xml><?xml version="1.0" encoding="utf-8"?>
 <p:sld xmlns:a="http://schemas.openxmlformats.org/drawingml/2006/main" xmlns:r="http://schemas.openxmlformats.org/officeDocument/2006/relationships" xmlns:p="http://schemas.openxmlformats.org/presentationml/2006/main">
   <p:cSld>
     <p:spTree>
@@ -14812,7 +14748,7 @@
           <a:p>
             <a:fld id="{DD20F09D-B375-B446-8D61-90653E4EE1AB}" type="slidenum">
               <a:rPr lang="en-US" smtClean="0"/>
-              <a:t>27</a:t>
+              <a:t>26</a:t>
             </a:fld>
             <a:endParaRPr lang="en-US"/>
           </a:p>
@@ -14831,7 +14767,7 @@
 </p:sld>
 </file>
 
-<file path=ppt/slides/slide28.xml><?xml version="1.0" encoding="utf-8"?>
+<file path=ppt/slides/slide27.xml><?xml version="1.0" encoding="utf-8"?>
 <p:sld xmlns:a="http://schemas.openxmlformats.org/drawingml/2006/main" xmlns:r="http://schemas.openxmlformats.org/officeDocument/2006/relationships" xmlns:p="http://schemas.openxmlformats.org/presentationml/2006/main">
   <p:cSld>
     <p:spTree>
@@ -14876,8 +14812,8 @@
           </a:p>
         </p:txBody>
       </p:sp>
-      <mc:AlternateContent xmlns:mc="http://schemas.openxmlformats.org/markup-compatibility/2006" xmlns:a14="http://schemas.microsoft.com/office/drawing/2010/main">
-        <mc:Choice Requires="a14">
+      <mc:AlternateContent xmlns:mc="http://schemas.openxmlformats.org/markup-compatibility/2006">
+        <mc:Choice xmlns:a14="http://schemas.microsoft.com/office/drawing/2010/main" Requires="a14">
           <p:sp>
             <p:nvSpPr>
               <p:cNvPr id="8" name="TextBox 7">
@@ -14892,8 +14828,8 @@
             </p:nvSpPr>
             <p:spPr>
               <a:xfrm>
-                <a:off x="3757448" y="5665076"/>
-                <a:ext cx="4677103" cy="830997"/>
+                <a:off x="1681655" y="5375701"/>
+                <a:ext cx="7168055" cy="830997"/>
               </a:xfrm>
               <a:prstGeom prst="rect">
                 <a:avLst/>
@@ -14911,21 +14847,148 @@
                     <a:latin typeface="Arial" panose="020B0604020202020204" pitchFamily="34" charset="0"/>
                     <a:cs typeface="Arial" panose="020B0604020202020204" pitchFamily="34" charset="0"/>
                   </a:rPr>
-                  <a:t>Fig. 8: SRG evolution of deuteron wave function in coordinate space for AV18 and two LO chiral models at high momentum-space cutoffs </a:t>
+                  <a:t>Fig. 9: Ratio of SRG transformations </a:t>
                 </a:r>
                 <a14:m>
                   <m:oMath xmlns:m="http://schemas.openxmlformats.org/officeDocument/2006/math">
                     <m:r>
-                      <m:rPr>
-                        <m:sty m:val="p"/>
-                      </m:rPr>
-                      <a:rPr lang="el-GR" sz="1600" i="1" smtClean="0">
+                      <a:rPr lang="en-US" sz="1600" b="0" i="1" smtClean="0">
                         <a:latin typeface="Cambria Math" panose="02040503050406030204" pitchFamily="18" charset="0"/>
-                        <a:ea typeface="Cambria Math" panose="02040503050406030204" pitchFamily="18" charset="0"/>
                         <a:cs typeface="Arial" panose="020B0604020202020204" pitchFamily="34" charset="0"/>
                       </a:rPr>
-                      <m:t>Λ</m:t>
+                      <m:t>𝑈</m:t>
                     </m:r>
+                    <m:r>
+                      <a:rPr lang="en-US" sz="1600" b="0" i="1" smtClean="0">
+                        <a:latin typeface="Cambria Math" panose="02040503050406030204" pitchFamily="18" charset="0"/>
+                        <a:cs typeface="Arial" panose="020B0604020202020204" pitchFamily="34" charset="0"/>
+                      </a:rPr>
+                      <m:t>(</m:t>
+                    </m:r>
+                    <m:r>
+                      <a:rPr lang="en-US" sz="1600" b="0" i="1" smtClean="0">
+                        <a:latin typeface="Cambria Math" panose="02040503050406030204" pitchFamily="18" charset="0"/>
+                        <a:cs typeface="Arial" panose="020B0604020202020204" pitchFamily="34" charset="0"/>
+                      </a:rPr>
+                      <m:t>𝑘</m:t>
+                    </m:r>
+                    <m:r>
+                      <a:rPr lang="en-US" sz="1600" b="0" i="1" smtClean="0">
+                        <a:latin typeface="Cambria Math" panose="02040503050406030204" pitchFamily="18" charset="0"/>
+                        <a:cs typeface="Arial" panose="020B0604020202020204" pitchFamily="34" charset="0"/>
+                      </a:rPr>
+                      <m:t>,</m:t>
+                    </m:r>
+                    <m:r>
+                      <a:rPr lang="en-US" sz="1600" b="0" i="1" smtClean="0">
+                        <a:latin typeface="Cambria Math" panose="02040503050406030204" pitchFamily="18" charset="0"/>
+                        <a:cs typeface="Arial" panose="020B0604020202020204" pitchFamily="34" charset="0"/>
+                      </a:rPr>
+                      <m:t>𝑞</m:t>
+                    </m:r>
+                    <m:r>
+                      <a:rPr lang="en-US" sz="1600" b="0" i="1" smtClean="0">
+                        <a:latin typeface="Cambria Math" panose="02040503050406030204" pitchFamily="18" charset="0"/>
+                        <a:cs typeface="Arial" panose="020B0604020202020204" pitchFamily="34" charset="0"/>
+                      </a:rPr>
+                      <m:t>)</m:t>
+                    </m:r>
+                  </m:oMath>
+                </a14:m>
+                <a:r>
+                  <a:rPr lang="en-US" sz="1600" dirty="0">
+                    <a:latin typeface="Arial" panose="020B0604020202020204" pitchFamily="34" charset="0"/>
+                    <a:cs typeface="Arial" panose="020B0604020202020204" pitchFamily="34" charset="0"/>
+                  </a:rPr>
+                  <a:t> at low- and high-momentum values with respect to high-momentum </a:t>
+                </a:r>
+                <a14:m>
+                  <m:oMath xmlns:m="http://schemas.openxmlformats.org/officeDocument/2006/math">
+                    <m:r>
+                      <a:rPr lang="en-US" sz="1600" i="1">
+                        <a:latin typeface="Cambria Math" panose="02040503050406030204" pitchFamily="18" charset="0"/>
+                        <a:cs typeface="Arial" panose="020B0604020202020204" pitchFamily="34" charset="0"/>
+                      </a:rPr>
+                      <m:t>𝑞</m:t>
+                    </m:r>
+                  </m:oMath>
+                </a14:m>
+                <a:r>
+                  <a:rPr lang="en-US" sz="1600" dirty="0">
+                    <a:latin typeface="Arial" panose="020B0604020202020204" pitchFamily="34" charset="0"/>
+                    <a:cs typeface="Arial" panose="020B0604020202020204" pitchFamily="34" charset="0"/>
+                  </a:rPr>
+                  <a:t>, and fixing the low-momentum of the denominator </a:t>
+                </a:r>
+                <a14:m>
+                  <m:oMath xmlns:m="http://schemas.openxmlformats.org/officeDocument/2006/math">
+                    <m:sSub>
+                      <m:sSubPr>
+                        <m:ctrlPr>
+                          <a:rPr lang="en-US" sz="1600" i="1" smtClean="0">
+                            <a:latin typeface="Cambria Math" panose="02040503050406030204" pitchFamily="18" charset="0"/>
+                            <a:cs typeface="Arial" panose="020B0604020202020204" pitchFamily="34" charset="0"/>
+                          </a:rPr>
+                        </m:ctrlPr>
+                      </m:sSubPr>
+                      <m:e>
+                        <m:r>
+                          <a:rPr lang="en-US" sz="1600" b="0" i="1" smtClean="0">
+                            <a:latin typeface="Cambria Math" panose="02040503050406030204" pitchFamily="18" charset="0"/>
+                            <a:cs typeface="Arial" panose="020B0604020202020204" pitchFamily="34" charset="0"/>
+                          </a:rPr>
+                          <m:t>𝑘</m:t>
+                        </m:r>
+                      </m:e>
+                      <m:sub>
+                        <m:r>
+                          <a:rPr lang="en-US" sz="1600" b="0" i="1" smtClean="0">
+                            <a:latin typeface="Cambria Math" panose="02040503050406030204" pitchFamily="18" charset="0"/>
+                            <a:cs typeface="Arial" panose="020B0604020202020204" pitchFamily="34" charset="0"/>
+                          </a:rPr>
+                          <m:t>0</m:t>
+                        </m:r>
+                      </m:sub>
+                    </m:sSub>
+                  </m:oMath>
+                </a14:m>
+                <a:r>
+                  <a:rPr lang="en-US" sz="1600" dirty="0">
+                    <a:latin typeface="Arial" panose="020B0604020202020204" pitchFamily="34" charset="0"/>
+                    <a:cs typeface="Arial" panose="020B0604020202020204" pitchFamily="34" charset="0"/>
+                  </a:rPr>
+                  <a:t> and varying the low-momentum of the numerator </a:t>
+                </a:r>
+                <a14:m>
+                  <m:oMath xmlns:m="http://schemas.openxmlformats.org/officeDocument/2006/math">
+                    <m:sSub>
+                      <m:sSubPr>
+                        <m:ctrlPr>
+                          <a:rPr lang="en-US" sz="1600" i="1">
+                            <a:latin typeface="Cambria Math" panose="02040503050406030204" pitchFamily="18" charset="0"/>
+                            <a:cs typeface="Arial" panose="020B0604020202020204" pitchFamily="34" charset="0"/>
+                          </a:rPr>
+                        </m:ctrlPr>
+                      </m:sSubPr>
+                      <m:e>
+                        <m:r>
+                          <a:rPr lang="en-US" sz="1600" i="1">
+                            <a:latin typeface="Cambria Math" panose="02040503050406030204" pitchFamily="18" charset="0"/>
+                            <a:cs typeface="Arial" panose="020B0604020202020204" pitchFamily="34" charset="0"/>
+                          </a:rPr>
+                          <m:t>𝑘</m:t>
+                        </m:r>
+                      </m:e>
+                      <m:sub>
+                        <m:r>
+                          <a:rPr lang="en-US" sz="1600" b="0" i="1" smtClean="0">
+                            <a:latin typeface="Cambria Math" panose="02040503050406030204" pitchFamily="18" charset="0"/>
+                            <a:cs typeface="Arial" panose="020B0604020202020204" pitchFamily="34" charset="0"/>
+                          </a:rPr>
+                          <m:t>𝑖</m:t>
+                        </m:r>
+                      </m:sub>
+                    </m:sSub>
                   </m:oMath>
                 </a14:m>
                 <a:r>
@@ -14939,7 +15002,7 @@
             </p:txBody>
           </p:sp>
         </mc:Choice>
-        <mc:Fallback xmlns="">
+        <mc:Fallback>
           <p:sp>
             <p:nvSpPr>
               <p:cNvPr id="8" name="TextBox 7">
@@ -14956,16 +15019,16 @@
             </p:nvSpPr>
             <p:spPr>
               <a:xfrm>
-                <a:off x="3757448" y="5665076"/>
-                <a:ext cx="4677103" cy="830997"/>
+                <a:off x="1681655" y="5375701"/>
+                <a:ext cx="7168055" cy="830997"/>
               </a:xfrm>
               <a:prstGeom prst="rect">
                 <a:avLst/>
               </a:prstGeom>
               <a:blipFill>
-                <a:blip r:embed="rId3"/>
+                <a:blip r:embed="rId2"/>
                 <a:stretch>
-                  <a:fillRect l="-542" t="-1493" b="-7463"/>
+                  <a:fillRect l="-354" t="-1493" b="-7463"/>
                 </a:stretch>
               </a:blipFill>
             </p:spPr>
@@ -15042,12 +15105,42 @@
           <a:p>
             <a:fld id="{DD20F09D-B375-B446-8D61-90653E4EE1AB}" type="slidenum">
               <a:rPr lang="en-US" smtClean="0"/>
-              <a:t>28</a:t>
+              <a:t>27</a:t>
             </a:fld>
             <a:endParaRPr lang="en-US"/>
           </a:p>
         </p:txBody>
       </p:sp>
+      <p:pic>
+        <p:nvPicPr>
+          <p:cNvPr id="6" name="Picture 5">
+            <a:extLst>
+              <a:ext uri="{FF2B5EF4-FFF2-40B4-BE49-F238E27FC236}">
+                <a16:creationId xmlns:a16="http://schemas.microsoft.com/office/drawing/2014/main" id="{E91A4A5D-291F-9C41-8252-EE988FAD2E73}"/>
+              </a:ext>
+            </a:extLst>
+          </p:cNvPr>
+          <p:cNvPicPr>
+            <a:picLocks noChangeAspect="1"/>
+          </p:cNvPicPr>
+          <p:nvPr/>
+        </p:nvPicPr>
+        <p:blipFill>
+          <a:blip r:embed="rId3"/>
+          <a:stretch>
+            <a:fillRect/>
+          </a:stretch>
+        </p:blipFill>
+        <p:spPr>
+          <a:xfrm>
+            <a:off x="323850" y="1631950"/>
+            <a:ext cx="11544300" cy="3594100"/>
+          </a:xfrm>
+          <a:prstGeom prst="rect">
+            <a:avLst/>
+          </a:prstGeom>
+        </p:spPr>
+      </p:pic>
     </p:spTree>
     <p:extLst>
       <p:ext uri="{BB962C8B-B14F-4D97-AF65-F5344CB8AC3E}">
@@ -15116,8 +15209,8 @@
           </a:p>
         </p:txBody>
       </p:sp>
-      <mc:AlternateContent xmlns:mc="http://schemas.openxmlformats.org/markup-compatibility/2006">
-        <mc:Choice xmlns:a14="http://schemas.microsoft.com/office/drawing/2010/main" Requires="a14">
+      <mc:AlternateContent xmlns:mc="http://schemas.openxmlformats.org/markup-compatibility/2006" xmlns:a14="http://schemas.microsoft.com/office/drawing/2010/main">
+        <mc:Choice Requires="a14">
           <p:sp>
             <p:nvSpPr>
               <p:cNvPr id="3" name="Content Placeholder 2">
@@ -15244,7 +15337,7 @@
             </p:txBody>
           </p:sp>
         </mc:Choice>
-        <mc:Fallback>
+        <mc:Fallback xmlns="">
           <p:sp>
             <p:nvSpPr>
               <p:cNvPr id="3" name="Content Placeholder 2">
@@ -15399,7 +15492,12 @@
                 <p:ph idx="1"/>
               </p:nvPr>
             </p:nvSpPr>
-            <p:spPr/>
+            <p:spPr>
+              <a:xfrm>
+                <a:off x="838200" y="1825625"/>
+                <a:ext cx="10744200" cy="4351338"/>
+              </a:xfrm>
+            </p:spPr>
             <p:txBody>
               <a:bodyPr>
                 <a:noAutofit/>
@@ -15510,7 +15608,7 @@
                       <a:srgbClr val="C00000"/>
                     </a:solidFill>
                   </a:rPr>
-                  <a:t>Use SRG to analyze high-energy reactions at low resolution by consistently evolving wave function and corresponding operators</a:t>
+                  <a:t>Goal: use SRG to analyze high-energy reactions at low resolution by consistently evolving wave function and corresponding operators</a:t>
                 </a:r>
               </a:p>
             </p:txBody>
@@ -15534,10 +15632,14 @@
               </p:nvPr>
             </p:nvSpPr>
             <p:spPr>
+              <a:xfrm>
+                <a:off x="838200" y="1825625"/>
+                <a:ext cx="10744200" cy="4351338"/>
+              </a:xfrm>
               <a:blipFill>
                 <a:blip r:embed="rId2"/>
                 <a:stretch>
-                  <a:fillRect l="-844" t="-1462" b="-10526"/>
+                  <a:fillRect l="-826" t="-1462" r="-354" b="-10526"/>
                 </a:stretch>
               </a:blipFill>
             </p:spPr>

--- a/Presentations/NUCLEI_June2020/tropiano_nuclei_2020.pptx
+++ b/Presentations/NUCLEI_June2020/tropiano_nuclei_2020.pptx
@@ -240,7 +240,7 @@
             <a:fld id="{0A84EC41-ECD6-7F4B-B508-87B276563826}" type="datetimeFigureOut">
               <a:rPr lang="en-US" smtClean="0"/>
               <a:pPr/>
-              <a:t>6/9/20</a:t>
+              <a:t>10/21/20</a:t>
             </a:fld>
             <a:endParaRPr lang="en-US" dirty="0"/>
           </a:p>
@@ -952,7 +952,7 @@
           <a:p>
             <a:fld id="{C3DAB034-3E69-C74A-A1B2-01597DB1B319}" type="datetime1">
               <a:rPr lang="en-US" smtClean="0"/>
-              <a:t>6/9/20</a:t>
+              <a:t>10/21/20</a:t>
             </a:fld>
             <a:endParaRPr lang="en-US"/>
           </a:p>
@@ -1150,7 +1150,7 @@
           <a:p>
             <a:fld id="{6843452F-8DB3-B94F-A029-4C1F744B0F07}" type="datetime1">
               <a:rPr lang="en-US" smtClean="0"/>
-              <a:t>6/9/20</a:t>
+              <a:t>10/21/20</a:t>
             </a:fld>
             <a:endParaRPr lang="en-US"/>
           </a:p>
@@ -1358,7 +1358,7 @@
           <a:p>
             <a:fld id="{A03CF1D7-886B-3F42-AD05-1608A08018BE}" type="datetime1">
               <a:rPr lang="en-US" smtClean="0"/>
-              <a:t>6/9/20</a:t>
+              <a:t>10/21/20</a:t>
             </a:fld>
             <a:endParaRPr lang="en-US"/>
           </a:p>
@@ -1556,7 +1556,7 @@
           <a:p>
             <a:fld id="{17472CCF-9B47-4A41-91F6-0E2B23F36AAB}" type="datetime1">
               <a:rPr lang="en-US" smtClean="0"/>
-              <a:t>6/9/20</a:t>
+              <a:t>10/21/20</a:t>
             </a:fld>
             <a:endParaRPr lang="en-US"/>
           </a:p>
@@ -1831,7 +1831,7 @@
           <a:p>
             <a:fld id="{EF4215EA-7A9A-4144-B03C-A86AEEA97527}" type="datetime1">
               <a:rPr lang="en-US" smtClean="0"/>
-              <a:t>6/9/20</a:t>
+              <a:t>10/21/20</a:t>
             </a:fld>
             <a:endParaRPr lang="en-US"/>
           </a:p>
@@ -2096,7 +2096,7 @@
           <a:p>
             <a:fld id="{662B367E-89A7-5E42-A498-EE3D5D0F1198}" type="datetime1">
               <a:rPr lang="en-US" smtClean="0"/>
-              <a:t>6/9/20</a:t>
+              <a:t>10/21/20</a:t>
             </a:fld>
             <a:endParaRPr lang="en-US"/>
           </a:p>
@@ -2508,7 +2508,7 @@
           <a:p>
             <a:fld id="{3B2216CE-E836-1043-9DC8-4C36A5C1829B}" type="datetime1">
               <a:rPr lang="en-US" smtClean="0"/>
-              <a:t>6/9/20</a:t>
+              <a:t>10/21/20</a:t>
             </a:fld>
             <a:endParaRPr lang="en-US"/>
           </a:p>
@@ -2649,7 +2649,7 @@
           <a:p>
             <a:fld id="{1FAA158F-1B00-3D4E-8AF2-BD6172DBDAA5}" type="datetime1">
               <a:rPr lang="en-US" smtClean="0"/>
-              <a:t>6/9/20</a:t>
+              <a:t>10/21/20</a:t>
             </a:fld>
             <a:endParaRPr lang="en-US"/>
           </a:p>
@@ -2762,7 +2762,7 @@
           <a:p>
             <a:fld id="{E1D3A21D-6889-D64C-84A6-D4BC8E252167}" type="datetime1">
               <a:rPr lang="en-US" smtClean="0"/>
-              <a:t>6/9/20</a:t>
+              <a:t>10/21/20</a:t>
             </a:fld>
             <a:endParaRPr lang="en-US"/>
           </a:p>
@@ -3073,7 +3073,7 @@
           <a:p>
             <a:fld id="{409E93FA-3FCF-8E47-B69F-79113DC2AE7A}" type="datetime1">
               <a:rPr lang="en-US" smtClean="0"/>
-              <a:t>6/9/20</a:t>
+              <a:t>10/21/20</a:t>
             </a:fld>
             <a:endParaRPr lang="en-US"/>
           </a:p>
@@ -3364,7 +3364,7 @@
           <a:p>
             <a:fld id="{14D10797-6BD5-0E44-B67C-4E69A67DCC0A}" type="datetime1">
               <a:rPr lang="en-US" smtClean="0"/>
-              <a:t>6/9/20</a:t>
+              <a:t>10/21/20</a:t>
             </a:fld>
             <a:endParaRPr lang="en-US"/>
           </a:p>
@@ -3608,7 +3608,7 @@
           <a:p>
             <a:fld id="{06EA9EDC-532F-E64E-8A7D-9DECB7BED5F7}" type="datetime1">
               <a:rPr lang="en-US" smtClean="0"/>
-              <a:t>6/9/20</a:t>
+              <a:t>10/21/20</a:t>
             </a:fld>
             <a:endParaRPr lang="en-US" dirty="0"/>
           </a:p>
@@ -7527,8 +7527,8 @@
           </a:p>
         </p:txBody>
       </p:sp>
-      <mc:AlternateContent xmlns:mc="http://schemas.openxmlformats.org/markup-compatibility/2006">
-        <mc:Choice xmlns:a14="http://schemas.microsoft.com/office/drawing/2010/main" Requires="a14">
+      <mc:AlternateContent xmlns:mc="http://schemas.openxmlformats.org/markup-compatibility/2006" xmlns:a14="http://schemas.microsoft.com/office/drawing/2010/main">
+        <mc:Choice Requires="a14">
           <p:sp>
             <p:nvSpPr>
               <p:cNvPr id="3" name="Content Placeholder 2">
@@ -7722,7 +7722,7 @@
             </p:txBody>
           </p:sp>
         </mc:Choice>
-        <mc:Fallback>
+        <mc:Fallback xmlns="">
           <p:sp>
             <p:nvSpPr>
               <p:cNvPr id="3" name="Content Placeholder 2">
@@ -7864,8 +7864,8 @@
           </a:p>
         </p:txBody>
       </p:sp>
-      <mc:AlternateContent xmlns:mc="http://schemas.openxmlformats.org/markup-compatibility/2006">
-        <mc:Choice xmlns:a14="http://schemas.microsoft.com/office/drawing/2010/main" Requires="a14">
+      <mc:AlternateContent xmlns:mc="http://schemas.openxmlformats.org/markup-compatibility/2006" xmlns:a14="http://schemas.microsoft.com/office/drawing/2010/main">
+        <mc:Choice Requires="a14">
           <p:sp>
             <p:nvSpPr>
               <p:cNvPr id="3" name="Content Placeholder 2">
@@ -8070,7 +8070,7 @@
             </p:txBody>
           </p:sp>
         </mc:Choice>
-        <mc:Fallback>
+        <mc:Fallback xmlns="">
           <p:sp>
             <p:nvSpPr>
               <p:cNvPr id="3" name="Content Placeholder 2">
@@ -8207,8 +8207,8 @@
           </a:p>
         </p:txBody>
       </p:sp>
-      <mc:AlternateContent xmlns:mc="http://schemas.openxmlformats.org/markup-compatibility/2006">
-        <mc:Choice xmlns:a14="http://schemas.microsoft.com/office/drawing/2010/main" Requires="a14">
+      <mc:AlternateContent xmlns:mc="http://schemas.openxmlformats.org/markup-compatibility/2006" xmlns:a14="http://schemas.microsoft.com/office/drawing/2010/main">
+        <mc:Choice Requires="a14">
           <p:sp>
             <p:nvSpPr>
               <p:cNvPr id="3" name="Content Placeholder 2">
@@ -8811,7 +8811,7 @@
             </p:txBody>
           </p:sp>
         </mc:Choice>
-        <mc:Fallback>
+        <mc:Fallback xmlns="">
           <p:sp>
             <p:nvSpPr>
               <p:cNvPr id="3" name="Content Placeholder 2">
@@ -10958,8 +10958,8 @@
           </p:sp>
         </mc:Fallback>
       </mc:AlternateContent>
-      <mc:AlternateContent xmlns:mc="http://schemas.openxmlformats.org/markup-compatibility/2006">
-        <mc:Choice xmlns:a14="http://schemas.microsoft.com/office/drawing/2010/main" Requires="a14">
+      <mc:AlternateContent xmlns:mc="http://schemas.openxmlformats.org/markup-compatibility/2006" xmlns:a14="http://schemas.microsoft.com/office/drawing/2010/main">
+        <mc:Choice Requires="a14">
           <p:sp>
             <p:nvSpPr>
               <p:cNvPr id="3" name="Content Placeholder 2">
@@ -11092,7 +11092,7 @@
             </p:txBody>
           </p:sp>
         </mc:Choice>
-        <mc:Fallback>
+        <mc:Fallback xmlns="">
           <p:sp>
             <p:nvSpPr>
               <p:cNvPr id="3" name="Content Placeholder 2">
@@ -11748,8 +11748,8 @@
           </p:sp>
         </mc:Fallback>
       </mc:AlternateContent>
-      <mc:AlternateContent xmlns:mc="http://schemas.openxmlformats.org/markup-compatibility/2006">
-        <mc:Choice xmlns:a14="http://schemas.microsoft.com/office/drawing/2010/main" Requires="a14">
+      <mc:AlternateContent xmlns:mc="http://schemas.openxmlformats.org/markup-compatibility/2006" xmlns:a14="http://schemas.microsoft.com/office/drawing/2010/main">
+        <mc:Choice Requires="a14">
           <p:sp>
             <p:nvSpPr>
               <p:cNvPr id="3" name="Content Placeholder 2">
@@ -12242,7 +12242,7 @@
             </p:txBody>
           </p:sp>
         </mc:Choice>
-        <mc:Fallback>
+        <mc:Fallback xmlns="">
           <p:sp>
             <p:nvSpPr>
               <p:cNvPr id="3" name="Content Placeholder 2">
@@ -14812,8 +14812,8 @@
           </a:p>
         </p:txBody>
       </p:sp>
-      <mc:AlternateContent xmlns:mc="http://schemas.openxmlformats.org/markup-compatibility/2006">
-        <mc:Choice xmlns:a14="http://schemas.microsoft.com/office/drawing/2010/main" Requires="a14">
+      <mc:AlternateContent xmlns:mc="http://schemas.openxmlformats.org/markup-compatibility/2006" xmlns:a14="http://schemas.microsoft.com/office/drawing/2010/main">
+        <mc:Choice Requires="a14">
           <p:sp>
             <p:nvSpPr>
               <p:cNvPr id="8" name="TextBox 7">
@@ -15002,7 +15002,7 @@
             </p:txBody>
           </p:sp>
         </mc:Choice>
-        <mc:Fallback>
+        <mc:Fallback xmlns="">
           <p:sp>
             <p:nvSpPr>
               <p:cNvPr id="8" name="TextBox 7">
@@ -15474,8 +15474,8 @@
           </a:p>
         </p:txBody>
       </p:sp>
-      <mc:AlternateContent xmlns:mc="http://schemas.openxmlformats.org/markup-compatibility/2006">
-        <mc:Choice xmlns:a14="http://schemas.microsoft.com/office/drawing/2010/main" Requires="a14">
+      <mc:AlternateContent xmlns:mc="http://schemas.openxmlformats.org/markup-compatibility/2006" xmlns:a14="http://schemas.microsoft.com/office/drawing/2010/main">
+        <mc:Choice Requires="a14">
           <p:sp>
             <p:nvSpPr>
               <p:cNvPr id="3" name="Content Placeholder 2">
@@ -15614,7 +15614,7 @@
             </p:txBody>
           </p:sp>
         </mc:Choice>
-        <mc:Fallback>
+        <mc:Fallback xmlns="">
           <p:sp>
             <p:nvSpPr>
               <p:cNvPr id="3" name="Content Placeholder 2">
